--- a/Presentation1.pptx
+++ b/Presentation1.pptx
@@ -5,7 +5,7 @@
     <p:sldMasterId id="2147483792" r:id="rId1"/>
   </p:sldMasterIdLst>
   <p:notesMasterIdLst>
-    <p:notesMasterId r:id="rId13"/>
+    <p:notesMasterId r:id="rId39"/>
   </p:notesMasterIdLst>
   <p:sldIdLst>
     <p:sldId id="256" r:id="rId2"/>
@@ -17,8 +17,34 @@
     <p:sldId id="264" r:id="rId8"/>
     <p:sldId id="265" r:id="rId9"/>
     <p:sldId id="266" r:id="rId10"/>
-    <p:sldId id="259" r:id="rId11"/>
-    <p:sldId id="260" r:id="rId12"/>
+    <p:sldId id="267" r:id="rId11"/>
+    <p:sldId id="268" r:id="rId12"/>
+    <p:sldId id="269" r:id="rId13"/>
+    <p:sldId id="270" r:id="rId14"/>
+    <p:sldId id="271" r:id="rId15"/>
+    <p:sldId id="272" r:id="rId16"/>
+    <p:sldId id="273" r:id="rId17"/>
+    <p:sldId id="274" r:id="rId18"/>
+    <p:sldId id="275" r:id="rId19"/>
+    <p:sldId id="276" r:id="rId20"/>
+    <p:sldId id="277" r:id="rId21"/>
+    <p:sldId id="278" r:id="rId22"/>
+    <p:sldId id="279" r:id="rId23"/>
+    <p:sldId id="280" r:id="rId24"/>
+    <p:sldId id="281" r:id="rId25"/>
+    <p:sldId id="282" r:id="rId26"/>
+    <p:sldId id="283" r:id="rId27"/>
+    <p:sldId id="284" r:id="rId28"/>
+    <p:sldId id="285" r:id="rId29"/>
+    <p:sldId id="286" r:id="rId30"/>
+    <p:sldId id="287" r:id="rId31"/>
+    <p:sldId id="288" r:id="rId32"/>
+    <p:sldId id="289" r:id="rId33"/>
+    <p:sldId id="290" r:id="rId34"/>
+    <p:sldId id="291" r:id="rId35"/>
+    <p:sldId id="292" r:id="rId36"/>
+    <p:sldId id="259" r:id="rId37"/>
+    <p:sldId id="260" r:id="rId38"/>
   </p:sldIdLst>
   <p:sldSz cx="9144000" cy="6858000" type="screen4x3"/>
   <p:notesSz cx="6858000" cy="9144000"/>
@@ -834,6 +860,38 @@
           <a:bodyPr/>
           <a:lstStyle/>
           <a:p>
+            <a:r>
+              <a:rPr lang="es-ES_tradnl" dirty="0" smtClean="0"/>
+              <a:t>Ahora el caballero valiente puede lanzarse a</a:t>
+            </a:r>
+            <a:r>
+              <a:rPr lang="es-ES_tradnl" baseline="0" dirty="0" smtClean="0"/>
+              <a:t> hacer </a:t>
+            </a:r>
+            <a:r>
+              <a:rPr lang="es-ES_tradnl" baseline="0" dirty="0" err="1" smtClean="0"/>
+              <a:t>RescatarDamiselaQuest</a:t>
+            </a:r>
+            <a:r>
+              <a:rPr lang="es-ES_tradnl" baseline="0" dirty="0" smtClean="0"/>
+              <a:t> o </a:t>
+            </a:r>
+            <a:r>
+              <a:rPr lang="es-ES_tradnl" baseline="0" dirty="0" err="1" smtClean="0"/>
+              <a:t>MatarDragonQuest</a:t>
+            </a:r>
+            <a:r>
+              <a:rPr lang="es-ES_tradnl" baseline="0" dirty="0" smtClean="0"/>
+              <a:t> o cualquier otro tipo de encargo siempre y cuando implemente la interfaz </a:t>
+            </a:r>
+            <a:r>
+              <a:rPr lang="es-ES_tradnl" baseline="0" dirty="0" err="1" smtClean="0"/>
+              <a:t>Quest</a:t>
+            </a:r>
+            <a:r>
+              <a:rPr lang="es-ES_tradnl" baseline="0" dirty="0" smtClean="0"/>
+              <a:t>.</a:t>
+            </a:r>
             <a:endParaRPr lang="es-ES_tradnl" dirty="0"/>
           </a:p>
         </p:txBody>
@@ -865,6 +923,282 @@
     <p:extLst>
       <p:ext uri="{BB962C8B-B14F-4D97-AF65-F5344CB8AC3E}">
         <p14:creationId xmlns:p14="http://schemas.microsoft.com/office/powerpoint/2010/main" val="3979597626"/>
+      </p:ext>
+    </p:extLst>
+  </p:cSld>
+  <p:clrMapOvr>
+    <a:masterClrMapping/>
+  </p:clrMapOvr>
+</p:notes>
+</file>
+
+<file path=ppt/notesSlides/notesSlide5.xml><?xml version="1.0" encoding="utf-8"?>
+<p:notes xmlns:a="http://schemas.openxmlformats.org/drawingml/2006/main" xmlns:r="http://schemas.openxmlformats.org/officeDocument/2006/relationships" xmlns:p="http://schemas.openxmlformats.org/presentationml/2006/main">
+  <p:cSld>
+    <p:spTree>
+      <p:nvGrpSpPr>
+        <p:cNvPr id="1" name=""/>
+        <p:cNvGrpSpPr/>
+        <p:nvPr/>
+      </p:nvGrpSpPr>
+      <p:grpSpPr>
+        <a:xfrm>
+          <a:off x="0" y="0"/>
+          <a:ext cx="0" cy="0"/>
+          <a:chOff x="0" y="0"/>
+          <a:chExt cx="0" cy="0"/>
+        </a:xfrm>
+      </p:grpSpPr>
+      <p:sp>
+        <p:nvSpPr>
+          <p:cNvPr id="2" name="Slide Image Placeholder 1"/>
+          <p:cNvSpPr>
+            <a:spLocks noGrp="1" noRot="1" noChangeAspect="1"/>
+          </p:cNvSpPr>
+          <p:nvPr>
+            <p:ph type="sldImg"/>
+          </p:nvPr>
+        </p:nvSpPr>
+        <p:spPr/>
+      </p:sp>
+      <p:sp>
+        <p:nvSpPr>
+          <p:cNvPr id="3" name="Notes Placeholder 2"/>
+          <p:cNvSpPr>
+            <a:spLocks noGrp="1"/>
+          </p:cNvSpPr>
+          <p:nvPr>
+            <p:ph type="body" idx="1"/>
+          </p:nvPr>
+        </p:nvSpPr>
+        <p:spPr/>
+        <p:txBody>
+          <a:bodyPr/>
+          <a:lstStyle/>
+          <a:p>
+            <a:r>
+              <a:rPr lang="es-ES_tradnl" dirty="0" smtClean="0"/>
+              <a:t>Primero declaramos a </a:t>
+            </a:r>
+            <a:r>
+              <a:rPr lang="es-ES_tradnl" dirty="0" err="1" smtClean="0"/>
+              <a:t>Minstrel</a:t>
+            </a:r>
+            <a:r>
+              <a:rPr lang="es-ES_tradnl" baseline="0" dirty="0" smtClean="0"/>
+              <a:t> como un </a:t>
+            </a:r>
+            <a:r>
+              <a:rPr lang="es-ES_tradnl" baseline="0" dirty="0" err="1" smtClean="0"/>
+              <a:t>Bean</a:t>
+            </a:r>
+            <a:r>
+              <a:rPr lang="es-ES_tradnl" baseline="0" dirty="0" smtClean="0"/>
+              <a:t>, luego nos referimos a </a:t>
+            </a:r>
+            <a:r>
+              <a:rPr lang="es-ES_tradnl" baseline="0" dirty="0" smtClean="0"/>
+              <a:t>él en el aspecto AOP y después de hacer la definición del punto en el cual vamos a trabajar, definimos lo que se va a hacer antes y después de este punto.</a:t>
+            </a:r>
+            <a:endParaRPr lang="es-ES_tradnl" dirty="0"/>
+          </a:p>
+        </p:txBody>
+      </p:sp>
+      <p:sp>
+        <p:nvSpPr>
+          <p:cNvPr id="4" name="Slide Number Placeholder 3"/>
+          <p:cNvSpPr>
+            <a:spLocks noGrp="1"/>
+          </p:cNvSpPr>
+          <p:nvPr>
+            <p:ph type="sldNum" sz="quarter" idx="10"/>
+          </p:nvPr>
+        </p:nvSpPr>
+        <p:spPr/>
+        <p:txBody>
+          <a:bodyPr/>
+          <a:lstStyle/>
+          <a:p>
+            <a:fld id="{ADF37542-8DB3-6246-9C8E-3B1DF33FAE78}" type="slidenum">
+              <a:rPr lang="es-ES_tradnl" smtClean="0"/>
+              <a:t>19</a:t>
+            </a:fld>
+            <a:endParaRPr lang="es-ES_tradnl"/>
+          </a:p>
+        </p:txBody>
+      </p:sp>
+    </p:spTree>
+    <p:extLst>
+      <p:ext uri="{BB962C8B-B14F-4D97-AF65-F5344CB8AC3E}">
+        <p14:creationId xmlns:p14="http://schemas.microsoft.com/office/powerpoint/2010/main" val="3893623093"/>
+      </p:ext>
+    </p:extLst>
+  </p:cSld>
+  <p:clrMapOvr>
+    <a:masterClrMapping/>
+  </p:clrMapOvr>
+</p:notes>
+</file>
+
+<file path=ppt/notesSlides/notesSlide6.xml><?xml version="1.0" encoding="utf-8"?>
+<p:notes xmlns:a="http://schemas.openxmlformats.org/drawingml/2006/main" xmlns:r="http://schemas.openxmlformats.org/officeDocument/2006/relationships" xmlns:p="http://schemas.openxmlformats.org/presentationml/2006/main">
+  <p:cSld>
+    <p:spTree>
+      <p:nvGrpSpPr>
+        <p:cNvPr id="1" name=""/>
+        <p:cNvGrpSpPr/>
+        <p:nvPr/>
+      </p:nvGrpSpPr>
+      <p:grpSpPr>
+        <a:xfrm>
+          <a:off x="0" y="0"/>
+          <a:ext cx="0" cy="0"/>
+          <a:chOff x="0" y="0"/>
+          <a:chExt cx="0" cy="0"/>
+        </a:xfrm>
+      </p:grpSpPr>
+      <p:sp>
+        <p:nvSpPr>
+          <p:cNvPr id="2" name="Slide Image Placeholder 1"/>
+          <p:cNvSpPr>
+            <a:spLocks noGrp="1" noRot="1" noChangeAspect="1"/>
+          </p:cNvSpPr>
+          <p:nvPr>
+            <p:ph type="sldImg"/>
+          </p:nvPr>
+        </p:nvSpPr>
+        <p:spPr/>
+      </p:sp>
+      <p:sp>
+        <p:nvSpPr>
+          <p:cNvPr id="3" name="Notes Placeholder 2"/>
+          <p:cNvSpPr>
+            <a:spLocks noGrp="1"/>
+          </p:cNvSpPr>
+          <p:nvPr>
+            <p:ph type="body" idx="1"/>
+          </p:nvPr>
+        </p:nvSpPr>
+        <p:spPr/>
+        <p:txBody>
+          <a:bodyPr/>
+          <a:lstStyle/>
+          <a:p>
+            <a:endParaRPr lang="es-ES_tradnl" dirty="0"/>
+          </a:p>
+        </p:txBody>
+      </p:sp>
+      <p:sp>
+        <p:nvSpPr>
+          <p:cNvPr id="4" name="Slide Number Placeholder 3"/>
+          <p:cNvSpPr>
+            <a:spLocks noGrp="1"/>
+          </p:cNvSpPr>
+          <p:nvPr>
+            <p:ph type="sldNum" sz="quarter" idx="10"/>
+          </p:nvPr>
+        </p:nvSpPr>
+        <p:spPr/>
+        <p:txBody>
+          <a:bodyPr/>
+          <a:lstStyle/>
+          <a:p>
+            <a:fld id="{ADF37542-8DB3-6246-9C8E-3B1DF33FAE78}" type="slidenum">
+              <a:rPr lang="es-ES_tradnl" smtClean="0"/>
+              <a:t>22</a:t>
+            </a:fld>
+            <a:endParaRPr lang="es-ES_tradnl"/>
+          </a:p>
+        </p:txBody>
+      </p:sp>
+    </p:spTree>
+    <p:extLst>
+      <p:ext uri="{BB962C8B-B14F-4D97-AF65-F5344CB8AC3E}">
+        <p14:creationId xmlns:p14="http://schemas.microsoft.com/office/powerpoint/2010/main" val="3090117779"/>
+      </p:ext>
+    </p:extLst>
+  </p:cSld>
+  <p:clrMapOvr>
+    <a:masterClrMapping/>
+  </p:clrMapOvr>
+</p:notes>
+</file>
+
+<file path=ppt/notesSlides/notesSlide7.xml><?xml version="1.0" encoding="utf-8"?>
+<p:notes xmlns:a="http://schemas.openxmlformats.org/drawingml/2006/main" xmlns:r="http://schemas.openxmlformats.org/officeDocument/2006/relationships" xmlns:p="http://schemas.openxmlformats.org/presentationml/2006/main">
+  <p:cSld>
+    <p:spTree>
+      <p:nvGrpSpPr>
+        <p:cNvPr id="1" name=""/>
+        <p:cNvGrpSpPr/>
+        <p:nvPr/>
+      </p:nvGrpSpPr>
+      <p:grpSpPr>
+        <a:xfrm>
+          <a:off x="0" y="0"/>
+          <a:ext cx="0" cy="0"/>
+          <a:chOff x="0" y="0"/>
+          <a:chExt cx="0" cy="0"/>
+        </a:xfrm>
+      </p:grpSpPr>
+      <p:sp>
+        <p:nvSpPr>
+          <p:cNvPr id="2" name="Slide Image Placeholder 1"/>
+          <p:cNvSpPr>
+            <a:spLocks noGrp="1" noRot="1" noChangeAspect="1"/>
+          </p:cNvSpPr>
+          <p:nvPr>
+            <p:ph type="sldImg"/>
+          </p:nvPr>
+        </p:nvSpPr>
+        <p:spPr/>
+      </p:sp>
+      <p:sp>
+        <p:nvSpPr>
+          <p:cNvPr id="3" name="Notes Placeholder 2"/>
+          <p:cNvSpPr>
+            <a:spLocks noGrp="1"/>
+          </p:cNvSpPr>
+          <p:nvPr>
+            <p:ph type="body" idx="1"/>
+          </p:nvPr>
+        </p:nvSpPr>
+        <p:spPr/>
+        <p:txBody>
+          <a:bodyPr/>
+          <a:lstStyle/>
+          <a:p>
+            <a:endParaRPr lang="es-ES_tradnl" dirty="0"/>
+          </a:p>
+        </p:txBody>
+      </p:sp>
+      <p:sp>
+        <p:nvSpPr>
+          <p:cNvPr id="4" name="Slide Number Placeholder 3"/>
+          <p:cNvSpPr>
+            <a:spLocks noGrp="1"/>
+          </p:cNvSpPr>
+          <p:nvPr>
+            <p:ph type="sldNum" sz="quarter" idx="10"/>
+          </p:nvPr>
+        </p:nvSpPr>
+        <p:spPr/>
+        <p:txBody>
+          <a:bodyPr/>
+          <a:lstStyle/>
+          <a:p>
+            <a:fld id="{ADF37542-8DB3-6246-9C8E-3B1DF33FAE78}" type="slidenum">
+              <a:rPr lang="es-ES_tradnl" smtClean="0"/>
+              <a:t>26</a:t>
+            </a:fld>
+            <a:endParaRPr lang="es-ES_tradnl"/>
+          </a:p>
+        </p:txBody>
+      </p:sp>
+    </p:spTree>
+    <p:extLst>
+      <p:ext uri="{BB962C8B-B14F-4D97-AF65-F5344CB8AC3E}">
+        <p14:creationId xmlns:p14="http://schemas.microsoft.com/office/powerpoint/2010/main" val="2416141114"/>
       </p:ext>
     </p:extLst>
   </p:cSld>
@@ -14578,6 +14912,13 @@
   <p:clrMapOvr>
     <a:masterClrMapping/>
   </p:clrMapOvr>
+  <p:timing>
+    <p:tnLst>
+      <p:par>
+        <p:cTn xmlns:p14="http://schemas.microsoft.com/office/powerpoint/2010/main" id="1" dur="indefinite" restart="never" nodeType="tmRoot"/>
+      </p:par>
+    </p:tnLst>
+  </p:timing>
 </p:sld>
 </file>
 
@@ -14600,7 +14941,7 @@
       </p:grpSpPr>
       <p:sp>
         <p:nvSpPr>
-          <p:cNvPr id="4" name="Title 3"/>
+          <p:cNvPr id="2" name="Title 1"/>
           <p:cNvSpPr>
             <a:spLocks noGrp="1"/>
           </p:cNvSpPr>
@@ -14615,45 +14956,59 @@
           <a:p>
             <a:r>
               <a:rPr lang="es-ES_tradnl" dirty="0" smtClean="0"/>
-              <a:t>B</a:t>
-            </a:r>
-            <a:r>
-              <a:rPr lang="es-ES_tradnl" dirty="0" smtClean="0"/>
-              <a:t>ásicos de Spring</a:t>
+              <a:t>Prueba Unitaria</a:t>
             </a:r>
             <a:endParaRPr lang="es-ES_tradnl" dirty="0"/>
           </a:p>
         </p:txBody>
       </p:sp>
-      <p:sp>
-        <p:nvSpPr>
-          <p:cNvPr id="5" name="Text Placeholder 4"/>
-          <p:cNvSpPr>
-            <a:spLocks noGrp="1"/>
-          </p:cNvSpPr>
+      <p:pic>
+        <p:nvPicPr>
+          <p:cNvPr id="4" name="Content Placeholder 3" descr="Screen shot 2011-11-16 at 11.04.46 AM.png"/>
+          <p:cNvPicPr>
+            <a:picLocks noGrp="1" noChangeAspect="1"/>
+          </p:cNvPicPr>
           <p:nvPr>
-            <p:ph type="body" idx="1"/>
+            <p:ph idx="1"/>
           </p:nvPr>
-        </p:nvSpPr>
-        <p:spPr/>
-        <p:txBody>
-          <a:bodyPr/>
-          <a:lstStyle/>
-          <a:p>
-            <a:endParaRPr lang="es-ES_tradnl"/>
-          </a:p>
-        </p:txBody>
-      </p:sp>
+        </p:nvPicPr>
+        <p:blipFill>
+          <a:blip r:embed="rId2">
+            <a:extLst>
+              <a:ext uri="{28A0092B-C50C-407E-A947-70E740481C1C}">
+                <a14:useLocalDpi xmlns:a14="http://schemas.microsoft.com/office/drawing/2010/main" val="0"/>
+              </a:ext>
+            </a:extLst>
+          </a:blip>
+          <a:srcRect t="-11812" b="-11812"/>
+          <a:stretch>
+            <a:fillRect/>
+          </a:stretch>
+        </p:blipFill>
+        <p:spPr>
+          <a:xfrm>
+            <a:off x="1042988" y="2324100"/>
+            <a:ext cx="6777037" cy="3508375"/>
+          </a:xfrm>
+        </p:spPr>
+      </p:pic>
     </p:spTree>
     <p:extLst>
       <p:ext uri="{BB962C8B-B14F-4D97-AF65-F5344CB8AC3E}">
-        <p14:creationId xmlns:p14="http://schemas.microsoft.com/office/powerpoint/2010/main" val="1568619498"/>
+        <p14:creationId xmlns:p14="http://schemas.microsoft.com/office/powerpoint/2010/main" val="1617656644"/>
       </p:ext>
     </p:extLst>
   </p:cSld>
   <p:clrMapOvr>
     <a:masterClrMapping/>
   </p:clrMapOvr>
+  <p:timing>
+    <p:tnLst>
+      <p:par>
+        <p:cTn xmlns:p14="http://schemas.microsoft.com/office/powerpoint/2010/main" id="1" dur="indefinite" restart="never" nodeType="tmRoot"/>
+      </p:par>
+    </p:tnLst>
+  </p:timing>
 </p:sld>
 </file>
 
@@ -14676,7 +15031,7 @@
       </p:grpSpPr>
       <p:sp>
         <p:nvSpPr>
-          <p:cNvPr id="4" name="Title 3"/>
+          <p:cNvPr id="2" name="Title 1"/>
           <p:cNvSpPr>
             <a:spLocks noGrp="1"/>
           </p:cNvSpPr>
@@ -14691,7 +15046,7 @@
           <a:p>
             <a:r>
               <a:rPr lang="es-ES_tradnl" dirty="0" smtClean="0"/>
-              <a:t>Integrando Spring</a:t>
+              <a:t>Ejemplo</a:t>
             </a:r>
             <a:endParaRPr lang="es-ES_tradnl" dirty="0"/>
           </a:p>
@@ -14699,12 +15054,12 @@
       </p:sp>
       <p:sp>
         <p:nvSpPr>
-          <p:cNvPr id="5" name="Text Placeholder 4"/>
+          <p:cNvPr id="3" name="Content Placeholder 2"/>
           <p:cNvSpPr>
             <a:spLocks noGrp="1"/>
           </p:cNvSpPr>
           <p:nvPr>
-            <p:ph type="body" idx="1"/>
+            <p:ph idx="1"/>
           </p:nvPr>
         </p:nvSpPr>
         <p:spPr/>
@@ -14712,14 +15067,799 @@
           <a:bodyPr/>
           <a:lstStyle/>
           <a:p>
-            <a:endParaRPr lang="es-ES_tradnl"/>
+            <a:r>
+              <a:rPr lang="es-ES_tradnl" dirty="0" smtClean="0"/>
+              <a:t>Ver resto </a:t>
+            </a:r>
+            <a:r>
+              <a:rPr lang="es-ES_tradnl" dirty="0"/>
+              <a:t>de ejemplo </a:t>
+            </a:r>
+            <a:r>
+              <a:rPr lang="es-ES_tradnl" dirty="0" smtClean="0"/>
+              <a:t>en: </a:t>
+            </a:r>
+          </a:p>
+          <a:p>
+            <a:pPr marL="68580" indent="0">
+              <a:buNone/>
+            </a:pPr>
+            <a:r>
+              <a:rPr lang="es-ES_tradnl" dirty="0" err="1" smtClean="0"/>
+              <a:t>https</a:t>
+            </a:r>
+            <a:r>
+              <a:rPr lang="es-ES_tradnl" dirty="0"/>
+              <a:t>://</a:t>
+            </a:r>
+            <a:r>
+              <a:rPr lang="es-ES_tradnl" dirty="0" err="1"/>
+              <a:t>github.com</a:t>
+            </a:r>
+            <a:r>
+              <a:rPr lang="es-ES_tradnl" dirty="0"/>
+              <a:t>/</a:t>
+            </a:r>
+            <a:r>
+              <a:rPr lang="es-ES_tradnl" dirty="0" err="1"/>
+              <a:t>jdmr</a:t>
+            </a:r>
+            <a:r>
+              <a:rPr lang="es-ES_tradnl" dirty="0"/>
+              <a:t>/</a:t>
+            </a:r>
+            <a:r>
+              <a:rPr lang="es-ES_tradnl" dirty="0" err="1"/>
+              <a:t>CursoSpring</a:t>
+            </a:r>
+            <a:r>
+              <a:rPr lang="es-ES_tradnl" dirty="0"/>
+              <a:t>/</a:t>
+            </a:r>
+            <a:r>
+              <a:rPr lang="es-ES_tradnl" dirty="0" err="1"/>
+              <a:t>tree</a:t>
+            </a:r>
+            <a:r>
+              <a:rPr lang="es-ES_tradnl" dirty="0"/>
+              <a:t>/master/EjercicioSpring01</a:t>
+            </a:r>
           </a:p>
         </p:txBody>
       </p:sp>
     </p:spTree>
     <p:extLst>
       <p:ext uri="{BB962C8B-B14F-4D97-AF65-F5344CB8AC3E}">
-        <p14:creationId xmlns:p14="http://schemas.microsoft.com/office/powerpoint/2010/main" val="1568619498"/>
+        <p14:creationId xmlns:p14="http://schemas.microsoft.com/office/powerpoint/2010/main" val="1208565700"/>
+      </p:ext>
+    </p:extLst>
+  </p:cSld>
+  <p:clrMapOvr>
+    <a:masterClrMapping/>
+  </p:clrMapOvr>
+  <p:timing>
+    <p:tnLst>
+      <p:par>
+        <p:cTn xmlns:p14="http://schemas.microsoft.com/office/powerpoint/2010/main" id="1" dur="indefinite" restart="never" nodeType="tmRoot"/>
+      </p:par>
+    </p:tnLst>
+  </p:timing>
+</p:sld>
+</file>
+
+<file path=ppt/slides/slide12.xml><?xml version="1.0" encoding="utf-8"?>
+<p:sld xmlns:a="http://schemas.openxmlformats.org/drawingml/2006/main" xmlns:r="http://schemas.openxmlformats.org/officeDocument/2006/relationships" xmlns:p="http://schemas.openxmlformats.org/presentationml/2006/main">
+  <p:cSld>
+    <p:spTree>
+      <p:nvGrpSpPr>
+        <p:cNvPr id="1" name=""/>
+        <p:cNvGrpSpPr/>
+        <p:nvPr/>
+      </p:nvGrpSpPr>
+      <p:grpSpPr>
+        <a:xfrm>
+          <a:off x="0" y="0"/>
+          <a:ext cx="0" cy="0"/>
+          <a:chOff x="0" y="0"/>
+          <a:chExt cx="0" cy="0"/>
+        </a:xfrm>
+      </p:grpSpPr>
+      <p:sp>
+        <p:nvSpPr>
+          <p:cNvPr id="2" name="Title 1"/>
+          <p:cNvSpPr>
+            <a:spLocks noGrp="1"/>
+          </p:cNvSpPr>
+          <p:nvPr>
+            <p:ph type="title"/>
+          </p:nvPr>
+        </p:nvSpPr>
+        <p:spPr/>
+        <p:txBody>
+          <a:bodyPr/>
+          <a:lstStyle/>
+          <a:p>
+            <a:r>
+              <a:rPr lang="es-ES_tradnl" dirty="0" smtClean="0"/>
+              <a:t>Ejercicio</a:t>
+            </a:r>
+            <a:endParaRPr lang="es-ES_tradnl" dirty="0"/>
+          </a:p>
+        </p:txBody>
+      </p:sp>
+      <p:sp>
+        <p:nvSpPr>
+          <p:cNvPr id="3" name="Content Placeholder 2"/>
+          <p:cNvSpPr>
+            <a:spLocks noGrp="1"/>
+          </p:cNvSpPr>
+          <p:nvPr>
+            <p:ph idx="1"/>
+          </p:nvPr>
+        </p:nvSpPr>
+        <p:spPr/>
+        <p:txBody>
+          <a:bodyPr/>
+          <a:lstStyle/>
+          <a:p>
+            <a:r>
+              <a:rPr lang="es-ES_tradnl" dirty="0" smtClean="0"/>
+              <a:t>Migrar Lote de carros a Spring / Maven / JUnit / </a:t>
+            </a:r>
+            <a:r>
+              <a:rPr lang="es-ES_tradnl" dirty="0" err="1" smtClean="0"/>
+              <a:t>Mockito</a:t>
+            </a:r>
+            <a:endParaRPr lang="es-ES_tradnl" dirty="0"/>
+          </a:p>
+        </p:txBody>
+      </p:sp>
+    </p:spTree>
+    <p:extLst>
+      <p:ext uri="{BB962C8B-B14F-4D97-AF65-F5344CB8AC3E}">
+        <p14:creationId xmlns:p14="http://schemas.microsoft.com/office/powerpoint/2010/main" val="789412982"/>
+      </p:ext>
+    </p:extLst>
+  </p:cSld>
+  <p:clrMapOvr>
+    <a:masterClrMapping/>
+  </p:clrMapOvr>
+  <p:timing>
+    <p:tnLst>
+      <p:par>
+        <p:cTn xmlns:p14="http://schemas.microsoft.com/office/powerpoint/2010/main" id="1" dur="indefinite" restart="never" nodeType="tmRoot"/>
+      </p:par>
+    </p:tnLst>
+  </p:timing>
+</p:sld>
+</file>
+
+<file path=ppt/slides/slide13.xml><?xml version="1.0" encoding="utf-8"?>
+<p:sld xmlns:a="http://schemas.openxmlformats.org/drawingml/2006/main" xmlns:r="http://schemas.openxmlformats.org/officeDocument/2006/relationships" xmlns:p="http://schemas.openxmlformats.org/presentationml/2006/main">
+  <p:cSld>
+    <p:spTree>
+      <p:nvGrpSpPr>
+        <p:cNvPr id="1" name=""/>
+        <p:cNvGrpSpPr/>
+        <p:nvPr/>
+      </p:nvGrpSpPr>
+      <p:grpSpPr>
+        <a:xfrm>
+          <a:off x="0" y="0"/>
+          <a:ext cx="0" cy="0"/>
+          <a:chOff x="0" y="0"/>
+          <a:chExt cx="0" cy="0"/>
+        </a:xfrm>
+      </p:grpSpPr>
+      <p:sp>
+        <p:nvSpPr>
+          <p:cNvPr id="2" name="Title 1"/>
+          <p:cNvSpPr>
+            <a:spLocks noGrp="1"/>
+          </p:cNvSpPr>
+          <p:nvPr>
+            <p:ph type="title"/>
+          </p:nvPr>
+        </p:nvSpPr>
+        <p:spPr/>
+        <p:txBody>
+          <a:bodyPr/>
+          <a:lstStyle/>
+          <a:p>
+            <a:r>
+              <a:rPr lang="es-ES_tradnl" dirty="0" smtClean="0"/>
+              <a:t>AOP</a:t>
+            </a:r>
+            <a:endParaRPr lang="es-ES_tradnl" dirty="0"/>
+          </a:p>
+        </p:txBody>
+      </p:sp>
+      <p:sp>
+        <p:nvSpPr>
+          <p:cNvPr id="3" name="Content Placeholder 2"/>
+          <p:cNvSpPr>
+            <a:spLocks noGrp="1"/>
+          </p:cNvSpPr>
+          <p:nvPr>
+            <p:ph idx="1"/>
+          </p:nvPr>
+        </p:nvSpPr>
+        <p:spPr/>
+        <p:txBody>
+          <a:bodyPr/>
+          <a:lstStyle/>
+          <a:p>
+            <a:r>
+              <a:rPr lang="es-ES_tradnl" dirty="0" smtClean="0"/>
+              <a:t>Programaci</a:t>
+            </a:r>
+            <a:r>
+              <a:rPr lang="es-ES_tradnl" dirty="0" smtClean="0"/>
+              <a:t>ón Orientada a Aspectos</a:t>
+            </a:r>
+          </a:p>
+          <a:p>
+            <a:pPr lvl="1"/>
+            <a:r>
+              <a:rPr lang="es-ES_tradnl" dirty="0" smtClean="0"/>
+              <a:t>Técnica de programación que busca la separación de responsabilidades dentro de un sistema de software.</a:t>
+            </a:r>
+          </a:p>
+          <a:p>
+            <a:pPr lvl="2"/>
+            <a:r>
+              <a:rPr lang="es-ES_tradnl" dirty="0" smtClean="0"/>
+              <a:t>Seguridad</a:t>
+            </a:r>
+          </a:p>
+          <a:p>
+            <a:pPr lvl="2"/>
+            <a:r>
+              <a:rPr lang="es-ES_tradnl" dirty="0" err="1" smtClean="0"/>
+              <a:t>Transaccionalidad</a:t>
+            </a:r>
+            <a:endParaRPr lang="es-ES_tradnl" dirty="0" smtClean="0"/>
+          </a:p>
+          <a:p>
+            <a:pPr lvl="2"/>
+            <a:r>
+              <a:rPr lang="es-ES_tradnl" dirty="0" err="1" smtClean="0"/>
+              <a:t>Logs</a:t>
+            </a:r>
+            <a:endParaRPr lang="es-ES_tradnl" dirty="0" smtClean="0"/>
+          </a:p>
+          <a:p>
+            <a:pPr lvl="2"/>
+            <a:r>
+              <a:rPr lang="es-ES_tradnl" dirty="0" smtClean="0"/>
+              <a:t>Otros</a:t>
+            </a:r>
+          </a:p>
+        </p:txBody>
+      </p:sp>
+    </p:spTree>
+    <p:extLst>
+      <p:ext uri="{BB962C8B-B14F-4D97-AF65-F5344CB8AC3E}">
+        <p14:creationId xmlns:p14="http://schemas.microsoft.com/office/powerpoint/2010/main" val="3234535529"/>
+      </p:ext>
+    </p:extLst>
+  </p:cSld>
+  <p:clrMapOvr>
+    <a:masterClrMapping/>
+  </p:clrMapOvr>
+  <p:timing>
+    <p:tnLst>
+      <p:par>
+        <p:cTn xmlns:p14="http://schemas.microsoft.com/office/powerpoint/2010/main" id="1" dur="indefinite" restart="never" nodeType="tmRoot"/>
+      </p:par>
+    </p:tnLst>
+  </p:timing>
+</p:sld>
+</file>
+
+<file path=ppt/slides/slide14.xml><?xml version="1.0" encoding="utf-8"?>
+<p:sld xmlns:a="http://schemas.openxmlformats.org/drawingml/2006/main" xmlns:r="http://schemas.openxmlformats.org/officeDocument/2006/relationships" xmlns:p="http://schemas.openxmlformats.org/presentationml/2006/main">
+  <p:cSld>
+    <p:spTree>
+      <p:nvGrpSpPr>
+        <p:cNvPr id="1" name=""/>
+        <p:cNvGrpSpPr/>
+        <p:nvPr/>
+      </p:nvGrpSpPr>
+      <p:grpSpPr>
+        <a:xfrm>
+          <a:off x="0" y="0"/>
+          <a:ext cx="0" cy="0"/>
+          <a:chOff x="0" y="0"/>
+          <a:chExt cx="0" cy="0"/>
+        </a:xfrm>
+      </p:grpSpPr>
+      <p:sp>
+        <p:nvSpPr>
+          <p:cNvPr id="2" name="Title 1"/>
+          <p:cNvSpPr>
+            <a:spLocks noGrp="1"/>
+          </p:cNvSpPr>
+          <p:nvPr>
+            <p:ph type="title"/>
+          </p:nvPr>
+        </p:nvSpPr>
+        <p:spPr/>
+        <p:txBody>
+          <a:bodyPr/>
+          <a:lstStyle/>
+          <a:p>
+            <a:r>
+              <a:rPr lang="es-ES_tradnl" dirty="0" smtClean="0"/>
+              <a:t>Problemas que resuelve</a:t>
+            </a:r>
+            <a:endParaRPr lang="es-ES_tradnl" dirty="0"/>
+          </a:p>
+        </p:txBody>
+      </p:sp>
+      <p:sp>
+        <p:nvSpPr>
+          <p:cNvPr id="3" name="Content Placeholder 2"/>
+          <p:cNvSpPr>
+            <a:spLocks noGrp="1"/>
+          </p:cNvSpPr>
+          <p:nvPr>
+            <p:ph idx="1"/>
+          </p:nvPr>
+        </p:nvSpPr>
+        <p:spPr/>
+        <p:txBody>
+          <a:bodyPr/>
+          <a:lstStyle/>
+          <a:p>
+            <a:r>
+              <a:rPr lang="es-ES_tradnl" dirty="0" smtClean="0"/>
+              <a:t>Tener implementaci</a:t>
+            </a:r>
+            <a:r>
+              <a:rPr lang="es-ES_tradnl" dirty="0" smtClean="0"/>
+              <a:t>ones duplicadas de este código por todo nuestro sistema</a:t>
+            </a:r>
+          </a:p>
+          <a:p>
+            <a:r>
+              <a:rPr lang="es-ES_tradnl" dirty="0" smtClean="0"/>
+              <a:t>El c</a:t>
+            </a:r>
+            <a:r>
+              <a:rPr lang="es-ES_tradnl" dirty="0" smtClean="0"/>
+              <a:t>ódigo se llena de funcionalidad que no tiene que ver con su lógica de negocio principal.</a:t>
+            </a:r>
+            <a:endParaRPr lang="es-ES_tradnl" dirty="0"/>
+          </a:p>
+        </p:txBody>
+      </p:sp>
+    </p:spTree>
+    <p:extLst>
+      <p:ext uri="{BB962C8B-B14F-4D97-AF65-F5344CB8AC3E}">
+        <p14:creationId xmlns:p14="http://schemas.microsoft.com/office/powerpoint/2010/main" val="939129583"/>
+      </p:ext>
+    </p:extLst>
+  </p:cSld>
+  <p:clrMapOvr>
+    <a:masterClrMapping/>
+  </p:clrMapOvr>
+  <p:timing>
+    <p:tnLst>
+      <p:par>
+        <p:cTn xmlns:p14="http://schemas.microsoft.com/office/powerpoint/2010/main" id="1" dur="indefinite" restart="never" nodeType="tmRoot"/>
+      </p:par>
+    </p:tnLst>
+  </p:timing>
+</p:sld>
+</file>
+
+<file path=ppt/slides/slide15.xml><?xml version="1.0" encoding="utf-8"?>
+<p:sld xmlns:a="http://schemas.openxmlformats.org/drawingml/2006/main" xmlns:r="http://schemas.openxmlformats.org/officeDocument/2006/relationships" xmlns:p="http://schemas.openxmlformats.org/presentationml/2006/main">
+  <p:cSld>
+    <p:spTree>
+      <p:nvGrpSpPr>
+        <p:cNvPr id="1" name=""/>
+        <p:cNvGrpSpPr/>
+        <p:nvPr/>
+      </p:nvGrpSpPr>
+      <p:grpSpPr>
+        <a:xfrm>
+          <a:off x="0" y="0"/>
+          <a:ext cx="0" cy="0"/>
+          <a:chOff x="0" y="0"/>
+          <a:chExt cx="0" cy="0"/>
+        </a:xfrm>
+      </p:grpSpPr>
+      <p:sp>
+        <p:nvSpPr>
+          <p:cNvPr id="2" name="Title 1"/>
+          <p:cNvSpPr>
+            <a:spLocks noGrp="1"/>
+          </p:cNvSpPr>
+          <p:nvPr>
+            <p:ph type="title"/>
+          </p:nvPr>
+        </p:nvSpPr>
+        <p:spPr/>
+        <p:txBody>
+          <a:bodyPr/>
+          <a:lstStyle/>
+          <a:p>
+            <a:r>
+              <a:rPr lang="es-ES_tradnl" dirty="0" smtClean="0"/>
+              <a:t>Ejemplo del problema</a:t>
+            </a:r>
+            <a:endParaRPr lang="es-ES_tradnl" dirty="0"/>
+          </a:p>
+        </p:txBody>
+      </p:sp>
+      <p:pic>
+        <p:nvPicPr>
+          <p:cNvPr id="4" name="Content Placeholder 3" descr="Screen shot 2011-11-16 at 11.15.38 AM.png"/>
+          <p:cNvPicPr>
+            <a:picLocks noGrp="1" noChangeAspect="1"/>
+          </p:cNvPicPr>
+          <p:nvPr>
+            <p:ph idx="1"/>
+          </p:nvPr>
+        </p:nvPicPr>
+        <p:blipFill>
+          <a:blip r:embed="rId2">
+            <a:extLst>
+              <a:ext uri="{28A0092B-C50C-407E-A947-70E740481C1C}">
+                <a14:useLocalDpi xmlns:a14="http://schemas.microsoft.com/office/drawing/2010/main" val="0"/>
+              </a:ext>
+            </a:extLst>
+          </a:blip>
+          <a:srcRect l="3713" r="3713"/>
+          <a:stretch>
+            <a:fillRect/>
+          </a:stretch>
+        </p:blipFill>
+        <p:spPr/>
+      </p:pic>
+    </p:spTree>
+    <p:extLst>
+      <p:ext uri="{BB962C8B-B14F-4D97-AF65-F5344CB8AC3E}">
+        <p14:creationId xmlns:p14="http://schemas.microsoft.com/office/powerpoint/2010/main" val="3175991973"/>
+      </p:ext>
+    </p:extLst>
+  </p:cSld>
+  <p:clrMapOvr>
+    <a:masterClrMapping/>
+  </p:clrMapOvr>
+  <p:timing>
+    <p:tnLst>
+      <p:par>
+        <p:cTn xmlns:p14="http://schemas.microsoft.com/office/powerpoint/2010/main" id="1" dur="indefinite" restart="never" nodeType="tmRoot"/>
+      </p:par>
+    </p:tnLst>
+  </p:timing>
+</p:sld>
+</file>
+
+<file path=ppt/slides/slide16.xml><?xml version="1.0" encoding="utf-8"?>
+<p:sld xmlns:a="http://schemas.openxmlformats.org/drawingml/2006/main" xmlns:r="http://schemas.openxmlformats.org/officeDocument/2006/relationships" xmlns:p="http://schemas.openxmlformats.org/presentationml/2006/main">
+  <p:cSld>
+    <p:spTree>
+      <p:nvGrpSpPr>
+        <p:cNvPr id="1" name=""/>
+        <p:cNvGrpSpPr/>
+        <p:nvPr/>
+      </p:nvGrpSpPr>
+      <p:grpSpPr>
+        <a:xfrm>
+          <a:off x="0" y="0"/>
+          <a:ext cx="0" cy="0"/>
+          <a:chOff x="0" y="0"/>
+          <a:chExt cx="0" cy="0"/>
+        </a:xfrm>
+      </p:grpSpPr>
+      <p:sp>
+        <p:nvSpPr>
+          <p:cNvPr id="2" name="Title 1"/>
+          <p:cNvSpPr>
+            <a:spLocks noGrp="1"/>
+          </p:cNvSpPr>
+          <p:nvPr>
+            <p:ph type="title"/>
+          </p:nvPr>
+        </p:nvSpPr>
+        <p:spPr/>
+        <p:txBody>
+          <a:bodyPr/>
+          <a:lstStyle/>
+          <a:p>
+            <a:r>
+              <a:rPr lang="es-ES_tradnl" dirty="0" smtClean="0"/>
+              <a:t>Problema resuelto con AOP</a:t>
+            </a:r>
+            <a:endParaRPr lang="es-ES_tradnl" dirty="0"/>
+          </a:p>
+        </p:txBody>
+      </p:sp>
+      <p:pic>
+        <p:nvPicPr>
+          <p:cNvPr id="4" name="Content Placeholder 3" descr="Screen shot 2011-11-16 at 11.17.00 AM.png"/>
+          <p:cNvPicPr>
+            <a:picLocks noGrp="1" noChangeAspect="1"/>
+          </p:cNvPicPr>
+          <p:nvPr>
+            <p:ph idx="1"/>
+          </p:nvPr>
+        </p:nvPicPr>
+        <p:blipFill>
+          <a:blip r:embed="rId2">
+            <a:extLst>
+              <a:ext uri="{28A0092B-C50C-407E-A947-70E740481C1C}">
+                <a14:useLocalDpi xmlns:a14="http://schemas.microsoft.com/office/drawing/2010/main" val="0"/>
+              </a:ext>
+            </a:extLst>
+          </a:blip>
+          <a:srcRect l="-12385" r="-12385"/>
+          <a:stretch>
+            <a:fillRect/>
+          </a:stretch>
+        </p:blipFill>
+        <p:spPr/>
+      </p:pic>
+    </p:spTree>
+    <p:extLst>
+      <p:ext uri="{BB962C8B-B14F-4D97-AF65-F5344CB8AC3E}">
+        <p14:creationId xmlns:p14="http://schemas.microsoft.com/office/powerpoint/2010/main" val="1065784080"/>
+      </p:ext>
+    </p:extLst>
+  </p:cSld>
+  <p:clrMapOvr>
+    <a:masterClrMapping/>
+  </p:clrMapOvr>
+  <p:timing>
+    <p:tnLst>
+      <p:par>
+        <p:cTn xmlns:p14="http://schemas.microsoft.com/office/powerpoint/2010/main" id="1" dur="indefinite" restart="never" nodeType="tmRoot"/>
+      </p:par>
+    </p:tnLst>
+  </p:timing>
+</p:sld>
+</file>
+
+<file path=ppt/slides/slide17.xml><?xml version="1.0" encoding="utf-8"?>
+<p:sld xmlns:a="http://schemas.openxmlformats.org/drawingml/2006/main" xmlns:r="http://schemas.openxmlformats.org/officeDocument/2006/relationships" xmlns:p="http://schemas.openxmlformats.org/presentationml/2006/main">
+  <p:cSld>
+    <p:spTree>
+      <p:nvGrpSpPr>
+        <p:cNvPr id="1" name=""/>
+        <p:cNvGrpSpPr/>
+        <p:nvPr/>
+      </p:nvGrpSpPr>
+      <p:grpSpPr>
+        <a:xfrm>
+          <a:off x="0" y="0"/>
+          <a:ext cx="0" cy="0"/>
+          <a:chOff x="0" y="0"/>
+          <a:chExt cx="0" cy="0"/>
+        </a:xfrm>
+      </p:grpSpPr>
+      <p:sp>
+        <p:nvSpPr>
+          <p:cNvPr id="2" name="Title 1"/>
+          <p:cNvSpPr>
+            <a:spLocks noGrp="1"/>
+          </p:cNvSpPr>
+          <p:nvPr>
+            <p:ph type="title"/>
+          </p:nvPr>
+        </p:nvSpPr>
+        <p:spPr/>
+        <p:txBody>
+          <a:bodyPr/>
+          <a:lstStyle/>
+          <a:p>
+            <a:r>
+              <a:rPr lang="es-ES_tradnl" dirty="0" smtClean="0"/>
+              <a:t>AOP</a:t>
+            </a:r>
+            <a:endParaRPr lang="es-ES_tradnl" dirty="0"/>
+          </a:p>
+        </p:txBody>
+      </p:sp>
+      <p:pic>
+        <p:nvPicPr>
+          <p:cNvPr id="4" name="Content Placeholder 3" descr="Screen shot 2011-11-16 at 11.26.46 AM.png"/>
+          <p:cNvPicPr>
+            <a:picLocks noGrp="1" noChangeAspect="1"/>
+          </p:cNvPicPr>
+          <p:nvPr>
+            <p:ph idx="1"/>
+          </p:nvPr>
+        </p:nvPicPr>
+        <p:blipFill>
+          <a:blip r:embed="rId2">
+            <a:extLst>
+              <a:ext uri="{28A0092B-C50C-407E-A947-70E740481C1C}">
+                <a14:useLocalDpi xmlns:a14="http://schemas.microsoft.com/office/drawing/2010/main" val="0"/>
+              </a:ext>
+            </a:extLst>
+          </a:blip>
+          <a:srcRect t="-40898" b="-40898"/>
+          <a:stretch>
+            <a:fillRect/>
+          </a:stretch>
+        </p:blipFill>
+        <p:spPr/>
+      </p:pic>
+    </p:spTree>
+    <p:extLst>
+      <p:ext uri="{BB962C8B-B14F-4D97-AF65-F5344CB8AC3E}">
+        <p14:creationId xmlns:p14="http://schemas.microsoft.com/office/powerpoint/2010/main" val="378820195"/>
+      </p:ext>
+    </p:extLst>
+  </p:cSld>
+  <p:clrMapOvr>
+    <a:masterClrMapping/>
+  </p:clrMapOvr>
+  <p:timing>
+    <p:tnLst>
+      <p:par>
+        <p:cTn xmlns:p14="http://schemas.microsoft.com/office/powerpoint/2010/main" id="1" dur="indefinite" restart="never" nodeType="tmRoot"/>
+      </p:par>
+    </p:tnLst>
+  </p:timing>
+</p:sld>
+</file>
+
+<file path=ppt/slides/slide18.xml><?xml version="1.0" encoding="utf-8"?>
+<p:sld xmlns:a="http://schemas.openxmlformats.org/drawingml/2006/main" xmlns:r="http://schemas.openxmlformats.org/officeDocument/2006/relationships" xmlns:p="http://schemas.openxmlformats.org/presentationml/2006/main">
+  <p:cSld>
+    <p:spTree>
+      <p:nvGrpSpPr>
+        <p:cNvPr id="1" name=""/>
+        <p:cNvGrpSpPr/>
+        <p:nvPr/>
+      </p:nvGrpSpPr>
+      <p:grpSpPr>
+        <a:xfrm>
+          <a:off x="0" y="0"/>
+          <a:ext cx="0" cy="0"/>
+          <a:chOff x="0" y="0"/>
+          <a:chExt cx="0" cy="0"/>
+        </a:xfrm>
+      </p:grpSpPr>
+      <p:sp>
+        <p:nvSpPr>
+          <p:cNvPr id="2" name="Title 1"/>
+          <p:cNvSpPr>
+            <a:spLocks noGrp="1"/>
+          </p:cNvSpPr>
+          <p:nvPr>
+            <p:ph type="title"/>
+          </p:nvPr>
+        </p:nvSpPr>
+        <p:spPr/>
+        <p:txBody>
+          <a:bodyPr/>
+          <a:lstStyle/>
+          <a:p>
+            <a:r>
+              <a:rPr lang="es-ES_tradnl" dirty="0" smtClean="0"/>
+              <a:t>¿Soluci</a:t>
+            </a:r>
+            <a:r>
+              <a:rPr lang="es-ES_tradnl" dirty="0" smtClean="0"/>
+              <a:t>ón?</a:t>
+            </a:r>
+            <a:endParaRPr lang="es-ES_tradnl" dirty="0"/>
+          </a:p>
+        </p:txBody>
+      </p:sp>
+      <p:pic>
+        <p:nvPicPr>
+          <p:cNvPr id="4" name="Content Placeholder 3" descr="Screen shot 2011-11-16 at 11.29.41 AM.png"/>
+          <p:cNvPicPr>
+            <a:picLocks noGrp="1" noChangeAspect="1"/>
+          </p:cNvPicPr>
+          <p:nvPr>
+            <p:ph idx="1"/>
+          </p:nvPr>
+        </p:nvPicPr>
+        <p:blipFill>
+          <a:blip r:embed="rId2">
+            <a:extLst>
+              <a:ext uri="{28A0092B-C50C-407E-A947-70E740481C1C}">
+                <a14:useLocalDpi xmlns:a14="http://schemas.microsoft.com/office/drawing/2010/main" val="0"/>
+              </a:ext>
+            </a:extLst>
+          </a:blip>
+          <a:srcRect t="-11037" b="-11037"/>
+          <a:stretch>
+            <a:fillRect/>
+          </a:stretch>
+        </p:blipFill>
+        <p:spPr/>
+      </p:pic>
+    </p:spTree>
+    <p:extLst>
+      <p:ext uri="{BB962C8B-B14F-4D97-AF65-F5344CB8AC3E}">
+        <p14:creationId xmlns:p14="http://schemas.microsoft.com/office/powerpoint/2010/main" val="3200944506"/>
+      </p:ext>
+    </p:extLst>
+  </p:cSld>
+  <p:clrMapOvr>
+    <a:masterClrMapping/>
+  </p:clrMapOvr>
+</p:sld>
+</file>
+
+<file path=ppt/slides/slide19.xml><?xml version="1.0" encoding="utf-8"?>
+<p:sld xmlns:a="http://schemas.openxmlformats.org/drawingml/2006/main" xmlns:r="http://schemas.openxmlformats.org/officeDocument/2006/relationships" xmlns:p="http://schemas.openxmlformats.org/presentationml/2006/main">
+  <p:cSld>
+    <p:spTree>
+      <p:nvGrpSpPr>
+        <p:cNvPr id="1" name=""/>
+        <p:cNvGrpSpPr/>
+        <p:nvPr/>
+      </p:nvGrpSpPr>
+      <p:grpSpPr>
+        <a:xfrm>
+          <a:off x="0" y="0"/>
+          <a:ext cx="0" cy="0"/>
+          <a:chOff x="0" y="0"/>
+          <a:chExt cx="0" cy="0"/>
+        </a:xfrm>
+      </p:grpSpPr>
+      <p:sp>
+        <p:nvSpPr>
+          <p:cNvPr id="2" name="Title 1"/>
+          <p:cNvSpPr>
+            <a:spLocks noGrp="1"/>
+          </p:cNvSpPr>
+          <p:nvPr>
+            <p:ph type="title"/>
+          </p:nvPr>
+        </p:nvSpPr>
+        <p:spPr/>
+        <p:txBody>
+          <a:bodyPr/>
+          <a:lstStyle/>
+          <a:p>
+            <a:r>
+              <a:rPr lang="es-ES_tradnl" dirty="0" smtClean="0"/>
+              <a:t>Utilizando AOP</a:t>
+            </a:r>
+            <a:endParaRPr lang="es-ES_tradnl" dirty="0"/>
+          </a:p>
+        </p:txBody>
+      </p:sp>
+      <p:pic>
+        <p:nvPicPr>
+          <p:cNvPr id="5" name="Content Placeholder 4" descr="Screen shot 2011-11-16 at 11.38.49 AM.png"/>
+          <p:cNvPicPr>
+            <a:picLocks noGrp="1" noChangeAspect="1"/>
+          </p:cNvPicPr>
+          <p:nvPr>
+            <p:ph idx="1"/>
+          </p:nvPr>
+        </p:nvPicPr>
+        <p:blipFill>
+          <a:blip r:embed="rId3">
+            <a:extLst>
+              <a:ext uri="{28A0092B-C50C-407E-A947-70E740481C1C}">
+                <a14:useLocalDpi xmlns:a14="http://schemas.microsoft.com/office/drawing/2010/main" val="0"/>
+              </a:ext>
+            </a:extLst>
+          </a:blip>
+          <a:srcRect t="-3793" b="-3793"/>
+          <a:stretch>
+            <a:fillRect/>
+          </a:stretch>
+        </p:blipFill>
+        <p:spPr/>
+      </p:pic>
+    </p:spTree>
+    <p:extLst>
+      <p:ext uri="{BB962C8B-B14F-4D97-AF65-F5344CB8AC3E}">
+        <p14:creationId xmlns:p14="http://schemas.microsoft.com/office/powerpoint/2010/main" val="47734926"/>
       </p:ext>
     </p:extLst>
   </p:cSld>
@@ -14802,6 +15942,1070 @@
   <p:clrMapOvr>
     <a:masterClrMapping/>
   </p:clrMapOvr>
+  <p:timing>
+    <p:tnLst>
+      <p:par>
+        <p:cTn xmlns:p14="http://schemas.microsoft.com/office/powerpoint/2010/main" id="1" dur="indefinite" restart="never" nodeType="tmRoot"/>
+      </p:par>
+    </p:tnLst>
+  </p:timing>
+</p:sld>
+</file>
+
+<file path=ppt/slides/slide20.xml><?xml version="1.0" encoding="utf-8"?>
+<p:sld xmlns:a="http://schemas.openxmlformats.org/drawingml/2006/main" xmlns:r="http://schemas.openxmlformats.org/officeDocument/2006/relationships" xmlns:p="http://schemas.openxmlformats.org/presentationml/2006/main">
+  <p:cSld>
+    <p:spTree>
+      <p:nvGrpSpPr>
+        <p:cNvPr id="1" name=""/>
+        <p:cNvGrpSpPr/>
+        <p:nvPr/>
+      </p:nvGrpSpPr>
+      <p:grpSpPr>
+        <a:xfrm>
+          <a:off x="0" y="0"/>
+          <a:ext cx="0" cy="0"/>
+          <a:chOff x="0" y="0"/>
+          <a:chExt cx="0" cy="0"/>
+        </a:xfrm>
+      </p:grpSpPr>
+      <p:sp>
+        <p:nvSpPr>
+          <p:cNvPr id="2" name="Title 1"/>
+          <p:cNvSpPr>
+            <a:spLocks noGrp="1"/>
+          </p:cNvSpPr>
+          <p:nvPr>
+            <p:ph type="title"/>
+          </p:nvPr>
+        </p:nvSpPr>
+        <p:spPr/>
+        <p:txBody>
+          <a:bodyPr/>
+          <a:lstStyle/>
+          <a:p>
+            <a:r>
+              <a:rPr lang="es-ES_tradnl" dirty="0" smtClean="0"/>
+              <a:t>Ejemplo</a:t>
+            </a:r>
+            <a:endParaRPr lang="es-ES_tradnl" dirty="0"/>
+          </a:p>
+        </p:txBody>
+      </p:sp>
+      <p:sp>
+        <p:nvSpPr>
+          <p:cNvPr id="3" name="Content Placeholder 2"/>
+          <p:cNvSpPr>
+            <a:spLocks noGrp="1"/>
+          </p:cNvSpPr>
+          <p:nvPr>
+            <p:ph idx="1"/>
+          </p:nvPr>
+        </p:nvSpPr>
+        <p:spPr/>
+        <p:txBody>
+          <a:bodyPr/>
+          <a:lstStyle/>
+          <a:p>
+            <a:r>
+              <a:rPr lang="es-ES_tradnl" dirty="0" smtClean="0"/>
+              <a:t>Ver resto </a:t>
+            </a:r>
+            <a:r>
+              <a:rPr lang="es-ES_tradnl" dirty="0"/>
+              <a:t>de ejemplo </a:t>
+            </a:r>
+            <a:r>
+              <a:rPr lang="es-ES_tradnl" dirty="0" smtClean="0"/>
+              <a:t>en: </a:t>
+            </a:r>
+          </a:p>
+          <a:p>
+            <a:pPr marL="68580" indent="0">
+              <a:buNone/>
+            </a:pPr>
+            <a:r>
+              <a:rPr lang="es-ES_tradnl" dirty="0" err="1" smtClean="0"/>
+              <a:t>https</a:t>
+            </a:r>
+            <a:r>
+              <a:rPr lang="es-ES_tradnl" dirty="0"/>
+              <a:t>://</a:t>
+            </a:r>
+            <a:r>
+              <a:rPr lang="es-ES_tradnl" dirty="0" err="1"/>
+              <a:t>github.com</a:t>
+            </a:r>
+            <a:r>
+              <a:rPr lang="es-ES_tradnl" dirty="0"/>
+              <a:t>/</a:t>
+            </a:r>
+            <a:r>
+              <a:rPr lang="es-ES_tradnl" dirty="0" err="1"/>
+              <a:t>jdmr</a:t>
+            </a:r>
+            <a:r>
+              <a:rPr lang="es-ES_tradnl" dirty="0"/>
+              <a:t>/</a:t>
+            </a:r>
+            <a:r>
+              <a:rPr lang="es-ES_tradnl" dirty="0" err="1"/>
+              <a:t>CursoSpring</a:t>
+            </a:r>
+            <a:r>
+              <a:rPr lang="es-ES_tradnl" dirty="0"/>
+              <a:t>/</a:t>
+            </a:r>
+            <a:r>
+              <a:rPr lang="es-ES_tradnl" dirty="0" err="1"/>
+              <a:t>tree</a:t>
+            </a:r>
+            <a:r>
+              <a:rPr lang="es-ES_tradnl" dirty="0"/>
+              <a:t>/master/</a:t>
+            </a:r>
+            <a:r>
+              <a:rPr lang="es-ES_tradnl" dirty="0" smtClean="0"/>
+              <a:t>EjercicioSpring02</a:t>
+            </a:r>
+            <a:endParaRPr lang="es-ES_tradnl" dirty="0"/>
+          </a:p>
+        </p:txBody>
+      </p:sp>
+    </p:spTree>
+    <p:extLst>
+      <p:ext uri="{BB962C8B-B14F-4D97-AF65-F5344CB8AC3E}">
+        <p14:creationId xmlns:p14="http://schemas.microsoft.com/office/powerpoint/2010/main" val="1566167989"/>
+      </p:ext>
+    </p:extLst>
+  </p:cSld>
+  <p:clrMapOvr>
+    <a:masterClrMapping/>
+  </p:clrMapOvr>
+  <p:timing>
+    <p:tnLst>
+      <p:par>
+        <p:cTn xmlns:p14="http://schemas.microsoft.com/office/powerpoint/2010/main" id="1" dur="indefinite" restart="never" nodeType="tmRoot"/>
+      </p:par>
+    </p:tnLst>
+  </p:timing>
+</p:sld>
+</file>
+
+<file path=ppt/slides/slide21.xml><?xml version="1.0" encoding="utf-8"?>
+<p:sld xmlns:a="http://schemas.openxmlformats.org/drawingml/2006/main" xmlns:r="http://schemas.openxmlformats.org/officeDocument/2006/relationships" xmlns:p="http://schemas.openxmlformats.org/presentationml/2006/main">
+  <p:cSld>
+    <p:spTree>
+      <p:nvGrpSpPr>
+        <p:cNvPr id="1" name=""/>
+        <p:cNvGrpSpPr/>
+        <p:nvPr/>
+      </p:nvGrpSpPr>
+      <p:grpSpPr>
+        <a:xfrm>
+          <a:off x="0" y="0"/>
+          <a:ext cx="0" cy="0"/>
+          <a:chOff x="0" y="0"/>
+          <a:chExt cx="0" cy="0"/>
+        </a:xfrm>
+      </p:grpSpPr>
+      <p:sp>
+        <p:nvSpPr>
+          <p:cNvPr id="2" name="Title 1"/>
+          <p:cNvSpPr>
+            <a:spLocks noGrp="1"/>
+          </p:cNvSpPr>
+          <p:nvPr>
+            <p:ph type="title"/>
+          </p:nvPr>
+        </p:nvSpPr>
+        <p:spPr/>
+        <p:txBody>
+          <a:bodyPr/>
+          <a:lstStyle/>
+          <a:p>
+            <a:r>
+              <a:rPr lang="es-ES_tradnl" dirty="0" smtClean="0"/>
+              <a:t>Ejercicio</a:t>
+            </a:r>
+            <a:endParaRPr lang="es-ES_tradnl" dirty="0"/>
+          </a:p>
+        </p:txBody>
+      </p:sp>
+      <p:sp>
+        <p:nvSpPr>
+          <p:cNvPr id="3" name="Content Placeholder 2"/>
+          <p:cNvSpPr>
+            <a:spLocks noGrp="1"/>
+          </p:cNvSpPr>
+          <p:nvPr>
+            <p:ph idx="1"/>
+          </p:nvPr>
+        </p:nvSpPr>
+        <p:spPr/>
+        <p:txBody>
+          <a:bodyPr/>
+          <a:lstStyle/>
+          <a:p>
+            <a:r>
+              <a:rPr lang="es-ES_tradnl" dirty="0" smtClean="0"/>
+              <a:t>Trabajar con Lote y añadir un aspecto que imprima en consola el siguiente mensaje con aspectos</a:t>
+            </a:r>
+          </a:p>
+          <a:p>
+            <a:pPr lvl="1"/>
+            <a:r>
+              <a:rPr lang="es-ES_tradnl" dirty="0" smtClean="0"/>
+              <a:t>“Se esta comprando </a:t>
+            </a:r>
+            <a:r>
+              <a:rPr lang="es-ES_tradnl" dirty="0" smtClean="0"/>
+              <a:t>[nombre auto] a las [fecha]”</a:t>
+            </a:r>
+            <a:endParaRPr lang="es-ES_tradnl" dirty="0"/>
+          </a:p>
+        </p:txBody>
+      </p:sp>
+    </p:spTree>
+    <p:extLst>
+      <p:ext uri="{BB962C8B-B14F-4D97-AF65-F5344CB8AC3E}">
+        <p14:creationId xmlns:p14="http://schemas.microsoft.com/office/powerpoint/2010/main" val="3519694388"/>
+      </p:ext>
+    </p:extLst>
+  </p:cSld>
+  <p:clrMapOvr>
+    <a:masterClrMapping/>
+  </p:clrMapOvr>
+  <p:timing>
+    <p:tnLst>
+      <p:par>
+        <p:cTn xmlns:p14="http://schemas.microsoft.com/office/powerpoint/2010/main" id="1" dur="indefinite" restart="never" nodeType="tmRoot"/>
+      </p:par>
+    </p:tnLst>
+  </p:timing>
+</p:sld>
+</file>
+
+<file path=ppt/slides/slide22.xml><?xml version="1.0" encoding="utf-8"?>
+<p:sld xmlns:a="http://schemas.openxmlformats.org/drawingml/2006/main" xmlns:r="http://schemas.openxmlformats.org/officeDocument/2006/relationships" xmlns:p="http://schemas.openxmlformats.org/presentationml/2006/main">
+  <p:cSld>
+    <p:spTree>
+      <p:nvGrpSpPr>
+        <p:cNvPr id="1" name=""/>
+        <p:cNvGrpSpPr/>
+        <p:nvPr/>
+      </p:nvGrpSpPr>
+      <p:grpSpPr>
+        <a:xfrm>
+          <a:off x="0" y="0"/>
+          <a:ext cx="0" cy="0"/>
+          <a:chOff x="0" y="0"/>
+          <a:chExt cx="0" cy="0"/>
+        </a:xfrm>
+      </p:grpSpPr>
+      <p:sp>
+        <p:nvSpPr>
+          <p:cNvPr id="2" name="Title 1"/>
+          <p:cNvSpPr>
+            <a:spLocks noGrp="1"/>
+          </p:cNvSpPr>
+          <p:nvPr>
+            <p:ph type="title"/>
+          </p:nvPr>
+        </p:nvSpPr>
+        <p:spPr/>
+        <p:txBody>
+          <a:bodyPr/>
+          <a:lstStyle/>
+          <a:p>
+            <a:r>
+              <a:rPr lang="es-ES_tradnl" dirty="0" smtClean="0"/>
+              <a:t>Contenedor</a:t>
+            </a:r>
+            <a:endParaRPr lang="es-ES_tradnl" dirty="0"/>
+          </a:p>
+        </p:txBody>
+      </p:sp>
+      <p:pic>
+        <p:nvPicPr>
+          <p:cNvPr id="4" name="Content Placeholder 3" descr="Screen shot 2011-11-16 at 11.52.39 AM.png"/>
+          <p:cNvPicPr>
+            <a:picLocks noGrp="1" noChangeAspect="1"/>
+          </p:cNvPicPr>
+          <p:nvPr>
+            <p:ph sz="quarter" idx="13"/>
+          </p:nvPr>
+        </p:nvPicPr>
+        <p:blipFill>
+          <a:blip r:embed="rId3">
+            <a:extLst>
+              <a:ext uri="{28A0092B-C50C-407E-A947-70E740481C1C}">
+                <a14:useLocalDpi xmlns:a14="http://schemas.microsoft.com/office/drawing/2010/main" val="0"/>
+              </a:ext>
+            </a:extLst>
+          </a:blip>
+          <a:srcRect t="-24756" b="-24756"/>
+          <a:stretch>
+            <a:fillRect/>
+          </a:stretch>
+        </p:blipFill>
+        <p:spPr/>
+      </p:pic>
+      <p:sp>
+        <p:nvSpPr>
+          <p:cNvPr id="5" name="Content Placeholder 4"/>
+          <p:cNvSpPr>
+            <a:spLocks noGrp="1"/>
+          </p:cNvSpPr>
+          <p:nvPr>
+            <p:ph sz="quarter" idx="14"/>
+          </p:nvPr>
+        </p:nvSpPr>
+        <p:spPr/>
+        <p:txBody>
+          <a:bodyPr/>
+          <a:lstStyle/>
+          <a:p>
+            <a:r>
+              <a:rPr lang="es-ES_tradnl" dirty="0" smtClean="0"/>
+              <a:t>Los objetos de aplicación viven dentro del Contenedor y este maneja desde que son creados hasta que son finalizados y los enlaza mediante DI.</a:t>
+            </a:r>
+            <a:endParaRPr lang="es-ES_tradnl" dirty="0"/>
+          </a:p>
+        </p:txBody>
+      </p:sp>
+    </p:spTree>
+    <p:extLst>
+      <p:ext uri="{BB962C8B-B14F-4D97-AF65-F5344CB8AC3E}">
+        <p14:creationId xmlns:p14="http://schemas.microsoft.com/office/powerpoint/2010/main" val="1942020045"/>
+      </p:ext>
+    </p:extLst>
+  </p:cSld>
+  <p:clrMapOvr>
+    <a:masterClrMapping/>
+  </p:clrMapOvr>
+</p:sld>
+</file>
+
+<file path=ppt/slides/slide23.xml><?xml version="1.0" encoding="utf-8"?>
+<p:sld xmlns:a="http://schemas.openxmlformats.org/drawingml/2006/main" xmlns:r="http://schemas.openxmlformats.org/officeDocument/2006/relationships" xmlns:p="http://schemas.openxmlformats.org/presentationml/2006/main">
+  <p:cSld>
+    <p:spTree>
+      <p:nvGrpSpPr>
+        <p:cNvPr id="1" name=""/>
+        <p:cNvGrpSpPr/>
+        <p:nvPr/>
+      </p:nvGrpSpPr>
+      <p:grpSpPr>
+        <a:xfrm>
+          <a:off x="0" y="0"/>
+          <a:ext cx="0" cy="0"/>
+          <a:chOff x="0" y="0"/>
+          <a:chExt cx="0" cy="0"/>
+        </a:xfrm>
+      </p:grpSpPr>
+      <p:sp>
+        <p:nvSpPr>
+          <p:cNvPr id="2" name="Title 1"/>
+          <p:cNvSpPr>
+            <a:spLocks noGrp="1"/>
+          </p:cNvSpPr>
+          <p:nvPr>
+            <p:ph type="title"/>
+          </p:nvPr>
+        </p:nvSpPr>
+        <p:spPr/>
+        <p:txBody>
+          <a:bodyPr/>
+          <a:lstStyle/>
+          <a:p>
+            <a:r>
+              <a:rPr lang="es-ES_tradnl" dirty="0" smtClean="0"/>
+              <a:t>Contextos</a:t>
+            </a:r>
+            <a:endParaRPr lang="es-ES_tradnl" dirty="0"/>
+          </a:p>
+        </p:txBody>
+      </p:sp>
+      <p:sp>
+        <p:nvSpPr>
+          <p:cNvPr id="3" name="Content Placeholder 2"/>
+          <p:cNvSpPr>
+            <a:spLocks noGrp="1"/>
+          </p:cNvSpPr>
+          <p:nvPr>
+            <p:ph idx="1"/>
+          </p:nvPr>
+        </p:nvSpPr>
+        <p:spPr/>
+        <p:txBody>
+          <a:bodyPr>
+            <a:normAutofit lnSpcReduction="10000"/>
+          </a:bodyPr>
+          <a:lstStyle/>
+          <a:p>
+            <a:r>
+              <a:rPr lang="es-ES_tradnl" dirty="0" smtClean="0"/>
+              <a:t>Contextos principales</a:t>
+            </a:r>
+          </a:p>
+          <a:p>
+            <a:pPr lvl="1"/>
+            <a:r>
+              <a:rPr lang="es-ES_tradnl" dirty="0" err="1" smtClean="0"/>
+              <a:t>ClassPathXmlApplicationContext</a:t>
+            </a:r>
+            <a:endParaRPr lang="es-ES_tradnl" dirty="0" smtClean="0"/>
+          </a:p>
+          <a:p>
+            <a:pPr lvl="2"/>
+            <a:r>
+              <a:rPr lang="es-ES_tradnl" dirty="0" smtClean="0"/>
+              <a:t>Carga su definici</a:t>
+            </a:r>
+            <a:r>
+              <a:rPr lang="es-ES_tradnl" dirty="0" smtClean="0"/>
+              <a:t>ón de un XML que se encuentre en el </a:t>
+            </a:r>
+            <a:r>
+              <a:rPr lang="es-ES_tradnl" i="1" dirty="0" err="1" smtClean="0"/>
+              <a:t>classpath</a:t>
+            </a:r>
+            <a:endParaRPr lang="es-ES_tradnl" i="1" dirty="0" smtClean="0"/>
+          </a:p>
+          <a:p>
+            <a:pPr lvl="1"/>
+            <a:r>
+              <a:rPr lang="es-ES_tradnl" dirty="0" err="1" smtClean="0"/>
+              <a:t>FileSystemXmlApplicationContext</a:t>
+            </a:r>
+            <a:endParaRPr lang="es-ES_tradnl" dirty="0" smtClean="0"/>
+          </a:p>
+          <a:p>
+            <a:pPr lvl="2"/>
+            <a:r>
+              <a:rPr lang="es-ES_tradnl" dirty="0" smtClean="0"/>
+              <a:t>Carga su definici</a:t>
+            </a:r>
+            <a:r>
+              <a:rPr lang="es-ES_tradnl" dirty="0" smtClean="0"/>
+              <a:t>ón de un XML en el </a:t>
+            </a:r>
+            <a:r>
+              <a:rPr lang="es-ES_tradnl" i="1" dirty="0" err="1" smtClean="0"/>
+              <a:t>filesystem</a:t>
+            </a:r>
+            <a:endParaRPr lang="es-ES_tradnl" dirty="0" smtClean="0"/>
+          </a:p>
+          <a:p>
+            <a:pPr lvl="1"/>
+            <a:r>
+              <a:rPr lang="es-ES_tradnl" dirty="0" err="1" smtClean="0"/>
+              <a:t>XmlWebApplicationContext</a:t>
+            </a:r>
+            <a:endParaRPr lang="es-ES_tradnl" dirty="0" smtClean="0"/>
+          </a:p>
+          <a:p>
+            <a:pPr lvl="2"/>
+            <a:r>
+              <a:rPr lang="es-ES_tradnl" dirty="0" smtClean="0"/>
+              <a:t>Carga su definici</a:t>
+            </a:r>
+            <a:r>
+              <a:rPr lang="es-ES_tradnl" dirty="0" smtClean="0"/>
+              <a:t>ón de un XML contenido dentro de una aplicación web.</a:t>
+            </a:r>
+            <a:endParaRPr lang="es-ES_tradnl" dirty="0"/>
+          </a:p>
+        </p:txBody>
+      </p:sp>
+    </p:spTree>
+    <p:extLst>
+      <p:ext uri="{BB962C8B-B14F-4D97-AF65-F5344CB8AC3E}">
+        <p14:creationId xmlns:p14="http://schemas.microsoft.com/office/powerpoint/2010/main" val="2841907090"/>
+      </p:ext>
+    </p:extLst>
+  </p:cSld>
+  <p:clrMapOvr>
+    <a:masterClrMapping/>
+  </p:clrMapOvr>
+</p:sld>
+</file>
+
+<file path=ppt/slides/slide24.xml><?xml version="1.0" encoding="utf-8"?>
+<p:sld xmlns:a="http://schemas.openxmlformats.org/drawingml/2006/main" xmlns:r="http://schemas.openxmlformats.org/officeDocument/2006/relationships" xmlns:p="http://schemas.openxmlformats.org/presentationml/2006/main">
+  <p:cSld>
+    <p:spTree>
+      <p:nvGrpSpPr>
+        <p:cNvPr id="1" name=""/>
+        <p:cNvGrpSpPr/>
+        <p:nvPr/>
+      </p:nvGrpSpPr>
+      <p:grpSpPr>
+        <a:xfrm>
+          <a:off x="0" y="0"/>
+          <a:ext cx="0" cy="0"/>
+          <a:chOff x="0" y="0"/>
+          <a:chExt cx="0" cy="0"/>
+        </a:xfrm>
+      </p:grpSpPr>
+      <p:sp>
+        <p:nvSpPr>
+          <p:cNvPr id="2" name="Title 1"/>
+          <p:cNvSpPr>
+            <a:spLocks noGrp="1"/>
+          </p:cNvSpPr>
+          <p:nvPr>
+            <p:ph type="title"/>
+          </p:nvPr>
+        </p:nvSpPr>
+        <p:spPr/>
+        <p:txBody>
+          <a:bodyPr/>
+          <a:lstStyle/>
+          <a:p>
+            <a:r>
+              <a:rPr lang="es-ES_tradnl" dirty="0" smtClean="0"/>
+              <a:t>Ejemplos</a:t>
+            </a:r>
+            <a:endParaRPr lang="es-ES_tradnl" dirty="0"/>
+          </a:p>
+        </p:txBody>
+      </p:sp>
+      <p:pic>
+        <p:nvPicPr>
+          <p:cNvPr id="4" name="Content Placeholder 3" descr="Screen shot 2011-11-16 at 11.58.19 AM.png"/>
+          <p:cNvPicPr>
+            <a:picLocks noGrp="1" noChangeAspect="1"/>
+          </p:cNvPicPr>
+          <p:nvPr>
+            <p:ph sz="quarter" idx="13"/>
+          </p:nvPr>
+        </p:nvPicPr>
+        <p:blipFill>
+          <a:blip r:embed="rId2">
+            <a:extLst>
+              <a:ext uri="{28A0092B-C50C-407E-A947-70E740481C1C}">
+                <a14:useLocalDpi xmlns:a14="http://schemas.microsoft.com/office/drawing/2010/main" val="0"/>
+              </a:ext>
+            </a:extLst>
+          </a:blip>
+          <a:srcRect t="-118004" b="-118004"/>
+          <a:stretch>
+            <a:fillRect/>
+          </a:stretch>
+        </p:blipFill>
+        <p:spPr>
+          <a:xfrm>
+            <a:off x="1042416" y="2313432"/>
+            <a:ext cx="7022592" cy="1746504"/>
+          </a:xfrm>
+        </p:spPr>
+      </p:pic>
+      <p:pic>
+        <p:nvPicPr>
+          <p:cNvPr id="6" name="Content Placeholder 5" descr="Screen shot 2011-11-16 at 11.58.27 AM.png"/>
+          <p:cNvPicPr>
+            <a:picLocks noGrp="1" noChangeAspect="1"/>
+          </p:cNvPicPr>
+          <p:nvPr>
+            <p:ph sz="quarter" idx="14"/>
+          </p:nvPr>
+        </p:nvPicPr>
+        <p:blipFill>
+          <a:blip r:embed="rId3">
+            <a:extLst>
+              <a:ext uri="{28A0092B-C50C-407E-A947-70E740481C1C}">
+                <a14:useLocalDpi xmlns:a14="http://schemas.microsoft.com/office/drawing/2010/main" val="0"/>
+              </a:ext>
+            </a:extLst>
+          </a:blip>
+          <a:srcRect t="-94310" b="-94310"/>
+          <a:stretch>
+            <a:fillRect/>
+          </a:stretch>
+        </p:blipFill>
+        <p:spPr>
+          <a:xfrm>
+            <a:off x="1042416" y="4059936"/>
+            <a:ext cx="7022592" cy="1750314"/>
+          </a:xfrm>
+        </p:spPr>
+      </p:pic>
+    </p:spTree>
+    <p:extLst>
+      <p:ext uri="{BB962C8B-B14F-4D97-AF65-F5344CB8AC3E}">
+        <p14:creationId xmlns:p14="http://schemas.microsoft.com/office/powerpoint/2010/main" val="1770604082"/>
+      </p:ext>
+    </p:extLst>
+  </p:cSld>
+  <p:clrMapOvr>
+    <a:masterClrMapping/>
+  </p:clrMapOvr>
+</p:sld>
+</file>
+
+<file path=ppt/slides/slide25.xml><?xml version="1.0" encoding="utf-8"?>
+<p:sld xmlns:a="http://schemas.openxmlformats.org/drawingml/2006/main" xmlns:r="http://schemas.openxmlformats.org/officeDocument/2006/relationships" xmlns:p="http://schemas.openxmlformats.org/presentationml/2006/main">
+  <p:cSld>
+    <p:spTree>
+      <p:nvGrpSpPr>
+        <p:cNvPr id="1" name=""/>
+        <p:cNvGrpSpPr/>
+        <p:nvPr/>
+      </p:nvGrpSpPr>
+      <p:grpSpPr>
+        <a:xfrm>
+          <a:off x="0" y="0"/>
+          <a:ext cx="0" cy="0"/>
+          <a:chOff x="0" y="0"/>
+          <a:chExt cx="0" cy="0"/>
+        </a:xfrm>
+      </p:grpSpPr>
+      <p:sp>
+        <p:nvSpPr>
+          <p:cNvPr id="2" name="Title 1"/>
+          <p:cNvSpPr>
+            <a:spLocks noGrp="1"/>
+          </p:cNvSpPr>
+          <p:nvPr>
+            <p:ph type="title"/>
+          </p:nvPr>
+        </p:nvSpPr>
+        <p:spPr/>
+        <p:txBody>
+          <a:bodyPr/>
+          <a:lstStyle/>
+          <a:p>
+            <a:r>
+              <a:rPr lang="es-ES_tradnl" dirty="0" smtClean="0"/>
+              <a:t>Ciclo de vida</a:t>
+            </a:r>
+            <a:endParaRPr lang="es-ES_tradnl" dirty="0"/>
+          </a:p>
+        </p:txBody>
+      </p:sp>
+      <p:pic>
+        <p:nvPicPr>
+          <p:cNvPr id="4" name="Content Placeholder 3" descr="Screen shot 2011-11-16 at 12.01.10 PM.png"/>
+          <p:cNvPicPr>
+            <a:picLocks noGrp="1" noChangeAspect="1"/>
+          </p:cNvPicPr>
+          <p:nvPr>
+            <p:ph idx="1"/>
+          </p:nvPr>
+        </p:nvPicPr>
+        <p:blipFill>
+          <a:blip r:embed="rId2">
+            <a:extLst>
+              <a:ext uri="{28A0092B-C50C-407E-A947-70E740481C1C}">
+                <a14:useLocalDpi xmlns:a14="http://schemas.microsoft.com/office/drawing/2010/main" val="0"/>
+              </a:ext>
+            </a:extLst>
+          </a:blip>
+          <a:srcRect l="-1972" r="-1972"/>
+          <a:stretch>
+            <a:fillRect/>
+          </a:stretch>
+        </p:blipFill>
+        <p:spPr/>
+      </p:pic>
+    </p:spTree>
+    <p:extLst>
+      <p:ext uri="{BB962C8B-B14F-4D97-AF65-F5344CB8AC3E}">
+        <p14:creationId xmlns:p14="http://schemas.microsoft.com/office/powerpoint/2010/main" val="1348565280"/>
+      </p:ext>
+    </p:extLst>
+  </p:cSld>
+  <p:clrMapOvr>
+    <a:masterClrMapping/>
+  </p:clrMapOvr>
+</p:sld>
+</file>
+
+<file path=ppt/slides/slide26.xml><?xml version="1.0" encoding="utf-8"?>
+<p:sld xmlns:a="http://schemas.openxmlformats.org/drawingml/2006/main" xmlns:r="http://schemas.openxmlformats.org/officeDocument/2006/relationships" xmlns:p="http://schemas.openxmlformats.org/presentationml/2006/main">
+  <p:cSld>
+    <p:spTree>
+      <p:nvGrpSpPr>
+        <p:cNvPr id="1" name=""/>
+        <p:cNvGrpSpPr/>
+        <p:nvPr/>
+      </p:nvGrpSpPr>
+      <p:grpSpPr>
+        <a:xfrm>
+          <a:off x="0" y="0"/>
+          <a:ext cx="0" cy="0"/>
+          <a:chOff x="0" y="0"/>
+          <a:chExt cx="0" cy="0"/>
+        </a:xfrm>
+      </p:grpSpPr>
+      <p:sp>
+        <p:nvSpPr>
+          <p:cNvPr id="2" name="Title 1"/>
+          <p:cNvSpPr>
+            <a:spLocks noGrp="1"/>
+          </p:cNvSpPr>
+          <p:nvPr>
+            <p:ph type="title"/>
+          </p:nvPr>
+        </p:nvSpPr>
+        <p:spPr/>
+        <p:txBody>
+          <a:bodyPr/>
+          <a:lstStyle/>
+          <a:p>
+            <a:r>
+              <a:rPr lang="es-ES_tradnl" dirty="0" smtClean="0"/>
+              <a:t>M</a:t>
+            </a:r>
+            <a:r>
+              <a:rPr lang="es-ES_tradnl" dirty="0" smtClean="0"/>
+              <a:t>ó</a:t>
+            </a:r>
+            <a:r>
+              <a:rPr lang="es-ES_tradnl" dirty="0" smtClean="0"/>
+              <a:t>dulos</a:t>
+            </a:r>
+            <a:endParaRPr lang="es-ES_tradnl" dirty="0"/>
+          </a:p>
+        </p:txBody>
+      </p:sp>
+      <p:pic>
+        <p:nvPicPr>
+          <p:cNvPr id="4" name="Content Placeholder 3" descr="Screen shot 2011-11-16 at 12.03.16 PM.png"/>
+          <p:cNvPicPr>
+            <a:picLocks noGrp="1" noChangeAspect="1"/>
+          </p:cNvPicPr>
+          <p:nvPr>
+            <p:ph idx="1"/>
+          </p:nvPr>
+        </p:nvPicPr>
+        <p:blipFill>
+          <a:blip r:embed="rId3">
+            <a:extLst>
+              <a:ext uri="{28A0092B-C50C-407E-A947-70E740481C1C}">
+                <a14:useLocalDpi xmlns:a14="http://schemas.microsoft.com/office/drawing/2010/main" val="0"/>
+              </a:ext>
+            </a:extLst>
+          </a:blip>
+          <a:srcRect l="-18736" r="-18736"/>
+          <a:stretch>
+            <a:fillRect/>
+          </a:stretch>
+        </p:blipFill>
+        <p:spPr/>
+      </p:pic>
+    </p:spTree>
+    <p:extLst>
+      <p:ext uri="{BB962C8B-B14F-4D97-AF65-F5344CB8AC3E}">
+        <p14:creationId xmlns:p14="http://schemas.microsoft.com/office/powerpoint/2010/main" val="2787623156"/>
+      </p:ext>
+    </p:extLst>
+  </p:cSld>
+  <p:clrMapOvr>
+    <a:masterClrMapping/>
+  </p:clrMapOvr>
+</p:sld>
+</file>
+
+<file path=ppt/slides/slide27.xml><?xml version="1.0" encoding="utf-8"?>
+<p:sld xmlns:a="http://schemas.openxmlformats.org/drawingml/2006/main" xmlns:r="http://schemas.openxmlformats.org/officeDocument/2006/relationships" xmlns:p="http://schemas.openxmlformats.org/presentationml/2006/main">
+  <p:cSld>
+    <p:spTree>
+      <p:nvGrpSpPr>
+        <p:cNvPr id="1" name=""/>
+        <p:cNvGrpSpPr/>
+        <p:nvPr/>
+      </p:nvGrpSpPr>
+      <p:grpSpPr>
+        <a:xfrm>
+          <a:off x="0" y="0"/>
+          <a:ext cx="0" cy="0"/>
+          <a:chOff x="0" y="0"/>
+          <a:chExt cx="0" cy="0"/>
+        </a:xfrm>
+      </p:grpSpPr>
+      <p:sp>
+        <p:nvSpPr>
+          <p:cNvPr id="2" name="Title 1"/>
+          <p:cNvSpPr>
+            <a:spLocks noGrp="1"/>
+          </p:cNvSpPr>
+          <p:nvPr>
+            <p:ph type="title"/>
+          </p:nvPr>
+        </p:nvSpPr>
+        <p:spPr/>
+        <p:txBody>
+          <a:bodyPr/>
+          <a:lstStyle/>
+          <a:p>
+            <a:r>
+              <a:rPr lang="es-ES_tradnl" dirty="0" err="1" smtClean="0"/>
+              <a:t>Core</a:t>
+            </a:r>
+            <a:endParaRPr lang="es-ES_tradnl" dirty="0"/>
+          </a:p>
+        </p:txBody>
+      </p:sp>
+      <p:sp>
+        <p:nvSpPr>
+          <p:cNvPr id="3" name="Content Placeholder 2"/>
+          <p:cNvSpPr>
+            <a:spLocks noGrp="1"/>
+          </p:cNvSpPr>
+          <p:nvPr>
+            <p:ph idx="1"/>
+          </p:nvPr>
+        </p:nvSpPr>
+        <p:spPr/>
+        <p:txBody>
+          <a:bodyPr/>
+          <a:lstStyle/>
+          <a:p>
+            <a:r>
+              <a:rPr lang="es-ES_tradnl" dirty="0" smtClean="0"/>
+              <a:t>Es la piedra angular de la infraestructura Spring</a:t>
+            </a:r>
+          </a:p>
+          <a:p>
+            <a:r>
+              <a:rPr lang="es-ES_tradnl" dirty="0" smtClean="0"/>
+              <a:t>Es el encargado de administrar como los </a:t>
+            </a:r>
+            <a:r>
+              <a:rPr lang="es-ES_tradnl" dirty="0" err="1" smtClean="0"/>
+              <a:t>Beans</a:t>
+            </a:r>
+            <a:r>
+              <a:rPr lang="es-ES_tradnl" dirty="0" smtClean="0"/>
+              <a:t> son creados, configurados y administrados.</a:t>
+            </a:r>
+          </a:p>
+          <a:p>
+            <a:r>
+              <a:rPr lang="es-ES_tradnl" dirty="0" smtClean="0"/>
+              <a:t>Encargada de la Inyecci</a:t>
+            </a:r>
+            <a:r>
+              <a:rPr lang="es-ES_tradnl" dirty="0" smtClean="0"/>
+              <a:t>ón de Dependencias (DI)</a:t>
+            </a:r>
+            <a:endParaRPr lang="es-ES_tradnl" dirty="0" smtClean="0"/>
+          </a:p>
+        </p:txBody>
+      </p:sp>
+    </p:spTree>
+    <p:extLst>
+      <p:ext uri="{BB962C8B-B14F-4D97-AF65-F5344CB8AC3E}">
+        <p14:creationId xmlns:p14="http://schemas.microsoft.com/office/powerpoint/2010/main" val="655651609"/>
+      </p:ext>
+    </p:extLst>
+  </p:cSld>
+  <p:clrMapOvr>
+    <a:masterClrMapping/>
+  </p:clrMapOvr>
+</p:sld>
+</file>
+
+<file path=ppt/slides/slide28.xml><?xml version="1.0" encoding="utf-8"?>
+<p:sld xmlns:a="http://schemas.openxmlformats.org/drawingml/2006/main" xmlns:r="http://schemas.openxmlformats.org/officeDocument/2006/relationships" xmlns:p="http://schemas.openxmlformats.org/presentationml/2006/main">
+  <p:cSld>
+    <p:spTree>
+      <p:nvGrpSpPr>
+        <p:cNvPr id="1" name=""/>
+        <p:cNvGrpSpPr/>
+        <p:nvPr/>
+      </p:nvGrpSpPr>
+      <p:grpSpPr>
+        <a:xfrm>
+          <a:off x="0" y="0"/>
+          <a:ext cx="0" cy="0"/>
+          <a:chOff x="0" y="0"/>
+          <a:chExt cx="0" cy="0"/>
+        </a:xfrm>
+      </p:grpSpPr>
+      <p:sp>
+        <p:nvSpPr>
+          <p:cNvPr id="2" name="Title 1"/>
+          <p:cNvSpPr>
+            <a:spLocks noGrp="1"/>
+          </p:cNvSpPr>
+          <p:nvPr>
+            <p:ph type="title"/>
+          </p:nvPr>
+        </p:nvSpPr>
+        <p:spPr/>
+        <p:txBody>
+          <a:bodyPr/>
+          <a:lstStyle/>
+          <a:p>
+            <a:r>
+              <a:rPr lang="es-ES_tradnl" dirty="0" smtClean="0"/>
+              <a:t>AOP</a:t>
+            </a:r>
+            <a:endParaRPr lang="es-ES_tradnl" dirty="0"/>
+          </a:p>
+        </p:txBody>
+      </p:sp>
+      <p:sp>
+        <p:nvSpPr>
+          <p:cNvPr id="3" name="Content Placeholder 2"/>
+          <p:cNvSpPr>
+            <a:spLocks noGrp="1"/>
+          </p:cNvSpPr>
+          <p:nvPr>
+            <p:ph idx="1"/>
+          </p:nvPr>
+        </p:nvSpPr>
+        <p:spPr/>
+        <p:txBody>
+          <a:bodyPr/>
+          <a:lstStyle/>
+          <a:p>
+            <a:r>
+              <a:rPr lang="es-ES_tradnl" dirty="0" smtClean="0"/>
+              <a:t>Es la base para agregar tus propios aspectos a tu aplicaci</a:t>
+            </a:r>
+            <a:r>
+              <a:rPr lang="es-ES_tradnl" dirty="0" smtClean="0"/>
+              <a:t>ón basada en Spring.</a:t>
+            </a:r>
+          </a:p>
+          <a:p>
+            <a:r>
+              <a:rPr lang="es-ES_tradnl" dirty="0" smtClean="0"/>
+              <a:t>Como DI, AOP nos provee de desacoplamiento entre objetos, pero con AOP podemos desacoplar responsabilidades de la aplicación como </a:t>
+            </a:r>
+            <a:r>
+              <a:rPr lang="es-ES_tradnl" dirty="0" err="1" smtClean="0"/>
+              <a:t>transaccionalidad</a:t>
+            </a:r>
+            <a:r>
+              <a:rPr lang="es-ES_tradnl" dirty="0" smtClean="0"/>
+              <a:t> y seguridad.</a:t>
+            </a:r>
+            <a:endParaRPr lang="es-ES_tradnl" dirty="0"/>
+          </a:p>
+        </p:txBody>
+      </p:sp>
+    </p:spTree>
+    <p:extLst>
+      <p:ext uri="{BB962C8B-B14F-4D97-AF65-F5344CB8AC3E}">
+        <p14:creationId xmlns:p14="http://schemas.microsoft.com/office/powerpoint/2010/main" val="415873203"/>
+      </p:ext>
+    </p:extLst>
+  </p:cSld>
+  <p:clrMapOvr>
+    <a:masterClrMapping/>
+  </p:clrMapOvr>
+</p:sld>
+</file>
+
+<file path=ppt/slides/slide29.xml><?xml version="1.0" encoding="utf-8"?>
+<p:sld xmlns:a="http://schemas.openxmlformats.org/drawingml/2006/main" xmlns:r="http://schemas.openxmlformats.org/officeDocument/2006/relationships" xmlns:p="http://schemas.openxmlformats.org/presentationml/2006/main">
+  <p:cSld>
+    <p:spTree>
+      <p:nvGrpSpPr>
+        <p:cNvPr id="1" name=""/>
+        <p:cNvGrpSpPr/>
+        <p:nvPr/>
+      </p:nvGrpSpPr>
+      <p:grpSpPr>
+        <a:xfrm>
+          <a:off x="0" y="0"/>
+          <a:ext cx="0" cy="0"/>
+          <a:chOff x="0" y="0"/>
+          <a:chExt cx="0" cy="0"/>
+        </a:xfrm>
+      </p:grpSpPr>
+      <p:sp>
+        <p:nvSpPr>
+          <p:cNvPr id="2" name="Title 1"/>
+          <p:cNvSpPr>
+            <a:spLocks noGrp="1"/>
+          </p:cNvSpPr>
+          <p:nvPr>
+            <p:ph type="title"/>
+          </p:nvPr>
+        </p:nvSpPr>
+        <p:spPr/>
+        <p:txBody>
+          <a:bodyPr>
+            <a:normAutofit fontScale="90000"/>
+          </a:bodyPr>
+          <a:lstStyle/>
+          <a:p>
+            <a:r>
+              <a:rPr lang="es-ES_tradnl" dirty="0" smtClean="0"/>
+              <a:t>Acceso a Datos e Integraci</a:t>
+            </a:r>
+            <a:r>
+              <a:rPr lang="es-ES_tradnl" dirty="0" smtClean="0"/>
+              <a:t>ón</a:t>
+            </a:r>
+            <a:endParaRPr lang="es-ES_tradnl" dirty="0"/>
+          </a:p>
+        </p:txBody>
+      </p:sp>
+      <p:sp>
+        <p:nvSpPr>
+          <p:cNvPr id="3" name="Content Placeholder 2"/>
+          <p:cNvSpPr>
+            <a:spLocks noGrp="1"/>
+          </p:cNvSpPr>
+          <p:nvPr>
+            <p:ph idx="1"/>
+          </p:nvPr>
+        </p:nvSpPr>
+        <p:spPr/>
+        <p:txBody>
+          <a:bodyPr>
+            <a:normAutofit fontScale="92500" lnSpcReduction="20000"/>
+          </a:bodyPr>
+          <a:lstStyle/>
+          <a:p>
+            <a:r>
+              <a:rPr lang="es-ES_tradnl" dirty="0" smtClean="0"/>
+              <a:t>Abstraen el c</a:t>
+            </a:r>
+            <a:r>
+              <a:rPr lang="es-ES_tradnl" dirty="0" smtClean="0"/>
+              <a:t>ódigo repetitivo que tiene que ver con manejar una conexión a base de datos y sus distintos recursos.</a:t>
+            </a:r>
+          </a:p>
+          <a:p>
+            <a:r>
+              <a:rPr lang="es-ES_tradnl" dirty="0" smtClean="0"/>
+              <a:t>Apoya al desarrollador a hacer buen uso de estos recursos, manejando cosas como la conexión y desconexión de la base de datos.</a:t>
+            </a:r>
+          </a:p>
+          <a:p>
+            <a:r>
+              <a:rPr lang="es-ES_tradnl" dirty="0" smtClean="0"/>
+              <a:t>Contiene la lógica necesaria para conectarse a una herramienta de ORM así como al servicio de mensajería (JMS).</a:t>
+            </a:r>
+          </a:p>
+          <a:p>
+            <a:r>
+              <a:rPr lang="es-ES_tradnl" dirty="0" smtClean="0"/>
+              <a:t>También contiene la lógica para el manejo de transacciones.</a:t>
+            </a:r>
+            <a:endParaRPr lang="es-ES_tradnl" dirty="0"/>
+          </a:p>
+        </p:txBody>
+      </p:sp>
+    </p:spTree>
+    <p:extLst>
+      <p:ext uri="{BB962C8B-B14F-4D97-AF65-F5344CB8AC3E}">
+        <p14:creationId xmlns:p14="http://schemas.microsoft.com/office/powerpoint/2010/main" val="3618104915"/>
+      </p:ext>
+    </p:extLst>
+  </p:cSld>
+  <p:clrMapOvr>
+    <a:masterClrMapping/>
+  </p:clrMapOvr>
 </p:sld>
 </file>
 
@@ -14878,6 +17082,896 @@
   <p:clrMapOvr>
     <a:masterClrMapping/>
   </p:clrMapOvr>
+  <p:timing>
+    <p:tnLst>
+      <p:par>
+        <p:cTn xmlns:p14="http://schemas.microsoft.com/office/powerpoint/2010/main" id="1" dur="indefinite" restart="never" nodeType="tmRoot"/>
+      </p:par>
+    </p:tnLst>
+  </p:timing>
+</p:sld>
+</file>
+
+<file path=ppt/slides/slide30.xml><?xml version="1.0" encoding="utf-8"?>
+<p:sld xmlns:a="http://schemas.openxmlformats.org/drawingml/2006/main" xmlns:r="http://schemas.openxmlformats.org/officeDocument/2006/relationships" xmlns:p="http://schemas.openxmlformats.org/presentationml/2006/main">
+  <p:cSld>
+    <p:spTree>
+      <p:nvGrpSpPr>
+        <p:cNvPr id="1" name=""/>
+        <p:cNvGrpSpPr/>
+        <p:nvPr/>
+      </p:nvGrpSpPr>
+      <p:grpSpPr>
+        <a:xfrm>
+          <a:off x="0" y="0"/>
+          <a:ext cx="0" cy="0"/>
+          <a:chOff x="0" y="0"/>
+          <a:chExt cx="0" cy="0"/>
+        </a:xfrm>
+      </p:grpSpPr>
+      <p:sp>
+        <p:nvSpPr>
+          <p:cNvPr id="2" name="Title 1"/>
+          <p:cNvSpPr>
+            <a:spLocks noGrp="1"/>
+          </p:cNvSpPr>
+          <p:nvPr>
+            <p:ph type="title"/>
+          </p:nvPr>
+        </p:nvSpPr>
+        <p:spPr/>
+        <p:txBody>
+          <a:bodyPr/>
+          <a:lstStyle/>
+          <a:p>
+            <a:r>
+              <a:rPr lang="es-ES_tradnl" dirty="0" smtClean="0"/>
+              <a:t>Web y Acceso Remoto</a:t>
+            </a:r>
+            <a:endParaRPr lang="es-ES_tradnl" dirty="0"/>
+          </a:p>
+        </p:txBody>
+      </p:sp>
+      <p:sp>
+        <p:nvSpPr>
+          <p:cNvPr id="3" name="Content Placeholder 2"/>
+          <p:cNvSpPr>
+            <a:spLocks noGrp="1"/>
+          </p:cNvSpPr>
+          <p:nvPr>
+            <p:ph idx="1"/>
+          </p:nvPr>
+        </p:nvSpPr>
+        <p:spPr/>
+        <p:txBody>
+          <a:bodyPr/>
+          <a:lstStyle/>
+          <a:p>
+            <a:r>
+              <a:rPr lang="es-ES_tradnl" dirty="0" smtClean="0"/>
+              <a:t>Tiene una implementaci</a:t>
+            </a:r>
+            <a:r>
+              <a:rPr lang="es-ES_tradnl" dirty="0" smtClean="0"/>
+              <a:t>ón del paradigma MVC, pero se puede conectar a otras implementaciones.</a:t>
+            </a:r>
+          </a:p>
+          <a:p>
+            <a:r>
+              <a:rPr lang="es-ES_tradnl" dirty="0" smtClean="0"/>
+              <a:t>Contiene la implementación de varias opciones para tener acceso remoto a la aplicación como RMI, </a:t>
+            </a:r>
+            <a:r>
+              <a:rPr lang="es-ES_tradnl" dirty="0" err="1" smtClean="0"/>
+              <a:t>Hessian</a:t>
+            </a:r>
+            <a:r>
+              <a:rPr lang="es-ES_tradnl" dirty="0" smtClean="0"/>
+              <a:t>, </a:t>
+            </a:r>
+            <a:r>
+              <a:rPr lang="es-ES_tradnl" dirty="0" err="1" smtClean="0"/>
+              <a:t>Burlap</a:t>
+            </a:r>
+            <a:r>
+              <a:rPr lang="es-ES_tradnl" dirty="0" smtClean="0"/>
+              <a:t>, JAX-WS, entre otros.</a:t>
+            </a:r>
+            <a:endParaRPr lang="es-ES_tradnl" dirty="0"/>
+          </a:p>
+        </p:txBody>
+      </p:sp>
+    </p:spTree>
+    <p:extLst>
+      <p:ext uri="{BB962C8B-B14F-4D97-AF65-F5344CB8AC3E}">
+        <p14:creationId xmlns:p14="http://schemas.microsoft.com/office/powerpoint/2010/main" val="841480689"/>
+      </p:ext>
+    </p:extLst>
+  </p:cSld>
+  <p:clrMapOvr>
+    <a:masterClrMapping/>
+  </p:clrMapOvr>
+</p:sld>
+</file>
+
+<file path=ppt/slides/slide31.xml><?xml version="1.0" encoding="utf-8"?>
+<p:sld xmlns:a="http://schemas.openxmlformats.org/drawingml/2006/main" xmlns:r="http://schemas.openxmlformats.org/officeDocument/2006/relationships" xmlns:p="http://schemas.openxmlformats.org/presentationml/2006/main">
+  <p:cSld>
+    <p:spTree>
+      <p:nvGrpSpPr>
+        <p:cNvPr id="1" name=""/>
+        <p:cNvGrpSpPr/>
+        <p:nvPr/>
+      </p:nvGrpSpPr>
+      <p:grpSpPr>
+        <a:xfrm>
+          <a:off x="0" y="0"/>
+          <a:ext cx="0" cy="0"/>
+          <a:chOff x="0" y="0"/>
+          <a:chExt cx="0" cy="0"/>
+        </a:xfrm>
+      </p:grpSpPr>
+      <p:sp>
+        <p:nvSpPr>
+          <p:cNvPr id="2" name="Title 1"/>
+          <p:cNvSpPr>
+            <a:spLocks noGrp="1"/>
+          </p:cNvSpPr>
+          <p:nvPr>
+            <p:ph type="title"/>
+          </p:nvPr>
+        </p:nvSpPr>
+        <p:spPr/>
+        <p:txBody>
+          <a:bodyPr/>
+          <a:lstStyle/>
+          <a:p>
+            <a:r>
+              <a:rPr lang="es-ES_tradnl" dirty="0" smtClean="0"/>
+              <a:t>Pruebas</a:t>
+            </a:r>
+            <a:endParaRPr lang="es-ES_tradnl" dirty="0"/>
+          </a:p>
+        </p:txBody>
+      </p:sp>
+      <p:sp>
+        <p:nvSpPr>
+          <p:cNvPr id="3" name="Content Placeholder 2"/>
+          <p:cNvSpPr>
+            <a:spLocks noGrp="1"/>
+          </p:cNvSpPr>
+          <p:nvPr>
+            <p:ph idx="1"/>
+          </p:nvPr>
+        </p:nvSpPr>
+        <p:spPr/>
+        <p:txBody>
+          <a:bodyPr/>
+          <a:lstStyle/>
+          <a:p>
+            <a:r>
+              <a:rPr lang="es-ES_tradnl" dirty="0" smtClean="0"/>
+              <a:t>Reconociendo la importancia de pruebas escritas por el desarrollador, Spring nos provee de </a:t>
+            </a:r>
+            <a:r>
+              <a:rPr lang="es-ES_tradnl" dirty="0" smtClean="0"/>
+              <a:t>éste módulo.</a:t>
+            </a:r>
+            <a:endParaRPr lang="es-ES_tradnl" dirty="0"/>
+          </a:p>
+        </p:txBody>
+      </p:sp>
+    </p:spTree>
+    <p:extLst>
+      <p:ext uri="{BB962C8B-B14F-4D97-AF65-F5344CB8AC3E}">
+        <p14:creationId xmlns:p14="http://schemas.microsoft.com/office/powerpoint/2010/main" val="830803030"/>
+      </p:ext>
+    </p:extLst>
+  </p:cSld>
+  <p:clrMapOvr>
+    <a:masterClrMapping/>
+  </p:clrMapOvr>
+</p:sld>
+</file>
+
+<file path=ppt/slides/slide32.xml><?xml version="1.0" encoding="utf-8"?>
+<p:sld xmlns:a="http://schemas.openxmlformats.org/drawingml/2006/main" xmlns:r="http://schemas.openxmlformats.org/officeDocument/2006/relationships" xmlns:p="http://schemas.openxmlformats.org/presentationml/2006/main">
+  <p:cSld>
+    <p:spTree>
+      <p:nvGrpSpPr>
+        <p:cNvPr id="1" name=""/>
+        <p:cNvGrpSpPr/>
+        <p:nvPr/>
+      </p:nvGrpSpPr>
+      <p:grpSpPr>
+        <a:xfrm>
+          <a:off x="0" y="0"/>
+          <a:ext cx="0" cy="0"/>
+          <a:chOff x="0" y="0"/>
+          <a:chExt cx="0" cy="0"/>
+        </a:xfrm>
+      </p:grpSpPr>
+      <p:sp>
+        <p:nvSpPr>
+          <p:cNvPr id="2" name="Title 1"/>
+          <p:cNvSpPr>
+            <a:spLocks noGrp="1"/>
+          </p:cNvSpPr>
+          <p:nvPr>
+            <p:ph type="title"/>
+          </p:nvPr>
+        </p:nvSpPr>
+        <p:spPr/>
+        <p:txBody>
+          <a:bodyPr/>
+          <a:lstStyle/>
+          <a:p>
+            <a:r>
+              <a:rPr lang="es-ES_tradnl" dirty="0" smtClean="0"/>
+              <a:t>Otros m</a:t>
+            </a:r>
+            <a:r>
+              <a:rPr lang="es-ES_tradnl" dirty="0" smtClean="0"/>
+              <a:t>ódulos</a:t>
+            </a:r>
+            <a:endParaRPr lang="es-ES_tradnl" dirty="0"/>
+          </a:p>
+        </p:txBody>
+      </p:sp>
+      <p:sp>
+        <p:nvSpPr>
+          <p:cNvPr id="3" name="Content Placeholder 2"/>
+          <p:cNvSpPr>
+            <a:spLocks noGrp="1"/>
+          </p:cNvSpPr>
+          <p:nvPr>
+            <p:ph sz="quarter" idx="13"/>
+          </p:nvPr>
+        </p:nvSpPr>
+        <p:spPr/>
+        <p:txBody>
+          <a:bodyPr/>
+          <a:lstStyle/>
+          <a:p>
+            <a:r>
+              <a:rPr lang="es-ES_tradnl" dirty="0" smtClean="0"/>
+              <a:t>Web </a:t>
+            </a:r>
+            <a:r>
+              <a:rPr lang="es-ES_tradnl" dirty="0" err="1" smtClean="0"/>
+              <a:t>Flow</a:t>
+            </a:r>
+            <a:endParaRPr lang="es-ES_tradnl" dirty="0" smtClean="0"/>
+          </a:p>
+          <a:p>
+            <a:r>
+              <a:rPr lang="es-ES_tradnl" dirty="0" smtClean="0"/>
+              <a:t>Web </a:t>
+            </a:r>
+            <a:r>
+              <a:rPr lang="es-ES_tradnl" dirty="0" err="1" smtClean="0"/>
+              <a:t>Services</a:t>
+            </a:r>
+            <a:endParaRPr lang="es-ES_tradnl" dirty="0" smtClean="0"/>
+          </a:p>
+          <a:p>
+            <a:r>
+              <a:rPr lang="es-ES_tradnl" dirty="0" smtClean="0"/>
+              <a:t>Security</a:t>
+            </a:r>
+          </a:p>
+          <a:p>
+            <a:r>
+              <a:rPr lang="es-ES_tradnl" dirty="0" err="1" smtClean="0"/>
+              <a:t>Integration</a:t>
+            </a:r>
+            <a:endParaRPr lang="es-ES_tradnl" dirty="0" smtClean="0"/>
+          </a:p>
+          <a:p>
+            <a:r>
+              <a:rPr lang="es-ES_tradnl" dirty="0" err="1" smtClean="0"/>
+              <a:t>Batch</a:t>
+            </a:r>
+            <a:endParaRPr lang="es-ES_tradnl" dirty="0" smtClean="0"/>
+          </a:p>
+          <a:p>
+            <a:r>
+              <a:rPr lang="es-ES_tradnl" dirty="0" smtClean="0"/>
+              <a:t>Social</a:t>
+            </a:r>
+          </a:p>
+          <a:p>
+            <a:r>
+              <a:rPr lang="es-ES_tradnl" dirty="0" smtClean="0"/>
+              <a:t>Mobile</a:t>
+            </a:r>
+            <a:endParaRPr lang="es-ES_tradnl" dirty="0"/>
+          </a:p>
+        </p:txBody>
+      </p:sp>
+      <p:sp>
+        <p:nvSpPr>
+          <p:cNvPr id="4" name="Content Placeholder 3"/>
+          <p:cNvSpPr>
+            <a:spLocks noGrp="1"/>
+          </p:cNvSpPr>
+          <p:nvPr>
+            <p:ph sz="quarter" idx="14"/>
+          </p:nvPr>
+        </p:nvSpPr>
+        <p:spPr/>
+        <p:txBody>
+          <a:bodyPr/>
+          <a:lstStyle/>
+          <a:p>
+            <a:r>
+              <a:rPr lang="es-ES_tradnl" dirty="0" err="1" smtClean="0"/>
+              <a:t>Dynamic</a:t>
+            </a:r>
+            <a:r>
+              <a:rPr lang="es-ES_tradnl" dirty="0" smtClean="0"/>
+              <a:t> Modules</a:t>
+            </a:r>
+          </a:p>
+          <a:p>
+            <a:r>
+              <a:rPr lang="es-ES_tradnl" dirty="0" smtClean="0"/>
+              <a:t>LDAP</a:t>
+            </a:r>
+          </a:p>
+          <a:p>
+            <a:r>
+              <a:rPr lang="es-ES_tradnl" dirty="0" err="1" smtClean="0"/>
+              <a:t>Rich</a:t>
+            </a:r>
+            <a:r>
+              <a:rPr lang="es-ES_tradnl" dirty="0" smtClean="0"/>
+              <a:t> </a:t>
+            </a:r>
+            <a:r>
+              <a:rPr lang="es-ES_tradnl" dirty="0" err="1" smtClean="0"/>
+              <a:t>Client</a:t>
+            </a:r>
+            <a:endParaRPr lang="es-ES_tradnl" dirty="0" smtClean="0"/>
+          </a:p>
+          <a:p>
+            <a:r>
+              <a:rPr lang="es-ES_tradnl" dirty="0" err="1" smtClean="0"/>
+              <a:t>.Net</a:t>
+            </a:r>
+            <a:endParaRPr lang="es-ES_tradnl" dirty="0" smtClean="0"/>
+          </a:p>
+          <a:p>
+            <a:r>
+              <a:rPr lang="es-ES_tradnl" dirty="0" smtClean="0"/>
+              <a:t>Flex</a:t>
+            </a:r>
+          </a:p>
+          <a:p>
+            <a:r>
+              <a:rPr lang="es-ES_tradnl" dirty="0" smtClean="0"/>
+              <a:t>Roo</a:t>
+            </a:r>
+          </a:p>
+          <a:p>
+            <a:r>
+              <a:rPr lang="es-ES_tradnl" dirty="0" err="1" smtClean="0"/>
+              <a:t>Extensions</a:t>
+            </a:r>
+            <a:endParaRPr lang="es-ES_tradnl" dirty="0"/>
+          </a:p>
+        </p:txBody>
+      </p:sp>
+    </p:spTree>
+    <p:extLst>
+      <p:ext uri="{BB962C8B-B14F-4D97-AF65-F5344CB8AC3E}">
+        <p14:creationId xmlns:p14="http://schemas.microsoft.com/office/powerpoint/2010/main" val="566574081"/>
+      </p:ext>
+    </p:extLst>
+  </p:cSld>
+  <p:clrMapOvr>
+    <a:masterClrMapping/>
+  </p:clrMapOvr>
+</p:sld>
+</file>
+
+<file path=ppt/slides/slide33.xml><?xml version="1.0" encoding="utf-8"?>
+<p:sld xmlns:a="http://schemas.openxmlformats.org/drawingml/2006/main" xmlns:r="http://schemas.openxmlformats.org/officeDocument/2006/relationships" xmlns:p="http://schemas.openxmlformats.org/presentationml/2006/main">
+  <p:cSld>
+    <p:spTree>
+      <p:nvGrpSpPr>
+        <p:cNvPr id="1" name=""/>
+        <p:cNvGrpSpPr/>
+        <p:nvPr/>
+      </p:nvGrpSpPr>
+      <p:grpSpPr>
+        <a:xfrm>
+          <a:off x="0" y="0"/>
+          <a:ext cx="0" cy="0"/>
+          <a:chOff x="0" y="0"/>
+          <a:chExt cx="0" cy="0"/>
+        </a:xfrm>
+      </p:grpSpPr>
+      <p:sp>
+        <p:nvSpPr>
+          <p:cNvPr id="5" name="Title 4"/>
+          <p:cNvSpPr>
+            <a:spLocks noGrp="1"/>
+          </p:cNvSpPr>
+          <p:nvPr>
+            <p:ph type="title"/>
+          </p:nvPr>
+        </p:nvSpPr>
+        <p:spPr/>
+        <p:txBody>
+          <a:bodyPr/>
+          <a:lstStyle/>
+          <a:p>
+            <a:r>
+              <a:rPr lang="es-ES_tradnl" dirty="0" smtClean="0"/>
+              <a:t>Nuevo en 2.5</a:t>
+            </a:r>
+            <a:endParaRPr lang="es-ES_tradnl" dirty="0"/>
+          </a:p>
+        </p:txBody>
+      </p:sp>
+      <p:sp>
+        <p:nvSpPr>
+          <p:cNvPr id="6" name="Content Placeholder 5"/>
+          <p:cNvSpPr>
+            <a:spLocks noGrp="1"/>
+          </p:cNvSpPr>
+          <p:nvPr>
+            <p:ph idx="1"/>
+          </p:nvPr>
+        </p:nvSpPr>
+        <p:spPr/>
+        <p:txBody>
+          <a:bodyPr/>
+          <a:lstStyle/>
+          <a:p>
+            <a:r>
+              <a:rPr lang="es-ES_tradnl" dirty="0" smtClean="0"/>
+              <a:t>Anotaciones</a:t>
+            </a:r>
+          </a:p>
+          <a:p>
+            <a:r>
+              <a:rPr lang="es-ES_tradnl" dirty="0" smtClean="0"/>
+              <a:t>Pruebas basadas en JUnit 4</a:t>
+            </a:r>
+          </a:p>
+          <a:p>
+            <a:r>
+              <a:rPr lang="es-ES_tradnl" dirty="0" smtClean="0"/>
+              <a:t>Soporte para Java 6 y JEE 5</a:t>
+            </a:r>
+          </a:p>
+          <a:p>
+            <a:r>
+              <a:rPr lang="es-ES_tradnl" dirty="0" smtClean="0"/>
+              <a:t>Mejoras a AOP</a:t>
+            </a:r>
+          </a:p>
+          <a:p>
+            <a:r>
+              <a:rPr lang="es-ES_tradnl" dirty="0" smtClean="0"/>
+              <a:t>Par</a:t>
+            </a:r>
+            <a:r>
+              <a:rPr lang="es-ES_tradnl" dirty="0" smtClean="0"/>
+              <a:t>ámetros nombrados en </a:t>
+            </a:r>
+            <a:r>
+              <a:rPr lang="es-ES_tradnl" dirty="0" err="1" smtClean="0"/>
+              <a:t>SqlJdbcTemplate</a:t>
+            </a:r>
+            <a:endParaRPr lang="es-ES_tradnl" dirty="0" smtClean="0"/>
+          </a:p>
+          <a:p>
+            <a:r>
+              <a:rPr lang="es-ES_tradnl" dirty="0" smtClean="0"/>
+              <a:t>Entre otras cosas</a:t>
+            </a:r>
+            <a:endParaRPr lang="es-ES_tradnl" dirty="0"/>
+          </a:p>
+        </p:txBody>
+      </p:sp>
+    </p:spTree>
+    <p:extLst>
+      <p:ext uri="{BB962C8B-B14F-4D97-AF65-F5344CB8AC3E}">
+        <p14:creationId xmlns:p14="http://schemas.microsoft.com/office/powerpoint/2010/main" val="2096327275"/>
+      </p:ext>
+    </p:extLst>
+  </p:cSld>
+  <p:clrMapOvr>
+    <a:masterClrMapping/>
+  </p:clrMapOvr>
+</p:sld>
+</file>
+
+<file path=ppt/slides/slide34.xml><?xml version="1.0" encoding="utf-8"?>
+<p:sld xmlns:a="http://schemas.openxmlformats.org/drawingml/2006/main" xmlns:r="http://schemas.openxmlformats.org/officeDocument/2006/relationships" xmlns:p="http://schemas.openxmlformats.org/presentationml/2006/main">
+  <p:cSld>
+    <p:spTree>
+      <p:nvGrpSpPr>
+        <p:cNvPr id="1" name=""/>
+        <p:cNvGrpSpPr/>
+        <p:nvPr/>
+      </p:nvGrpSpPr>
+      <p:grpSpPr>
+        <a:xfrm>
+          <a:off x="0" y="0"/>
+          <a:ext cx="0" cy="0"/>
+          <a:chOff x="0" y="0"/>
+          <a:chExt cx="0" cy="0"/>
+        </a:xfrm>
+      </p:grpSpPr>
+      <p:sp>
+        <p:nvSpPr>
+          <p:cNvPr id="2" name="Title 1"/>
+          <p:cNvSpPr>
+            <a:spLocks noGrp="1"/>
+          </p:cNvSpPr>
+          <p:nvPr>
+            <p:ph type="title"/>
+          </p:nvPr>
+        </p:nvSpPr>
+        <p:spPr/>
+        <p:txBody>
+          <a:bodyPr/>
+          <a:lstStyle/>
+          <a:p>
+            <a:r>
+              <a:rPr lang="es-ES_tradnl" dirty="0" smtClean="0"/>
+              <a:t>Nuevo en 3.0</a:t>
+            </a:r>
+            <a:endParaRPr lang="es-ES_tradnl" dirty="0"/>
+          </a:p>
+        </p:txBody>
+      </p:sp>
+      <p:sp>
+        <p:nvSpPr>
+          <p:cNvPr id="3" name="Content Placeholder 2"/>
+          <p:cNvSpPr>
+            <a:spLocks noGrp="1"/>
+          </p:cNvSpPr>
+          <p:nvPr>
+            <p:ph idx="1"/>
+          </p:nvPr>
+        </p:nvSpPr>
+        <p:spPr/>
+        <p:txBody>
+          <a:bodyPr>
+            <a:normAutofit lnSpcReduction="10000"/>
+          </a:bodyPr>
+          <a:lstStyle/>
+          <a:p>
+            <a:r>
+              <a:rPr lang="es-ES_tradnl" dirty="0" smtClean="0"/>
+              <a:t>Soporte REST en Spring MVC</a:t>
+            </a:r>
+          </a:p>
+          <a:p>
+            <a:r>
+              <a:rPr lang="es-ES_tradnl" dirty="0" smtClean="0"/>
+              <a:t>Un nuevo lenguaje de expresiones para mejorar el DI</a:t>
+            </a:r>
+          </a:p>
+          <a:p>
+            <a:r>
+              <a:rPr lang="es-ES_tradnl" dirty="0" smtClean="0"/>
+              <a:t>Soporte para validaci</a:t>
+            </a:r>
+            <a:r>
+              <a:rPr lang="es-ES_tradnl" dirty="0" smtClean="0"/>
+              <a:t>ón mediante el JSR-303</a:t>
+            </a:r>
+          </a:p>
+          <a:p>
+            <a:r>
+              <a:rPr lang="es-ES_tradnl" dirty="0" smtClean="0"/>
+              <a:t>Soporte para la nueva especificación de DI, la JSR-330</a:t>
+            </a:r>
+          </a:p>
+          <a:p>
+            <a:r>
+              <a:rPr lang="es-ES_tradnl" dirty="0" smtClean="0"/>
+              <a:t>Declaración basada en anotaciones para métodos asíncronos y programados</a:t>
+            </a:r>
+            <a:endParaRPr lang="es-ES_tradnl" dirty="0" smtClean="0"/>
+          </a:p>
+          <a:p>
+            <a:endParaRPr lang="es-ES_tradnl" dirty="0" smtClean="0"/>
+          </a:p>
+        </p:txBody>
+      </p:sp>
+    </p:spTree>
+    <p:extLst>
+      <p:ext uri="{BB962C8B-B14F-4D97-AF65-F5344CB8AC3E}">
+        <p14:creationId xmlns:p14="http://schemas.microsoft.com/office/powerpoint/2010/main" val="1808608663"/>
+      </p:ext>
+    </p:extLst>
+  </p:cSld>
+  <p:clrMapOvr>
+    <a:masterClrMapping/>
+  </p:clrMapOvr>
+</p:sld>
+</file>
+
+<file path=ppt/slides/slide35.xml><?xml version="1.0" encoding="utf-8"?>
+<p:sld xmlns:a="http://schemas.openxmlformats.org/drawingml/2006/main" xmlns:r="http://schemas.openxmlformats.org/officeDocument/2006/relationships" xmlns:p="http://schemas.openxmlformats.org/presentationml/2006/main">
+  <p:cSld>
+    <p:spTree>
+      <p:nvGrpSpPr>
+        <p:cNvPr id="1" name=""/>
+        <p:cNvGrpSpPr/>
+        <p:nvPr/>
+      </p:nvGrpSpPr>
+      <p:grpSpPr>
+        <a:xfrm>
+          <a:off x="0" y="0"/>
+          <a:ext cx="0" cy="0"/>
+          <a:chOff x="0" y="0"/>
+          <a:chExt cx="0" cy="0"/>
+        </a:xfrm>
+      </p:grpSpPr>
+      <p:sp>
+        <p:nvSpPr>
+          <p:cNvPr id="2" name="Title 1"/>
+          <p:cNvSpPr>
+            <a:spLocks noGrp="1"/>
+          </p:cNvSpPr>
+          <p:nvPr>
+            <p:ph type="title"/>
+          </p:nvPr>
+        </p:nvSpPr>
+        <p:spPr/>
+        <p:txBody>
+          <a:bodyPr/>
+          <a:lstStyle/>
+          <a:p>
+            <a:r>
+              <a:rPr lang="es-ES_tradnl" dirty="0" smtClean="0"/>
+              <a:t>Nuevo en 3.0 (cont.)</a:t>
+            </a:r>
+            <a:endParaRPr lang="es-ES_tradnl" dirty="0"/>
+          </a:p>
+        </p:txBody>
+      </p:sp>
+      <p:sp>
+        <p:nvSpPr>
+          <p:cNvPr id="3" name="Content Placeholder 2"/>
+          <p:cNvSpPr>
+            <a:spLocks noGrp="1"/>
+          </p:cNvSpPr>
+          <p:nvPr>
+            <p:ph idx="1"/>
+          </p:nvPr>
+        </p:nvSpPr>
+        <p:spPr/>
+        <p:txBody>
+          <a:bodyPr>
+            <a:normAutofit lnSpcReduction="10000"/>
+          </a:bodyPr>
+          <a:lstStyle/>
+          <a:p>
+            <a:r>
+              <a:rPr lang="es-ES_tradnl" dirty="0" smtClean="0"/>
+              <a:t>Un nuevo modelo de configuraci</a:t>
+            </a:r>
+            <a:r>
+              <a:rPr lang="es-ES_tradnl" dirty="0" smtClean="0"/>
+              <a:t>ón basada en anotaciones que permite una configuración de Spring con casi nada de XML</a:t>
+            </a:r>
+          </a:p>
+          <a:p>
+            <a:r>
+              <a:rPr lang="es-ES_tradnl" dirty="0" smtClean="0"/>
+              <a:t>La implementación del mapeo Objeto a XML (OXM) que estaba en el módulo de Spring Web </a:t>
+            </a:r>
+            <a:r>
+              <a:rPr lang="es-ES_tradnl" dirty="0" err="1" smtClean="0"/>
+              <a:t>Services</a:t>
+            </a:r>
+            <a:r>
+              <a:rPr lang="es-ES_tradnl" dirty="0" smtClean="0"/>
+              <a:t> se ha movido al </a:t>
+            </a:r>
+            <a:r>
+              <a:rPr lang="es-ES_tradnl" dirty="0" err="1" smtClean="0"/>
+              <a:t>Core</a:t>
+            </a:r>
+            <a:r>
+              <a:rPr lang="es-ES_tradnl" dirty="0" smtClean="0"/>
+              <a:t>.</a:t>
+            </a:r>
+          </a:p>
+          <a:p>
+            <a:r>
+              <a:rPr lang="es-ES_tradnl" dirty="0" smtClean="0"/>
+              <a:t>Se requiere de Java 5 </a:t>
+            </a:r>
+            <a:r>
+              <a:rPr lang="es-ES_tradnl" smtClean="0"/>
+              <a:t>para correr</a:t>
+            </a:r>
+            <a:endParaRPr lang="es-ES_tradnl" dirty="0"/>
+          </a:p>
+        </p:txBody>
+      </p:sp>
+    </p:spTree>
+    <p:extLst>
+      <p:ext uri="{BB962C8B-B14F-4D97-AF65-F5344CB8AC3E}">
+        <p14:creationId xmlns:p14="http://schemas.microsoft.com/office/powerpoint/2010/main" val="1678432681"/>
+      </p:ext>
+    </p:extLst>
+  </p:cSld>
+  <p:clrMapOvr>
+    <a:masterClrMapping/>
+  </p:clrMapOvr>
+</p:sld>
+</file>
+
+<file path=ppt/slides/slide36.xml><?xml version="1.0" encoding="utf-8"?>
+<p:sld xmlns:a="http://schemas.openxmlformats.org/drawingml/2006/main" xmlns:r="http://schemas.openxmlformats.org/officeDocument/2006/relationships" xmlns:p="http://schemas.openxmlformats.org/presentationml/2006/main">
+  <p:cSld>
+    <p:spTree>
+      <p:nvGrpSpPr>
+        <p:cNvPr id="1" name=""/>
+        <p:cNvGrpSpPr/>
+        <p:nvPr/>
+      </p:nvGrpSpPr>
+      <p:grpSpPr>
+        <a:xfrm>
+          <a:off x="0" y="0"/>
+          <a:ext cx="0" cy="0"/>
+          <a:chOff x="0" y="0"/>
+          <a:chExt cx="0" cy="0"/>
+        </a:xfrm>
+      </p:grpSpPr>
+      <p:sp>
+        <p:nvSpPr>
+          <p:cNvPr id="4" name="Title 3"/>
+          <p:cNvSpPr>
+            <a:spLocks noGrp="1"/>
+          </p:cNvSpPr>
+          <p:nvPr>
+            <p:ph type="title"/>
+          </p:nvPr>
+        </p:nvSpPr>
+        <p:spPr/>
+        <p:txBody>
+          <a:bodyPr/>
+          <a:lstStyle/>
+          <a:p>
+            <a:r>
+              <a:rPr lang="es-ES_tradnl" dirty="0" smtClean="0"/>
+              <a:t>B</a:t>
+            </a:r>
+            <a:r>
+              <a:rPr lang="es-ES_tradnl" dirty="0" smtClean="0"/>
+              <a:t>ásicos de Spring</a:t>
+            </a:r>
+            <a:endParaRPr lang="es-ES_tradnl" dirty="0"/>
+          </a:p>
+        </p:txBody>
+      </p:sp>
+      <p:sp>
+        <p:nvSpPr>
+          <p:cNvPr id="5" name="Text Placeholder 4"/>
+          <p:cNvSpPr>
+            <a:spLocks noGrp="1"/>
+          </p:cNvSpPr>
+          <p:nvPr>
+            <p:ph type="body" idx="1"/>
+          </p:nvPr>
+        </p:nvSpPr>
+        <p:spPr/>
+        <p:txBody>
+          <a:bodyPr/>
+          <a:lstStyle/>
+          <a:p>
+            <a:endParaRPr lang="es-ES_tradnl"/>
+          </a:p>
+        </p:txBody>
+      </p:sp>
+    </p:spTree>
+    <p:extLst>
+      <p:ext uri="{BB962C8B-B14F-4D97-AF65-F5344CB8AC3E}">
+        <p14:creationId xmlns:p14="http://schemas.microsoft.com/office/powerpoint/2010/main" val="1568619498"/>
+      </p:ext>
+    </p:extLst>
+  </p:cSld>
+  <p:clrMapOvr>
+    <a:masterClrMapping/>
+  </p:clrMapOvr>
+  <p:timing>
+    <p:tnLst>
+      <p:par>
+        <p:cTn xmlns:p14="http://schemas.microsoft.com/office/powerpoint/2010/main" id="1" dur="indefinite" restart="never" nodeType="tmRoot"/>
+      </p:par>
+    </p:tnLst>
+  </p:timing>
+</p:sld>
+</file>
+
+<file path=ppt/slides/slide37.xml><?xml version="1.0" encoding="utf-8"?>
+<p:sld xmlns:a="http://schemas.openxmlformats.org/drawingml/2006/main" xmlns:r="http://schemas.openxmlformats.org/officeDocument/2006/relationships" xmlns:p="http://schemas.openxmlformats.org/presentationml/2006/main">
+  <p:cSld>
+    <p:spTree>
+      <p:nvGrpSpPr>
+        <p:cNvPr id="1" name=""/>
+        <p:cNvGrpSpPr/>
+        <p:nvPr/>
+      </p:nvGrpSpPr>
+      <p:grpSpPr>
+        <a:xfrm>
+          <a:off x="0" y="0"/>
+          <a:ext cx="0" cy="0"/>
+          <a:chOff x="0" y="0"/>
+          <a:chExt cx="0" cy="0"/>
+        </a:xfrm>
+      </p:grpSpPr>
+      <p:sp>
+        <p:nvSpPr>
+          <p:cNvPr id="4" name="Title 3"/>
+          <p:cNvSpPr>
+            <a:spLocks noGrp="1"/>
+          </p:cNvSpPr>
+          <p:nvPr>
+            <p:ph type="title"/>
+          </p:nvPr>
+        </p:nvSpPr>
+        <p:spPr/>
+        <p:txBody>
+          <a:bodyPr/>
+          <a:lstStyle/>
+          <a:p>
+            <a:r>
+              <a:rPr lang="es-ES_tradnl" dirty="0" smtClean="0"/>
+              <a:t>Integrando Spring</a:t>
+            </a:r>
+            <a:endParaRPr lang="es-ES_tradnl" dirty="0"/>
+          </a:p>
+        </p:txBody>
+      </p:sp>
+      <p:sp>
+        <p:nvSpPr>
+          <p:cNvPr id="5" name="Text Placeholder 4"/>
+          <p:cNvSpPr>
+            <a:spLocks noGrp="1"/>
+          </p:cNvSpPr>
+          <p:nvPr>
+            <p:ph type="body" idx="1"/>
+          </p:nvPr>
+        </p:nvSpPr>
+        <p:spPr/>
+        <p:txBody>
+          <a:bodyPr/>
+          <a:lstStyle/>
+          <a:p>
+            <a:endParaRPr lang="es-ES_tradnl"/>
+          </a:p>
+        </p:txBody>
+      </p:sp>
+    </p:spTree>
+    <p:extLst>
+      <p:ext uri="{BB962C8B-B14F-4D97-AF65-F5344CB8AC3E}">
+        <p14:creationId xmlns:p14="http://schemas.microsoft.com/office/powerpoint/2010/main" val="1568619498"/>
+      </p:ext>
+    </p:extLst>
+  </p:cSld>
+  <p:clrMapOvr>
+    <a:masterClrMapping/>
+  </p:clrMapOvr>
+  <p:timing>
+    <p:tnLst>
+      <p:par>
+        <p:cTn xmlns:p14="http://schemas.microsoft.com/office/powerpoint/2010/main" id="1" dur="indefinite" restart="never" nodeType="tmRoot"/>
+      </p:par>
+    </p:tnLst>
+  </p:timing>
 </p:sld>
 </file>
 
@@ -14984,6 +18078,13 @@
   <p:clrMapOvr>
     <a:masterClrMapping/>
   </p:clrMapOvr>
+  <p:timing>
+    <p:tnLst>
+      <p:par>
+        <p:cTn xmlns:p14="http://schemas.microsoft.com/office/powerpoint/2010/main" id="1" dur="indefinite" restart="never" nodeType="tmRoot"/>
+      </p:par>
+    </p:tnLst>
+  </p:timing>
 </p:sld>
 </file>
 
@@ -15124,6 +18225,13 @@
   <p:clrMapOvr>
     <a:masterClrMapping/>
   </p:clrMapOvr>
+  <p:timing>
+    <p:tnLst>
+      <p:par>
+        <p:cTn xmlns:p14="http://schemas.microsoft.com/office/powerpoint/2010/main" id="1" dur="indefinite" restart="never" nodeType="tmRoot"/>
+      </p:par>
+    </p:tnLst>
+  </p:timing>
 </p:sld>
 </file>
 
@@ -15536,6 +18644,13 @@
   <p:clrMapOvr>
     <a:masterClrMapping/>
   </p:clrMapOvr>
+  <p:timing>
+    <p:tnLst>
+      <p:par>
+        <p:cTn xmlns:p14="http://schemas.microsoft.com/office/powerpoint/2010/main" id="1" dur="indefinite" restart="never" nodeType="tmRoot"/>
+      </p:par>
+    </p:tnLst>
+  </p:timing>
 </p:sld>
 </file>
 
@@ -15737,6 +18852,13 @@
   <p:clrMapOvr>
     <a:masterClrMapping/>
   </p:clrMapOvr>
+  <p:timing>
+    <p:tnLst>
+      <p:par>
+        <p:cTn xmlns:p14="http://schemas.microsoft.com/office/powerpoint/2010/main" id="1" dur="indefinite" restart="never" nodeType="tmRoot"/>
+      </p:par>
+    </p:tnLst>
+  </p:timing>
 </p:sld>
 </file>
 
@@ -16071,6 +19193,13 @@
   <p:clrMapOvr>
     <a:masterClrMapping/>
   </p:clrMapOvr>
+  <p:timing>
+    <p:tnLst>
+      <p:par>
+        <p:cTn xmlns:p14="http://schemas.microsoft.com/office/powerpoint/2010/main" id="1" dur="indefinite" restart="never" nodeType="tmRoot"/>
+      </p:par>
+    </p:tnLst>
+  </p:timing>
 </p:sld>
 </file>
 
@@ -16108,7 +19237,7 @@
           <a:p>
             <a:r>
               <a:rPr lang="es-ES_tradnl" dirty="0" smtClean="0"/>
-              <a:t>Desacoplamiento</a:t>
+              <a:t>Desacoplamiento (DI)</a:t>
             </a:r>
             <a:endParaRPr lang="es-ES_tradnl" dirty="0"/>
           </a:p>
@@ -16135,7 +19264,7 @@
               <a:buNone/>
             </a:pPr>
             <a:r>
-              <a:rPr lang="es-ES_tradnl" smtClean="0"/>
+              <a:rPr lang="es-ES_tradnl" dirty="0" err="1" smtClean="0"/>
               <a:t>package</a:t>
             </a:r>
             <a:r>
@@ -16419,6 +19548,13 @@
   <p:clrMapOvr>
     <a:masterClrMapping/>
   </p:clrMapOvr>
+  <p:timing>
+    <p:tnLst>
+      <p:par>
+        <p:cTn xmlns:p14="http://schemas.microsoft.com/office/powerpoint/2010/main" id="1" dur="indefinite" restart="never" nodeType="tmRoot"/>
+      </p:par>
+    </p:tnLst>
+  </p:timing>
 </p:sld>
 </file>
 

--- a/Presentation1.pptx
+++ b/Presentation1.pptx
@@ -5,7 +5,7 @@
     <p:sldMasterId id="2147483792" r:id="rId1"/>
   </p:sldMasterIdLst>
   <p:notesMasterIdLst>
-    <p:notesMasterId r:id="rId39"/>
+    <p:notesMasterId r:id="rId40"/>
   </p:notesMasterIdLst>
   <p:sldIdLst>
     <p:sldId id="256" r:id="rId2"/>
@@ -43,8 +43,9 @@
     <p:sldId id="290" r:id="rId34"/>
     <p:sldId id="291" r:id="rId35"/>
     <p:sldId id="292" r:id="rId36"/>
-    <p:sldId id="259" r:id="rId37"/>
-    <p:sldId id="260" r:id="rId38"/>
+    <p:sldId id="293" r:id="rId37"/>
+    <p:sldId id="259" r:id="rId38"/>
+    <p:sldId id="260" r:id="rId39"/>
   </p:sldIdLst>
   <p:sldSz cx="9144000" cy="6858000" type="screen4x3"/>
   <p:notesSz cx="6858000" cy="9144000"/>
@@ -17790,11 +17791,7 @@
           <a:p>
             <a:r>
               <a:rPr lang="es-ES_tradnl" dirty="0" smtClean="0"/>
-              <a:t>Se requiere de Java 5 </a:t>
-            </a:r>
-            <a:r>
-              <a:rPr lang="es-ES_tradnl" smtClean="0"/>
-              <a:t>para correr</a:t>
+              <a:t>Se requiere de Java 5 para correr</a:t>
             </a:r>
             <a:endParaRPr lang="es-ES_tradnl" dirty="0"/>
           </a:p>
@@ -17832,6 +17829,143 @@
       </p:grpSpPr>
       <p:sp>
         <p:nvSpPr>
+          <p:cNvPr id="2" name="Title 1"/>
+          <p:cNvSpPr>
+            <a:spLocks noGrp="1"/>
+          </p:cNvSpPr>
+          <p:nvPr>
+            <p:ph type="title"/>
+          </p:nvPr>
+        </p:nvSpPr>
+        <p:spPr/>
+        <p:txBody>
+          <a:bodyPr/>
+          <a:lstStyle/>
+          <a:p>
+            <a:r>
+              <a:rPr lang="es-ES_tradnl" dirty="0" smtClean="0"/>
+              <a:t>Conexiones (</a:t>
+            </a:r>
+            <a:r>
+              <a:rPr lang="es-ES_tradnl" dirty="0" err="1" smtClean="0"/>
+              <a:t>Wiring</a:t>
+            </a:r>
+            <a:r>
+              <a:rPr lang="es-ES_tradnl" dirty="0" smtClean="0"/>
+              <a:t>)</a:t>
+            </a:r>
+            <a:endParaRPr lang="es-ES_tradnl" dirty="0"/>
+          </a:p>
+        </p:txBody>
+      </p:sp>
+      <p:sp>
+        <p:nvSpPr>
+          <p:cNvPr id="3" name="Content Placeholder 2"/>
+          <p:cNvSpPr>
+            <a:spLocks noGrp="1"/>
+          </p:cNvSpPr>
+          <p:nvPr>
+            <p:ph sz="quarter" idx="13"/>
+          </p:nvPr>
+        </p:nvSpPr>
+        <p:spPr>
+          <a:xfrm>
+            <a:off x="1042416" y="2313432"/>
+            <a:ext cx="7022592" cy="1734693"/>
+          </a:xfrm>
+        </p:spPr>
+        <p:txBody>
+          <a:bodyPr/>
+          <a:lstStyle/>
+          <a:p>
+            <a:r>
+              <a:rPr lang="es-ES_tradnl" dirty="0" smtClean="0"/>
+              <a:t>Existen dos formas de configurar el contenedor Spring</a:t>
+            </a:r>
+          </a:p>
+          <a:p>
+            <a:pPr lvl="1"/>
+            <a:r>
+              <a:rPr lang="es-ES_tradnl" dirty="0" smtClean="0"/>
+              <a:t>A trav</a:t>
+            </a:r>
+            <a:r>
+              <a:rPr lang="es-ES_tradnl" dirty="0" smtClean="0"/>
+              <a:t>és de XML</a:t>
+            </a:r>
+          </a:p>
+          <a:p>
+            <a:pPr lvl="1"/>
+            <a:r>
+              <a:rPr lang="es-ES_tradnl" dirty="0" smtClean="0"/>
+              <a:t>Configuración basada en Java</a:t>
+            </a:r>
+            <a:endParaRPr lang="es-ES_tradnl" dirty="0"/>
+          </a:p>
+        </p:txBody>
+      </p:sp>
+      <p:pic>
+        <p:nvPicPr>
+          <p:cNvPr id="5" name="Content Placeholder 4" descr="Screen shot 2011-11-16 at 3.29.30 PM.png"/>
+          <p:cNvPicPr>
+            <a:picLocks noGrp="1" noChangeAspect="1"/>
+          </p:cNvPicPr>
+          <p:nvPr>
+            <p:ph sz="quarter" idx="14"/>
+          </p:nvPr>
+        </p:nvPicPr>
+        <p:blipFill>
+          <a:blip r:embed="rId2">
+            <a:extLst>
+              <a:ext uri="{28A0092B-C50C-407E-A947-70E740481C1C}">
+                <a14:useLocalDpi xmlns:a14="http://schemas.microsoft.com/office/drawing/2010/main" val="0"/>
+              </a:ext>
+            </a:extLst>
+          </a:blip>
+          <a:srcRect t="-7804" b="-7804"/>
+          <a:stretch>
+            <a:fillRect/>
+          </a:stretch>
+        </p:blipFill>
+        <p:spPr>
+          <a:xfrm>
+            <a:off x="1042988" y="4048125"/>
+            <a:ext cx="7021512" cy="1758950"/>
+          </a:xfrm>
+        </p:spPr>
+      </p:pic>
+    </p:spTree>
+    <p:extLst>
+      <p:ext uri="{BB962C8B-B14F-4D97-AF65-F5344CB8AC3E}">
+        <p14:creationId xmlns:p14="http://schemas.microsoft.com/office/powerpoint/2010/main" val="2247174878"/>
+      </p:ext>
+    </p:extLst>
+  </p:cSld>
+  <p:clrMapOvr>
+    <a:masterClrMapping/>
+  </p:clrMapOvr>
+</p:sld>
+</file>
+
+<file path=ppt/slides/slide37.xml><?xml version="1.0" encoding="utf-8"?>
+<p:sld xmlns:a="http://schemas.openxmlformats.org/drawingml/2006/main" xmlns:r="http://schemas.openxmlformats.org/officeDocument/2006/relationships" xmlns:p="http://schemas.openxmlformats.org/presentationml/2006/main">
+  <p:cSld>
+    <p:spTree>
+      <p:nvGrpSpPr>
+        <p:cNvPr id="1" name=""/>
+        <p:cNvGrpSpPr/>
+        <p:nvPr/>
+      </p:nvGrpSpPr>
+      <p:grpSpPr>
+        <a:xfrm>
+          <a:off x="0" y="0"/>
+          <a:ext cx="0" cy="0"/>
+          <a:chOff x="0" y="0"/>
+          <a:chExt cx="0" cy="0"/>
+        </a:xfrm>
+      </p:grpSpPr>
+      <p:sp>
+        <p:nvSpPr>
           <p:cNvPr id="4" name="Title 3"/>
           <p:cNvSpPr>
             <a:spLocks noGrp="1"/>
@@ -17896,7 +18030,7 @@
 </p:sld>
 </file>
 
-<file path=ppt/slides/slide37.xml><?xml version="1.0" encoding="utf-8"?>
+<file path=ppt/slides/slide38.xml><?xml version="1.0" encoding="utf-8"?>
 <p:sld xmlns:a="http://schemas.openxmlformats.org/drawingml/2006/main" xmlns:r="http://schemas.openxmlformats.org/officeDocument/2006/relationships" xmlns:p="http://schemas.openxmlformats.org/presentationml/2006/main">
   <p:cSld>
     <p:spTree>

--- a/Presentation1.pptx
+++ b/Presentation1.pptx
@@ -5,7 +5,7 @@
     <p:sldMasterId id="2147483792" r:id="rId1"/>
   </p:sldMasterIdLst>
   <p:notesMasterIdLst>
-    <p:notesMasterId r:id="rId40"/>
+    <p:notesMasterId r:id="rId81"/>
   </p:notesMasterIdLst>
   <p:sldIdLst>
     <p:sldId id="256" r:id="rId2"/>
@@ -19,33 +19,74 @@
     <p:sldId id="266" r:id="rId10"/>
     <p:sldId id="267" r:id="rId11"/>
     <p:sldId id="268" r:id="rId12"/>
-    <p:sldId id="269" r:id="rId13"/>
-    <p:sldId id="270" r:id="rId14"/>
-    <p:sldId id="271" r:id="rId15"/>
-    <p:sldId id="272" r:id="rId16"/>
-    <p:sldId id="273" r:id="rId17"/>
-    <p:sldId id="274" r:id="rId18"/>
-    <p:sldId id="275" r:id="rId19"/>
-    <p:sldId id="276" r:id="rId20"/>
-    <p:sldId id="277" r:id="rId21"/>
-    <p:sldId id="278" r:id="rId22"/>
-    <p:sldId id="279" r:id="rId23"/>
-    <p:sldId id="280" r:id="rId24"/>
-    <p:sldId id="281" r:id="rId25"/>
-    <p:sldId id="282" r:id="rId26"/>
-    <p:sldId id="283" r:id="rId27"/>
-    <p:sldId id="284" r:id="rId28"/>
-    <p:sldId id="285" r:id="rId29"/>
-    <p:sldId id="286" r:id="rId30"/>
-    <p:sldId id="287" r:id="rId31"/>
-    <p:sldId id="288" r:id="rId32"/>
-    <p:sldId id="289" r:id="rId33"/>
-    <p:sldId id="290" r:id="rId34"/>
-    <p:sldId id="291" r:id="rId35"/>
-    <p:sldId id="292" r:id="rId36"/>
-    <p:sldId id="293" r:id="rId37"/>
-    <p:sldId id="259" r:id="rId38"/>
-    <p:sldId id="260" r:id="rId39"/>
+    <p:sldId id="270" r:id="rId13"/>
+    <p:sldId id="271" r:id="rId14"/>
+    <p:sldId id="272" r:id="rId15"/>
+    <p:sldId id="273" r:id="rId16"/>
+    <p:sldId id="274" r:id="rId17"/>
+    <p:sldId id="275" r:id="rId18"/>
+    <p:sldId id="276" r:id="rId19"/>
+    <p:sldId id="277" r:id="rId20"/>
+    <p:sldId id="279" r:id="rId21"/>
+    <p:sldId id="280" r:id="rId22"/>
+    <p:sldId id="281" r:id="rId23"/>
+    <p:sldId id="282" r:id="rId24"/>
+    <p:sldId id="283" r:id="rId25"/>
+    <p:sldId id="284" r:id="rId26"/>
+    <p:sldId id="285" r:id="rId27"/>
+    <p:sldId id="286" r:id="rId28"/>
+    <p:sldId id="287" r:id="rId29"/>
+    <p:sldId id="288" r:id="rId30"/>
+    <p:sldId id="289" r:id="rId31"/>
+    <p:sldId id="290" r:id="rId32"/>
+    <p:sldId id="291" r:id="rId33"/>
+    <p:sldId id="292" r:id="rId34"/>
+    <p:sldId id="293" r:id="rId35"/>
+    <p:sldId id="294" r:id="rId36"/>
+    <p:sldId id="295" r:id="rId37"/>
+    <p:sldId id="296" r:id="rId38"/>
+    <p:sldId id="297" r:id="rId39"/>
+    <p:sldId id="298" r:id="rId40"/>
+    <p:sldId id="301" r:id="rId41"/>
+    <p:sldId id="302" r:id="rId42"/>
+    <p:sldId id="303" r:id="rId43"/>
+    <p:sldId id="304" r:id="rId44"/>
+    <p:sldId id="305" r:id="rId45"/>
+    <p:sldId id="306" r:id="rId46"/>
+    <p:sldId id="307" r:id="rId47"/>
+    <p:sldId id="308" r:id="rId48"/>
+    <p:sldId id="309" r:id="rId49"/>
+    <p:sldId id="310" r:id="rId50"/>
+    <p:sldId id="311" r:id="rId51"/>
+    <p:sldId id="312" r:id="rId52"/>
+    <p:sldId id="313" r:id="rId53"/>
+    <p:sldId id="314" r:id="rId54"/>
+    <p:sldId id="315" r:id="rId55"/>
+    <p:sldId id="316" r:id="rId56"/>
+    <p:sldId id="317" r:id="rId57"/>
+    <p:sldId id="318" r:id="rId58"/>
+    <p:sldId id="319" r:id="rId59"/>
+    <p:sldId id="320" r:id="rId60"/>
+    <p:sldId id="321" r:id="rId61"/>
+    <p:sldId id="322" r:id="rId62"/>
+    <p:sldId id="323" r:id="rId63"/>
+    <p:sldId id="324" r:id="rId64"/>
+    <p:sldId id="325" r:id="rId65"/>
+    <p:sldId id="326" r:id="rId66"/>
+    <p:sldId id="327" r:id="rId67"/>
+    <p:sldId id="328" r:id="rId68"/>
+    <p:sldId id="329" r:id="rId69"/>
+    <p:sldId id="330" r:id="rId70"/>
+    <p:sldId id="331" r:id="rId71"/>
+    <p:sldId id="332" r:id="rId72"/>
+    <p:sldId id="333" r:id="rId73"/>
+    <p:sldId id="334" r:id="rId74"/>
+    <p:sldId id="335" r:id="rId75"/>
+    <p:sldId id="336" r:id="rId76"/>
+    <p:sldId id="299" r:id="rId77"/>
+    <p:sldId id="300" r:id="rId78"/>
+    <p:sldId id="259" r:id="rId79"/>
+    <p:sldId id="260" r:id="rId80"/>
   </p:sldIdLst>
   <p:sldSz cx="9144000" cy="6858000" type="screen4x3"/>
   <p:notesSz cx="6858000" cy="9144000"/>
@@ -1022,7 +1063,7 @@
           <a:p>
             <a:fld id="{ADF37542-8DB3-6246-9C8E-3B1DF33FAE78}" type="slidenum">
               <a:rPr lang="es-ES_tradnl" smtClean="0"/>
-              <a:t>19</a:t>
+              <a:t>18</a:t>
             </a:fld>
             <a:endParaRPr lang="es-ES_tradnl"/>
           </a:p>
@@ -1106,7 +1147,7 @@
           <a:p>
             <a:fld id="{ADF37542-8DB3-6246-9C8E-3B1DF33FAE78}" type="slidenum">
               <a:rPr lang="es-ES_tradnl" smtClean="0"/>
-              <a:t>22</a:t>
+              <a:t>20</a:t>
             </a:fld>
             <a:endParaRPr lang="es-ES_tradnl"/>
           </a:p>
@@ -1190,7 +1231,7 @@
           <a:p>
             <a:fld id="{ADF37542-8DB3-6246-9C8E-3B1DF33FAE78}" type="slidenum">
               <a:rPr lang="es-ES_tradnl" smtClean="0"/>
-              <a:t>26</a:t>
+              <a:t>24</a:t>
             </a:fld>
             <a:endParaRPr lang="es-ES_tradnl"/>
           </a:p>
@@ -14899,6 +14940,32 @@
               <a:rPr lang="es-ES_tradnl" dirty="0" smtClean="0"/>
               <a:t>J. David Mendoza</a:t>
             </a:r>
+          </a:p>
+          <a:p>
+            <a:r>
+              <a:rPr lang="es-ES_tradnl" dirty="0" smtClean="0"/>
+              <a:t>(Basado en Spring In </a:t>
+            </a:r>
+            <a:r>
+              <a:rPr lang="es-ES_tradnl" dirty="0" err="1" smtClean="0"/>
+              <a:t>Action</a:t>
+            </a:r>
+            <a:r>
+              <a:rPr lang="es-ES_tradnl" dirty="0" smtClean="0"/>
+              <a:t>, 3ra Edici</a:t>
+            </a:r>
+            <a:r>
+              <a:rPr lang="es-ES_tradnl" dirty="0" smtClean="0"/>
+              <a:t>ón de Craig </a:t>
+            </a:r>
+            <a:r>
+              <a:rPr lang="es-ES_tradnl" dirty="0" err="1" smtClean="0"/>
+              <a:t>Walls</a:t>
+            </a:r>
+            <a:r>
+              <a:rPr lang="es-ES_tradnl" dirty="0"/>
+              <a:t>)</a:t>
+            </a:r>
             <a:endParaRPr lang="es-ES_tradnl" dirty="0"/>
           </a:p>
         </p:txBody>
@@ -15182,7 +15249,7 @@
           <a:p>
             <a:r>
               <a:rPr lang="es-ES_tradnl" dirty="0" smtClean="0"/>
-              <a:t>Ejercicio</a:t>
+              <a:t>AOP</a:t>
             </a:r>
             <a:endParaRPr lang="es-ES_tradnl" dirty="0"/>
           </a:p>
@@ -15205,20 +15272,56 @@
           <a:p>
             <a:r>
               <a:rPr lang="es-ES_tradnl" dirty="0" smtClean="0"/>
-              <a:t>Migrar Lote de carros a Spring / Maven / JUnit / </a:t>
-            </a:r>
+              <a:t>Programaci</a:t>
+            </a:r>
+            <a:r>
+              <a:rPr lang="es-ES_tradnl" dirty="0" smtClean="0"/>
+              <a:t>ón Orientada a Aspectos</a:t>
+            </a:r>
+          </a:p>
+          <a:p>
+            <a:pPr lvl="1"/>
+            <a:r>
+              <a:rPr lang="es-ES_tradnl" dirty="0" smtClean="0"/>
+              <a:t>Técnica de programación que busca la separación de responsabilidades dentro de un sistema de software.</a:t>
+            </a:r>
+          </a:p>
+          <a:p>
+            <a:pPr lvl="2"/>
+            <a:r>
+              <a:rPr lang="es-ES_tradnl" dirty="0" smtClean="0"/>
+              <a:t>Seguridad</a:t>
+            </a:r>
+          </a:p>
+          <a:p>
+            <a:pPr lvl="2"/>
             <a:r>
               <a:rPr lang="es-ES_tradnl" dirty="0" err="1" smtClean="0"/>
-              <a:t>Mockito</a:t>
-            </a:r>
-            <a:endParaRPr lang="es-ES_tradnl" dirty="0"/>
+              <a:t>Transaccionalidad</a:t>
+            </a:r>
+            <a:endParaRPr lang="es-ES_tradnl" dirty="0" smtClean="0"/>
+          </a:p>
+          <a:p>
+            <a:pPr lvl="2"/>
+            <a:r>
+              <a:rPr lang="es-ES_tradnl" dirty="0" err="1" smtClean="0"/>
+              <a:t>Logs</a:t>
+            </a:r>
+            <a:endParaRPr lang="es-ES_tradnl" dirty="0" smtClean="0"/>
+          </a:p>
+          <a:p>
+            <a:pPr lvl="2"/>
+            <a:r>
+              <a:rPr lang="es-ES_tradnl" dirty="0" smtClean="0"/>
+              <a:t>Otros</a:t>
+            </a:r>
           </a:p>
         </p:txBody>
       </p:sp>
     </p:spTree>
     <p:extLst>
       <p:ext uri="{BB962C8B-B14F-4D97-AF65-F5344CB8AC3E}">
-        <p14:creationId xmlns:p14="http://schemas.microsoft.com/office/powerpoint/2010/main" val="789412982"/>
+        <p14:creationId xmlns:p14="http://schemas.microsoft.com/office/powerpoint/2010/main" val="3234535529"/>
       </p:ext>
     </p:extLst>
   </p:cSld>
@@ -15269,7 +15372,7 @@
           <a:p>
             <a:r>
               <a:rPr lang="es-ES_tradnl" dirty="0" smtClean="0"/>
-              <a:t>AOP</a:t>
+              <a:t>Problemas que resuelve</a:t>
             </a:r>
             <a:endParaRPr lang="es-ES_tradnl" dirty="0"/>
           </a:p>
@@ -15292,56 +15395,30 @@
           <a:p>
             <a:r>
               <a:rPr lang="es-ES_tradnl" dirty="0" smtClean="0"/>
-              <a:t>Programaci</a:t>
-            </a:r>
-            <a:r>
-              <a:rPr lang="es-ES_tradnl" dirty="0" smtClean="0"/>
-              <a:t>ón Orientada a Aspectos</a:t>
-            </a:r>
-          </a:p>
-          <a:p>
-            <a:pPr lvl="1"/>
-            <a:r>
-              <a:rPr lang="es-ES_tradnl" dirty="0" smtClean="0"/>
-              <a:t>Técnica de programación que busca la separación de responsabilidades dentro de un sistema de software.</a:t>
-            </a:r>
-          </a:p>
-          <a:p>
-            <a:pPr lvl="2"/>
-            <a:r>
-              <a:rPr lang="es-ES_tradnl" dirty="0" smtClean="0"/>
-              <a:t>Seguridad</a:t>
-            </a:r>
-          </a:p>
-          <a:p>
-            <a:pPr lvl="2"/>
-            <a:r>
-              <a:rPr lang="es-ES_tradnl" dirty="0" err="1" smtClean="0"/>
-              <a:t>Transaccionalidad</a:t>
-            </a:r>
-            <a:endParaRPr lang="es-ES_tradnl" dirty="0" smtClean="0"/>
-          </a:p>
-          <a:p>
-            <a:pPr lvl="2"/>
-            <a:r>
-              <a:rPr lang="es-ES_tradnl" dirty="0" err="1" smtClean="0"/>
-              <a:t>Logs</a:t>
-            </a:r>
-            <a:endParaRPr lang="es-ES_tradnl" dirty="0" smtClean="0"/>
-          </a:p>
-          <a:p>
-            <a:pPr lvl="2"/>
-            <a:r>
-              <a:rPr lang="es-ES_tradnl" dirty="0" smtClean="0"/>
-              <a:t>Otros</a:t>
-            </a:r>
+              <a:t>Tener implementaci</a:t>
+            </a:r>
+            <a:r>
+              <a:rPr lang="es-ES_tradnl" dirty="0" smtClean="0"/>
+              <a:t>ones duplicadas de este código por todo nuestro sistema</a:t>
+            </a:r>
+          </a:p>
+          <a:p>
+            <a:r>
+              <a:rPr lang="es-ES_tradnl" dirty="0" smtClean="0"/>
+              <a:t>El c</a:t>
+            </a:r>
+            <a:r>
+              <a:rPr lang="es-ES_tradnl" dirty="0" smtClean="0"/>
+              <a:t>ódigo se llena de funcionalidad que no tiene que ver con su lógica de negocio principal.</a:t>
+            </a:r>
+            <a:endParaRPr lang="es-ES_tradnl" dirty="0"/>
           </a:p>
         </p:txBody>
       </p:sp>
     </p:spTree>
     <p:extLst>
       <p:ext uri="{BB962C8B-B14F-4D97-AF65-F5344CB8AC3E}">
-        <p14:creationId xmlns:p14="http://schemas.microsoft.com/office/powerpoint/2010/main" val="3234535529"/>
+        <p14:creationId xmlns:p14="http://schemas.microsoft.com/office/powerpoint/2010/main" val="939129583"/>
       </p:ext>
     </p:extLst>
   </p:cSld>
@@ -15392,53 +15469,41 @@
           <a:p>
             <a:r>
               <a:rPr lang="es-ES_tradnl" dirty="0" smtClean="0"/>
-              <a:t>Problemas que resuelve</a:t>
+              <a:t>Ejemplo del problema</a:t>
             </a:r>
             <a:endParaRPr lang="es-ES_tradnl" dirty="0"/>
           </a:p>
         </p:txBody>
       </p:sp>
-      <p:sp>
-        <p:nvSpPr>
-          <p:cNvPr id="3" name="Content Placeholder 2"/>
-          <p:cNvSpPr>
-            <a:spLocks noGrp="1"/>
-          </p:cNvSpPr>
+      <p:pic>
+        <p:nvPicPr>
+          <p:cNvPr id="4" name="Content Placeholder 3" descr="Screen shot 2011-11-16 at 11.15.38 AM.png"/>
+          <p:cNvPicPr>
+            <a:picLocks noGrp="1" noChangeAspect="1"/>
+          </p:cNvPicPr>
           <p:nvPr>
             <p:ph idx="1"/>
           </p:nvPr>
-        </p:nvSpPr>
+        </p:nvPicPr>
+        <p:blipFill>
+          <a:blip r:embed="rId2">
+            <a:extLst>
+              <a:ext uri="{28A0092B-C50C-407E-A947-70E740481C1C}">
+                <a14:useLocalDpi xmlns:a14="http://schemas.microsoft.com/office/drawing/2010/main" val="0"/>
+              </a:ext>
+            </a:extLst>
+          </a:blip>
+          <a:srcRect l="3713" r="3713"/>
+          <a:stretch>
+            <a:fillRect/>
+          </a:stretch>
+        </p:blipFill>
         <p:spPr/>
-        <p:txBody>
-          <a:bodyPr/>
-          <a:lstStyle/>
-          <a:p>
-            <a:r>
-              <a:rPr lang="es-ES_tradnl" dirty="0" smtClean="0"/>
-              <a:t>Tener implementaci</a:t>
-            </a:r>
-            <a:r>
-              <a:rPr lang="es-ES_tradnl" dirty="0" smtClean="0"/>
-              <a:t>ones duplicadas de este código por todo nuestro sistema</a:t>
-            </a:r>
-          </a:p>
-          <a:p>
-            <a:r>
-              <a:rPr lang="es-ES_tradnl" dirty="0" smtClean="0"/>
-              <a:t>El c</a:t>
-            </a:r>
-            <a:r>
-              <a:rPr lang="es-ES_tradnl" dirty="0" smtClean="0"/>
-              <a:t>ódigo se llena de funcionalidad que no tiene que ver con su lógica de negocio principal.</a:t>
-            </a:r>
-            <a:endParaRPr lang="es-ES_tradnl" dirty="0"/>
-          </a:p>
-        </p:txBody>
-      </p:sp>
+      </p:pic>
     </p:spTree>
     <p:extLst>
       <p:ext uri="{BB962C8B-B14F-4D97-AF65-F5344CB8AC3E}">
-        <p14:creationId xmlns:p14="http://schemas.microsoft.com/office/powerpoint/2010/main" val="939129583"/>
+        <p14:creationId xmlns:p14="http://schemas.microsoft.com/office/powerpoint/2010/main" val="3175991973"/>
       </p:ext>
     </p:extLst>
   </p:cSld>
@@ -15489,7 +15554,7 @@
           <a:p>
             <a:r>
               <a:rPr lang="es-ES_tradnl" dirty="0" smtClean="0"/>
-              <a:t>Ejemplo del problema</a:t>
+              <a:t>Problema resuelto con AOP</a:t>
             </a:r>
             <a:endParaRPr lang="es-ES_tradnl" dirty="0"/>
           </a:p>
@@ -15497,7 +15562,7 @@
       </p:sp>
       <p:pic>
         <p:nvPicPr>
-          <p:cNvPr id="4" name="Content Placeholder 3" descr="Screen shot 2011-11-16 at 11.15.38 AM.png"/>
+          <p:cNvPr id="4" name="Content Placeholder 3" descr="Screen shot 2011-11-16 at 11.17.00 AM.png"/>
           <p:cNvPicPr>
             <a:picLocks noGrp="1" noChangeAspect="1"/>
           </p:cNvPicPr>
@@ -15513,7 +15578,7 @@
               </a:ext>
             </a:extLst>
           </a:blip>
-          <a:srcRect l="3713" r="3713"/>
+          <a:srcRect l="-12385" r="-12385"/>
           <a:stretch>
             <a:fillRect/>
           </a:stretch>
@@ -15523,7 +15588,7 @@
     </p:spTree>
     <p:extLst>
       <p:ext uri="{BB962C8B-B14F-4D97-AF65-F5344CB8AC3E}">
-        <p14:creationId xmlns:p14="http://schemas.microsoft.com/office/powerpoint/2010/main" val="3175991973"/>
+        <p14:creationId xmlns:p14="http://schemas.microsoft.com/office/powerpoint/2010/main" val="1065784080"/>
       </p:ext>
     </p:extLst>
   </p:cSld>
@@ -15574,7 +15639,7 @@
           <a:p>
             <a:r>
               <a:rPr lang="es-ES_tradnl" dirty="0" smtClean="0"/>
-              <a:t>Problema resuelto con AOP</a:t>
+              <a:t>AOP</a:t>
             </a:r>
             <a:endParaRPr lang="es-ES_tradnl" dirty="0"/>
           </a:p>
@@ -15582,7 +15647,7 @@
       </p:sp>
       <p:pic>
         <p:nvPicPr>
-          <p:cNvPr id="4" name="Content Placeholder 3" descr="Screen shot 2011-11-16 at 11.17.00 AM.png"/>
+          <p:cNvPr id="4" name="Content Placeholder 3" descr="Screen shot 2011-11-16 at 11.26.46 AM.png"/>
           <p:cNvPicPr>
             <a:picLocks noGrp="1" noChangeAspect="1"/>
           </p:cNvPicPr>
@@ -15598,7 +15663,7 @@
               </a:ext>
             </a:extLst>
           </a:blip>
-          <a:srcRect l="-12385" r="-12385"/>
+          <a:srcRect t="-40898" b="-40898"/>
           <a:stretch>
             <a:fillRect/>
           </a:stretch>
@@ -15608,7 +15673,7 @@
     </p:spTree>
     <p:extLst>
       <p:ext uri="{BB962C8B-B14F-4D97-AF65-F5344CB8AC3E}">
-        <p14:creationId xmlns:p14="http://schemas.microsoft.com/office/powerpoint/2010/main" val="1065784080"/>
+        <p14:creationId xmlns:p14="http://schemas.microsoft.com/office/powerpoint/2010/main" val="378820195"/>
       </p:ext>
     </p:extLst>
   </p:cSld>
@@ -15659,7 +15724,11 @@
           <a:p>
             <a:r>
               <a:rPr lang="es-ES_tradnl" dirty="0" smtClean="0"/>
-              <a:t>AOP</a:t>
+              <a:t>¿Soluci</a:t>
+            </a:r>
+            <a:r>
+              <a:rPr lang="es-ES_tradnl" dirty="0" smtClean="0"/>
+              <a:t>ón?</a:t>
             </a:r>
             <a:endParaRPr lang="es-ES_tradnl" dirty="0"/>
           </a:p>
@@ -15667,7 +15736,7 @@
       </p:sp>
       <p:pic>
         <p:nvPicPr>
-          <p:cNvPr id="4" name="Content Placeholder 3" descr="Screen shot 2011-11-16 at 11.26.46 AM.png"/>
+          <p:cNvPr id="4" name="Content Placeholder 3" descr="Screen shot 2011-11-16 at 11.29.41 AM.png"/>
           <p:cNvPicPr>
             <a:picLocks noGrp="1" noChangeAspect="1"/>
           </p:cNvPicPr>
@@ -15683,7 +15752,7 @@
               </a:ext>
             </a:extLst>
           </a:blip>
-          <a:srcRect t="-40898" b="-40898"/>
+          <a:srcRect t="-11037" b="-11037"/>
           <a:stretch>
             <a:fillRect/>
           </a:stretch>
@@ -15693,20 +15762,13 @@
     </p:spTree>
     <p:extLst>
       <p:ext uri="{BB962C8B-B14F-4D97-AF65-F5344CB8AC3E}">
-        <p14:creationId xmlns:p14="http://schemas.microsoft.com/office/powerpoint/2010/main" val="378820195"/>
+        <p14:creationId xmlns:p14="http://schemas.microsoft.com/office/powerpoint/2010/main" val="3200944506"/>
       </p:ext>
     </p:extLst>
   </p:cSld>
   <p:clrMapOvr>
     <a:masterClrMapping/>
   </p:clrMapOvr>
-  <p:timing>
-    <p:tnLst>
-      <p:par>
-        <p:cTn xmlns:p14="http://schemas.microsoft.com/office/powerpoint/2010/main" id="1" dur="indefinite" restart="never" nodeType="tmRoot"/>
-      </p:par>
-    </p:tnLst>
-  </p:timing>
 </p:sld>
 </file>
 
@@ -15744,11 +15806,7 @@
           <a:p>
             <a:r>
               <a:rPr lang="es-ES_tradnl" dirty="0" smtClean="0"/>
-              <a:t>¿Soluci</a:t>
-            </a:r>
-            <a:r>
-              <a:rPr lang="es-ES_tradnl" dirty="0" smtClean="0"/>
-              <a:t>ón?</a:t>
+              <a:t>Utilizando AOP</a:t>
             </a:r>
             <a:endParaRPr lang="es-ES_tradnl" dirty="0"/>
           </a:p>
@@ -15756,7 +15814,7 @@
       </p:sp>
       <p:pic>
         <p:nvPicPr>
-          <p:cNvPr id="4" name="Content Placeholder 3" descr="Screen shot 2011-11-16 at 11.29.41 AM.png"/>
+          <p:cNvPr id="5" name="Content Placeholder 4" descr="Screen shot 2011-11-16 at 11.38.49 AM.png"/>
           <p:cNvPicPr>
             <a:picLocks noGrp="1" noChangeAspect="1"/>
           </p:cNvPicPr>
@@ -15765,14 +15823,14 @@
           </p:nvPr>
         </p:nvPicPr>
         <p:blipFill>
-          <a:blip r:embed="rId2">
+          <a:blip r:embed="rId3">
             <a:extLst>
               <a:ext uri="{28A0092B-C50C-407E-A947-70E740481C1C}">
                 <a14:useLocalDpi xmlns:a14="http://schemas.microsoft.com/office/drawing/2010/main" val="0"/>
               </a:ext>
             </a:extLst>
           </a:blip>
-          <a:srcRect t="-11037" b="-11037"/>
+          <a:srcRect t="-3793" b="-3793"/>
           <a:stretch>
             <a:fillRect/>
           </a:stretch>
@@ -15782,7 +15840,7 @@
     </p:spTree>
     <p:extLst>
       <p:ext uri="{BB962C8B-B14F-4D97-AF65-F5344CB8AC3E}">
-        <p14:creationId xmlns:p14="http://schemas.microsoft.com/office/powerpoint/2010/main" val="3200944506"/>
+        <p14:creationId xmlns:p14="http://schemas.microsoft.com/office/powerpoint/2010/main" val="47734926"/>
       </p:ext>
     </p:extLst>
   </p:cSld>
@@ -15826,47 +15884,109 @@
           <a:p>
             <a:r>
               <a:rPr lang="es-ES_tradnl" dirty="0" smtClean="0"/>
-              <a:t>Utilizando AOP</a:t>
+              <a:t>Ejemplo</a:t>
             </a:r>
             <a:endParaRPr lang="es-ES_tradnl" dirty="0"/>
           </a:p>
         </p:txBody>
       </p:sp>
-      <p:pic>
-        <p:nvPicPr>
-          <p:cNvPr id="5" name="Content Placeholder 4" descr="Screen shot 2011-11-16 at 11.38.49 AM.png"/>
-          <p:cNvPicPr>
-            <a:picLocks noGrp="1" noChangeAspect="1"/>
-          </p:cNvPicPr>
+      <p:sp>
+        <p:nvSpPr>
+          <p:cNvPr id="3" name="Content Placeholder 2"/>
+          <p:cNvSpPr>
+            <a:spLocks noGrp="1"/>
+          </p:cNvSpPr>
           <p:nvPr>
             <p:ph idx="1"/>
           </p:nvPr>
-        </p:nvPicPr>
-        <p:blipFill>
-          <a:blip r:embed="rId3">
-            <a:extLst>
-              <a:ext uri="{28A0092B-C50C-407E-A947-70E740481C1C}">
-                <a14:useLocalDpi xmlns:a14="http://schemas.microsoft.com/office/drawing/2010/main" val="0"/>
-              </a:ext>
-            </a:extLst>
-          </a:blip>
-          <a:srcRect t="-3793" b="-3793"/>
-          <a:stretch>
-            <a:fillRect/>
-          </a:stretch>
-        </p:blipFill>
+        </p:nvSpPr>
         <p:spPr/>
-      </p:pic>
+        <p:txBody>
+          <a:bodyPr/>
+          <a:lstStyle/>
+          <a:p>
+            <a:r>
+              <a:rPr lang="es-ES_tradnl" dirty="0" smtClean="0"/>
+              <a:t>Ver resto </a:t>
+            </a:r>
+            <a:r>
+              <a:rPr lang="es-ES_tradnl" dirty="0"/>
+              <a:t>de ejemplo </a:t>
+            </a:r>
+            <a:r>
+              <a:rPr lang="es-ES_tradnl" dirty="0" smtClean="0"/>
+              <a:t>en: </a:t>
+            </a:r>
+          </a:p>
+          <a:p>
+            <a:pPr marL="68580" indent="0">
+              <a:buNone/>
+            </a:pPr>
+            <a:r>
+              <a:rPr lang="es-ES_tradnl" dirty="0" err="1" smtClean="0"/>
+              <a:t>https</a:t>
+            </a:r>
+            <a:r>
+              <a:rPr lang="es-ES_tradnl" dirty="0"/>
+              <a:t>://</a:t>
+            </a:r>
+            <a:r>
+              <a:rPr lang="es-ES_tradnl" dirty="0" err="1"/>
+              <a:t>github.com</a:t>
+            </a:r>
+            <a:r>
+              <a:rPr lang="es-ES_tradnl" dirty="0"/>
+              <a:t>/</a:t>
+            </a:r>
+            <a:r>
+              <a:rPr lang="es-ES_tradnl" dirty="0" err="1"/>
+              <a:t>jdmr</a:t>
+            </a:r>
+            <a:r>
+              <a:rPr lang="es-ES_tradnl" dirty="0"/>
+              <a:t>/</a:t>
+            </a:r>
+            <a:r>
+              <a:rPr lang="es-ES_tradnl" dirty="0" err="1"/>
+              <a:t>CursoSpring</a:t>
+            </a:r>
+            <a:r>
+              <a:rPr lang="es-ES_tradnl" dirty="0"/>
+              <a:t>/</a:t>
+            </a:r>
+            <a:r>
+              <a:rPr lang="es-ES_tradnl" dirty="0" err="1"/>
+              <a:t>tree</a:t>
+            </a:r>
+            <a:r>
+              <a:rPr lang="es-ES_tradnl" dirty="0"/>
+              <a:t>/master/</a:t>
+            </a:r>
+            <a:r>
+              <a:rPr lang="es-ES_tradnl" dirty="0" smtClean="0"/>
+              <a:t>EjercicioSpring02</a:t>
+            </a:r>
+            <a:endParaRPr lang="es-ES_tradnl" dirty="0"/>
+          </a:p>
+        </p:txBody>
+      </p:sp>
     </p:spTree>
     <p:extLst>
       <p:ext uri="{BB962C8B-B14F-4D97-AF65-F5344CB8AC3E}">
-        <p14:creationId xmlns:p14="http://schemas.microsoft.com/office/powerpoint/2010/main" val="47734926"/>
+        <p14:creationId xmlns:p14="http://schemas.microsoft.com/office/powerpoint/2010/main" val="1566167989"/>
       </p:ext>
     </p:extLst>
   </p:cSld>
   <p:clrMapOvr>
     <a:masterClrMapping/>
   </p:clrMapOvr>
+  <p:timing>
+    <p:tnLst>
+      <p:par>
+        <p:cTn xmlns:p14="http://schemas.microsoft.com/office/powerpoint/2010/main" id="1" dur="indefinite" restart="never" nodeType="tmRoot"/>
+      </p:par>
+    </p:tnLst>
+  </p:timing>
 </p:sld>
 </file>
 
@@ -15987,20 +16107,45 @@
           <a:p>
             <a:r>
               <a:rPr lang="es-ES_tradnl" dirty="0" smtClean="0"/>
-              <a:t>Ejemplo</a:t>
+              <a:t>Contenedor</a:t>
             </a:r>
             <a:endParaRPr lang="es-ES_tradnl" dirty="0"/>
           </a:p>
         </p:txBody>
       </p:sp>
+      <p:pic>
+        <p:nvPicPr>
+          <p:cNvPr id="4" name="Content Placeholder 3" descr="Screen shot 2011-11-16 at 11.52.39 AM.png"/>
+          <p:cNvPicPr>
+            <a:picLocks noGrp="1" noChangeAspect="1"/>
+          </p:cNvPicPr>
+          <p:nvPr>
+            <p:ph sz="quarter" idx="13"/>
+          </p:nvPr>
+        </p:nvPicPr>
+        <p:blipFill>
+          <a:blip r:embed="rId3">
+            <a:extLst>
+              <a:ext uri="{28A0092B-C50C-407E-A947-70E740481C1C}">
+                <a14:useLocalDpi xmlns:a14="http://schemas.microsoft.com/office/drawing/2010/main" val="0"/>
+              </a:ext>
+            </a:extLst>
+          </a:blip>
+          <a:srcRect t="-24756" b="-24756"/>
+          <a:stretch>
+            <a:fillRect/>
+          </a:stretch>
+        </p:blipFill>
+        <p:spPr/>
+      </p:pic>
       <p:sp>
         <p:nvSpPr>
-          <p:cNvPr id="3" name="Content Placeholder 2"/>
+          <p:cNvPr id="5" name="Content Placeholder 4"/>
           <p:cNvSpPr>
             <a:spLocks noGrp="1"/>
           </p:cNvSpPr>
           <p:nvPr>
-            <p:ph idx="1"/>
+            <p:ph sz="quarter" idx="14"/>
           </p:nvPr>
         </p:nvSpPr>
         <p:spPr/>
@@ -16010,64 +16155,7 @@
           <a:p>
             <a:r>
               <a:rPr lang="es-ES_tradnl" dirty="0" smtClean="0"/>
-              <a:t>Ver resto </a:t>
-            </a:r>
-            <a:r>
-              <a:rPr lang="es-ES_tradnl" dirty="0"/>
-              <a:t>de ejemplo </a:t>
-            </a:r>
-            <a:r>
-              <a:rPr lang="es-ES_tradnl" dirty="0" smtClean="0"/>
-              <a:t>en: </a:t>
-            </a:r>
-          </a:p>
-          <a:p>
-            <a:pPr marL="68580" indent="0">
-              <a:buNone/>
-            </a:pPr>
-            <a:r>
-              <a:rPr lang="es-ES_tradnl" dirty="0" err="1" smtClean="0"/>
-              <a:t>https</a:t>
-            </a:r>
-            <a:r>
-              <a:rPr lang="es-ES_tradnl" dirty="0"/>
-              <a:t>://</a:t>
-            </a:r>
-            <a:r>
-              <a:rPr lang="es-ES_tradnl" dirty="0" err="1"/>
-              <a:t>github.com</a:t>
-            </a:r>
-            <a:r>
-              <a:rPr lang="es-ES_tradnl" dirty="0"/>
-              <a:t>/</a:t>
-            </a:r>
-            <a:r>
-              <a:rPr lang="es-ES_tradnl" dirty="0" err="1"/>
-              <a:t>jdmr</a:t>
-            </a:r>
-            <a:r>
-              <a:rPr lang="es-ES_tradnl" dirty="0"/>
-              <a:t>/</a:t>
-            </a:r>
-            <a:r>
-              <a:rPr lang="es-ES_tradnl" dirty="0" err="1"/>
-              <a:t>CursoSpring</a:t>
-            </a:r>
-            <a:r>
-              <a:rPr lang="es-ES_tradnl" dirty="0"/>
-              <a:t>/</a:t>
-            </a:r>
-            <a:r>
-              <a:rPr lang="es-ES_tradnl" dirty="0" err="1"/>
-              <a:t>tree</a:t>
-            </a:r>
-            <a:r>
-              <a:rPr lang="es-ES_tradnl" dirty="0"/>
-              <a:t>/master/</a:t>
-            </a:r>
-            <a:r>
-              <a:rPr lang="es-ES_tradnl" dirty="0" smtClean="0"/>
-              <a:t>EjercicioSpring02</a:t>
+              <a:t>Los objetos de aplicación viven dentro del Contenedor y este maneja desde que son creados hasta que son finalizados y los enlaza mediante DI.</a:t>
             </a:r>
             <a:endParaRPr lang="es-ES_tradnl" dirty="0"/>
           </a:p>
@@ -16076,20 +16164,13 @@
     </p:spTree>
     <p:extLst>
       <p:ext uri="{BB962C8B-B14F-4D97-AF65-F5344CB8AC3E}">
-        <p14:creationId xmlns:p14="http://schemas.microsoft.com/office/powerpoint/2010/main" val="1566167989"/>
+        <p14:creationId xmlns:p14="http://schemas.microsoft.com/office/powerpoint/2010/main" val="1942020045"/>
       </p:ext>
     </p:extLst>
   </p:cSld>
   <p:clrMapOvr>
     <a:masterClrMapping/>
   </p:clrMapOvr>
-  <p:timing>
-    <p:tnLst>
-      <p:par>
-        <p:cTn xmlns:p14="http://schemas.microsoft.com/office/powerpoint/2010/main" id="1" dur="indefinite" restart="never" nodeType="tmRoot"/>
-      </p:par>
-    </p:tnLst>
-  </p:timing>
 </p:sld>
 </file>
 
@@ -16127,201 +16208,6 @@
           <a:p>
             <a:r>
               <a:rPr lang="es-ES_tradnl" dirty="0" smtClean="0"/>
-              <a:t>Ejercicio</a:t>
-            </a:r>
-            <a:endParaRPr lang="es-ES_tradnl" dirty="0"/>
-          </a:p>
-        </p:txBody>
-      </p:sp>
-      <p:sp>
-        <p:nvSpPr>
-          <p:cNvPr id="3" name="Content Placeholder 2"/>
-          <p:cNvSpPr>
-            <a:spLocks noGrp="1"/>
-          </p:cNvSpPr>
-          <p:nvPr>
-            <p:ph idx="1"/>
-          </p:nvPr>
-        </p:nvSpPr>
-        <p:spPr/>
-        <p:txBody>
-          <a:bodyPr/>
-          <a:lstStyle/>
-          <a:p>
-            <a:r>
-              <a:rPr lang="es-ES_tradnl" dirty="0" smtClean="0"/>
-              <a:t>Trabajar con Lote y añadir un aspecto que imprima en consola el siguiente mensaje con aspectos</a:t>
-            </a:r>
-          </a:p>
-          <a:p>
-            <a:pPr lvl="1"/>
-            <a:r>
-              <a:rPr lang="es-ES_tradnl" dirty="0" smtClean="0"/>
-              <a:t>“Se esta comprando </a:t>
-            </a:r>
-            <a:r>
-              <a:rPr lang="es-ES_tradnl" dirty="0" smtClean="0"/>
-              <a:t>[nombre auto] a las [fecha]”</a:t>
-            </a:r>
-            <a:endParaRPr lang="es-ES_tradnl" dirty="0"/>
-          </a:p>
-        </p:txBody>
-      </p:sp>
-    </p:spTree>
-    <p:extLst>
-      <p:ext uri="{BB962C8B-B14F-4D97-AF65-F5344CB8AC3E}">
-        <p14:creationId xmlns:p14="http://schemas.microsoft.com/office/powerpoint/2010/main" val="3519694388"/>
-      </p:ext>
-    </p:extLst>
-  </p:cSld>
-  <p:clrMapOvr>
-    <a:masterClrMapping/>
-  </p:clrMapOvr>
-  <p:timing>
-    <p:tnLst>
-      <p:par>
-        <p:cTn xmlns:p14="http://schemas.microsoft.com/office/powerpoint/2010/main" id="1" dur="indefinite" restart="never" nodeType="tmRoot"/>
-      </p:par>
-    </p:tnLst>
-  </p:timing>
-</p:sld>
-</file>
-
-<file path=ppt/slides/slide22.xml><?xml version="1.0" encoding="utf-8"?>
-<p:sld xmlns:a="http://schemas.openxmlformats.org/drawingml/2006/main" xmlns:r="http://schemas.openxmlformats.org/officeDocument/2006/relationships" xmlns:p="http://schemas.openxmlformats.org/presentationml/2006/main">
-  <p:cSld>
-    <p:spTree>
-      <p:nvGrpSpPr>
-        <p:cNvPr id="1" name=""/>
-        <p:cNvGrpSpPr/>
-        <p:nvPr/>
-      </p:nvGrpSpPr>
-      <p:grpSpPr>
-        <a:xfrm>
-          <a:off x="0" y="0"/>
-          <a:ext cx="0" cy="0"/>
-          <a:chOff x="0" y="0"/>
-          <a:chExt cx="0" cy="0"/>
-        </a:xfrm>
-      </p:grpSpPr>
-      <p:sp>
-        <p:nvSpPr>
-          <p:cNvPr id="2" name="Title 1"/>
-          <p:cNvSpPr>
-            <a:spLocks noGrp="1"/>
-          </p:cNvSpPr>
-          <p:nvPr>
-            <p:ph type="title"/>
-          </p:nvPr>
-        </p:nvSpPr>
-        <p:spPr/>
-        <p:txBody>
-          <a:bodyPr/>
-          <a:lstStyle/>
-          <a:p>
-            <a:r>
-              <a:rPr lang="es-ES_tradnl" dirty="0" smtClean="0"/>
-              <a:t>Contenedor</a:t>
-            </a:r>
-            <a:endParaRPr lang="es-ES_tradnl" dirty="0"/>
-          </a:p>
-        </p:txBody>
-      </p:sp>
-      <p:pic>
-        <p:nvPicPr>
-          <p:cNvPr id="4" name="Content Placeholder 3" descr="Screen shot 2011-11-16 at 11.52.39 AM.png"/>
-          <p:cNvPicPr>
-            <a:picLocks noGrp="1" noChangeAspect="1"/>
-          </p:cNvPicPr>
-          <p:nvPr>
-            <p:ph sz="quarter" idx="13"/>
-          </p:nvPr>
-        </p:nvPicPr>
-        <p:blipFill>
-          <a:blip r:embed="rId3">
-            <a:extLst>
-              <a:ext uri="{28A0092B-C50C-407E-A947-70E740481C1C}">
-                <a14:useLocalDpi xmlns:a14="http://schemas.microsoft.com/office/drawing/2010/main" val="0"/>
-              </a:ext>
-            </a:extLst>
-          </a:blip>
-          <a:srcRect t="-24756" b="-24756"/>
-          <a:stretch>
-            <a:fillRect/>
-          </a:stretch>
-        </p:blipFill>
-        <p:spPr/>
-      </p:pic>
-      <p:sp>
-        <p:nvSpPr>
-          <p:cNvPr id="5" name="Content Placeholder 4"/>
-          <p:cNvSpPr>
-            <a:spLocks noGrp="1"/>
-          </p:cNvSpPr>
-          <p:nvPr>
-            <p:ph sz="quarter" idx="14"/>
-          </p:nvPr>
-        </p:nvSpPr>
-        <p:spPr/>
-        <p:txBody>
-          <a:bodyPr/>
-          <a:lstStyle/>
-          <a:p>
-            <a:r>
-              <a:rPr lang="es-ES_tradnl" dirty="0" smtClean="0"/>
-              <a:t>Los objetos de aplicación viven dentro del Contenedor y este maneja desde que son creados hasta que son finalizados y los enlaza mediante DI.</a:t>
-            </a:r>
-            <a:endParaRPr lang="es-ES_tradnl" dirty="0"/>
-          </a:p>
-        </p:txBody>
-      </p:sp>
-    </p:spTree>
-    <p:extLst>
-      <p:ext uri="{BB962C8B-B14F-4D97-AF65-F5344CB8AC3E}">
-        <p14:creationId xmlns:p14="http://schemas.microsoft.com/office/powerpoint/2010/main" val="1942020045"/>
-      </p:ext>
-    </p:extLst>
-  </p:cSld>
-  <p:clrMapOvr>
-    <a:masterClrMapping/>
-  </p:clrMapOvr>
-</p:sld>
-</file>
-
-<file path=ppt/slides/slide23.xml><?xml version="1.0" encoding="utf-8"?>
-<p:sld xmlns:a="http://schemas.openxmlformats.org/drawingml/2006/main" xmlns:r="http://schemas.openxmlformats.org/officeDocument/2006/relationships" xmlns:p="http://schemas.openxmlformats.org/presentationml/2006/main">
-  <p:cSld>
-    <p:spTree>
-      <p:nvGrpSpPr>
-        <p:cNvPr id="1" name=""/>
-        <p:cNvGrpSpPr/>
-        <p:nvPr/>
-      </p:nvGrpSpPr>
-      <p:grpSpPr>
-        <a:xfrm>
-          <a:off x="0" y="0"/>
-          <a:ext cx="0" cy="0"/>
-          <a:chOff x="0" y="0"/>
-          <a:chExt cx="0" cy="0"/>
-        </a:xfrm>
-      </p:grpSpPr>
-      <p:sp>
-        <p:nvSpPr>
-          <p:cNvPr id="2" name="Title 1"/>
-          <p:cNvSpPr>
-            <a:spLocks noGrp="1"/>
-          </p:cNvSpPr>
-          <p:nvPr>
-            <p:ph type="title"/>
-          </p:nvPr>
-        </p:nvSpPr>
-        <p:spPr/>
-        <p:txBody>
-          <a:bodyPr/>
-          <a:lstStyle/>
-          <a:p>
-            <a:r>
-              <a:rPr lang="es-ES_tradnl" dirty="0" smtClean="0"/>
               <a:t>Contextos</a:t>
             </a:r>
             <a:endParaRPr lang="es-ES_tradnl" dirty="0"/>
@@ -16433,7 +16319,7 @@
 </p:sld>
 </file>
 
-<file path=ppt/slides/slide24.xml><?xml version="1.0" encoding="utf-8"?>
+<file path=ppt/slides/slide22.xml><?xml version="1.0" encoding="utf-8"?>
 <p:sld xmlns:a="http://schemas.openxmlformats.org/drawingml/2006/main" xmlns:r="http://schemas.openxmlformats.org/officeDocument/2006/relationships" xmlns:p="http://schemas.openxmlformats.org/presentationml/2006/main">
   <p:cSld>
     <p:spTree>
@@ -16546,6 +16432,170 @@
 </p:sld>
 </file>
 
+<file path=ppt/slides/slide23.xml><?xml version="1.0" encoding="utf-8"?>
+<p:sld xmlns:a="http://schemas.openxmlformats.org/drawingml/2006/main" xmlns:r="http://schemas.openxmlformats.org/officeDocument/2006/relationships" xmlns:p="http://schemas.openxmlformats.org/presentationml/2006/main">
+  <p:cSld>
+    <p:spTree>
+      <p:nvGrpSpPr>
+        <p:cNvPr id="1" name=""/>
+        <p:cNvGrpSpPr/>
+        <p:nvPr/>
+      </p:nvGrpSpPr>
+      <p:grpSpPr>
+        <a:xfrm>
+          <a:off x="0" y="0"/>
+          <a:ext cx="0" cy="0"/>
+          <a:chOff x="0" y="0"/>
+          <a:chExt cx="0" cy="0"/>
+        </a:xfrm>
+      </p:grpSpPr>
+      <p:sp>
+        <p:nvSpPr>
+          <p:cNvPr id="2" name="Title 1"/>
+          <p:cNvSpPr>
+            <a:spLocks noGrp="1"/>
+          </p:cNvSpPr>
+          <p:nvPr>
+            <p:ph type="title"/>
+          </p:nvPr>
+        </p:nvSpPr>
+        <p:spPr/>
+        <p:txBody>
+          <a:bodyPr/>
+          <a:lstStyle/>
+          <a:p>
+            <a:r>
+              <a:rPr lang="es-ES_tradnl" dirty="0" smtClean="0"/>
+              <a:t>Ciclo de vida</a:t>
+            </a:r>
+            <a:endParaRPr lang="es-ES_tradnl" dirty="0"/>
+          </a:p>
+        </p:txBody>
+      </p:sp>
+      <p:pic>
+        <p:nvPicPr>
+          <p:cNvPr id="4" name="Content Placeholder 3" descr="Screen shot 2011-11-16 at 12.01.10 PM.png"/>
+          <p:cNvPicPr>
+            <a:picLocks noGrp="1" noChangeAspect="1"/>
+          </p:cNvPicPr>
+          <p:nvPr>
+            <p:ph idx="1"/>
+          </p:nvPr>
+        </p:nvPicPr>
+        <p:blipFill>
+          <a:blip r:embed="rId2">
+            <a:extLst>
+              <a:ext uri="{28A0092B-C50C-407E-A947-70E740481C1C}">
+                <a14:useLocalDpi xmlns:a14="http://schemas.microsoft.com/office/drawing/2010/main" val="0"/>
+              </a:ext>
+            </a:extLst>
+          </a:blip>
+          <a:srcRect l="-1972" r="-1972"/>
+          <a:stretch>
+            <a:fillRect/>
+          </a:stretch>
+        </p:blipFill>
+        <p:spPr/>
+      </p:pic>
+    </p:spTree>
+    <p:extLst>
+      <p:ext uri="{BB962C8B-B14F-4D97-AF65-F5344CB8AC3E}">
+        <p14:creationId xmlns:p14="http://schemas.microsoft.com/office/powerpoint/2010/main" val="1348565280"/>
+      </p:ext>
+    </p:extLst>
+  </p:cSld>
+  <p:clrMapOvr>
+    <a:masterClrMapping/>
+  </p:clrMapOvr>
+</p:sld>
+</file>
+
+<file path=ppt/slides/slide24.xml><?xml version="1.0" encoding="utf-8"?>
+<p:sld xmlns:a="http://schemas.openxmlformats.org/drawingml/2006/main" xmlns:r="http://schemas.openxmlformats.org/officeDocument/2006/relationships" xmlns:p="http://schemas.openxmlformats.org/presentationml/2006/main">
+  <p:cSld>
+    <p:spTree>
+      <p:nvGrpSpPr>
+        <p:cNvPr id="1" name=""/>
+        <p:cNvGrpSpPr/>
+        <p:nvPr/>
+      </p:nvGrpSpPr>
+      <p:grpSpPr>
+        <a:xfrm>
+          <a:off x="0" y="0"/>
+          <a:ext cx="0" cy="0"/>
+          <a:chOff x="0" y="0"/>
+          <a:chExt cx="0" cy="0"/>
+        </a:xfrm>
+      </p:grpSpPr>
+      <p:sp>
+        <p:nvSpPr>
+          <p:cNvPr id="2" name="Title 1"/>
+          <p:cNvSpPr>
+            <a:spLocks noGrp="1"/>
+          </p:cNvSpPr>
+          <p:nvPr>
+            <p:ph type="title"/>
+          </p:nvPr>
+        </p:nvSpPr>
+        <p:spPr/>
+        <p:txBody>
+          <a:bodyPr/>
+          <a:lstStyle/>
+          <a:p>
+            <a:r>
+              <a:rPr lang="es-ES_tradnl" dirty="0" smtClean="0"/>
+              <a:t>M</a:t>
+            </a:r>
+            <a:r>
+              <a:rPr lang="es-ES_tradnl" dirty="0" smtClean="0"/>
+              <a:t>ó</a:t>
+            </a:r>
+            <a:r>
+              <a:rPr lang="es-ES_tradnl" dirty="0" smtClean="0"/>
+              <a:t>dulos</a:t>
+            </a:r>
+            <a:endParaRPr lang="es-ES_tradnl" dirty="0"/>
+          </a:p>
+        </p:txBody>
+      </p:sp>
+      <p:pic>
+        <p:nvPicPr>
+          <p:cNvPr id="4" name="Content Placeholder 3" descr="Screen shot 2011-11-16 at 12.03.16 PM.png"/>
+          <p:cNvPicPr>
+            <a:picLocks noGrp="1" noChangeAspect="1"/>
+          </p:cNvPicPr>
+          <p:nvPr>
+            <p:ph idx="1"/>
+          </p:nvPr>
+        </p:nvPicPr>
+        <p:blipFill>
+          <a:blip r:embed="rId3">
+            <a:extLst>
+              <a:ext uri="{28A0092B-C50C-407E-A947-70E740481C1C}">
+                <a14:useLocalDpi xmlns:a14="http://schemas.microsoft.com/office/drawing/2010/main" val="0"/>
+              </a:ext>
+            </a:extLst>
+          </a:blip>
+          <a:srcRect l="-18736" r="-18736"/>
+          <a:stretch>
+            <a:fillRect/>
+          </a:stretch>
+        </p:blipFill>
+        <p:spPr/>
+      </p:pic>
+    </p:spTree>
+    <p:extLst>
+      <p:ext uri="{BB962C8B-B14F-4D97-AF65-F5344CB8AC3E}">
+        <p14:creationId xmlns:p14="http://schemas.microsoft.com/office/powerpoint/2010/main" val="2787623156"/>
+      </p:ext>
+    </p:extLst>
+  </p:cSld>
+  <p:clrMapOvr>
+    <a:masterClrMapping/>
+  </p:clrMapOvr>
+</p:sld>
+</file>
+
 <file path=ppt/slides/slide25.xml><?xml version="1.0" encoding="utf-8"?>
 <p:sld xmlns:a="http://schemas.openxmlformats.org/drawingml/2006/main" xmlns:r="http://schemas.openxmlformats.org/officeDocument/2006/relationships" xmlns:p="http://schemas.openxmlformats.org/presentationml/2006/main">
   <p:cSld>
@@ -16579,42 +16629,64 @@
           <a:lstStyle/>
           <a:p>
             <a:r>
-              <a:rPr lang="es-ES_tradnl" dirty="0" smtClean="0"/>
-              <a:t>Ciclo de vida</a:t>
+              <a:rPr lang="es-ES_tradnl" dirty="0" err="1" smtClean="0"/>
+              <a:t>Core</a:t>
             </a:r>
             <a:endParaRPr lang="es-ES_tradnl" dirty="0"/>
           </a:p>
         </p:txBody>
       </p:sp>
-      <p:pic>
-        <p:nvPicPr>
-          <p:cNvPr id="4" name="Content Placeholder 3" descr="Screen shot 2011-11-16 at 12.01.10 PM.png"/>
-          <p:cNvPicPr>
-            <a:picLocks noGrp="1" noChangeAspect="1"/>
-          </p:cNvPicPr>
+      <p:sp>
+        <p:nvSpPr>
+          <p:cNvPr id="3" name="Content Placeholder 2"/>
+          <p:cNvSpPr>
+            <a:spLocks noGrp="1"/>
+          </p:cNvSpPr>
           <p:nvPr>
             <p:ph idx="1"/>
           </p:nvPr>
-        </p:nvPicPr>
-        <p:blipFill>
-          <a:blip r:embed="rId2">
-            <a:extLst>
-              <a:ext uri="{28A0092B-C50C-407E-A947-70E740481C1C}">
-                <a14:useLocalDpi xmlns:a14="http://schemas.microsoft.com/office/drawing/2010/main" val="0"/>
-              </a:ext>
-            </a:extLst>
-          </a:blip>
-          <a:srcRect l="-1972" r="-1972"/>
-          <a:stretch>
-            <a:fillRect/>
-          </a:stretch>
-        </p:blipFill>
+        </p:nvSpPr>
         <p:spPr/>
-      </p:pic>
+        <p:txBody>
+          <a:bodyPr/>
+          <a:lstStyle/>
+          <a:p>
+            <a:r>
+              <a:rPr lang="es-ES_tradnl" dirty="0" smtClean="0"/>
+              <a:t>Es la piedra angular de la infraestructura Spring</a:t>
+            </a:r>
+          </a:p>
+          <a:p>
+            <a:r>
+              <a:rPr lang="es-ES_tradnl" dirty="0" smtClean="0"/>
+              <a:t>Es el encargado de administrar como los </a:t>
+            </a:r>
+            <a:r>
+              <a:rPr lang="es-ES_tradnl" dirty="0" err="1" smtClean="0"/>
+              <a:t>Beans</a:t>
+            </a:r>
+            <a:r>
+              <a:rPr lang="es-ES_tradnl" dirty="0" smtClean="0"/>
+              <a:t> son creados, configurados y administrados.</a:t>
+            </a:r>
+          </a:p>
+          <a:p>
+            <a:r>
+              <a:rPr lang="es-ES_tradnl" dirty="0" smtClean="0"/>
+              <a:t>Encargada de la Inyecci</a:t>
+            </a:r>
+            <a:r>
+              <a:rPr lang="es-ES_tradnl" dirty="0" smtClean="0"/>
+              <a:t>ón de Dependencias (DI)</a:t>
+            </a:r>
+            <a:endParaRPr lang="es-ES_tradnl" dirty="0" smtClean="0"/>
+          </a:p>
+        </p:txBody>
+      </p:sp>
     </p:spTree>
     <p:extLst>
       <p:ext uri="{BB962C8B-B14F-4D97-AF65-F5344CB8AC3E}">
-        <p14:creationId xmlns:p14="http://schemas.microsoft.com/office/powerpoint/2010/main" val="1348565280"/>
+        <p14:creationId xmlns:p14="http://schemas.microsoft.com/office/powerpoint/2010/main" val="655651609"/>
       </p:ext>
     </p:extLst>
   </p:cSld>
@@ -16658,49 +16730,57 @@
           <a:p>
             <a:r>
               <a:rPr lang="es-ES_tradnl" dirty="0" smtClean="0"/>
-              <a:t>M</a:t>
-            </a:r>
-            <a:r>
-              <a:rPr lang="es-ES_tradnl" dirty="0" smtClean="0"/>
-              <a:t>ó</a:t>
-            </a:r>
-            <a:r>
-              <a:rPr lang="es-ES_tradnl" dirty="0" smtClean="0"/>
-              <a:t>dulos</a:t>
+              <a:t>AOP</a:t>
             </a:r>
             <a:endParaRPr lang="es-ES_tradnl" dirty="0"/>
           </a:p>
         </p:txBody>
       </p:sp>
-      <p:pic>
-        <p:nvPicPr>
-          <p:cNvPr id="4" name="Content Placeholder 3" descr="Screen shot 2011-11-16 at 12.03.16 PM.png"/>
-          <p:cNvPicPr>
-            <a:picLocks noGrp="1" noChangeAspect="1"/>
-          </p:cNvPicPr>
+      <p:sp>
+        <p:nvSpPr>
+          <p:cNvPr id="3" name="Content Placeholder 2"/>
+          <p:cNvSpPr>
+            <a:spLocks noGrp="1"/>
+          </p:cNvSpPr>
           <p:nvPr>
             <p:ph idx="1"/>
           </p:nvPr>
-        </p:nvPicPr>
-        <p:blipFill>
-          <a:blip r:embed="rId3">
-            <a:extLst>
-              <a:ext uri="{28A0092B-C50C-407E-A947-70E740481C1C}">
-                <a14:useLocalDpi xmlns:a14="http://schemas.microsoft.com/office/drawing/2010/main" val="0"/>
-              </a:ext>
-            </a:extLst>
-          </a:blip>
-          <a:srcRect l="-18736" r="-18736"/>
-          <a:stretch>
-            <a:fillRect/>
-          </a:stretch>
-        </p:blipFill>
+        </p:nvSpPr>
         <p:spPr/>
-      </p:pic>
+        <p:txBody>
+          <a:bodyPr/>
+          <a:lstStyle/>
+          <a:p>
+            <a:r>
+              <a:rPr lang="es-ES_tradnl" dirty="0" smtClean="0"/>
+              <a:t>Es la base para agregar tus propios aspectos a tu aplicaci</a:t>
+            </a:r>
+            <a:r>
+              <a:rPr lang="es-ES_tradnl" dirty="0" smtClean="0"/>
+              <a:t>ón basada en Spring.</a:t>
+            </a:r>
+          </a:p>
+          <a:p>
+            <a:r>
+              <a:rPr lang="es-ES_tradnl" dirty="0" smtClean="0"/>
+              <a:t>Como DI, AOP nos provee de desacoplamiento entre objetos, pero con AOP podemos desacoplar responsabilidades de la aplicación como </a:t>
+            </a:r>
+            <a:r>
+              <a:rPr lang="es-ES_tradnl" dirty="0" err="1" smtClean="0"/>
+              <a:t>transaccionalidad</a:t>
+            </a:r>
+            <a:r>
+              <a:rPr lang="es-ES_tradnl" dirty="0" smtClean="0"/>
+              <a:t> y seguridad.</a:t>
+            </a:r>
+            <a:endParaRPr lang="es-ES_tradnl" dirty="0"/>
+          </a:p>
+        </p:txBody>
+      </p:sp>
     </p:spTree>
     <p:extLst>
       <p:ext uri="{BB962C8B-B14F-4D97-AF65-F5344CB8AC3E}">
-        <p14:creationId xmlns:p14="http://schemas.microsoft.com/office/powerpoint/2010/main" val="2787623156"/>
+        <p14:creationId xmlns:p14="http://schemas.microsoft.com/office/powerpoint/2010/main" val="415873203"/>
       </p:ext>
     </p:extLst>
   </p:cSld>
@@ -16739,12 +16819,18 @@
         </p:nvSpPr>
         <p:spPr/>
         <p:txBody>
-          <a:bodyPr/>
+          <a:bodyPr>
+            <a:normAutofit fontScale="90000"/>
+          </a:bodyPr>
           <a:lstStyle/>
           <a:p>
             <a:r>
-              <a:rPr lang="es-ES_tradnl" dirty="0" err="1" smtClean="0"/>
-              <a:t>Core</a:t>
+              <a:rPr lang="es-ES_tradnl" dirty="0" smtClean="0"/>
+              <a:t>Acceso a Datos e Integraci</a:t>
+            </a:r>
+            <a:r>
+              <a:rPr lang="es-ES_tradnl" dirty="0" smtClean="0"/>
+              <a:t>ón</a:t>
             </a:r>
             <a:endParaRPr lang="es-ES_tradnl" dirty="0"/>
           </a:p>
@@ -16762,45 +16848,45 @@
         </p:nvSpPr>
         <p:spPr/>
         <p:txBody>
-          <a:bodyPr/>
+          <a:bodyPr>
+            <a:normAutofit fontScale="92500" lnSpcReduction="20000"/>
+          </a:bodyPr>
           <a:lstStyle/>
           <a:p>
             <a:r>
               <a:rPr lang="es-ES_tradnl" dirty="0" smtClean="0"/>
-              <a:t>Es la piedra angular de la infraestructura Spring</a:t>
-            </a:r>
-          </a:p>
-          <a:p>
-            <a:r>
-              <a:rPr lang="es-ES_tradnl" dirty="0" smtClean="0"/>
-              <a:t>Es el encargado de administrar como los </a:t>
-            </a:r>
-            <a:r>
-              <a:rPr lang="es-ES_tradnl" dirty="0" err="1" smtClean="0"/>
-              <a:t>Beans</a:t>
-            </a:r>
-            <a:r>
-              <a:rPr lang="es-ES_tradnl" dirty="0" smtClean="0"/>
-              <a:t> son creados, configurados y administrados.</a:t>
-            </a:r>
-          </a:p>
-          <a:p>
-            <a:r>
-              <a:rPr lang="es-ES_tradnl" dirty="0" smtClean="0"/>
-              <a:t>Encargada de la Inyecci</a:t>
-            </a:r>
-            <a:r>
-              <a:rPr lang="es-ES_tradnl" dirty="0" smtClean="0"/>
-              <a:t>ón de Dependencias (DI)</a:t>
-            </a:r>
-            <a:endParaRPr lang="es-ES_tradnl" dirty="0" smtClean="0"/>
+              <a:t>Abstraen el c</a:t>
+            </a:r>
+            <a:r>
+              <a:rPr lang="es-ES_tradnl" dirty="0" smtClean="0"/>
+              <a:t>ódigo repetitivo que tiene que ver con manejar una conexión a base de datos y sus distintos recursos.</a:t>
+            </a:r>
+          </a:p>
+          <a:p>
+            <a:r>
+              <a:rPr lang="es-ES_tradnl" dirty="0" smtClean="0"/>
+              <a:t>Apoya al desarrollador a hacer buen uso de estos recursos, manejando cosas como la conexión y desconexión de la base de datos.</a:t>
+            </a:r>
+          </a:p>
+          <a:p>
+            <a:r>
+              <a:rPr lang="es-ES_tradnl" dirty="0" smtClean="0"/>
+              <a:t>Contiene la lógica necesaria para conectarse a una herramienta de ORM así como al servicio de mensajería (JMS).</a:t>
+            </a:r>
+          </a:p>
+          <a:p>
+            <a:r>
+              <a:rPr lang="es-ES_tradnl" dirty="0" smtClean="0"/>
+              <a:t>También contiene la lógica para el manejo de transacciones.</a:t>
+            </a:r>
+            <a:endParaRPr lang="es-ES_tradnl" dirty="0"/>
           </a:p>
         </p:txBody>
       </p:sp>
     </p:spTree>
     <p:extLst>
       <p:ext uri="{BB962C8B-B14F-4D97-AF65-F5344CB8AC3E}">
-        <p14:creationId xmlns:p14="http://schemas.microsoft.com/office/powerpoint/2010/main" val="655651609"/>
+        <p14:creationId xmlns:p14="http://schemas.microsoft.com/office/powerpoint/2010/main" val="3618104915"/>
       </p:ext>
     </p:extLst>
   </p:cSld>
@@ -16844,7 +16930,7 @@
           <a:p>
             <a:r>
               <a:rPr lang="es-ES_tradnl" dirty="0" smtClean="0"/>
-              <a:t>AOP</a:t>
+              <a:t>Web y Acceso Remoto</a:t>
             </a:r>
             <a:endParaRPr lang="es-ES_tradnl" dirty="0"/>
           </a:p>
@@ -16867,25 +16953,33 @@
           <a:p>
             <a:r>
               <a:rPr lang="es-ES_tradnl" dirty="0" smtClean="0"/>
-              <a:t>Es la base para agregar tus propios aspectos a tu aplicaci</a:t>
-            </a:r>
-            <a:r>
-              <a:rPr lang="es-ES_tradnl" dirty="0" smtClean="0"/>
-              <a:t>ón basada en Spring.</a:t>
-            </a:r>
-          </a:p>
-          <a:p>
-            <a:r>
-              <a:rPr lang="es-ES_tradnl" dirty="0" smtClean="0"/>
-              <a:t>Como DI, AOP nos provee de desacoplamiento entre objetos, pero con AOP podemos desacoplar responsabilidades de la aplicación como </a:t>
+              <a:t>Tiene una implementaci</a:t>
+            </a:r>
+            <a:r>
+              <a:rPr lang="es-ES_tradnl" dirty="0" smtClean="0"/>
+              <a:t>ón del paradigma MVC, pero se puede conectar a otras implementaciones.</a:t>
+            </a:r>
+          </a:p>
+          <a:p>
+            <a:r>
+              <a:rPr lang="es-ES_tradnl" dirty="0" smtClean="0"/>
+              <a:t>Contiene la implementación de varias opciones para tener acceso remoto a la aplicación como RMI, </a:t>
             </a:r>
             <a:r>
               <a:rPr lang="es-ES_tradnl" dirty="0" err="1" smtClean="0"/>
-              <a:t>transaccionalidad</a:t>
-            </a:r>
-            <a:r>
-              <a:rPr lang="es-ES_tradnl" dirty="0" smtClean="0"/>
-              <a:t> y seguridad.</a:t>
+              <a:t>Hessian</a:t>
+            </a:r>
+            <a:r>
+              <a:rPr lang="es-ES_tradnl" dirty="0" smtClean="0"/>
+              <a:t>, </a:t>
+            </a:r>
+            <a:r>
+              <a:rPr lang="es-ES_tradnl" dirty="0" err="1" smtClean="0"/>
+              <a:t>Burlap</a:t>
+            </a:r>
+            <a:r>
+              <a:rPr lang="es-ES_tradnl" dirty="0" smtClean="0"/>
+              <a:t>, JAX-WS, entre otros.</a:t>
             </a:r>
             <a:endParaRPr lang="es-ES_tradnl" dirty="0"/>
           </a:p>
@@ -16894,7 +16988,7 @@
     </p:spTree>
     <p:extLst>
       <p:ext uri="{BB962C8B-B14F-4D97-AF65-F5344CB8AC3E}">
-        <p14:creationId xmlns:p14="http://schemas.microsoft.com/office/powerpoint/2010/main" val="415873203"/>
+        <p14:creationId xmlns:p14="http://schemas.microsoft.com/office/powerpoint/2010/main" val="841480689"/>
       </p:ext>
     </p:extLst>
   </p:cSld>
@@ -16933,18 +17027,12 @@
         </p:nvSpPr>
         <p:spPr/>
         <p:txBody>
-          <a:bodyPr>
-            <a:normAutofit fontScale="90000"/>
-          </a:bodyPr>
+          <a:bodyPr/>
           <a:lstStyle/>
           <a:p>
             <a:r>
               <a:rPr lang="es-ES_tradnl" dirty="0" smtClean="0"/>
-              <a:t>Acceso a Datos e Integraci</a:t>
-            </a:r>
-            <a:r>
-              <a:rPr lang="es-ES_tradnl" dirty="0" smtClean="0"/>
-              <a:t>ón</a:t>
+              <a:t>Pruebas</a:t>
             </a:r>
             <a:endParaRPr lang="es-ES_tradnl" dirty="0"/>
           </a:p>
@@ -16962,36 +17050,16 @@
         </p:nvSpPr>
         <p:spPr/>
         <p:txBody>
-          <a:bodyPr>
-            <a:normAutofit fontScale="92500" lnSpcReduction="20000"/>
-          </a:bodyPr>
+          <a:bodyPr/>
           <a:lstStyle/>
           <a:p>
             <a:r>
               <a:rPr lang="es-ES_tradnl" dirty="0" smtClean="0"/>
-              <a:t>Abstraen el c</a:t>
-            </a:r>
-            <a:r>
-              <a:rPr lang="es-ES_tradnl" dirty="0" smtClean="0"/>
-              <a:t>ódigo repetitivo que tiene que ver con manejar una conexión a base de datos y sus distintos recursos.</a:t>
-            </a:r>
-          </a:p>
-          <a:p>
-            <a:r>
-              <a:rPr lang="es-ES_tradnl" dirty="0" smtClean="0"/>
-              <a:t>Apoya al desarrollador a hacer buen uso de estos recursos, manejando cosas como la conexión y desconexión de la base de datos.</a:t>
-            </a:r>
-          </a:p>
-          <a:p>
-            <a:r>
-              <a:rPr lang="es-ES_tradnl" dirty="0" smtClean="0"/>
-              <a:t>Contiene la lógica necesaria para conectarse a una herramienta de ORM así como al servicio de mensajería (JMS).</a:t>
-            </a:r>
-          </a:p>
-          <a:p>
-            <a:r>
-              <a:rPr lang="es-ES_tradnl" dirty="0" smtClean="0"/>
-              <a:t>También contiene la lógica para el manejo de transacciones.</a:t>
+              <a:t>Reconociendo la importancia de pruebas escritas por el desarrollador, Spring nos provee de </a:t>
+            </a:r>
+            <a:r>
+              <a:rPr lang="es-ES_tradnl" dirty="0" smtClean="0"/>
+              <a:t>éste módulo.</a:t>
             </a:r>
             <a:endParaRPr lang="es-ES_tradnl" dirty="0"/>
           </a:p>
@@ -17000,7 +17068,7 @@
     </p:spTree>
     <p:extLst>
       <p:ext uri="{BB962C8B-B14F-4D97-AF65-F5344CB8AC3E}">
-        <p14:creationId xmlns:p14="http://schemas.microsoft.com/office/powerpoint/2010/main" val="3618104915"/>
+        <p14:creationId xmlns:p14="http://schemas.microsoft.com/office/powerpoint/2010/main" val="830803030"/>
       </p:ext>
     </p:extLst>
   </p:cSld>
@@ -17127,7 +17195,11 @@
           <a:p>
             <a:r>
               <a:rPr lang="es-ES_tradnl" dirty="0" smtClean="0"/>
-              <a:t>Web y Acceso Remoto</a:t>
+              <a:t>Otros m</a:t>
+            </a:r>
+            <a:r>
+              <a:rPr lang="es-ES_tradnl" dirty="0" smtClean="0"/>
+              <a:t>ódulos</a:t>
             </a:r>
             <a:endParaRPr lang="es-ES_tradnl" dirty="0"/>
           </a:p>
@@ -17140,7 +17212,7 @@
             <a:spLocks noGrp="1"/>
           </p:cNvSpPr>
           <p:nvPr>
-            <p:ph idx="1"/>
+            <p:ph sz="quarter" idx="13"/>
           </p:nvPr>
         </p:nvSpPr>
         <p:spPr/>
@@ -17150,33 +17222,128 @@
           <a:p>
             <a:r>
               <a:rPr lang="es-ES_tradnl" dirty="0" smtClean="0"/>
-              <a:t>Tiene una implementaci</a:t>
-            </a:r>
-            <a:r>
-              <a:rPr lang="es-ES_tradnl" dirty="0" smtClean="0"/>
-              <a:t>ón del paradigma MVC, pero se puede conectar a otras implementaciones.</a:t>
-            </a:r>
-          </a:p>
-          <a:p>
-            <a:r>
-              <a:rPr lang="es-ES_tradnl" dirty="0" smtClean="0"/>
-              <a:t>Contiene la implementación de varias opciones para tener acceso remoto a la aplicación como RMI, </a:t>
+              <a:t>Web </a:t>
             </a:r>
             <a:r>
               <a:rPr lang="es-ES_tradnl" dirty="0" err="1" smtClean="0"/>
-              <a:t>Hessian</a:t>
-            </a:r>
-            <a:r>
-              <a:rPr lang="es-ES_tradnl" dirty="0" smtClean="0"/>
-              <a:t>, </a:t>
+              <a:t>Flow</a:t>
+            </a:r>
+            <a:endParaRPr lang="es-ES_tradnl" dirty="0" smtClean="0"/>
+          </a:p>
+          <a:p>
+            <a:r>
+              <a:rPr lang="es-ES_tradnl" dirty="0" smtClean="0"/>
+              <a:t>Web </a:t>
             </a:r>
             <a:r>
               <a:rPr lang="es-ES_tradnl" dirty="0" err="1" smtClean="0"/>
-              <a:t>Burlap</a:t>
-            </a:r>
-            <a:r>
-              <a:rPr lang="es-ES_tradnl" dirty="0" smtClean="0"/>
-              <a:t>, JAX-WS, entre otros.</a:t>
+              <a:t>Services</a:t>
+            </a:r>
+            <a:endParaRPr lang="es-ES_tradnl" dirty="0" smtClean="0"/>
+          </a:p>
+          <a:p>
+            <a:r>
+              <a:rPr lang="es-ES_tradnl" dirty="0" smtClean="0"/>
+              <a:t>Security</a:t>
+            </a:r>
+          </a:p>
+          <a:p>
+            <a:r>
+              <a:rPr lang="es-ES_tradnl" dirty="0" err="1" smtClean="0"/>
+              <a:t>Integration</a:t>
+            </a:r>
+            <a:endParaRPr lang="es-ES_tradnl" dirty="0" smtClean="0"/>
+          </a:p>
+          <a:p>
+            <a:r>
+              <a:rPr lang="es-ES_tradnl" dirty="0" err="1" smtClean="0"/>
+              <a:t>Batch</a:t>
+            </a:r>
+            <a:endParaRPr lang="es-ES_tradnl" dirty="0" smtClean="0"/>
+          </a:p>
+          <a:p>
+            <a:r>
+              <a:rPr lang="es-ES_tradnl" dirty="0" smtClean="0"/>
+              <a:t>Social</a:t>
+            </a:r>
+          </a:p>
+          <a:p>
+            <a:r>
+              <a:rPr lang="es-ES_tradnl" dirty="0" smtClean="0"/>
+              <a:t>Mobile</a:t>
+            </a:r>
+            <a:endParaRPr lang="es-ES_tradnl" dirty="0"/>
+          </a:p>
+        </p:txBody>
+      </p:sp>
+      <p:sp>
+        <p:nvSpPr>
+          <p:cNvPr id="4" name="Content Placeholder 3"/>
+          <p:cNvSpPr>
+            <a:spLocks noGrp="1"/>
+          </p:cNvSpPr>
+          <p:nvPr>
+            <p:ph sz="quarter" idx="14"/>
+          </p:nvPr>
+        </p:nvSpPr>
+        <p:spPr/>
+        <p:txBody>
+          <a:bodyPr/>
+          <a:lstStyle/>
+          <a:p>
+            <a:r>
+              <a:rPr lang="es-ES_tradnl" dirty="0" err="1" smtClean="0"/>
+              <a:t>Dynamic</a:t>
+            </a:r>
+            <a:r>
+              <a:rPr lang="es-ES_tradnl" dirty="0" smtClean="0"/>
+              <a:t> Modules</a:t>
+            </a:r>
+          </a:p>
+          <a:p>
+            <a:r>
+              <a:rPr lang="es-ES_tradnl" dirty="0" smtClean="0"/>
+              <a:t>LDAP</a:t>
+            </a:r>
+          </a:p>
+          <a:p>
+            <a:r>
+              <a:rPr lang="es-ES_tradnl" dirty="0" err="1" smtClean="0"/>
+              <a:t>Rich</a:t>
+            </a:r>
+            <a:r>
+              <a:rPr lang="es-ES_tradnl" dirty="0" smtClean="0"/>
+              <a:t> </a:t>
+            </a:r>
+            <a:r>
+              <a:rPr lang="es-ES_tradnl" dirty="0" err="1" smtClean="0"/>
+              <a:t>Client</a:t>
+            </a:r>
+            <a:endParaRPr lang="es-ES_tradnl" dirty="0" smtClean="0"/>
+          </a:p>
+          <a:p>
+            <a:r>
+              <a:rPr lang="es-ES_tradnl" dirty="0" err="1" smtClean="0"/>
+              <a:t>.Net</a:t>
+            </a:r>
+            <a:endParaRPr lang="es-ES_tradnl" dirty="0" smtClean="0"/>
+          </a:p>
+          <a:p>
+            <a:r>
+              <a:rPr lang="es-ES_tradnl" dirty="0" smtClean="0"/>
+              <a:t>Flex</a:t>
+            </a:r>
+          </a:p>
+          <a:p>
+            <a:r>
+              <a:rPr lang="es-ES_tradnl" dirty="0" smtClean="0"/>
+              <a:t>Roo</a:t>
+            </a:r>
+          </a:p>
+          <a:p>
+            <a:r>
+              <a:rPr lang="es-ES_tradnl" dirty="0" err="1" smtClean="0"/>
+              <a:t>Extensions</a:t>
             </a:r>
             <a:endParaRPr lang="es-ES_tradnl" dirty="0"/>
           </a:p>
@@ -17185,7 +17352,7 @@
     </p:spTree>
     <p:extLst>
       <p:ext uri="{BB962C8B-B14F-4D97-AF65-F5344CB8AC3E}">
-        <p14:creationId xmlns:p14="http://schemas.microsoft.com/office/powerpoint/2010/main" val="841480689"/>
+        <p14:creationId xmlns:p14="http://schemas.microsoft.com/office/powerpoint/2010/main" val="566574081"/>
       </p:ext>
     </p:extLst>
   </p:cSld>
@@ -17214,7 +17381,7 @@
       </p:grpSpPr>
       <p:sp>
         <p:nvSpPr>
-          <p:cNvPr id="2" name="Title 1"/>
+          <p:cNvPr id="5" name="Title 4"/>
           <p:cNvSpPr>
             <a:spLocks noGrp="1"/>
           </p:cNvSpPr>
@@ -17229,7 +17396,7 @@
           <a:p>
             <a:r>
               <a:rPr lang="es-ES_tradnl" dirty="0" smtClean="0"/>
-              <a:t>Pruebas</a:t>
+              <a:t>Nuevo en 2.5</a:t>
             </a:r>
             <a:endParaRPr lang="es-ES_tradnl" dirty="0"/>
           </a:p>
@@ -17237,7 +17404,7 @@
       </p:sp>
       <p:sp>
         <p:nvSpPr>
-          <p:cNvPr id="3" name="Content Placeholder 2"/>
+          <p:cNvPr id="6" name="Content Placeholder 5"/>
           <p:cNvSpPr>
             <a:spLocks noGrp="1"/>
           </p:cNvSpPr>
@@ -17252,11 +17419,46 @@
           <a:p>
             <a:r>
               <a:rPr lang="es-ES_tradnl" dirty="0" smtClean="0"/>
-              <a:t>Reconociendo la importancia de pruebas escritas por el desarrollador, Spring nos provee de </a:t>
-            </a:r>
-            <a:r>
-              <a:rPr lang="es-ES_tradnl" dirty="0" smtClean="0"/>
-              <a:t>éste módulo.</a:t>
+              <a:t>Anotaciones</a:t>
+            </a:r>
+          </a:p>
+          <a:p>
+            <a:r>
+              <a:rPr lang="es-ES_tradnl" dirty="0" smtClean="0"/>
+              <a:t>Pruebas basadas en JUnit 4</a:t>
+            </a:r>
+          </a:p>
+          <a:p>
+            <a:r>
+              <a:rPr lang="es-ES_tradnl" dirty="0" smtClean="0"/>
+              <a:t>Soporte para Java 6 y JEE 5</a:t>
+            </a:r>
+          </a:p>
+          <a:p>
+            <a:r>
+              <a:rPr lang="es-ES_tradnl" dirty="0" smtClean="0"/>
+              <a:t>Mejoras a AOP</a:t>
+            </a:r>
+          </a:p>
+          <a:p>
+            <a:r>
+              <a:rPr lang="es-ES_tradnl" dirty="0" smtClean="0"/>
+              <a:t>Par</a:t>
+            </a:r>
+            <a:r>
+              <a:rPr lang="es-ES_tradnl" dirty="0" smtClean="0"/>
+              <a:t>ámetros nombrados en </a:t>
+            </a:r>
+            <a:r>
+              <a:rPr lang="es-ES_tradnl" dirty="0" err="1" smtClean="0"/>
+              <a:t>SqlJdbcTemplate</a:t>
+            </a:r>
+            <a:endParaRPr lang="es-ES_tradnl" dirty="0" smtClean="0"/>
+          </a:p>
+          <a:p>
+            <a:r>
+              <a:rPr lang="es-ES_tradnl" dirty="0" smtClean="0"/>
+              <a:t>Entre otras cosas</a:t>
             </a:r>
             <a:endParaRPr lang="es-ES_tradnl" dirty="0"/>
           </a:p>
@@ -17265,7 +17467,7 @@
     </p:spTree>
     <p:extLst>
       <p:ext uri="{BB962C8B-B14F-4D97-AF65-F5344CB8AC3E}">
-        <p14:creationId xmlns:p14="http://schemas.microsoft.com/office/powerpoint/2010/main" val="830803030"/>
+        <p14:creationId xmlns:p14="http://schemas.microsoft.com/office/powerpoint/2010/main" val="2096327275"/>
       </p:ext>
     </p:extLst>
   </p:cSld>
@@ -17309,11 +17511,7 @@
           <a:p>
             <a:r>
               <a:rPr lang="es-ES_tradnl" dirty="0" smtClean="0"/>
-              <a:t>Otros m</a:t>
-            </a:r>
-            <a:r>
-              <a:rPr lang="es-ES_tradnl" dirty="0" smtClean="0"/>
-              <a:t>ódulos</a:t>
+              <a:t>Nuevo en 3.0</a:t>
             </a:r>
             <a:endParaRPr lang="es-ES_tradnl" dirty="0"/>
           </a:p>
@@ -17326,147 +17524,59 @@
             <a:spLocks noGrp="1"/>
           </p:cNvSpPr>
           <p:nvPr>
-            <p:ph sz="quarter" idx="13"/>
+            <p:ph idx="1"/>
           </p:nvPr>
         </p:nvSpPr>
         <p:spPr/>
         <p:txBody>
-          <a:bodyPr/>
+          <a:bodyPr>
+            <a:normAutofit lnSpcReduction="10000"/>
+          </a:bodyPr>
           <a:lstStyle/>
           <a:p>
             <a:r>
               <a:rPr lang="es-ES_tradnl" dirty="0" smtClean="0"/>
-              <a:t>Web </a:t>
-            </a:r>
-            <a:r>
-              <a:rPr lang="es-ES_tradnl" dirty="0" err="1" smtClean="0"/>
-              <a:t>Flow</a:t>
+              <a:t>Soporte REST en Spring MVC</a:t>
+            </a:r>
+          </a:p>
+          <a:p>
+            <a:r>
+              <a:rPr lang="es-ES_tradnl" dirty="0" smtClean="0"/>
+              <a:t>Un nuevo lenguaje de expresiones para mejorar el DI</a:t>
+            </a:r>
+          </a:p>
+          <a:p>
+            <a:r>
+              <a:rPr lang="es-ES_tradnl" dirty="0" smtClean="0"/>
+              <a:t>Soporte para validaci</a:t>
+            </a:r>
+            <a:r>
+              <a:rPr lang="es-ES_tradnl" dirty="0" smtClean="0"/>
+              <a:t>ón mediante el JSR-303</a:t>
+            </a:r>
+          </a:p>
+          <a:p>
+            <a:r>
+              <a:rPr lang="es-ES_tradnl" dirty="0" smtClean="0"/>
+              <a:t>Soporte para la nueva especificación de DI, la JSR-330</a:t>
+            </a:r>
+          </a:p>
+          <a:p>
+            <a:r>
+              <a:rPr lang="es-ES_tradnl" dirty="0" smtClean="0"/>
+              <a:t>Declaración basada en anotaciones para métodos asíncronos y programados</a:t>
             </a:r>
             <a:endParaRPr lang="es-ES_tradnl" dirty="0" smtClean="0"/>
           </a:p>
           <a:p>
-            <a:r>
-              <a:rPr lang="es-ES_tradnl" dirty="0" smtClean="0"/>
-              <a:t>Web </a:t>
-            </a:r>
-            <a:r>
-              <a:rPr lang="es-ES_tradnl" dirty="0" err="1" smtClean="0"/>
-              <a:t>Services</a:t>
-            </a:r>
             <a:endParaRPr lang="es-ES_tradnl" dirty="0" smtClean="0"/>
-          </a:p>
-          <a:p>
-            <a:r>
-              <a:rPr lang="es-ES_tradnl" dirty="0" smtClean="0"/>
-              <a:t>Security</a:t>
-            </a:r>
-          </a:p>
-          <a:p>
-            <a:r>
-              <a:rPr lang="es-ES_tradnl" dirty="0" err="1" smtClean="0"/>
-              <a:t>Integration</a:t>
-            </a:r>
-            <a:endParaRPr lang="es-ES_tradnl" dirty="0" smtClean="0"/>
-          </a:p>
-          <a:p>
-            <a:r>
-              <a:rPr lang="es-ES_tradnl" dirty="0" err="1" smtClean="0"/>
-              <a:t>Batch</a:t>
-            </a:r>
-            <a:endParaRPr lang="es-ES_tradnl" dirty="0" smtClean="0"/>
-          </a:p>
-          <a:p>
-            <a:r>
-              <a:rPr lang="es-ES_tradnl" dirty="0" smtClean="0"/>
-              <a:t>Social</a:t>
-            </a:r>
-          </a:p>
-          <a:p>
-            <a:r>
-              <a:rPr lang="es-ES_tradnl" dirty="0" smtClean="0"/>
-              <a:t>Mobile</a:t>
-            </a:r>
-            <a:endParaRPr lang="es-ES_tradnl" dirty="0"/>
-          </a:p>
-        </p:txBody>
-      </p:sp>
-      <p:sp>
-        <p:nvSpPr>
-          <p:cNvPr id="4" name="Content Placeholder 3"/>
-          <p:cNvSpPr>
-            <a:spLocks noGrp="1"/>
-          </p:cNvSpPr>
-          <p:nvPr>
-            <p:ph sz="quarter" idx="14"/>
-          </p:nvPr>
-        </p:nvSpPr>
-        <p:spPr/>
-        <p:txBody>
-          <a:bodyPr/>
-          <a:lstStyle/>
-          <a:p>
-            <a:r>
-              <a:rPr lang="es-ES_tradnl" dirty="0" err="1" smtClean="0"/>
-              <a:t>Dynamic</a:t>
-            </a:r>
-            <a:r>
-              <a:rPr lang="es-ES_tradnl" dirty="0" smtClean="0"/>
-              <a:t> Modules</a:t>
-            </a:r>
-          </a:p>
-          <a:p>
-            <a:r>
-              <a:rPr lang="es-ES_tradnl" dirty="0" smtClean="0"/>
-              <a:t>LDAP</a:t>
-            </a:r>
-          </a:p>
-          <a:p>
-            <a:r>
-              <a:rPr lang="es-ES_tradnl" dirty="0" err="1" smtClean="0"/>
-              <a:t>Rich</a:t>
-            </a:r>
-            <a:r>
-              <a:rPr lang="es-ES_tradnl" dirty="0" smtClean="0"/>
-              <a:t> </a:t>
-            </a:r>
-            <a:r>
-              <a:rPr lang="es-ES_tradnl" dirty="0" err="1" smtClean="0"/>
-              <a:t>Client</a:t>
-            </a:r>
-            <a:endParaRPr lang="es-ES_tradnl" dirty="0" smtClean="0"/>
-          </a:p>
-          <a:p>
-            <a:r>
-              <a:rPr lang="es-ES_tradnl" dirty="0" err="1" smtClean="0"/>
-              <a:t>.Net</a:t>
-            </a:r>
-            <a:endParaRPr lang="es-ES_tradnl" dirty="0" smtClean="0"/>
-          </a:p>
-          <a:p>
-            <a:r>
-              <a:rPr lang="es-ES_tradnl" dirty="0" smtClean="0"/>
-              <a:t>Flex</a:t>
-            </a:r>
-          </a:p>
-          <a:p>
-            <a:r>
-              <a:rPr lang="es-ES_tradnl" dirty="0" smtClean="0"/>
-              <a:t>Roo</a:t>
-            </a:r>
-          </a:p>
-          <a:p>
-            <a:r>
-              <a:rPr lang="es-ES_tradnl" dirty="0" err="1" smtClean="0"/>
-              <a:t>Extensions</a:t>
-            </a:r>
-            <a:endParaRPr lang="es-ES_tradnl" dirty="0"/>
           </a:p>
         </p:txBody>
       </p:sp>
     </p:spTree>
     <p:extLst>
       <p:ext uri="{BB962C8B-B14F-4D97-AF65-F5344CB8AC3E}">
-        <p14:creationId xmlns:p14="http://schemas.microsoft.com/office/powerpoint/2010/main" val="566574081"/>
+        <p14:creationId xmlns:p14="http://schemas.microsoft.com/office/powerpoint/2010/main" val="1808608663"/>
       </p:ext>
     </p:extLst>
   </p:cSld>
@@ -17495,230 +17605,6 @@
       </p:grpSpPr>
       <p:sp>
         <p:nvSpPr>
-          <p:cNvPr id="5" name="Title 4"/>
-          <p:cNvSpPr>
-            <a:spLocks noGrp="1"/>
-          </p:cNvSpPr>
-          <p:nvPr>
-            <p:ph type="title"/>
-          </p:nvPr>
-        </p:nvSpPr>
-        <p:spPr/>
-        <p:txBody>
-          <a:bodyPr/>
-          <a:lstStyle/>
-          <a:p>
-            <a:r>
-              <a:rPr lang="es-ES_tradnl" dirty="0" smtClean="0"/>
-              <a:t>Nuevo en 2.5</a:t>
-            </a:r>
-            <a:endParaRPr lang="es-ES_tradnl" dirty="0"/>
-          </a:p>
-        </p:txBody>
-      </p:sp>
-      <p:sp>
-        <p:nvSpPr>
-          <p:cNvPr id="6" name="Content Placeholder 5"/>
-          <p:cNvSpPr>
-            <a:spLocks noGrp="1"/>
-          </p:cNvSpPr>
-          <p:nvPr>
-            <p:ph idx="1"/>
-          </p:nvPr>
-        </p:nvSpPr>
-        <p:spPr/>
-        <p:txBody>
-          <a:bodyPr/>
-          <a:lstStyle/>
-          <a:p>
-            <a:r>
-              <a:rPr lang="es-ES_tradnl" dirty="0" smtClean="0"/>
-              <a:t>Anotaciones</a:t>
-            </a:r>
-          </a:p>
-          <a:p>
-            <a:r>
-              <a:rPr lang="es-ES_tradnl" dirty="0" smtClean="0"/>
-              <a:t>Pruebas basadas en JUnit 4</a:t>
-            </a:r>
-          </a:p>
-          <a:p>
-            <a:r>
-              <a:rPr lang="es-ES_tradnl" dirty="0" smtClean="0"/>
-              <a:t>Soporte para Java 6 y JEE 5</a:t>
-            </a:r>
-          </a:p>
-          <a:p>
-            <a:r>
-              <a:rPr lang="es-ES_tradnl" dirty="0" smtClean="0"/>
-              <a:t>Mejoras a AOP</a:t>
-            </a:r>
-          </a:p>
-          <a:p>
-            <a:r>
-              <a:rPr lang="es-ES_tradnl" dirty="0" smtClean="0"/>
-              <a:t>Par</a:t>
-            </a:r>
-            <a:r>
-              <a:rPr lang="es-ES_tradnl" dirty="0" smtClean="0"/>
-              <a:t>ámetros nombrados en </a:t>
-            </a:r>
-            <a:r>
-              <a:rPr lang="es-ES_tradnl" dirty="0" err="1" smtClean="0"/>
-              <a:t>SqlJdbcTemplate</a:t>
-            </a:r>
-            <a:endParaRPr lang="es-ES_tradnl" dirty="0" smtClean="0"/>
-          </a:p>
-          <a:p>
-            <a:r>
-              <a:rPr lang="es-ES_tradnl" dirty="0" smtClean="0"/>
-              <a:t>Entre otras cosas</a:t>
-            </a:r>
-            <a:endParaRPr lang="es-ES_tradnl" dirty="0"/>
-          </a:p>
-        </p:txBody>
-      </p:sp>
-    </p:spTree>
-    <p:extLst>
-      <p:ext uri="{BB962C8B-B14F-4D97-AF65-F5344CB8AC3E}">
-        <p14:creationId xmlns:p14="http://schemas.microsoft.com/office/powerpoint/2010/main" val="2096327275"/>
-      </p:ext>
-    </p:extLst>
-  </p:cSld>
-  <p:clrMapOvr>
-    <a:masterClrMapping/>
-  </p:clrMapOvr>
-</p:sld>
-</file>
-
-<file path=ppt/slides/slide34.xml><?xml version="1.0" encoding="utf-8"?>
-<p:sld xmlns:a="http://schemas.openxmlformats.org/drawingml/2006/main" xmlns:r="http://schemas.openxmlformats.org/officeDocument/2006/relationships" xmlns:p="http://schemas.openxmlformats.org/presentationml/2006/main">
-  <p:cSld>
-    <p:spTree>
-      <p:nvGrpSpPr>
-        <p:cNvPr id="1" name=""/>
-        <p:cNvGrpSpPr/>
-        <p:nvPr/>
-      </p:nvGrpSpPr>
-      <p:grpSpPr>
-        <a:xfrm>
-          <a:off x="0" y="0"/>
-          <a:ext cx="0" cy="0"/>
-          <a:chOff x="0" y="0"/>
-          <a:chExt cx="0" cy="0"/>
-        </a:xfrm>
-      </p:grpSpPr>
-      <p:sp>
-        <p:nvSpPr>
-          <p:cNvPr id="2" name="Title 1"/>
-          <p:cNvSpPr>
-            <a:spLocks noGrp="1"/>
-          </p:cNvSpPr>
-          <p:nvPr>
-            <p:ph type="title"/>
-          </p:nvPr>
-        </p:nvSpPr>
-        <p:spPr/>
-        <p:txBody>
-          <a:bodyPr/>
-          <a:lstStyle/>
-          <a:p>
-            <a:r>
-              <a:rPr lang="es-ES_tradnl" dirty="0" smtClean="0"/>
-              <a:t>Nuevo en 3.0</a:t>
-            </a:r>
-            <a:endParaRPr lang="es-ES_tradnl" dirty="0"/>
-          </a:p>
-        </p:txBody>
-      </p:sp>
-      <p:sp>
-        <p:nvSpPr>
-          <p:cNvPr id="3" name="Content Placeholder 2"/>
-          <p:cNvSpPr>
-            <a:spLocks noGrp="1"/>
-          </p:cNvSpPr>
-          <p:nvPr>
-            <p:ph idx="1"/>
-          </p:nvPr>
-        </p:nvSpPr>
-        <p:spPr/>
-        <p:txBody>
-          <a:bodyPr>
-            <a:normAutofit lnSpcReduction="10000"/>
-          </a:bodyPr>
-          <a:lstStyle/>
-          <a:p>
-            <a:r>
-              <a:rPr lang="es-ES_tradnl" dirty="0" smtClean="0"/>
-              <a:t>Soporte REST en Spring MVC</a:t>
-            </a:r>
-          </a:p>
-          <a:p>
-            <a:r>
-              <a:rPr lang="es-ES_tradnl" dirty="0" smtClean="0"/>
-              <a:t>Un nuevo lenguaje de expresiones para mejorar el DI</a:t>
-            </a:r>
-          </a:p>
-          <a:p>
-            <a:r>
-              <a:rPr lang="es-ES_tradnl" dirty="0" smtClean="0"/>
-              <a:t>Soporte para validaci</a:t>
-            </a:r>
-            <a:r>
-              <a:rPr lang="es-ES_tradnl" dirty="0" smtClean="0"/>
-              <a:t>ón mediante el JSR-303</a:t>
-            </a:r>
-          </a:p>
-          <a:p>
-            <a:r>
-              <a:rPr lang="es-ES_tradnl" dirty="0" smtClean="0"/>
-              <a:t>Soporte para la nueva especificación de DI, la JSR-330</a:t>
-            </a:r>
-          </a:p>
-          <a:p>
-            <a:r>
-              <a:rPr lang="es-ES_tradnl" dirty="0" smtClean="0"/>
-              <a:t>Declaración basada en anotaciones para métodos asíncronos y programados</a:t>
-            </a:r>
-            <a:endParaRPr lang="es-ES_tradnl" dirty="0" smtClean="0"/>
-          </a:p>
-          <a:p>
-            <a:endParaRPr lang="es-ES_tradnl" dirty="0" smtClean="0"/>
-          </a:p>
-        </p:txBody>
-      </p:sp>
-    </p:spTree>
-    <p:extLst>
-      <p:ext uri="{BB962C8B-B14F-4D97-AF65-F5344CB8AC3E}">
-        <p14:creationId xmlns:p14="http://schemas.microsoft.com/office/powerpoint/2010/main" val="1808608663"/>
-      </p:ext>
-    </p:extLst>
-  </p:cSld>
-  <p:clrMapOvr>
-    <a:masterClrMapping/>
-  </p:clrMapOvr>
-</p:sld>
-</file>
-
-<file path=ppt/slides/slide35.xml><?xml version="1.0" encoding="utf-8"?>
-<p:sld xmlns:a="http://schemas.openxmlformats.org/drawingml/2006/main" xmlns:r="http://schemas.openxmlformats.org/officeDocument/2006/relationships" xmlns:p="http://schemas.openxmlformats.org/presentationml/2006/main">
-  <p:cSld>
-    <p:spTree>
-      <p:nvGrpSpPr>
-        <p:cNvPr id="1" name=""/>
-        <p:cNvGrpSpPr/>
-        <p:nvPr/>
-      </p:nvGrpSpPr>
-      <p:grpSpPr>
-        <a:xfrm>
-          <a:off x="0" y="0"/>
-          <a:ext cx="0" cy="0"/>
-          <a:chOff x="0" y="0"/>
-          <a:chExt cx="0" cy="0"/>
-        </a:xfrm>
-      </p:grpSpPr>
-      <p:sp>
-        <p:nvSpPr>
           <p:cNvPr id="2" name="Title 1"/>
           <p:cNvSpPr>
             <a:spLocks noGrp="1"/>
@@ -17810,7 +17696,7 @@
 </p:sld>
 </file>
 
-<file path=ppt/slides/slide36.xml><?xml version="1.0" encoding="utf-8"?>
+<file path=ppt/slides/slide34.xml><?xml version="1.0" encoding="utf-8"?>
 <p:sld xmlns:a="http://schemas.openxmlformats.org/drawingml/2006/main" xmlns:r="http://schemas.openxmlformats.org/officeDocument/2006/relationships" xmlns:p="http://schemas.openxmlformats.org/presentationml/2006/main">
   <p:cSld>
     <p:spTree>
@@ -17947,6 +17833,298 @@
 </p:sld>
 </file>
 
+<file path=ppt/slides/slide35.xml><?xml version="1.0" encoding="utf-8"?>
+<p:sld xmlns:a="http://schemas.openxmlformats.org/drawingml/2006/main" xmlns:r="http://schemas.openxmlformats.org/officeDocument/2006/relationships" xmlns:p="http://schemas.openxmlformats.org/presentationml/2006/main">
+  <p:cSld>
+    <p:spTree>
+      <p:nvGrpSpPr>
+        <p:cNvPr id="1" name=""/>
+        <p:cNvGrpSpPr/>
+        <p:nvPr/>
+      </p:nvGrpSpPr>
+      <p:grpSpPr>
+        <a:xfrm>
+          <a:off x="0" y="0"/>
+          <a:ext cx="0" cy="0"/>
+          <a:chOff x="0" y="0"/>
+          <a:chExt cx="0" cy="0"/>
+        </a:xfrm>
+      </p:grpSpPr>
+      <p:sp>
+        <p:nvSpPr>
+          <p:cNvPr id="2" name="Title 1"/>
+          <p:cNvSpPr>
+            <a:spLocks noGrp="1"/>
+          </p:cNvSpPr>
+          <p:nvPr>
+            <p:ph type="title"/>
+          </p:nvPr>
+        </p:nvSpPr>
+        <p:spPr/>
+        <p:txBody>
+          <a:bodyPr/>
+          <a:lstStyle/>
+          <a:p>
+            <a:r>
+              <a:rPr lang="es-ES_tradnl" dirty="0" err="1" smtClean="0"/>
+              <a:t>Namespaces</a:t>
+            </a:r>
+            <a:endParaRPr lang="es-ES_tradnl" dirty="0"/>
+          </a:p>
+        </p:txBody>
+      </p:sp>
+      <p:sp>
+        <p:nvSpPr>
+          <p:cNvPr id="5" name="Content Placeholder 4"/>
+          <p:cNvSpPr>
+            <a:spLocks noGrp="1"/>
+          </p:cNvSpPr>
+          <p:nvPr>
+            <p:ph idx="1"/>
+          </p:nvPr>
+        </p:nvSpPr>
+        <p:spPr/>
+        <p:txBody>
+          <a:bodyPr>
+            <a:normAutofit fontScale="92500" lnSpcReduction="20000"/>
+          </a:bodyPr>
+          <a:lstStyle/>
+          <a:p>
+            <a:r>
+              <a:rPr lang="es-ES_tradnl" dirty="0" err="1" smtClean="0"/>
+              <a:t>aop</a:t>
+            </a:r>
+            <a:endParaRPr lang="es-ES_tradnl" dirty="0" smtClean="0"/>
+          </a:p>
+          <a:p>
+            <a:pPr lvl="1"/>
+            <a:r>
+              <a:rPr lang="es-ES_tradnl" dirty="0" smtClean="0"/>
+              <a:t>Provee herramientas para declarar aspectos y para incluir los aspectos que hayan sido anotados en las clases Java</a:t>
+            </a:r>
+          </a:p>
+          <a:p>
+            <a:r>
+              <a:rPr lang="es-ES_tradnl" dirty="0" err="1" smtClean="0"/>
+              <a:t>beans</a:t>
+            </a:r>
+            <a:endParaRPr lang="es-ES_tradnl" dirty="0" smtClean="0"/>
+          </a:p>
+          <a:p>
+            <a:pPr lvl="1"/>
+            <a:r>
+              <a:rPr lang="es-ES_tradnl" dirty="0" err="1" smtClean="0"/>
+              <a:t>Core</a:t>
+            </a:r>
+            <a:r>
+              <a:rPr lang="es-ES_tradnl" dirty="0" smtClean="0"/>
+              <a:t> de Spring para la declaraci</a:t>
+            </a:r>
+            <a:r>
+              <a:rPr lang="es-ES_tradnl" dirty="0" smtClean="0"/>
+              <a:t>ón de </a:t>
+            </a:r>
+            <a:r>
+              <a:rPr lang="es-ES_tradnl" dirty="0" err="1" smtClean="0"/>
+              <a:t>Beans</a:t>
+            </a:r>
+            <a:r>
+              <a:rPr lang="es-ES_tradnl" dirty="0" smtClean="0"/>
+              <a:t> y cómo deben de estar conectados</a:t>
+            </a:r>
+          </a:p>
+          <a:p>
+            <a:r>
+              <a:rPr lang="es-ES_tradnl" dirty="0" err="1" smtClean="0"/>
+              <a:t>context</a:t>
+            </a:r>
+            <a:endParaRPr lang="es-ES_tradnl" dirty="0" smtClean="0"/>
+          </a:p>
+          <a:p>
+            <a:pPr lvl="1"/>
+            <a:r>
+              <a:rPr lang="es-ES_tradnl" dirty="0" smtClean="0"/>
+              <a:t>Provee herramientas para configurar el contexto de Spring, entre ellas la habilidad de configurar la auto detecci</a:t>
+            </a:r>
+            <a:r>
+              <a:rPr lang="es-ES_tradnl" dirty="0" smtClean="0"/>
+              <a:t>ón y auto conexión de </a:t>
+            </a:r>
+            <a:r>
+              <a:rPr lang="es-ES_tradnl" dirty="0" err="1" smtClean="0"/>
+              <a:t>Beans</a:t>
+            </a:r>
+            <a:endParaRPr lang="es-ES_tradnl" dirty="0"/>
+          </a:p>
+        </p:txBody>
+      </p:sp>
+    </p:spTree>
+    <p:extLst>
+      <p:ext uri="{BB962C8B-B14F-4D97-AF65-F5344CB8AC3E}">
+        <p14:creationId xmlns:p14="http://schemas.microsoft.com/office/powerpoint/2010/main" val="341054042"/>
+      </p:ext>
+    </p:extLst>
+  </p:cSld>
+  <p:clrMapOvr>
+    <a:masterClrMapping/>
+  </p:clrMapOvr>
+</p:sld>
+</file>
+
+<file path=ppt/slides/slide36.xml><?xml version="1.0" encoding="utf-8"?>
+<p:sld xmlns:a="http://schemas.openxmlformats.org/drawingml/2006/main" xmlns:r="http://schemas.openxmlformats.org/officeDocument/2006/relationships" xmlns:p="http://schemas.openxmlformats.org/presentationml/2006/main">
+  <p:cSld>
+    <p:spTree>
+      <p:nvGrpSpPr>
+        <p:cNvPr id="1" name=""/>
+        <p:cNvGrpSpPr/>
+        <p:nvPr/>
+      </p:nvGrpSpPr>
+      <p:grpSpPr>
+        <a:xfrm>
+          <a:off x="0" y="0"/>
+          <a:ext cx="0" cy="0"/>
+          <a:chOff x="0" y="0"/>
+          <a:chExt cx="0" cy="0"/>
+        </a:xfrm>
+      </p:grpSpPr>
+      <p:sp>
+        <p:nvSpPr>
+          <p:cNvPr id="2" name="Title 1"/>
+          <p:cNvSpPr>
+            <a:spLocks noGrp="1"/>
+          </p:cNvSpPr>
+          <p:nvPr>
+            <p:ph type="title"/>
+          </p:nvPr>
+        </p:nvSpPr>
+        <p:spPr/>
+        <p:txBody>
+          <a:bodyPr/>
+          <a:lstStyle/>
+          <a:p>
+            <a:r>
+              <a:rPr lang="es-ES_tradnl" dirty="0" err="1" smtClean="0"/>
+              <a:t>Namespaces</a:t>
+            </a:r>
+            <a:r>
+              <a:rPr lang="es-ES_tradnl" dirty="0" smtClean="0"/>
+              <a:t> (cont.)</a:t>
+            </a:r>
+            <a:endParaRPr lang="es-ES_tradnl" dirty="0"/>
+          </a:p>
+        </p:txBody>
+      </p:sp>
+      <p:sp>
+        <p:nvSpPr>
+          <p:cNvPr id="3" name="Content Placeholder 2"/>
+          <p:cNvSpPr>
+            <a:spLocks noGrp="1"/>
+          </p:cNvSpPr>
+          <p:nvPr>
+            <p:ph idx="1"/>
+          </p:nvPr>
+        </p:nvSpPr>
+        <p:spPr/>
+        <p:txBody>
+          <a:bodyPr>
+            <a:normAutofit lnSpcReduction="10000"/>
+          </a:bodyPr>
+          <a:lstStyle/>
+          <a:p>
+            <a:r>
+              <a:rPr lang="es-ES_tradnl" dirty="0" err="1" smtClean="0"/>
+              <a:t>jee</a:t>
+            </a:r>
+            <a:endParaRPr lang="es-ES_tradnl" dirty="0" smtClean="0"/>
+          </a:p>
+          <a:p>
+            <a:pPr lvl="1"/>
+            <a:r>
+              <a:rPr lang="es-ES_tradnl" dirty="0" smtClean="0"/>
+              <a:t>Ofrece la integraci</a:t>
+            </a:r>
+            <a:r>
+              <a:rPr lang="es-ES_tradnl" dirty="0" smtClean="0"/>
+              <a:t>ón con APIS JEE</a:t>
+            </a:r>
+          </a:p>
+          <a:p>
+            <a:r>
+              <a:rPr lang="es-ES_tradnl" dirty="0" err="1" smtClean="0"/>
+              <a:t>jms</a:t>
+            </a:r>
+            <a:endParaRPr lang="es-ES_tradnl" dirty="0" smtClean="0"/>
+          </a:p>
+          <a:p>
+            <a:pPr lvl="1"/>
+            <a:r>
+              <a:rPr lang="es-ES_tradnl" dirty="0" smtClean="0"/>
+              <a:t>Provee elementos para configurar </a:t>
+            </a:r>
+            <a:r>
+              <a:rPr lang="es-ES_tradnl" dirty="0" err="1" smtClean="0"/>
+              <a:t>Beans</a:t>
+            </a:r>
+            <a:r>
+              <a:rPr lang="es-ES_tradnl" dirty="0" smtClean="0"/>
+              <a:t> como objetos manejados por mensajes.</a:t>
+            </a:r>
+          </a:p>
+          <a:p>
+            <a:r>
+              <a:rPr lang="es-ES_tradnl" dirty="0" err="1" smtClean="0"/>
+              <a:t>lang</a:t>
+            </a:r>
+            <a:endParaRPr lang="es-ES_tradnl" dirty="0" smtClean="0"/>
+          </a:p>
+          <a:p>
+            <a:pPr lvl="1"/>
+            <a:r>
+              <a:rPr lang="es-ES_tradnl" dirty="0" smtClean="0"/>
+              <a:t>Habilita la declaraci</a:t>
+            </a:r>
+            <a:r>
+              <a:rPr lang="es-ES_tradnl" dirty="0" smtClean="0"/>
+              <a:t>ón de </a:t>
+            </a:r>
+            <a:r>
+              <a:rPr lang="es-ES_tradnl" dirty="0" err="1" smtClean="0"/>
+              <a:t>Beans</a:t>
+            </a:r>
+            <a:r>
+              <a:rPr lang="es-ES_tradnl" dirty="0" smtClean="0"/>
+              <a:t> que pueden ser implementados como scripts de Groovy, </a:t>
+            </a:r>
+            <a:r>
+              <a:rPr lang="es-ES_tradnl" dirty="0" err="1" smtClean="0"/>
+              <a:t>JRuby</a:t>
+            </a:r>
+            <a:r>
+              <a:rPr lang="es-ES_tradnl" dirty="0" smtClean="0"/>
+              <a:t> o </a:t>
+            </a:r>
+            <a:r>
+              <a:rPr lang="es-ES_tradnl" dirty="0" err="1" smtClean="0"/>
+              <a:t>BeanShell</a:t>
+            </a:r>
+            <a:endParaRPr lang="es-ES_tradnl" dirty="0"/>
+          </a:p>
+        </p:txBody>
+      </p:sp>
+    </p:spTree>
+    <p:extLst>
+      <p:ext uri="{BB962C8B-B14F-4D97-AF65-F5344CB8AC3E}">
+        <p14:creationId xmlns:p14="http://schemas.microsoft.com/office/powerpoint/2010/main" val="410357197"/>
+      </p:ext>
+    </p:extLst>
+  </p:cSld>
+  <p:clrMapOvr>
+    <a:masterClrMapping/>
+  </p:clrMapOvr>
+</p:sld>
+</file>
+
 <file path=ppt/slides/slide37.xml><?xml version="1.0" encoding="utf-8"?>
 <p:sld xmlns:a="http://schemas.openxmlformats.org/drawingml/2006/main" xmlns:r="http://schemas.openxmlformats.org/officeDocument/2006/relationships" xmlns:p="http://schemas.openxmlformats.org/presentationml/2006/main">
   <p:cSld>
@@ -17966,7 +18144,7 @@
       </p:grpSpPr>
       <p:sp>
         <p:nvSpPr>
-          <p:cNvPr id="4" name="Title 3"/>
+          <p:cNvPr id="2" name="Title 1"/>
           <p:cNvSpPr>
             <a:spLocks noGrp="1"/>
           </p:cNvSpPr>
@@ -17980,12 +18158,12 @@
           <a:lstStyle/>
           <a:p>
             <a:r>
-              <a:rPr lang="es-ES_tradnl" dirty="0" smtClean="0"/>
-              <a:t>B</a:t>
-            </a:r>
-            <a:r>
-              <a:rPr lang="es-ES_tradnl" dirty="0" smtClean="0"/>
-              <a:t>ásicos de Spring</a:t>
+              <a:rPr lang="es-ES_tradnl" dirty="0" err="1" smtClean="0"/>
+              <a:t>Namespaces</a:t>
+            </a:r>
+            <a:r>
+              <a:rPr lang="es-ES_tradnl" dirty="0" smtClean="0"/>
+              <a:t> (cont.)</a:t>
             </a:r>
             <a:endParaRPr lang="es-ES_tradnl" dirty="0"/>
           </a:p>
@@ -17993,40 +18171,117 @@
       </p:sp>
       <p:sp>
         <p:nvSpPr>
-          <p:cNvPr id="5" name="Text Placeholder 4"/>
+          <p:cNvPr id="3" name="Content Placeholder 2"/>
           <p:cNvSpPr>
             <a:spLocks noGrp="1"/>
           </p:cNvSpPr>
           <p:nvPr>
-            <p:ph type="body" idx="1"/>
+            <p:ph idx="1"/>
           </p:nvPr>
         </p:nvSpPr>
         <p:spPr/>
         <p:txBody>
-          <a:bodyPr/>
+          <a:bodyPr>
+            <a:normAutofit fontScale="92500" lnSpcReduction="10000"/>
+          </a:bodyPr>
           <a:lstStyle/>
           <a:p>
-            <a:endParaRPr lang="es-ES_tradnl"/>
+            <a:r>
+              <a:rPr lang="es-ES_tradnl" dirty="0" err="1"/>
+              <a:t>m</a:t>
+            </a:r>
+            <a:r>
+              <a:rPr lang="es-ES_tradnl" dirty="0" err="1" smtClean="0"/>
+              <a:t>vc</a:t>
+            </a:r>
+            <a:endParaRPr lang="es-ES_tradnl" dirty="0" smtClean="0"/>
+          </a:p>
+          <a:p>
+            <a:pPr lvl="1"/>
+            <a:r>
+              <a:rPr lang="es-ES_tradnl" dirty="0" smtClean="0"/>
+              <a:t>Configura el contexto de Spring MVC</a:t>
+            </a:r>
+          </a:p>
+          <a:p>
+            <a:r>
+              <a:rPr lang="es-ES_tradnl" dirty="0" err="1" smtClean="0"/>
+              <a:t>oxm</a:t>
+            </a:r>
+            <a:endParaRPr lang="es-ES_tradnl" dirty="0" smtClean="0"/>
+          </a:p>
+          <a:p>
+            <a:pPr lvl="1"/>
+            <a:r>
+              <a:rPr lang="es-ES_tradnl" dirty="0" smtClean="0"/>
+              <a:t>Configura el m</a:t>
+            </a:r>
+            <a:r>
+              <a:rPr lang="es-ES_tradnl" dirty="0" smtClean="0"/>
+              <a:t>ódulo de </a:t>
+            </a:r>
+            <a:r>
+              <a:rPr lang="es-ES_tradnl" dirty="0" err="1" smtClean="0"/>
+              <a:t>Object</a:t>
+            </a:r>
+            <a:r>
+              <a:rPr lang="es-ES_tradnl" dirty="0" smtClean="0"/>
+              <a:t>-</a:t>
+            </a:r>
+            <a:r>
+              <a:rPr lang="es-ES_tradnl" dirty="0" err="1" smtClean="0"/>
+              <a:t>to</a:t>
+            </a:r>
+            <a:r>
+              <a:rPr lang="es-ES_tradnl" dirty="0" smtClean="0"/>
+              <a:t>-XML</a:t>
+            </a:r>
+          </a:p>
+          <a:p>
+            <a:r>
+              <a:rPr lang="es-ES_tradnl" dirty="0" err="1" smtClean="0"/>
+              <a:t>tx</a:t>
+            </a:r>
+            <a:endParaRPr lang="es-ES_tradnl" dirty="0" smtClean="0"/>
+          </a:p>
+          <a:p>
+            <a:pPr lvl="1"/>
+            <a:r>
+              <a:rPr lang="es-ES_tradnl" dirty="0" smtClean="0"/>
+              <a:t>Configura el m</a:t>
+            </a:r>
+            <a:r>
+              <a:rPr lang="es-ES_tradnl" dirty="0" smtClean="0"/>
+              <a:t>ódulo de transacciones</a:t>
+            </a:r>
+          </a:p>
+          <a:p>
+            <a:r>
+              <a:rPr lang="es-ES_tradnl" dirty="0" err="1" smtClean="0"/>
+              <a:t>util</a:t>
+            </a:r>
+            <a:endParaRPr lang="es-ES_tradnl" dirty="0" smtClean="0"/>
+          </a:p>
+          <a:p>
+            <a:pPr lvl="1"/>
+            <a:r>
+              <a:rPr lang="es-ES_tradnl" dirty="0" smtClean="0"/>
+              <a:t>Diferentes herramientas que no encajan en ninguno de los anteriores y sirven a uno o a varios</a:t>
+            </a:r>
+            <a:endParaRPr lang="es-ES_tradnl" dirty="0"/>
           </a:p>
         </p:txBody>
       </p:sp>
     </p:spTree>
     <p:extLst>
       <p:ext uri="{BB962C8B-B14F-4D97-AF65-F5344CB8AC3E}">
-        <p14:creationId xmlns:p14="http://schemas.microsoft.com/office/powerpoint/2010/main" val="1568619498"/>
+        <p14:creationId xmlns:p14="http://schemas.microsoft.com/office/powerpoint/2010/main" val="4137433380"/>
       </p:ext>
     </p:extLst>
   </p:cSld>
   <p:clrMapOvr>
     <a:masterClrMapping/>
   </p:clrMapOvr>
-  <p:timing>
-    <p:tnLst>
-      <p:par>
-        <p:cTn xmlns:p14="http://schemas.microsoft.com/office/powerpoint/2010/main" id="1" dur="indefinite" restart="never" nodeType="tmRoot"/>
-      </p:par>
-    </p:tnLst>
-  </p:timing>
 </p:sld>
 </file>
 
@@ -18049,7 +18304,7 @@
       </p:grpSpPr>
       <p:sp>
         <p:nvSpPr>
-          <p:cNvPr id="4" name="Title 3"/>
+          <p:cNvPr id="2" name="Title 1"/>
           <p:cNvSpPr>
             <a:spLocks noGrp="1"/>
           </p:cNvSpPr>
@@ -18063,8 +18318,12 @@
           <a:lstStyle/>
           <a:p>
             <a:r>
-              <a:rPr lang="es-ES_tradnl" dirty="0" smtClean="0"/>
-              <a:t>Integrando Spring</a:t>
+              <a:rPr lang="es-ES_tradnl" dirty="0" err="1" smtClean="0"/>
+              <a:t>Namespaces</a:t>
+            </a:r>
+            <a:r>
+              <a:rPr lang="es-ES_tradnl" dirty="0" smtClean="0"/>
+              <a:t> (cont.)</a:t>
             </a:r>
             <a:endParaRPr lang="es-ES_tradnl" dirty="0"/>
           </a:p>
@@ -18072,12 +18331,12 @@
       </p:sp>
       <p:sp>
         <p:nvSpPr>
-          <p:cNvPr id="5" name="Text Placeholder 4"/>
+          <p:cNvPr id="3" name="Content Placeholder 2"/>
           <p:cNvSpPr>
             <a:spLocks noGrp="1"/>
           </p:cNvSpPr>
           <p:nvPr>
-            <p:ph type="body" idx="1"/>
+            <p:ph idx="1"/>
           </p:nvPr>
         </p:nvSpPr>
         <p:spPr/>
@@ -18085,27 +18344,127 @@
           <a:bodyPr/>
           <a:lstStyle/>
           <a:p>
-            <a:endParaRPr lang="es-ES_tradnl"/>
+            <a:r>
+              <a:rPr lang="es-ES_tradnl" dirty="0" smtClean="0"/>
+              <a:t>Adem</a:t>
+            </a:r>
+            <a:r>
+              <a:rPr lang="es-ES_tradnl" dirty="0" smtClean="0"/>
+              <a:t>ás de estos </a:t>
+            </a:r>
+            <a:r>
+              <a:rPr lang="es-ES_tradnl" i="1" dirty="0" err="1" smtClean="0"/>
+              <a:t>namespaces</a:t>
+            </a:r>
+            <a:r>
+              <a:rPr lang="es-ES_tradnl" dirty="0" smtClean="0"/>
+              <a:t>  otros módulos, como Spring Security y Spring Web </a:t>
+            </a:r>
+            <a:r>
+              <a:rPr lang="es-ES_tradnl" dirty="0" err="1" smtClean="0"/>
+              <a:t>Flow</a:t>
+            </a:r>
+            <a:r>
+              <a:rPr lang="es-ES_tradnl" dirty="0" smtClean="0"/>
+              <a:t>, proveen sus propios </a:t>
+            </a:r>
+            <a:r>
+              <a:rPr lang="es-ES_tradnl" i="1" dirty="0" err="1" smtClean="0"/>
+              <a:t>namespaces</a:t>
+            </a:r>
+            <a:endParaRPr lang="es-ES_tradnl" dirty="0"/>
+          </a:p>
+          <a:p>
+            <a:endParaRPr lang="es-ES_tradnl" dirty="0"/>
           </a:p>
         </p:txBody>
       </p:sp>
     </p:spTree>
     <p:extLst>
       <p:ext uri="{BB962C8B-B14F-4D97-AF65-F5344CB8AC3E}">
-        <p14:creationId xmlns:p14="http://schemas.microsoft.com/office/powerpoint/2010/main" val="1568619498"/>
+        <p14:creationId xmlns:p14="http://schemas.microsoft.com/office/powerpoint/2010/main" val="852265417"/>
       </p:ext>
     </p:extLst>
   </p:cSld>
   <p:clrMapOvr>
     <a:masterClrMapping/>
   </p:clrMapOvr>
-  <p:timing>
-    <p:tnLst>
-      <p:par>
-        <p:cTn xmlns:p14="http://schemas.microsoft.com/office/powerpoint/2010/main" id="1" dur="indefinite" restart="never" nodeType="tmRoot"/>
-      </p:par>
-    </p:tnLst>
-  </p:timing>
+</p:sld>
+</file>
+
+<file path=ppt/slides/slide39.xml><?xml version="1.0" encoding="utf-8"?>
+<p:sld xmlns:a="http://schemas.openxmlformats.org/drawingml/2006/main" xmlns:r="http://schemas.openxmlformats.org/officeDocument/2006/relationships" xmlns:p="http://schemas.openxmlformats.org/presentationml/2006/main">
+  <p:cSld>
+    <p:spTree>
+      <p:nvGrpSpPr>
+        <p:cNvPr id="1" name=""/>
+        <p:cNvGrpSpPr/>
+        <p:nvPr/>
+      </p:nvGrpSpPr>
+      <p:grpSpPr>
+        <a:xfrm>
+          <a:off x="0" y="0"/>
+          <a:ext cx="0" cy="0"/>
+          <a:chOff x="0" y="0"/>
+          <a:chExt cx="0" cy="0"/>
+        </a:xfrm>
+      </p:grpSpPr>
+      <p:sp>
+        <p:nvSpPr>
+          <p:cNvPr id="2" name="Title 1"/>
+          <p:cNvSpPr>
+            <a:spLocks noGrp="1"/>
+          </p:cNvSpPr>
+          <p:nvPr>
+            <p:ph type="title"/>
+          </p:nvPr>
+        </p:nvSpPr>
+        <p:spPr/>
+        <p:txBody>
+          <a:bodyPr/>
+          <a:lstStyle/>
+          <a:p>
+            <a:r>
+              <a:rPr lang="es-ES_tradnl" dirty="0" smtClean="0"/>
+              <a:t>Ejercicio</a:t>
+            </a:r>
+            <a:endParaRPr lang="es-ES_tradnl" dirty="0"/>
+          </a:p>
+        </p:txBody>
+      </p:sp>
+      <p:sp>
+        <p:nvSpPr>
+          <p:cNvPr id="3" name="Content Placeholder 2"/>
+          <p:cNvSpPr>
+            <a:spLocks noGrp="1"/>
+          </p:cNvSpPr>
+          <p:nvPr>
+            <p:ph idx="1"/>
+          </p:nvPr>
+        </p:nvSpPr>
+        <p:spPr/>
+        <p:txBody>
+          <a:bodyPr/>
+          <a:lstStyle/>
+          <a:p>
+            <a:r>
+              <a:rPr lang="es-ES_tradnl" dirty="0" smtClean="0"/>
+              <a:t>Revisar EjercicioSpring03 y analizar puntos de las diferentes formas de instanciar objetos mediante Spring</a:t>
+            </a:r>
+            <a:endParaRPr lang="es-ES_tradnl" dirty="0"/>
+          </a:p>
+        </p:txBody>
+      </p:sp>
+    </p:spTree>
+    <p:extLst>
+      <p:ext uri="{BB962C8B-B14F-4D97-AF65-F5344CB8AC3E}">
+        <p14:creationId xmlns:p14="http://schemas.microsoft.com/office/powerpoint/2010/main" val="1334000971"/>
+      </p:ext>
+    </p:extLst>
+  </p:cSld>
+  <p:clrMapOvr>
+    <a:masterClrMapping/>
+  </p:clrMapOvr>
 </p:sld>
 </file>
 
@@ -18222,6 +18581,1076 @@
 </p:sld>
 </file>
 
+<file path=ppt/slides/slide40.xml><?xml version="1.0" encoding="utf-8"?>
+<p:sld xmlns:a="http://schemas.openxmlformats.org/drawingml/2006/main" xmlns:r="http://schemas.openxmlformats.org/officeDocument/2006/relationships" xmlns:p="http://schemas.openxmlformats.org/presentationml/2006/main">
+  <p:cSld>
+    <p:spTree>
+      <p:nvGrpSpPr>
+        <p:cNvPr id="1" name=""/>
+        <p:cNvGrpSpPr/>
+        <p:nvPr/>
+      </p:nvGrpSpPr>
+      <p:grpSpPr>
+        <a:xfrm>
+          <a:off x="0" y="0"/>
+          <a:ext cx="0" cy="0"/>
+          <a:chOff x="0" y="0"/>
+          <a:chExt cx="0" cy="0"/>
+        </a:xfrm>
+      </p:grpSpPr>
+      <p:sp>
+        <p:nvSpPr>
+          <p:cNvPr id="2" name="Title 1"/>
+          <p:cNvSpPr>
+            <a:spLocks noGrp="1"/>
+          </p:cNvSpPr>
+          <p:nvPr>
+            <p:ph type="title"/>
+          </p:nvPr>
+        </p:nvSpPr>
+        <p:spPr/>
+        <p:txBody>
+          <a:bodyPr/>
+          <a:lstStyle/>
+          <a:p>
+            <a:r>
+              <a:rPr lang="es-ES_tradnl" dirty="0" smtClean="0"/>
+              <a:t>Alcances</a:t>
+            </a:r>
+            <a:endParaRPr lang="es-ES_tradnl" dirty="0"/>
+          </a:p>
+        </p:txBody>
+      </p:sp>
+      <p:sp>
+        <p:nvSpPr>
+          <p:cNvPr id="3" name="Content Placeholder 2"/>
+          <p:cNvSpPr>
+            <a:spLocks noGrp="1"/>
+          </p:cNvSpPr>
+          <p:nvPr>
+            <p:ph idx="1"/>
+          </p:nvPr>
+        </p:nvSpPr>
+        <p:spPr/>
+        <p:txBody>
+          <a:bodyPr/>
+          <a:lstStyle/>
+          <a:p>
+            <a:r>
+              <a:rPr lang="es-ES_tradnl" dirty="0" smtClean="0"/>
+              <a:t>Por defecto, todos los </a:t>
+            </a:r>
+            <a:r>
+              <a:rPr lang="es-ES_tradnl" dirty="0" err="1" smtClean="0"/>
+              <a:t>beans</a:t>
+            </a:r>
+            <a:r>
+              <a:rPr lang="es-ES_tradnl" dirty="0" smtClean="0"/>
+              <a:t> en Spring son </a:t>
+            </a:r>
+            <a:r>
+              <a:rPr lang="es-ES_tradnl" i="1" dirty="0" err="1" smtClean="0"/>
+              <a:t>singletons</a:t>
+            </a:r>
+            <a:r>
+              <a:rPr lang="es-ES_tradnl" dirty="0" smtClean="0"/>
+              <a:t>.</a:t>
+            </a:r>
+          </a:p>
+          <a:p>
+            <a:r>
+              <a:rPr lang="es-ES_tradnl" dirty="0" smtClean="0"/>
+              <a:t>Cada vez que una instancia de una clase es requerida el contenedor Spring le dar</a:t>
+            </a:r>
+            <a:r>
+              <a:rPr lang="es-ES_tradnl" dirty="0" smtClean="0"/>
+              <a:t>á la misma versión.</a:t>
+            </a:r>
+            <a:endParaRPr lang="es-ES_tradnl" dirty="0"/>
+          </a:p>
+        </p:txBody>
+      </p:sp>
+    </p:spTree>
+    <p:extLst>
+      <p:ext uri="{BB962C8B-B14F-4D97-AF65-F5344CB8AC3E}">
+        <p14:creationId xmlns:p14="http://schemas.microsoft.com/office/powerpoint/2010/main" val="2190788434"/>
+      </p:ext>
+    </p:extLst>
+  </p:cSld>
+  <p:clrMapOvr>
+    <a:masterClrMapping/>
+  </p:clrMapOvr>
+</p:sld>
+</file>
+
+<file path=ppt/slides/slide41.xml><?xml version="1.0" encoding="utf-8"?>
+<p:sld xmlns:a="http://schemas.openxmlformats.org/drawingml/2006/main" xmlns:r="http://schemas.openxmlformats.org/officeDocument/2006/relationships" xmlns:p="http://schemas.openxmlformats.org/presentationml/2006/main">
+  <p:cSld>
+    <p:spTree>
+      <p:nvGrpSpPr>
+        <p:cNvPr id="1" name=""/>
+        <p:cNvGrpSpPr/>
+        <p:nvPr/>
+      </p:nvGrpSpPr>
+      <p:grpSpPr>
+        <a:xfrm>
+          <a:off x="0" y="0"/>
+          <a:ext cx="0" cy="0"/>
+          <a:chOff x="0" y="0"/>
+          <a:chExt cx="0" cy="0"/>
+        </a:xfrm>
+      </p:grpSpPr>
+      <p:sp>
+        <p:nvSpPr>
+          <p:cNvPr id="2" name="Title 1"/>
+          <p:cNvSpPr>
+            <a:spLocks noGrp="1"/>
+          </p:cNvSpPr>
+          <p:nvPr>
+            <p:ph type="title"/>
+          </p:nvPr>
+        </p:nvSpPr>
+        <p:spPr/>
+        <p:txBody>
+          <a:bodyPr/>
+          <a:lstStyle/>
+          <a:p>
+            <a:r>
+              <a:rPr lang="es-ES_tradnl" dirty="0" smtClean="0"/>
+              <a:t>Alcances</a:t>
+            </a:r>
+            <a:endParaRPr lang="es-ES_tradnl" dirty="0"/>
+          </a:p>
+        </p:txBody>
+      </p:sp>
+      <p:sp>
+        <p:nvSpPr>
+          <p:cNvPr id="3" name="Content Placeholder 2"/>
+          <p:cNvSpPr>
+            <a:spLocks noGrp="1"/>
+          </p:cNvSpPr>
+          <p:nvPr>
+            <p:ph idx="1"/>
+          </p:nvPr>
+        </p:nvSpPr>
+        <p:spPr/>
+        <p:txBody>
+          <a:bodyPr>
+            <a:normAutofit fontScale="92500"/>
+          </a:bodyPr>
+          <a:lstStyle/>
+          <a:p>
+            <a:r>
+              <a:rPr lang="es-ES_tradnl" dirty="0" err="1"/>
+              <a:t>s</a:t>
+            </a:r>
+            <a:r>
+              <a:rPr lang="es-ES_tradnl" dirty="0" err="1" smtClean="0"/>
+              <a:t>ingleton</a:t>
+            </a:r>
+            <a:endParaRPr lang="es-ES_tradnl" dirty="0" smtClean="0"/>
+          </a:p>
+          <a:p>
+            <a:pPr lvl="1"/>
+            <a:r>
+              <a:rPr lang="es-ES_tradnl" dirty="0" smtClean="0"/>
+              <a:t>Hay solo una instancia en el contenedor de Spring (por defecto)</a:t>
+            </a:r>
+          </a:p>
+          <a:p>
+            <a:r>
+              <a:rPr lang="es-ES_tradnl" dirty="0" err="1" smtClean="0"/>
+              <a:t>prototype</a:t>
+            </a:r>
+            <a:endParaRPr lang="es-ES_tradnl" dirty="0" smtClean="0"/>
+          </a:p>
+          <a:p>
+            <a:pPr lvl="1"/>
+            <a:r>
+              <a:rPr lang="es-ES_tradnl" dirty="0" smtClean="0"/>
+              <a:t>Cada vez que se requiere una instancia el contenedor le genera una nueva</a:t>
+            </a:r>
+          </a:p>
+          <a:p>
+            <a:r>
+              <a:rPr lang="es-ES_tradnl" dirty="0" err="1" smtClean="0"/>
+              <a:t>request</a:t>
+            </a:r>
+            <a:endParaRPr lang="es-ES_tradnl" dirty="0" smtClean="0"/>
+          </a:p>
+          <a:p>
+            <a:pPr lvl="1"/>
+            <a:r>
+              <a:rPr lang="es-ES_tradnl" dirty="0" smtClean="0"/>
+              <a:t>Pone un </a:t>
+            </a:r>
+            <a:r>
+              <a:rPr lang="es-ES_tradnl" dirty="0" err="1" smtClean="0"/>
+              <a:t>bean</a:t>
+            </a:r>
+            <a:r>
+              <a:rPr lang="es-ES_tradnl" dirty="0" smtClean="0"/>
+              <a:t> en el </a:t>
+            </a:r>
+            <a:r>
+              <a:rPr lang="es-ES_tradnl" dirty="0" err="1" smtClean="0"/>
+              <a:t>request</a:t>
+            </a:r>
+            <a:r>
+              <a:rPr lang="es-ES_tradnl" dirty="0"/>
+              <a:t> </a:t>
+            </a:r>
+            <a:r>
+              <a:rPr lang="es-ES_tradnl" dirty="0" smtClean="0"/>
+              <a:t>(siempre y cuando est</a:t>
+            </a:r>
+            <a:r>
+              <a:rPr lang="es-ES_tradnl" dirty="0" smtClean="0"/>
+              <a:t>é en un ambiente con contexto web)</a:t>
+            </a:r>
+            <a:endParaRPr lang="es-ES_tradnl" dirty="0"/>
+          </a:p>
+        </p:txBody>
+      </p:sp>
+    </p:spTree>
+    <p:extLst>
+      <p:ext uri="{BB962C8B-B14F-4D97-AF65-F5344CB8AC3E}">
+        <p14:creationId xmlns:p14="http://schemas.microsoft.com/office/powerpoint/2010/main" val="3597558770"/>
+      </p:ext>
+    </p:extLst>
+  </p:cSld>
+  <p:clrMapOvr>
+    <a:masterClrMapping/>
+  </p:clrMapOvr>
+</p:sld>
+</file>
+
+<file path=ppt/slides/slide42.xml><?xml version="1.0" encoding="utf-8"?>
+<p:sld xmlns:a="http://schemas.openxmlformats.org/drawingml/2006/main" xmlns:r="http://schemas.openxmlformats.org/officeDocument/2006/relationships" xmlns:p="http://schemas.openxmlformats.org/presentationml/2006/main">
+  <p:cSld>
+    <p:spTree>
+      <p:nvGrpSpPr>
+        <p:cNvPr id="1" name=""/>
+        <p:cNvGrpSpPr/>
+        <p:nvPr/>
+      </p:nvGrpSpPr>
+      <p:grpSpPr>
+        <a:xfrm>
+          <a:off x="0" y="0"/>
+          <a:ext cx="0" cy="0"/>
+          <a:chOff x="0" y="0"/>
+          <a:chExt cx="0" cy="0"/>
+        </a:xfrm>
+      </p:grpSpPr>
+      <p:sp>
+        <p:nvSpPr>
+          <p:cNvPr id="2" name="Title 1"/>
+          <p:cNvSpPr>
+            <a:spLocks noGrp="1"/>
+          </p:cNvSpPr>
+          <p:nvPr>
+            <p:ph type="title"/>
+          </p:nvPr>
+        </p:nvSpPr>
+        <p:spPr/>
+        <p:txBody>
+          <a:bodyPr/>
+          <a:lstStyle/>
+          <a:p>
+            <a:r>
+              <a:rPr lang="es-ES_tradnl" dirty="0" smtClean="0"/>
+              <a:t>Alcances</a:t>
+            </a:r>
+            <a:endParaRPr lang="es-ES_tradnl" dirty="0"/>
+          </a:p>
+        </p:txBody>
+      </p:sp>
+      <p:sp>
+        <p:nvSpPr>
+          <p:cNvPr id="3" name="Content Placeholder 2"/>
+          <p:cNvSpPr>
+            <a:spLocks noGrp="1"/>
+          </p:cNvSpPr>
+          <p:nvPr>
+            <p:ph idx="1"/>
+          </p:nvPr>
+        </p:nvSpPr>
+        <p:spPr/>
+        <p:txBody>
+          <a:bodyPr/>
+          <a:lstStyle/>
+          <a:p>
+            <a:r>
+              <a:rPr lang="es-ES_tradnl" dirty="0" err="1" smtClean="0"/>
+              <a:t>session</a:t>
+            </a:r>
+            <a:endParaRPr lang="es-ES_tradnl" dirty="0" smtClean="0"/>
+          </a:p>
+          <a:p>
+            <a:pPr lvl="1"/>
+            <a:r>
+              <a:rPr lang="es-ES_tradnl" dirty="0" smtClean="0"/>
+              <a:t>Pone el </a:t>
+            </a:r>
+            <a:r>
+              <a:rPr lang="es-ES_tradnl" dirty="0" err="1" smtClean="0"/>
+              <a:t>bean</a:t>
+            </a:r>
+            <a:r>
+              <a:rPr lang="es-ES_tradnl" dirty="0" smtClean="0"/>
+              <a:t> en la sesi</a:t>
+            </a:r>
+            <a:r>
+              <a:rPr lang="es-ES_tradnl" dirty="0" smtClean="0"/>
+              <a:t>ón (siempre y cuando exista un contexto web)</a:t>
+            </a:r>
+          </a:p>
+          <a:p>
+            <a:r>
+              <a:rPr lang="es-ES_tradnl" dirty="0" smtClean="0"/>
+              <a:t>global-</a:t>
+            </a:r>
+            <a:r>
+              <a:rPr lang="es-ES_tradnl" dirty="0" err="1" smtClean="0"/>
+              <a:t>session</a:t>
+            </a:r>
+            <a:endParaRPr lang="es-ES_tradnl" dirty="0" smtClean="0"/>
+          </a:p>
+          <a:p>
+            <a:pPr lvl="1"/>
+            <a:r>
+              <a:rPr lang="es-ES_tradnl" dirty="0" smtClean="0"/>
+              <a:t>Pone el </a:t>
+            </a:r>
+            <a:r>
+              <a:rPr lang="es-ES_tradnl" dirty="0" err="1" smtClean="0"/>
+              <a:t>bean</a:t>
+            </a:r>
+            <a:r>
+              <a:rPr lang="es-ES_tradnl" dirty="0" smtClean="0"/>
+              <a:t> en la sesi</a:t>
+            </a:r>
+            <a:r>
+              <a:rPr lang="es-ES_tradnl" dirty="0" smtClean="0"/>
+              <a:t>ón (siempre y cuando exista un contexto de </a:t>
+            </a:r>
+            <a:r>
+              <a:rPr lang="es-ES_tradnl" dirty="0" err="1" smtClean="0"/>
+              <a:t>portlets</a:t>
+            </a:r>
+            <a:r>
+              <a:rPr lang="es-ES_tradnl" dirty="0" smtClean="0"/>
+              <a:t>)</a:t>
+            </a:r>
+            <a:endParaRPr lang="es-ES_tradnl" dirty="0"/>
+          </a:p>
+        </p:txBody>
+      </p:sp>
+    </p:spTree>
+    <p:extLst>
+      <p:ext uri="{BB962C8B-B14F-4D97-AF65-F5344CB8AC3E}">
+        <p14:creationId xmlns:p14="http://schemas.microsoft.com/office/powerpoint/2010/main" val="1978662659"/>
+      </p:ext>
+    </p:extLst>
+  </p:cSld>
+  <p:clrMapOvr>
+    <a:masterClrMapping/>
+  </p:clrMapOvr>
+</p:sld>
+</file>
+
+<file path=ppt/slides/slide43.xml><?xml version="1.0" encoding="utf-8"?>
+<p:sld xmlns:a="http://schemas.openxmlformats.org/drawingml/2006/main" xmlns:r="http://schemas.openxmlformats.org/officeDocument/2006/relationships" xmlns:p="http://schemas.openxmlformats.org/presentationml/2006/main">
+  <p:cSld>
+    <p:spTree>
+      <p:nvGrpSpPr>
+        <p:cNvPr id="1" name=""/>
+        <p:cNvGrpSpPr/>
+        <p:nvPr/>
+      </p:nvGrpSpPr>
+      <p:grpSpPr>
+        <a:xfrm>
+          <a:off x="0" y="0"/>
+          <a:ext cx="0" cy="0"/>
+          <a:chOff x="0" y="0"/>
+          <a:chExt cx="0" cy="0"/>
+        </a:xfrm>
+      </p:grpSpPr>
+      <p:sp>
+        <p:nvSpPr>
+          <p:cNvPr id="2" name="Title 1"/>
+          <p:cNvSpPr>
+            <a:spLocks noGrp="1"/>
+          </p:cNvSpPr>
+          <p:nvPr>
+            <p:ph type="title"/>
+          </p:nvPr>
+        </p:nvSpPr>
+        <p:spPr/>
+        <p:txBody>
+          <a:bodyPr/>
+          <a:lstStyle/>
+          <a:p>
+            <a:r>
+              <a:rPr lang="es-ES_tradnl" dirty="0" smtClean="0"/>
+              <a:t>Ejemplo</a:t>
+            </a:r>
+            <a:endParaRPr lang="es-ES_tradnl" dirty="0"/>
+          </a:p>
+        </p:txBody>
+      </p:sp>
+      <p:pic>
+        <p:nvPicPr>
+          <p:cNvPr id="4" name="Content Placeholder 3" descr="Screen shot 2011-11-16 at 8.37.43 PM.png"/>
+          <p:cNvPicPr>
+            <a:picLocks noGrp="1" noChangeAspect="1"/>
+          </p:cNvPicPr>
+          <p:nvPr>
+            <p:ph idx="1"/>
+          </p:nvPr>
+        </p:nvPicPr>
+        <p:blipFill>
+          <a:blip r:embed="rId2">
+            <a:extLst>
+              <a:ext uri="{28A0092B-C50C-407E-A947-70E740481C1C}">
+                <a14:useLocalDpi xmlns:a14="http://schemas.microsoft.com/office/drawing/2010/main" val="0"/>
+              </a:ext>
+            </a:extLst>
+          </a:blip>
+          <a:srcRect t="-342255" b="-342255"/>
+          <a:stretch>
+            <a:fillRect/>
+          </a:stretch>
+        </p:blipFill>
+        <p:spPr/>
+      </p:pic>
+    </p:spTree>
+    <p:extLst>
+      <p:ext uri="{BB962C8B-B14F-4D97-AF65-F5344CB8AC3E}">
+        <p14:creationId xmlns:p14="http://schemas.microsoft.com/office/powerpoint/2010/main" val="2544078271"/>
+      </p:ext>
+    </p:extLst>
+  </p:cSld>
+  <p:clrMapOvr>
+    <a:masterClrMapping/>
+  </p:clrMapOvr>
+</p:sld>
+</file>
+
+<file path=ppt/slides/slide44.xml><?xml version="1.0" encoding="utf-8"?>
+<p:sld xmlns:a="http://schemas.openxmlformats.org/drawingml/2006/main" xmlns:r="http://schemas.openxmlformats.org/officeDocument/2006/relationships" xmlns:p="http://schemas.openxmlformats.org/presentationml/2006/main">
+  <p:cSld>
+    <p:spTree>
+      <p:nvGrpSpPr>
+        <p:cNvPr id="1" name=""/>
+        <p:cNvGrpSpPr/>
+        <p:nvPr/>
+      </p:nvGrpSpPr>
+      <p:grpSpPr>
+        <a:xfrm>
+          <a:off x="0" y="0"/>
+          <a:ext cx="0" cy="0"/>
+          <a:chOff x="0" y="0"/>
+          <a:chExt cx="0" cy="0"/>
+        </a:xfrm>
+      </p:grpSpPr>
+      <p:sp>
+        <p:nvSpPr>
+          <p:cNvPr id="2" name="Title 1"/>
+          <p:cNvSpPr>
+            <a:spLocks noGrp="1"/>
+          </p:cNvSpPr>
+          <p:nvPr>
+            <p:ph type="title"/>
+          </p:nvPr>
+        </p:nvSpPr>
+        <p:spPr/>
+        <p:txBody>
+          <a:bodyPr/>
+          <a:lstStyle/>
+          <a:p>
+            <a:r>
+              <a:rPr lang="es-ES_tradnl" dirty="0" smtClean="0"/>
+              <a:t>Inicializaci</a:t>
+            </a:r>
+            <a:r>
+              <a:rPr lang="es-ES_tradnl" dirty="0" smtClean="0"/>
+              <a:t>ón y Destrucción</a:t>
+            </a:r>
+            <a:endParaRPr lang="es-ES_tradnl" dirty="0"/>
+          </a:p>
+        </p:txBody>
+      </p:sp>
+      <p:pic>
+        <p:nvPicPr>
+          <p:cNvPr id="6" name="Content Placeholder 5" descr="Screen shot 2011-11-17 at 5.27.04 AM.png"/>
+          <p:cNvPicPr>
+            <a:picLocks noGrp="1" noChangeAspect="1"/>
+          </p:cNvPicPr>
+          <p:nvPr>
+            <p:ph sz="quarter" idx="13"/>
+          </p:nvPr>
+        </p:nvPicPr>
+        <p:blipFill>
+          <a:blip r:embed="rId2">
+            <a:extLst>
+              <a:ext uri="{28A0092B-C50C-407E-A947-70E740481C1C}">
+                <a14:useLocalDpi xmlns:a14="http://schemas.microsoft.com/office/drawing/2010/main" val="0"/>
+              </a:ext>
+            </a:extLst>
+          </a:blip>
+          <a:srcRect l="-55212" r="-55212"/>
+          <a:stretch>
+            <a:fillRect/>
+          </a:stretch>
+        </p:blipFill>
+        <p:spPr>
+          <a:xfrm>
+            <a:off x="1042416" y="2313432"/>
+            <a:ext cx="7022592" cy="1750568"/>
+          </a:xfrm>
+        </p:spPr>
+      </p:pic>
+      <p:pic>
+        <p:nvPicPr>
+          <p:cNvPr id="9" name="Content Placeholder 8" descr="Screen shot 2011-11-17 at 5.27.27 AM.png"/>
+          <p:cNvPicPr>
+            <a:picLocks noGrp="1" noChangeAspect="1"/>
+          </p:cNvPicPr>
+          <p:nvPr>
+            <p:ph sz="quarter" idx="14"/>
+          </p:nvPr>
+        </p:nvPicPr>
+        <p:blipFill>
+          <a:blip r:embed="rId3">
+            <a:extLst>
+              <a:ext uri="{28A0092B-C50C-407E-A947-70E740481C1C}">
+                <a14:useLocalDpi xmlns:a14="http://schemas.microsoft.com/office/drawing/2010/main" val="0"/>
+              </a:ext>
+            </a:extLst>
+          </a:blip>
+          <a:srcRect t="-33992" b="-33992"/>
+          <a:stretch>
+            <a:fillRect/>
+          </a:stretch>
+        </p:blipFill>
+        <p:spPr>
+          <a:xfrm>
+            <a:off x="1043490" y="4063999"/>
+            <a:ext cx="7021518" cy="1742439"/>
+          </a:xfrm>
+        </p:spPr>
+      </p:pic>
+    </p:spTree>
+    <p:extLst>
+      <p:ext uri="{BB962C8B-B14F-4D97-AF65-F5344CB8AC3E}">
+        <p14:creationId xmlns:p14="http://schemas.microsoft.com/office/powerpoint/2010/main" val="1983277345"/>
+      </p:ext>
+    </p:extLst>
+  </p:cSld>
+  <p:clrMapOvr>
+    <a:masterClrMapping/>
+  </p:clrMapOvr>
+</p:sld>
+</file>
+
+<file path=ppt/slides/slide45.xml><?xml version="1.0" encoding="utf-8"?>
+<p:sld xmlns:a="http://schemas.openxmlformats.org/drawingml/2006/main" xmlns:r="http://schemas.openxmlformats.org/officeDocument/2006/relationships" xmlns:p="http://schemas.openxmlformats.org/presentationml/2006/main">
+  <p:cSld>
+    <p:spTree>
+      <p:nvGrpSpPr>
+        <p:cNvPr id="1" name=""/>
+        <p:cNvGrpSpPr/>
+        <p:nvPr/>
+      </p:nvGrpSpPr>
+      <p:grpSpPr>
+        <a:xfrm>
+          <a:off x="0" y="0"/>
+          <a:ext cx="0" cy="0"/>
+          <a:chOff x="0" y="0"/>
+          <a:chExt cx="0" cy="0"/>
+        </a:xfrm>
+      </p:grpSpPr>
+      <p:sp>
+        <p:nvSpPr>
+          <p:cNvPr id="2" name="Title 1"/>
+          <p:cNvSpPr>
+            <a:spLocks noGrp="1"/>
+          </p:cNvSpPr>
+          <p:nvPr>
+            <p:ph type="title"/>
+          </p:nvPr>
+        </p:nvSpPr>
+        <p:spPr/>
+        <p:txBody>
+          <a:bodyPr>
+            <a:normAutofit fontScale="90000"/>
+          </a:bodyPr>
+          <a:lstStyle/>
+          <a:p>
+            <a:r>
+              <a:rPr lang="es-ES_tradnl" dirty="0" smtClean="0"/>
+              <a:t>Inicializaci</a:t>
+            </a:r>
+            <a:r>
+              <a:rPr lang="es-ES_tradnl" dirty="0" smtClean="0"/>
+              <a:t>ón y Destrucción (cont.)</a:t>
+            </a:r>
+            <a:endParaRPr lang="es-ES_tradnl" dirty="0"/>
+          </a:p>
+        </p:txBody>
+      </p:sp>
+      <p:pic>
+        <p:nvPicPr>
+          <p:cNvPr id="4" name="Content Placeholder 3" descr="Screen shot 2011-11-17 at 5.35.42 AM.png"/>
+          <p:cNvPicPr>
+            <a:picLocks noGrp="1" noChangeAspect="1"/>
+          </p:cNvPicPr>
+          <p:nvPr>
+            <p:ph idx="1"/>
+          </p:nvPr>
+        </p:nvPicPr>
+        <p:blipFill>
+          <a:blip r:embed="rId2">
+            <a:extLst>
+              <a:ext uri="{28A0092B-C50C-407E-A947-70E740481C1C}">
+                <a14:useLocalDpi xmlns:a14="http://schemas.microsoft.com/office/drawing/2010/main" val="0"/>
+              </a:ext>
+            </a:extLst>
+          </a:blip>
+          <a:srcRect t="-58497" b="-58497"/>
+          <a:stretch>
+            <a:fillRect/>
+          </a:stretch>
+        </p:blipFill>
+        <p:spPr/>
+      </p:pic>
+    </p:spTree>
+    <p:extLst>
+      <p:ext uri="{BB962C8B-B14F-4D97-AF65-F5344CB8AC3E}">
+        <p14:creationId xmlns:p14="http://schemas.microsoft.com/office/powerpoint/2010/main" val="650082199"/>
+      </p:ext>
+    </p:extLst>
+  </p:cSld>
+  <p:clrMapOvr>
+    <a:masterClrMapping/>
+  </p:clrMapOvr>
+</p:sld>
+</file>
+
+<file path=ppt/slides/slide46.xml><?xml version="1.0" encoding="utf-8"?>
+<p:sld xmlns:a="http://schemas.openxmlformats.org/drawingml/2006/main" xmlns:r="http://schemas.openxmlformats.org/officeDocument/2006/relationships" xmlns:p="http://schemas.openxmlformats.org/presentationml/2006/main">
+  <p:cSld>
+    <p:spTree>
+      <p:nvGrpSpPr>
+        <p:cNvPr id="1" name=""/>
+        <p:cNvGrpSpPr/>
+        <p:nvPr/>
+      </p:nvGrpSpPr>
+      <p:grpSpPr>
+        <a:xfrm>
+          <a:off x="0" y="0"/>
+          <a:ext cx="0" cy="0"/>
+          <a:chOff x="0" y="0"/>
+          <a:chExt cx="0" cy="0"/>
+        </a:xfrm>
+      </p:grpSpPr>
+      <p:sp>
+        <p:nvSpPr>
+          <p:cNvPr id="2" name="Title 1"/>
+          <p:cNvSpPr>
+            <a:spLocks noGrp="1"/>
+          </p:cNvSpPr>
+          <p:nvPr>
+            <p:ph type="title"/>
+          </p:nvPr>
+        </p:nvSpPr>
+        <p:spPr/>
+        <p:txBody>
+          <a:bodyPr/>
+          <a:lstStyle/>
+          <a:p>
+            <a:endParaRPr lang="es-ES_tradnl"/>
+          </a:p>
+        </p:txBody>
+      </p:sp>
+      <p:sp>
+        <p:nvSpPr>
+          <p:cNvPr id="3" name="Content Placeholder 2"/>
+          <p:cNvSpPr>
+            <a:spLocks noGrp="1"/>
+          </p:cNvSpPr>
+          <p:nvPr>
+            <p:ph idx="1"/>
+          </p:nvPr>
+        </p:nvSpPr>
+        <p:spPr/>
+        <p:txBody>
+          <a:bodyPr/>
+          <a:lstStyle/>
+          <a:p>
+            <a:endParaRPr lang="es-ES_tradnl"/>
+          </a:p>
+        </p:txBody>
+      </p:sp>
+    </p:spTree>
+    <p:extLst>
+      <p:ext uri="{BB962C8B-B14F-4D97-AF65-F5344CB8AC3E}">
+        <p14:creationId xmlns:p14="http://schemas.microsoft.com/office/powerpoint/2010/main" val="1131150203"/>
+      </p:ext>
+    </p:extLst>
+  </p:cSld>
+  <p:clrMapOvr>
+    <a:masterClrMapping/>
+  </p:clrMapOvr>
+</p:sld>
+</file>
+
+<file path=ppt/slides/slide47.xml><?xml version="1.0" encoding="utf-8"?>
+<p:sld xmlns:a="http://schemas.openxmlformats.org/drawingml/2006/main" xmlns:r="http://schemas.openxmlformats.org/officeDocument/2006/relationships" xmlns:p="http://schemas.openxmlformats.org/presentationml/2006/main">
+  <p:cSld>
+    <p:spTree>
+      <p:nvGrpSpPr>
+        <p:cNvPr id="1" name=""/>
+        <p:cNvGrpSpPr/>
+        <p:nvPr/>
+      </p:nvGrpSpPr>
+      <p:grpSpPr>
+        <a:xfrm>
+          <a:off x="0" y="0"/>
+          <a:ext cx="0" cy="0"/>
+          <a:chOff x="0" y="0"/>
+          <a:chExt cx="0" cy="0"/>
+        </a:xfrm>
+      </p:grpSpPr>
+      <p:sp>
+        <p:nvSpPr>
+          <p:cNvPr id="2" name="Title 1"/>
+          <p:cNvSpPr>
+            <a:spLocks noGrp="1"/>
+          </p:cNvSpPr>
+          <p:nvPr>
+            <p:ph type="title"/>
+          </p:nvPr>
+        </p:nvSpPr>
+        <p:spPr/>
+        <p:txBody>
+          <a:bodyPr/>
+          <a:lstStyle/>
+          <a:p>
+            <a:r>
+              <a:rPr lang="es-ES_tradnl" dirty="0" smtClean="0"/>
+              <a:t>Inyectando propiedades</a:t>
+            </a:r>
+            <a:endParaRPr lang="es-ES_tradnl" dirty="0"/>
+          </a:p>
+        </p:txBody>
+      </p:sp>
+      <p:sp>
+        <p:nvSpPr>
+          <p:cNvPr id="3" name="Content Placeholder 2"/>
+          <p:cNvSpPr>
+            <a:spLocks noGrp="1"/>
+          </p:cNvSpPr>
+          <p:nvPr>
+            <p:ph sz="quarter" idx="13"/>
+          </p:nvPr>
+        </p:nvSpPr>
+        <p:spPr>
+          <a:xfrm>
+            <a:off x="1042416" y="2313432"/>
+            <a:ext cx="7025818" cy="1655318"/>
+          </a:xfrm>
+        </p:spPr>
+        <p:txBody>
+          <a:bodyPr/>
+          <a:lstStyle/>
+          <a:p>
+            <a:r>
+              <a:rPr lang="es-ES_tradnl" dirty="0" smtClean="0"/>
+              <a:t>Para inyectar propiedades utilizamos &lt;</a:t>
+            </a:r>
+            <a:r>
+              <a:rPr lang="es-ES_tradnl" dirty="0" err="1" smtClean="0"/>
+              <a:t>property</a:t>
+            </a:r>
+            <a:r>
+              <a:rPr lang="es-ES_tradnl" dirty="0" smtClean="0"/>
+              <a:t>&gt;</a:t>
+            </a:r>
+            <a:endParaRPr lang="es-ES_tradnl" dirty="0"/>
+          </a:p>
+        </p:txBody>
+      </p:sp>
+      <p:pic>
+        <p:nvPicPr>
+          <p:cNvPr id="5" name="Content Placeholder 4" descr="Screen shot 2011-11-17 at 5.37.38 AM.png"/>
+          <p:cNvPicPr>
+            <a:picLocks noGrp="1" noChangeAspect="1"/>
+          </p:cNvPicPr>
+          <p:nvPr>
+            <p:ph sz="quarter" idx="14"/>
+          </p:nvPr>
+        </p:nvPicPr>
+        <p:blipFill>
+          <a:blip r:embed="rId2">
+            <a:extLst>
+              <a:ext uri="{28A0092B-C50C-407E-A947-70E740481C1C}">
+                <a14:useLocalDpi xmlns:a14="http://schemas.microsoft.com/office/drawing/2010/main" val="0"/>
+              </a:ext>
+            </a:extLst>
+          </a:blip>
+          <a:srcRect t="-49976" b="-49976"/>
+          <a:stretch>
+            <a:fillRect/>
+          </a:stretch>
+        </p:blipFill>
+        <p:spPr>
+          <a:xfrm>
+            <a:off x="1042416" y="3968749"/>
+            <a:ext cx="7022592" cy="1837689"/>
+          </a:xfrm>
+        </p:spPr>
+      </p:pic>
+    </p:spTree>
+    <p:extLst>
+      <p:ext uri="{BB962C8B-B14F-4D97-AF65-F5344CB8AC3E}">
+        <p14:creationId xmlns:p14="http://schemas.microsoft.com/office/powerpoint/2010/main" val="80849656"/>
+      </p:ext>
+    </p:extLst>
+  </p:cSld>
+  <p:clrMapOvr>
+    <a:masterClrMapping/>
+  </p:clrMapOvr>
+</p:sld>
+</file>
+
+<file path=ppt/slides/slide48.xml><?xml version="1.0" encoding="utf-8"?>
+<p:sld xmlns:a="http://schemas.openxmlformats.org/drawingml/2006/main" xmlns:r="http://schemas.openxmlformats.org/officeDocument/2006/relationships" xmlns:p="http://schemas.openxmlformats.org/presentationml/2006/main">
+  <p:cSld>
+    <p:spTree>
+      <p:nvGrpSpPr>
+        <p:cNvPr id="1" name=""/>
+        <p:cNvGrpSpPr/>
+        <p:nvPr/>
+      </p:nvGrpSpPr>
+      <p:grpSpPr>
+        <a:xfrm>
+          <a:off x="0" y="0"/>
+          <a:ext cx="0" cy="0"/>
+          <a:chOff x="0" y="0"/>
+          <a:chExt cx="0" cy="0"/>
+        </a:xfrm>
+      </p:grpSpPr>
+      <p:sp>
+        <p:nvSpPr>
+          <p:cNvPr id="2" name="Title 1"/>
+          <p:cNvSpPr>
+            <a:spLocks noGrp="1"/>
+          </p:cNvSpPr>
+          <p:nvPr>
+            <p:ph type="title"/>
+          </p:nvPr>
+        </p:nvSpPr>
+        <p:spPr/>
+        <p:txBody>
+          <a:bodyPr/>
+          <a:lstStyle/>
+          <a:p>
+            <a:r>
+              <a:rPr lang="es-ES_tradnl" dirty="0" smtClean="0"/>
+              <a:t>Inyectando propiedades</a:t>
+            </a:r>
+            <a:endParaRPr lang="es-ES_tradnl" dirty="0"/>
+          </a:p>
+        </p:txBody>
+      </p:sp>
+      <p:pic>
+        <p:nvPicPr>
+          <p:cNvPr id="6" name="Content Placeholder 5" descr="Screen shot 2011-11-17 at 5.41.58 AM.png"/>
+          <p:cNvPicPr>
+            <a:picLocks noGrp="1" noChangeAspect="1"/>
+          </p:cNvPicPr>
+          <p:nvPr>
+            <p:ph sz="quarter" idx="13"/>
+          </p:nvPr>
+        </p:nvPicPr>
+        <p:blipFill>
+          <a:blip r:embed="rId2">
+            <a:extLst>
+              <a:ext uri="{28A0092B-C50C-407E-A947-70E740481C1C}">
+                <a14:useLocalDpi xmlns:a14="http://schemas.microsoft.com/office/drawing/2010/main" val="0"/>
+              </a:ext>
+            </a:extLst>
+          </a:blip>
+          <a:srcRect t="-113624" b="-113624"/>
+          <a:stretch>
+            <a:fillRect/>
+          </a:stretch>
+        </p:blipFill>
+        <p:spPr>
+          <a:xfrm>
+            <a:off x="1042988" y="2312988"/>
+            <a:ext cx="7024687" cy="1655762"/>
+          </a:xfrm>
+        </p:spPr>
+      </p:pic>
+      <p:pic>
+        <p:nvPicPr>
+          <p:cNvPr id="7" name="Content Placeholder 6" descr="Screen shot 2011-11-17 at 5.42.30 AM.png"/>
+          <p:cNvPicPr>
+            <a:picLocks noGrp="1" noChangeAspect="1"/>
+          </p:cNvPicPr>
+          <p:nvPr>
+            <p:ph sz="quarter" idx="14"/>
+          </p:nvPr>
+        </p:nvPicPr>
+        <p:blipFill>
+          <a:blip r:embed="rId3">
+            <a:extLst>
+              <a:ext uri="{28A0092B-C50C-407E-A947-70E740481C1C}">
+                <a14:useLocalDpi xmlns:a14="http://schemas.microsoft.com/office/drawing/2010/main" val="0"/>
+              </a:ext>
+            </a:extLst>
+          </a:blip>
+          <a:srcRect t="-27857" b="-27857"/>
+          <a:stretch>
+            <a:fillRect/>
+          </a:stretch>
+        </p:blipFill>
+        <p:spPr>
+          <a:xfrm>
+            <a:off x="1042988" y="3968749"/>
+            <a:ext cx="7022020" cy="1837689"/>
+          </a:xfrm>
+        </p:spPr>
+      </p:pic>
+    </p:spTree>
+    <p:extLst>
+      <p:ext uri="{BB962C8B-B14F-4D97-AF65-F5344CB8AC3E}">
+        <p14:creationId xmlns:p14="http://schemas.microsoft.com/office/powerpoint/2010/main" val="3310745254"/>
+      </p:ext>
+    </p:extLst>
+  </p:cSld>
+  <p:clrMapOvr>
+    <a:masterClrMapping/>
+  </p:clrMapOvr>
+</p:sld>
+</file>
+
+<file path=ppt/slides/slide49.xml><?xml version="1.0" encoding="utf-8"?>
+<p:sld xmlns:a="http://schemas.openxmlformats.org/drawingml/2006/main" xmlns:r="http://schemas.openxmlformats.org/officeDocument/2006/relationships" xmlns:p="http://schemas.openxmlformats.org/presentationml/2006/main">
+  <p:cSld>
+    <p:spTree>
+      <p:nvGrpSpPr>
+        <p:cNvPr id="1" name=""/>
+        <p:cNvGrpSpPr/>
+        <p:nvPr/>
+      </p:nvGrpSpPr>
+      <p:grpSpPr>
+        <a:xfrm>
+          <a:off x="0" y="0"/>
+          <a:ext cx="0" cy="0"/>
+          <a:chOff x="0" y="0"/>
+          <a:chExt cx="0" cy="0"/>
+        </a:xfrm>
+      </p:grpSpPr>
+      <p:sp>
+        <p:nvSpPr>
+          <p:cNvPr id="5" name="Title 4"/>
+          <p:cNvSpPr>
+            <a:spLocks noGrp="1"/>
+          </p:cNvSpPr>
+          <p:nvPr>
+            <p:ph type="title"/>
+          </p:nvPr>
+        </p:nvSpPr>
+        <p:spPr/>
+        <p:txBody>
+          <a:bodyPr/>
+          <a:lstStyle/>
+          <a:p>
+            <a:r>
+              <a:rPr lang="es-ES_tradnl" dirty="0" smtClean="0"/>
+              <a:t>Inyectando propiedades</a:t>
+            </a:r>
+            <a:endParaRPr lang="es-ES_tradnl" dirty="0"/>
+          </a:p>
+        </p:txBody>
+      </p:sp>
+      <p:pic>
+        <p:nvPicPr>
+          <p:cNvPr id="7" name="Content Placeholder 6" descr="Screen shot 2011-11-17 at 5.44.24 AM.png"/>
+          <p:cNvPicPr>
+            <a:picLocks noGrp="1" noChangeAspect="1"/>
+          </p:cNvPicPr>
+          <p:nvPr>
+            <p:ph idx="1"/>
+          </p:nvPr>
+        </p:nvPicPr>
+        <p:blipFill>
+          <a:blip r:embed="rId2">
+            <a:extLst>
+              <a:ext uri="{28A0092B-C50C-407E-A947-70E740481C1C}">
+                <a14:useLocalDpi xmlns:a14="http://schemas.microsoft.com/office/drawing/2010/main" val="0"/>
+              </a:ext>
+            </a:extLst>
+          </a:blip>
+          <a:srcRect t="-2057" b="-2057"/>
+          <a:stretch>
+            <a:fillRect/>
+          </a:stretch>
+        </p:blipFill>
+        <p:spPr>
+          <a:xfrm>
+            <a:off x="1043492" y="2323652"/>
+            <a:ext cx="6777317" cy="1660973"/>
+          </a:xfrm>
+        </p:spPr>
+      </p:pic>
+      <p:pic>
+        <p:nvPicPr>
+          <p:cNvPr id="8" name="Picture 7" descr="Screen shot 2011-11-17 at 5.45.27 AM.png"/>
+          <p:cNvPicPr>
+            <a:picLocks noChangeAspect="1"/>
+          </p:cNvPicPr>
+          <p:nvPr/>
+        </p:nvPicPr>
+        <p:blipFill>
+          <a:blip r:embed="rId3">
+            <a:extLst>
+              <a:ext uri="{28A0092B-C50C-407E-A947-70E740481C1C}">
+                <a14:useLocalDpi xmlns:a14="http://schemas.microsoft.com/office/drawing/2010/main" val="0"/>
+              </a:ext>
+            </a:extLst>
+          </a:blip>
+          <a:stretch>
+            <a:fillRect/>
+          </a:stretch>
+        </p:blipFill>
+        <p:spPr>
+          <a:xfrm>
+            <a:off x="1043492" y="3984625"/>
+            <a:ext cx="7024742" cy="1692709"/>
+          </a:xfrm>
+          <a:prstGeom prst="rect">
+            <a:avLst/>
+          </a:prstGeom>
+        </p:spPr>
+      </p:pic>
+    </p:spTree>
+    <p:extLst>
+      <p:ext uri="{BB962C8B-B14F-4D97-AF65-F5344CB8AC3E}">
+        <p14:creationId xmlns:p14="http://schemas.microsoft.com/office/powerpoint/2010/main" val="267084645"/>
+      </p:ext>
+    </p:extLst>
+  </p:cSld>
+  <p:clrMapOvr>
+    <a:masterClrMapping/>
+  </p:clrMapOvr>
+</p:sld>
+</file>
+
 <file path=ppt/slides/slide5.xml><?xml version="1.0" encoding="utf-8"?>
 <p:sld xmlns:a="http://schemas.openxmlformats.org/drawingml/2006/main" xmlns:r="http://schemas.openxmlformats.org/officeDocument/2006/relationships" xmlns:p="http://schemas.openxmlformats.org/presentationml/2006/main">
   <p:cSld>
@@ -18366,6 +19795,1102 @@
       </p:par>
     </p:tnLst>
   </p:timing>
+</p:sld>
+</file>
+
+<file path=ppt/slides/slide50.xml><?xml version="1.0" encoding="utf-8"?>
+<p:sld xmlns:a="http://schemas.openxmlformats.org/drawingml/2006/main" xmlns:r="http://schemas.openxmlformats.org/officeDocument/2006/relationships" xmlns:p="http://schemas.openxmlformats.org/presentationml/2006/main">
+  <p:cSld>
+    <p:spTree>
+      <p:nvGrpSpPr>
+        <p:cNvPr id="1" name=""/>
+        <p:cNvGrpSpPr/>
+        <p:nvPr/>
+      </p:nvGrpSpPr>
+      <p:grpSpPr>
+        <a:xfrm>
+          <a:off x="0" y="0"/>
+          <a:ext cx="0" cy="0"/>
+          <a:chOff x="0" y="0"/>
+          <a:chExt cx="0" cy="0"/>
+        </a:xfrm>
+      </p:grpSpPr>
+      <p:sp>
+        <p:nvSpPr>
+          <p:cNvPr id="2" name="Title 1"/>
+          <p:cNvSpPr>
+            <a:spLocks noGrp="1"/>
+          </p:cNvSpPr>
+          <p:nvPr>
+            <p:ph type="title"/>
+          </p:nvPr>
+        </p:nvSpPr>
+        <p:spPr/>
+        <p:txBody>
+          <a:bodyPr/>
+          <a:lstStyle/>
+          <a:p>
+            <a:r>
+              <a:rPr lang="es-ES_tradnl" dirty="0" smtClean="0"/>
+              <a:t>Inyectando propiedades</a:t>
+            </a:r>
+            <a:endParaRPr lang="es-ES_tradnl" dirty="0"/>
+          </a:p>
+        </p:txBody>
+      </p:sp>
+      <p:pic>
+        <p:nvPicPr>
+          <p:cNvPr id="4" name="Content Placeholder 3" descr="Screen shot 2011-11-17 at 5.47.26 AM.png"/>
+          <p:cNvPicPr>
+            <a:picLocks noGrp="1" noChangeAspect="1"/>
+          </p:cNvPicPr>
+          <p:nvPr>
+            <p:ph sz="quarter" idx="13"/>
+          </p:nvPr>
+        </p:nvPicPr>
+        <p:blipFill>
+          <a:blip r:embed="rId2">
+            <a:extLst>
+              <a:ext uri="{28A0092B-C50C-407E-A947-70E740481C1C}">
+                <a14:useLocalDpi xmlns:a14="http://schemas.microsoft.com/office/drawing/2010/main" val="0"/>
+              </a:ext>
+            </a:extLst>
+          </a:blip>
+          <a:srcRect t="-29732" b="-29732"/>
+          <a:stretch>
+            <a:fillRect/>
+          </a:stretch>
+        </p:blipFill>
+        <p:spPr>
+          <a:xfrm>
+            <a:off x="1042416" y="2313432"/>
+            <a:ext cx="7025818" cy="1750568"/>
+          </a:xfrm>
+        </p:spPr>
+      </p:pic>
+      <p:pic>
+        <p:nvPicPr>
+          <p:cNvPr id="9" name="Content Placeholder 8" descr="Screen shot 2011-11-17 at 5.47.38 AM.png"/>
+          <p:cNvPicPr>
+            <a:picLocks noGrp="1" noChangeAspect="1"/>
+          </p:cNvPicPr>
+          <p:nvPr>
+            <p:ph sz="quarter" idx="14"/>
+          </p:nvPr>
+        </p:nvPicPr>
+        <p:blipFill>
+          <a:blip r:embed="rId3">
+            <a:extLst>
+              <a:ext uri="{28A0092B-C50C-407E-A947-70E740481C1C}">
+                <a14:useLocalDpi xmlns:a14="http://schemas.microsoft.com/office/drawing/2010/main" val="0"/>
+              </a:ext>
+            </a:extLst>
+          </a:blip>
+          <a:srcRect t="-92484" b="-92484"/>
+          <a:stretch>
+            <a:fillRect/>
+          </a:stretch>
+        </p:blipFill>
+        <p:spPr>
+          <a:xfrm>
+            <a:off x="1043490" y="4063999"/>
+            <a:ext cx="7021518" cy="1742439"/>
+          </a:xfrm>
+        </p:spPr>
+      </p:pic>
+    </p:spTree>
+    <p:extLst>
+      <p:ext uri="{BB962C8B-B14F-4D97-AF65-F5344CB8AC3E}">
+        <p14:creationId xmlns:p14="http://schemas.microsoft.com/office/powerpoint/2010/main" val="4076360075"/>
+      </p:ext>
+    </p:extLst>
+  </p:cSld>
+  <p:clrMapOvr>
+    <a:masterClrMapping/>
+  </p:clrMapOvr>
+</p:sld>
+</file>
+
+<file path=ppt/slides/slide51.xml><?xml version="1.0" encoding="utf-8"?>
+<p:sld xmlns:a="http://schemas.openxmlformats.org/drawingml/2006/main" xmlns:r="http://schemas.openxmlformats.org/officeDocument/2006/relationships" xmlns:p="http://schemas.openxmlformats.org/presentationml/2006/main">
+  <p:cSld>
+    <p:spTree>
+      <p:nvGrpSpPr>
+        <p:cNvPr id="1" name=""/>
+        <p:cNvGrpSpPr/>
+        <p:nvPr/>
+      </p:nvGrpSpPr>
+      <p:grpSpPr>
+        <a:xfrm>
+          <a:off x="0" y="0"/>
+          <a:ext cx="0" cy="0"/>
+          <a:chOff x="0" y="0"/>
+          <a:chExt cx="0" cy="0"/>
+        </a:xfrm>
+      </p:grpSpPr>
+      <p:sp>
+        <p:nvSpPr>
+          <p:cNvPr id="2" name="Title 1"/>
+          <p:cNvSpPr>
+            <a:spLocks noGrp="1"/>
+          </p:cNvSpPr>
+          <p:nvPr>
+            <p:ph type="title"/>
+          </p:nvPr>
+        </p:nvSpPr>
+        <p:spPr/>
+        <p:txBody>
+          <a:bodyPr/>
+          <a:lstStyle/>
+          <a:p>
+            <a:r>
+              <a:rPr lang="es-ES_tradnl" dirty="0" smtClean="0"/>
+              <a:t>Inyectando colecciones</a:t>
+            </a:r>
+            <a:endParaRPr lang="es-ES_tradnl" dirty="0"/>
+          </a:p>
+        </p:txBody>
+      </p:sp>
+      <p:sp>
+        <p:nvSpPr>
+          <p:cNvPr id="5" name="Content Placeholder 4"/>
+          <p:cNvSpPr>
+            <a:spLocks noGrp="1"/>
+          </p:cNvSpPr>
+          <p:nvPr>
+            <p:ph idx="1"/>
+          </p:nvPr>
+        </p:nvSpPr>
+        <p:spPr/>
+        <p:txBody>
+          <a:bodyPr>
+            <a:normAutofit lnSpcReduction="10000"/>
+          </a:bodyPr>
+          <a:lstStyle/>
+          <a:p>
+            <a:r>
+              <a:rPr lang="es-ES_tradnl" dirty="0" smtClean="0"/>
+              <a:t>&lt;</a:t>
+            </a:r>
+            <a:r>
+              <a:rPr lang="es-ES_tradnl" dirty="0" err="1" smtClean="0"/>
+              <a:t>list</a:t>
+            </a:r>
+            <a:r>
+              <a:rPr lang="es-ES_tradnl" dirty="0" smtClean="0"/>
+              <a:t>&gt;</a:t>
+            </a:r>
+          </a:p>
+          <a:p>
+            <a:pPr lvl="1"/>
+            <a:r>
+              <a:rPr lang="es-ES_tradnl" dirty="0" smtClean="0"/>
+              <a:t>Conecta una lista que acepta duplicados</a:t>
+            </a:r>
+          </a:p>
+          <a:p>
+            <a:r>
+              <a:rPr lang="es-ES_tradnl" dirty="0" smtClean="0"/>
+              <a:t>&lt;set&gt;</a:t>
+            </a:r>
+          </a:p>
+          <a:p>
+            <a:pPr lvl="1"/>
+            <a:r>
+              <a:rPr lang="es-ES_tradnl" dirty="0" smtClean="0"/>
+              <a:t>Conecta una lista que no acepta duplicados</a:t>
+            </a:r>
+          </a:p>
+          <a:p>
+            <a:r>
+              <a:rPr lang="es-ES_tradnl" dirty="0" smtClean="0"/>
+              <a:t>&lt;</a:t>
+            </a:r>
+            <a:r>
+              <a:rPr lang="es-ES_tradnl" dirty="0" err="1" smtClean="0"/>
+              <a:t>map</a:t>
+            </a:r>
+            <a:r>
+              <a:rPr lang="es-ES_tradnl" dirty="0" smtClean="0"/>
+              <a:t>&gt;</a:t>
+            </a:r>
+          </a:p>
+          <a:p>
+            <a:pPr lvl="1"/>
+            <a:r>
+              <a:rPr lang="es-ES_tradnl" dirty="0" smtClean="0"/>
+              <a:t>Conecta una lista de valores pares (nombre y valor) donde tanto el nombre como el valor pueden ser de cualquier tipo</a:t>
+            </a:r>
+            <a:endParaRPr lang="es-ES_tradnl" dirty="0"/>
+          </a:p>
+        </p:txBody>
+      </p:sp>
+    </p:spTree>
+    <p:extLst>
+      <p:ext uri="{BB962C8B-B14F-4D97-AF65-F5344CB8AC3E}">
+        <p14:creationId xmlns:p14="http://schemas.microsoft.com/office/powerpoint/2010/main" val="251244719"/>
+      </p:ext>
+    </p:extLst>
+  </p:cSld>
+  <p:clrMapOvr>
+    <a:masterClrMapping/>
+  </p:clrMapOvr>
+</p:sld>
+</file>
+
+<file path=ppt/slides/slide52.xml><?xml version="1.0" encoding="utf-8"?>
+<p:sld xmlns:a="http://schemas.openxmlformats.org/drawingml/2006/main" xmlns:r="http://schemas.openxmlformats.org/officeDocument/2006/relationships" xmlns:p="http://schemas.openxmlformats.org/presentationml/2006/main">
+  <p:cSld>
+    <p:spTree>
+      <p:nvGrpSpPr>
+        <p:cNvPr id="1" name=""/>
+        <p:cNvGrpSpPr/>
+        <p:nvPr/>
+      </p:nvGrpSpPr>
+      <p:grpSpPr>
+        <a:xfrm>
+          <a:off x="0" y="0"/>
+          <a:ext cx="0" cy="0"/>
+          <a:chOff x="0" y="0"/>
+          <a:chExt cx="0" cy="0"/>
+        </a:xfrm>
+      </p:grpSpPr>
+      <p:sp>
+        <p:nvSpPr>
+          <p:cNvPr id="2" name="Title 1"/>
+          <p:cNvSpPr>
+            <a:spLocks noGrp="1"/>
+          </p:cNvSpPr>
+          <p:nvPr>
+            <p:ph type="title"/>
+          </p:nvPr>
+        </p:nvSpPr>
+        <p:spPr/>
+        <p:txBody>
+          <a:bodyPr/>
+          <a:lstStyle/>
+          <a:p>
+            <a:r>
+              <a:rPr lang="es-ES_tradnl" dirty="0" smtClean="0"/>
+              <a:t>Inyectando colecciones</a:t>
+            </a:r>
+            <a:endParaRPr lang="es-ES_tradnl" dirty="0"/>
+          </a:p>
+        </p:txBody>
+      </p:sp>
+      <p:sp>
+        <p:nvSpPr>
+          <p:cNvPr id="3" name="Content Placeholder 2"/>
+          <p:cNvSpPr>
+            <a:spLocks noGrp="1"/>
+          </p:cNvSpPr>
+          <p:nvPr>
+            <p:ph idx="1"/>
+          </p:nvPr>
+        </p:nvSpPr>
+        <p:spPr/>
+        <p:txBody>
+          <a:bodyPr/>
+          <a:lstStyle/>
+          <a:p>
+            <a:r>
+              <a:rPr lang="es-ES_tradnl" dirty="0" smtClean="0"/>
+              <a:t>&lt;</a:t>
+            </a:r>
+            <a:r>
+              <a:rPr lang="es-ES_tradnl" dirty="0" err="1" smtClean="0"/>
+              <a:t>props</a:t>
+            </a:r>
+            <a:r>
+              <a:rPr lang="es-ES_tradnl" dirty="0" smtClean="0"/>
+              <a:t>&gt;</a:t>
+            </a:r>
+          </a:p>
+          <a:p>
+            <a:pPr lvl="1"/>
+            <a:r>
+              <a:rPr lang="es-ES_tradnl" dirty="0" smtClean="0"/>
+              <a:t>Conectando una lista de pares de valores donde tanto el nombre como el valor son de tipo </a:t>
+            </a:r>
+            <a:r>
+              <a:rPr lang="es-ES_tradnl" dirty="0" err="1" smtClean="0"/>
+              <a:t>String</a:t>
+            </a:r>
+            <a:endParaRPr lang="es-ES_tradnl" dirty="0"/>
+          </a:p>
+        </p:txBody>
+      </p:sp>
+    </p:spTree>
+    <p:extLst>
+      <p:ext uri="{BB962C8B-B14F-4D97-AF65-F5344CB8AC3E}">
+        <p14:creationId xmlns:p14="http://schemas.microsoft.com/office/powerpoint/2010/main" val="2924364407"/>
+      </p:ext>
+    </p:extLst>
+  </p:cSld>
+  <p:clrMapOvr>
+    <a:masterClrMapping/>
+  </p:clrMapOvr>
+</p:sld>
+</file>
+
+<file path=ppt/slides/slide53.xml><?xml version="1.0" encoding="utf-8"?>
+<p:sld xmlns:a="http://schemas.openxmlformats.org/drawingml/2006/main" xmlns:r="http://schemas.openxmlformats.org/officeDocument/2006/relationships" xmlns:p="http://schemas.openxmlformats.org/presentationml/2006/main">
+  <p:cSld>
+    <p:spTree>
+      <p:nvGrpSpPr>
+        <p:cNvPr id="1" name=""/>
+        <p:cNvGrpSpPr/>
+        <p:nvPr/>
+      </p:nvGrpSpPr>
+      <p:grpSpPr>
+        <a:xfrm>
+          <a:off x="0" y="0"/>
+          <a:ext cx="0" cy="0"/>
+          <a:chOff x="0" y="0"/>
+          <a:chExt cx="0" cy="0"/>
+        </a:xfrm>
+      </p:grpSpPr>
+      <p:sp>
+        <p:nvSpPr>
+          <p:cNvPr id="2" name="Title 1"/>
+          <p:cNvSpPr>
+            <a:spLocks noGrp="1"/>
+          </p:cNvSpPr>
+          <p:nvPr>
+            <p:ph type="title"/>
+          </p:nvPr>
+        </p:nvSpPr>
+        <p:spPr/>
+        <p:txBody>
+          <a:bodyPr/>
+          <a:lstStyle/>
+          <a:p>
+            <a:r>
+              <a:rPr lang="es-ES_tradnl" dirty="0" smtClean="0"/>
+              <a:t>Inyectando colecciones</a:t>
+            </a:r>
+            <a:endParaRPr lang="es-ES_tradnl" dirty="0"/>
+          </a:p>
+        </p:txBody>
+      </p:sp>
+      <p:pic>
+        <p:nvPicPr>
+          <p:cNvPr id="4" name="Content Placeholder 3" descr="Screen shot 2011-11-17 at 5.55.21 AM.png"/>
+          <p:cNvPicPr>
+            <a:picLocks noGrp="1" noChangeAspect="1"/>
+          </p:cNvPicPr>
+          <p:nvPr>
+            <p:ph idx="1"/>
+          </p:nvPr>
+        </p:nvPicPr>
+        <p:blipFill>
+          <a:blip r:embed="rId2">
+            <a:extLst>
+              <a:ext uri="{28A0092B-C50C-407E-A947-70E740481C1C}">
+                <a14:useLocalDpi xmlns:a14="http://schemas.microsoft.com/office/drawing/2010/main" val="0"/>
+              </a:ext>
+            </a:extLst>
+          </a:blip>
+          <a:srcRect t="-506" b="-506"/>
+          <a:stretch>
+            <a:fillRect/>
+          </a:stretch>
+        </p:blipFill>
+        <p:spPr/>
+      </p:pic>
+    </p:spTree>
+    <p:extLst>
+      <p:ext uri="{BB962C8B-B14F-4D97-AF65-F5344CB8AC3E}">
+        <p14:creationId xmlns:p14="http://schemas.microsoft.com/office/powerpoint/2010/main" val="1796167486"/>
+      </p:ext>
+    </p:extLst>
+  </p:cSld>
+  <p:clrMapOvr>
+    <a:masterClrMapping/>
+  </p:clrMapOvr>
+</p:sld>
+</file>
+
+<file path=ppt/slides/slide54.xml><?xml version="1.0" encoding="utf-8"?>
+<p:sld xmlns:a="http://schemas.openxmlformats.org/drawingml/2006/main" xmlns:r="http://schemas.openxmlformats.org/officeDocument/2006/relationships" xmlns:p="http://schemas.openxmlformats.org/presentationml/2006/main">
+  <p:cSld>
+    <p:spTree>
+      <p:nvGrpSpPr>
+        <p:cNvPr id="1" name=""/>
+        <p:cNvGrpSpPr/>
+        <p:nvPr/>
+      </p:nvGrpSpPr>
+      <p:grpSpPr>
+        <a:xfrm>
+          <a:off x="0" y="0"/>
+          <a:ext cx="0" cy="0"/>
+          <a:chOff x="0" y="0"/>
+          <a:chExt cx="0" cy="0"/>
+        </a:xfrm>
+      </p:grpSpPr>
+      <p:sp>
+        <p:nvSpPr>
+          <p:cNvPr id="2" name="Title 1"/>
+          <p:cNvSpPr>
+            <a:spLocks noGrp="1"/>
+          </p:cNvSpPr>
+          <p:nvPr>
+            <p:ph type="title"/>
+          </p:nvPr>
+        </p:nvSpPr>
+        <p:spPr/>
+        <p:txBody>
+          <a:bodyPr/>
+          <a:lstStyle/>
+          <a:p>
+            <a:r>
+              <a:rPr lang="es-ES_tradnl" dirty="0" smtClean="0"/>
+              <a:t>Inyectando colecciones</a:t>
+            </a:r>
+            <a:endParaRPr lang="es-ES_tradnl" dirty="0"/>
+          </a:p>
+        </p:txBody>
+      </p:sp>
+      <p:pic>
+        <p:nvPicPr>
+          <p:cNvPr id="4" name="Content Placeholder 3" descr="Screen shot 2011-11-17 at 5.56.16 AM.png"/>
+          <p:cNvPicPr>
+            <a:picLocks noGrp="1" noChangeAspect="1"/>
+          </p:cNvPicPr>
+          <p:nvPr>
+            <p:ph idx="1"/>
+          </p:nvPr>
+        </p:nvPicPr>
+        <p:blipFill>
+          <a:blip r:embed="rId2">
+            <a:extLst>
+              <a:ext uri="{28A0092B-C50C-407E-A947-70E740481C1C}">
+                <a14:useLocalDpi xmlns:a14="http://schemas.microsoft.com/office/drawing/2010/main" val="0"/>
+              </a:ext>
+            </a:extLst>
+          </a:blip>
+          <a:srcRect t="-20123" b="-20123"/>
+          <a:stretch>
+            <a:fillRect/>
+          </a:stretch>
+        </p:blipFill>
+        <p:spPr/>
+      </p:pic>
+    </p:spTree>
+    <p:extLst>
+      <p:ext uri="{BB962C8B-B14F-4D97-AF65-F5344CB8AC3E}">
+        <p14:creationId xmlns:p14="http://schemas.microsoft.com/office/powerpoint/2010/main" val="2306451806"/>
+      </p:ext>
+    </p:extLst>
+  </p:cSld>
+  <p:clrMapOvr>
+    <a:masterClrMapping/>
+  </p:clrMapOvr>
+</p:sld>
+</file>
+
+<file path=ppt/slides/slide55.xml><?xml version="1.0" encoding="utf-8"?>
+<p:sld xmlns:a="http://schemas.openxmlformats.org/drawingml/2006/main" xmlns:r="http://schemas.openxmlformats.org/officeDocument/2006/relationships" xmlns:p="http://schemas.openxmlformats.org/presentationml/2006/main">
+  <p:cSld>
+    <p:spTree>
+      <p:nvGrpSpPr>
+        <p:cNvPr id="1" name=""/>
+        <p:cNvGrpSpPr/>
+        <p:nvPr/>
+      </p:nvGrpSpPr>
+      <p:grpSpPr>
+        <a:xfrm>
+          <a:off x="0" y="0"/>
+          <a:ext cx="0" cy="0"/>
+          <a:chOff x="0" y="0"/>
+          <a:chExt cx="0" cy="0"/>
+        </a:xfrm>
+      </p:grpSpPr>
+      <p:sp>
+        <p:nvSpPr>
+          <p:cNvPr id="2" name="Title 1"/>
+          <p:cNvSpPr>
+            <a:spLocks noGrp="1"/>
+          </p:cNvSpPr>
+          <p:nvPr>
+            <p:ph type="title"/>
+          </p:nvPr>
+        </p:nvSpPr>
+        <p:spPr/>
+        <p:txBody>
+          <a:bodyPr/>
+          <a:lstStyle/>
+          <a:p>
+            <a:r>
+              <a:rPr lang="es-ES_tradnl" dirty="0" smtClean="0"/>
+              <a:t>Inyectando colecciones</a:t>
+            </a:r>
+            <a:endParaRPr lang="es-ES_tradnl" dirty="0"/>
+          </a:p>
+        </p:txBody>
+      </p:sp>
+      <p:sp>
+        <p:nvSpPr>
+          <p:cNvPr id="3" name="Content Placeholder 2"/>
+          <p:cNvSpPr>
+            <a:spLocks noGrp="1"/>
+          </p:cNvSpPr>
+          <p:nvPr>
+            <p:ph idx="1"/>
+          </p:nvPr>
+        </p:nvSpPr>
+        <p:spPr/>
+        <p:txBody>
+          <a:bodyPr/>
+          <a:lstStyle/>
+          <a:p>
+            <a:r>
+              <a:rPr lang="es-ES_tradnl" dirty="0" smtClean="0"/>
+              <a:t>Otros valores que pueden ser utilizados dentro de &lt;</a:t>
+            </a:r>
+            <a:r>
+              <a:rPr lang="es-ES_tradnl" dirty="0" err="1" smtClean="0"/>
+              <a:t>list</a:t>
+            </a:r>
+            <a:r>
+              <a:rPr lang="es-ES_tradnl" dirty="0" smtClean="0"/>
+              <a:t>&gt; son:</a:t>
+            </a:r>
+          </a:p>
+          <a:p>
+            <a:pPr lvl="1"/>
+            <a:r>
+              <a:rPr lang="es-ES_tradnl" dirty="0" smtClean="0"/>
+              <a:t>&lt;</a:t>
+            </a:r>
+            <a:r>
+              <a:rPr lang="es-ES_tradnl" dirty="0" err="1" smtClean="0"/>
+              <a:t>value</a:t>
+            </a:r>
+            <a:r>
+              <a:rPr lang="es-ES_tradnl" dirty="0" smtClean="0"/>
+              <a:t>&gt;</a:t>
+            </a:r>
+          </a:p>
+          <a:p>
+            <a:pPr lvl="1"/>
+            <a:r>
+              <a:rPr lang="es-ES_tradnl" dirty="0" smtClean="0"/>
+              <a:t>&lt;</a:t>
+            </a:r>
+            <a:r>
+              <a:rPr lang="es-ES_tradnl" dirty="0" err="1" smtClean="0"/>
+              <a:t>bean</a:t>
+            </a:r>
+            <a:r>
+              <a:rPr lang="es-ES_tradnl" dirty="0" smtClean="0"/>
+              <a:t>&gt;</a:t>
+            </a:r>
+          </a:p>
+          <a:p>
+            <a:pPr lvl="1"/>
+            <a:r>
+              <a:rPr lang="es-ES_tradnl" dirty="0" smtClean="0"/>
+              <a:t>&lt;</a:t>
+            </a:r>
+            <a:r>
+              <a:rPr lang="es-ES_tradnl" dirty="0" err="1" smtClean="0"/>
+              <a:t>null</a:t>
+            </a:r>
+            <a:r>
+              <a:rPr lang="es-ES_tradnl" dirty="0" smtClean="0"/>
+              <a:t>/&gt;</a:t>
+            </a:r>
+          </a:p>
+          <a:p>
+            <a:pPr lvl="1"/>
+            <a:r>
+              <a:rPr lang="es-ES_tradnl" dirty="0" smtClean="0"/>
+              <a:t>Inclusive &lt;</a:t>
+            </a:r>
+            <a:r>
+              <a:rPr lang="es-ES_tradnl" dirty="0" err="1" smtClean="0"/>
+              <a:t>list</a:t>
+            </a:r>
+            <a:r>
+              <a:rPr lang="es-ES_tradnl" dirty="0" smtClean="0"/>
+              <a:t>&gt; para tener listas multidimensionales</a:t>
+            </a:r>
+            <a:endParaRPr lang="es-ES_tradnl" dirty="0"/>
+          </a:p>
+        </p:txBody>
+      </p:sp>
+    </p:spTree>
+    <p:extLst>
+      <p:ext uri="{BB962C8B-B14F-4D97-AF65-F5344CB8AC3E}">
+        <p14:creationId xmlns:p14="http://schemas.microsoft.com/office/powerpoint/2010/main" val="1458076302"/>
+      </p:ext>
+    </p:extLst>
+  </p:cSld>
+  <p:clrMapOvr>
+    <a:masterClrMapping/>
+  </p:clrMapOvr>
+</p:sld>
+</file>
+
+<file path=ppt/slides/slide56.xml><?xml version="1.0" encoding="utf-8"?>
+<p:sld xmlns:a="http://schemas.openxmlformats.org/drawingml/2006/main" xmlns:r="http://schemas.openxmlformats.org/officeDocument/2006/relationships" xmlns:p="http://schemas.openxmlformats.org/presentationml/2006/main">
+  <p:cSld>
+    <p:spTree>
+      <p:nvGrpSpPr>
+        <p:cNvPr id="1" name=""/>
+        <p:cNvGrpSpPr/>
+        <p:nvPr/>
+      </p:nvGrpSpPr>
+      <p:grpSpPr>
+        <a:xfrm>
+          <a:off x="0" y="0"/>
+          <a:ext cx="0" cy="0"/>
+          <a:chOff x="0" y="0"/>
+          <a:chExt cx="0" cy="0"/>
+        </a:xfrm>
+      </p:grpSpPr>
+      <p:sp>
+        <p:nvSpPr>
+          <p:cNvPr id="2" name="Title 1"/>
+          <p:cNvSpPr>
+            <a:spLocks noGrp="1"/>
+          </p:cNvSpPr>
+          <p:nvPr>
+            <p:ph type="title"/>
+          </p:nvPr>
+        </p:nvSpPr>
+        <p:spPr/>
+        <p:txBody>
+          <a:bodyPr/>
+          <a:lstStyle/>
+          <a:p>
+            <a:r>
+              <a:rPr lang="es-ES_tradnl" dirty="0" smtClean="0"/>
+              <a:t>Inyectando colecciones</a:t>
+            </a:r>
+            <a:endParaRPr lang="es-ES_tradnl" dirty="0"/>
+          </a:p>
+        </p:txBody>
+      </p:sp>
+      <p:pic>
+        <p:nvPicPr>
+          <p:cNvPr id="4" name="Content Placeholder 3" descr="Screen shot 2011-11-17 at 6.01.04 AM.png"/>
+          <p:cNvPicPr>
+            <a:picLocks noGrp="1" noChangeAspect="1"/>
+          </p:cNvPicPr>
+          <p:nvPr>
+            <p:ph idx="1"/>
+          </p:nvPr>
+        </p:nvPicPr>
+        <p:blipFill>
+          <a:blip r:embed="rId2">
+            <a:extLst>
+              <a:ext uri="{28A0092B-C50C-407E-A947-70E740481C1C}">
+                <a14:useLocalDpi xmlns:a14="http://schemas.microsoft.com/office/drawing/2010/main" val="0"/>
+              </a:ext>
+            </a:extLst>
+          </a:blip>
+          <a:srcRect t="-18628" b="-18628"/>
+          <a:stretch>
+            <a:fillRect/>
+          </a:stretch>
+        </p:blipFill>
+        <p:spPr/>
+      </p:pic>
+    </p:spTree>
+    <p:extLst>
+      <p:ext uri="{BB962C8B-B14F-4D97-AF65-F5344CB8AC3E}">
+        <p14:creationId xmlns:p14="http://schemas.microsoft.com/office/powerpoint/2010/main" val="889599016"/>
+      </p:ext>
+    </p:extLst>
+  </p:cSld>
+  <p:clrMapOvr>
+    <a:masterClrMapping/>
+  </p:clrMapOvr>
+</p:sld>
+</file>
+
+<file path=ppt/slides/slide57.xml><?xml version="1.0" encoding="utf-8"?>
+<p:sld xmlns:a="http://schemas.openxmlformats.org/drawingml/2006/main" xmlns:r="http://schemas.openxmlformats.org/officeDocument/2006/relationships" xmlns:p="http://schemas.openxmlformats.org/presentationml/2006/main">
+  <p:cSld>
+    <p:spTree>
+      <p:nvGrpSpPr>
+        <p:cNvPr id="1" name=""/>
+        <p:cNvGrpSpPr/>
+        <p:nvPr/>
+      </p:nvGrpSpPr>
+      <p:grpSpPr>
+        <a:xfrm>
+          <a:off x="0" y="0"/>
+          <a:ext cx="0" cy="0"/>
+          <a:chOff x="0" y="0"/>
+          <a:chExt cx="0" cy="0"/>
+        </a:xfrm>
+      </p:grpSpPr>
+      <p:sp>
+        <p:nvSpPr>
+          <p:cNvPr id="2" name="Title 1"/>
+          <p:cNvSpPr>
+            <a:spLocks noGrp="1"/>
+          </p:cNvSpPr>
+          <p:nvPr>
+            <p:ph type="title"/>
+          </p:nvPr>
+        </p:nvSpPr>
+        <p:spPr/>
+        <p:txBody>
+          <a:bodyPr/>
+          <a:lstStyle/>
+          <a:p>
+            <a:r>
+              <a:rPr lang="es-ES_tradnl" dirty="0" smtClean="0"/>
+              <a:t>Inyectando colecciones</a:t>
+            </a:r>
+            <a:endParaRPr lang="es-ES_tradnl" dirty="0"/>
+          </a:p>
+        </p:txBody>
+      </p:sp>
+      <p:pic>
+        <p:nvPicPr>
+          <p:cNvPr id="4" name="Content Placeholder 3" descr="Screen shot 2011-11-17 at 6.01.59 AM.png"/>
+          <p:cNvPicPr>
+            <a:picLocks noGrp="1" noChangeAspect="1"/>
+          </p:cNvPicPr>
+          <p:nvPr>
+            <p:ph idx="1"/>
+          </p:nvPr>
+        </p:nvPicPr>
+        <p:blipFill>
+          <a:blip r:embed="rId2">
+            <a:extLst>
+              <a:ext uri="{28A0092B-C50C-407E-A947-70E740481C1C}">
+                <a14:useLocalDpi xmlns:a14="http://schemas.microsoft.com/office/drawing/2010/main" val="0"/>
+              </a:ext>
+            </a:extLst>
+          </a:blip>
+          <a:srcRect t="-42476" b="-42476"/>
+          <a:stretch>
+            <a:fillRect/>
+          </a:stretch>
+        </p:blipFill>
+        <p:spPr/>
+      </p:pic>
+    </p:spTree>
+    <p:extLst>
+      <p:ext uri="{BB962C8B-B14F-4D97-AF65-F5344CB8AC3E}">
+        <p14:creationId xmlns:p14="http://schemas.microsoft.com/office/powerpoint/2010/main" val="4167807796"/>
+      </p:ext>
+    </p:extLst>
+  </p:cSld>
+  <p:clrMapOvr>
+    <a:masterClrMapping/>
+  </p:clrMapOvr>
+</p:sld>
+</file>
+
+<file path=ppt/slides/slide58.xml><?xml version="1.0" encoding="utf-8"?>
+<p:sld xmlns:a="http://schemas.openxmlformats.org/drawingml/2006/main" xmlns:r="http://schemas.openxmlformats.org/officeDocument/2006/relationships" xmlns:p="http://schemas.openxmlformats.org/presentationml/2006/main">
+  <p:cSld>
+    <p:spTree>
+      <p:nvGrpSpPr>
+        <p:cNvPr id="1" name=""/>
+        <p:cNvGrpSpPr/>
+        <p:nvPr/>
+      </p:nvGrpSpPr>
+      <p:grpSpPr>
+        <a:xfrm>
+          <a:off x="0" y="0"/>
+          <a:ext cx="0" cy="0"/>
+          <a:chOff x="0" y="0"/>
+          <a:chExt cx="0" cy="0"/>
+        </a:xfrm>
+      </p:grpSpPr>
+      <p:sp>
+        <p:nvSpPr>
+          <p:cNvPr id="2" name="Title 1"/>
+          <p:cNvSpPr>
+            <a:spLocks noGrp="1"/>
+          </p:cNvSpPr>
+          <p:nvPr>
+            <p:ph type="title"/>
+          </p:nvPr>
+        </p:nvSpPr>
+        <p:spPr/>
+        <p:txBody>
+          <a:bodyPr/>
+          <a:lstStyle/>
+          <a:p>
+            <a:r>
+              <a:rPr lang="es-ES_tradnl" dirty="0" smtClean="0"/>
+              <a:t>Inyectando colecciones</a:t>
+            </a:r>
+            <a:endParaRPr lang="es-ES_tradnl" dirty="0"/>
+          </a:p>
+        </p:txBody>
+      </p:sp>
+      <p:sp>
+        <p:nvSpPr>
+          <p:cNvPr id="3" name="Content Placeholder 2"/>
+          <p:cNvSpPr>
+            <a:spLocks noGrp="1"/>
+          </p:cNvSpPr>
+          <p:nvPr>
+            <p:ph idx="1"/>
+          </p:nvPr>
+        </p:nvSpPr>
+        <p:spPr/>
+        <p:txBody>
+          <a:bodyPr>
+            <a:normAutofit fontScale="92500" lnSpcReduction="20000"/>
+          </a:bodyPr>
+          <a:lstStyle/>
+          <a:p>
+            <a:r>
+              <a:rPr lang="es-ES_tradnl" dirty="0" smtClean="0"/>
+              <a:t>La propiedad &lt;</a:t>
+            </a:r>
+            <a:r>
+              <a:rPr lang="es-ES_tradnl" dirty="0" err="1" smtClean="0"/>
+              <a:t>entry</a:t>
+            </a:r>
+            <a:r>
+              <a:rPr lang="es-ES_tradnl" dirty="0" smtClean="0"/>
+              <a:t>&gt; en </a:t>
+            </a:r>
+            <a:r>
+              <a:rPr lang="es-ES_tradnl" dirty="0" err="1" smtClean="0"/>
+              <a:t>map</a:t>
+            </a:r>
+            <a:r>
+              <a:rPr lang="es-ES_tradnl" dirty="0" smtClean="0"/>
+              <a:t> puede contener</a:t>
+            </a:r>
+          </a:p>
+          <a:p>
+            <a:pPr lvl="1"/>
+            <a:r>
+              <a:rPr lang="es-ES_tradnl" dirty="0" smtClean="0"/>
+              <a:t>&lt;</a:t>
+            </a:r>
+            <a:r>
+              <a:rPr lang="es-ES_tradnl" dirty="0" err="1" smtClean="0"/>
+              <a:t>key</a:t>
+            </a:r>
+            <a:r>
+              <a:rPr lang="es-ES_tradnl" dirty="0" smtClean="0"/>
+              <a:t>&gt;</a:t>
+            </a:r>
+          </a:p>
+          <a:p>
+            <a:pPr lvl="2"/>
+            <a:r>
+              <a:rPr lang="es-ES_tradnl" dirty="0" smtClean="0"/>
+              <a:t>Especifica la llave como </a:t>
+            </a:r>
+            <a:r>
+              <a:rPr lang="es-ES_tradnl" dirty="0" err="1" smtClean="0"/>
+              <a:t>String</a:t>
+            </a:r>
+            <a:endParaRPr lang="es-ES_tradnl" dirty="0" smtClean="0"/>
+          </a:p>
+          <a:p>
+            <a:pPr lvl="1"/>
+            <a:r>
+              <a:rPr lang="es-ES_tradnl" dirty="0" smtClean="0"/>
+              <a:t>&lt;</a:t>
+            </a:r>
+            <a:r>
+              <a:rPr lang="es-ES_tradnl" dirty="0" err="1" smtClean="0"/>
+              <a:t>key-ref</a:t>
+            </a:r>
+            <a:r>
+              <a:rPr lang="es-ES_tradnl" dirty="0" smtClean="0"/>
+              <a:t>&gt;</a:t>
+            </a:r>
+          </a:p>
+          <a:p>
+            <a:pPr lvl="2"/>
+            <a:r>
+              <a:rPr lang="es-ES_tradnl" dirty="0" smtClean="0"/>
+              <a:t>Especifica la llave como una referencia a otro objeto</a:t>
+            </a:r>
+          </a:p>
+          <a:p>
+            <a:pPr lvl="1"/>
+            <a:r>
+              <a:rPr lang="es-ES_tradnl" dirty="0" smtClean="0"/>
+              <a:t>&lt;</a:t>
+            </a:r>
+            <a:r>
+              <a:rPr lang="es-ES_tradnl" dirty="0" err="1" smtClean="0"/>
+              <a:t>value</a:t>
+            </a:r>
+            <a:r>
+              <a:rPr lang="es-ES_tradnl" dirty="0" smtClean="0"/>
+              <a:t>&gt;</a:t>
+            </a:r>
+          </a:p>
+          <a:p>
+            <a:pPr lvl="2"/>
+            <a:r>
+              <a:rPr lang="es-ES_tradnl" dirty="0" smtClean="0"/>
+              <a:t>Especifica el valor como </a:t>
+            </a:r>
+            <a:r>
+              <a:rPr lang="es-ES_tradnl" dirty="0" err="1" smtClean="0"/>
+              <a:t>String</a:t>
+            </a:r>
+            <a:endParaRPr lang="es-ES_tradnl" dirty="0" smtClean="0"/>
+          </a:p>
+          <a:p>
+            <a:pPr lvl="1"/>
+            <a:r>
+              <a:rPr lang="es-ES_tradnl" dirty="0" smtClean="0"/>
+              <a:t>&lt;</a:t>
+            </a:r>
+            <a:r>
+              <a:rPr lang="es-ES_tradnl" dirty="0" err="1" smtClean="0"/>
+              <a:t>value-ref</a:t>
+            </a:r>
+            <a:r>
+              <a:rPr lang="es-ES_tradnl" dirty="0" smtClean="0"/>
+              <a:t>&gt;</a:t>
+            </a:r>
+          </a:p>
+          <a:p>
+            <a:pPr lvl="2"/>
+            <a:r>
+              <a:rPr lang="es-ES_tradnl" dirty="0" smtClean="0"/>
+              <a:t>Especifica el valor como una referencia a otro objeto</a:t>
+            </a:r>
+            <a:endParaRPr lang="es-ES_tradnl" dirty="0"/>
+          </a:p>
+        </p:txBody>
+      </p:sp>
+    </p:spTree>
+    <p:extLst>
+      <p:ext uri="{BB962C8B-B14F-4D97-AF65-F5344CB8AC3E}">
+        <p14:creationId xmlns:p14="http://schemas.microsoft.com/office/powerpoint/2010/main" val="3908705353"/>
+      </p:ext>
+    </p:extLst>
+  </p:cSld>
+  <p:clrMapOvr>
+    <a:masterClrMapping/>
+  </p:clrMapOvr>
+</p:sld>
+</file>
+
+<file path=ppt/slides/slide59.xml><?xml version="1.0" encoding="utf-8"?>
+<p:sld xmlns:a="http://schemas.openxmlformats.org/drawingml/2006/main" xmlns:r="http://schemas.openxmlformats.org/officeDocument/2006/relationships" xmlns:p="http://schemas.openxmlformats.org/presentationml/2006/main">
+  <p:cSld>
+    <p:spTree>
+      <p:nvGrpSpPr>
+        <p:cNvPr id="1" name=""/>
+        <p:cNvGrpSpPr/>
+        <p:nvPr/>
+      </p:nvGrpSpPr>
+      <p:grpSpPr>
+        <a:xfrm>
+          <a:off x="0" y="0"/>
+          <a:ext cx="0" cy="0"/>
+          <a:chOff x="0" y="0"/>
+          <a:chExt cx="0" cy="0"/>
+        </a:xfrm>
+      </p:grpSpPr>
+      <p:sp>
+        <p:nvSpPr>
+          <p:cNvPr id="2" name="Title 1"/>
+          <p:cNvSpPr>
+            <a:spLocks noGrp="1"/>
+          </p:cNvSpPr>
+          <p:nvPr>
+            <p:ph type="title"/>
+          </p:nvPr>
+        </p:nvSpPr>
+        <p:spPr/>
+        <p:txBody>
+          <a:bodyPr/>
+          <a:lstStyle/>
+          <a:p>
+            <a:r>
+              <a:rPr lang="es-ES_tradnl" dirty="0" smtClean="0"/>
+              <a:t>Inyectando colecciones</a:t>
+            </a:r>
+            <a:endParaRPr lang="es-ES_tradnl" dirty="0"/>
+          </a:p>
+        </p:txBody>
+      </p:sp>
+      <p:pic>
+        <p:nvPicPr>
+          <p:cNvPr id="6" name="Content Placeholder 5" descr="Screen shot 2011-11-17 at 6.07.00 AM.png"/>
+          <p:cNvPicPr>
+            <a:picLocks noGrp="1" noChangeAspect="1"/>
+          </p:cNvPicPr>
+          <p:nvPr>
+            <p:ph sz="quarter" idx="13"/>
+          </p:nvPr>
+        </p:nvPicPr>
+        <p:blipFill>
+          <a:blip r:embed="rId2">
+            <a:extLst>
+              <a:ext uri="{28A0092B-C50C-407E-A947-70E740481C1C}">
+                <a14:useLocalDpi xmlns:a14="http://schemas.microsoft.com/office/drawing/2010/main" val="0"/>
+              </a:ext>
+            </a:extLst>
+          </a:blip>
+          <a:srcRect t="-31214" b="-31214"/>
+          <a:stretch>
+            <a:fillRect/>
+          </a:stretch>
+        </p:blipFill>
+        <p:spPr>
+          <a:xfrm>
+            <a:off x="1042416" y="2313432"/>
+            <a:ext cx="7025818" cy="1750568"/>
+          </a:xfrm>
+        </p:spPr>
+      </p:pic>
+      <p:pic>
+        <p:nvPicPr>
+          <p:cNvPr id="7" name="Content Placeholder 6" descr="Screen shot 2011-11-17 at 6.07.10 AM.png"/>
+          <p:cNvPicPr>
+            <a:picLocks noGrp="1" noChangeAspect="1"/>
+          </p:cNvPicPr>
+          <p:nvPr>
+            <p:ph sz="quarter" idx="14"/>
+          </p:nvPr>
+        </p:nvPicPr>
+        <p:blipFill>
+          <a:blip r:embed="rId3">
+            <a:extLst>
+              <a:ext uri="{28A0092B-C50C-407E-A947-70E740481C1C}">
+                <a14:useLocalDpi xmlns:a14="http://schemas.microsoft.com/office/drawing/2010/main" val="0"/>
+              </a:ext>
+            </a:extLst>
+          </a:blip>
+          <a:srcRect l="-6579" r="-6579"/>
+          <a:stretch>
+            <a:fillRect/>
+          </a:stretch>
+        </p:blipFill>
+        <p:spPr>
+          <a:xfrm>
+            <a:off x="1043490" y="4063999"/>
+            <a:ext cx="7021518" cy="1742439"/>
+          </a:xfrm>
+        </p:spPr>
+      </p:pic>
+    </p:spTree>
+    <p:extLst>
+      <p:ext uri="{BB962C8B-B14F-4D97-AF65-F5344CB8AC3E}">
+        <p14:creationId xmlns:p14="http://schemas.microsoft.com/office/powerpoint/2010/main" val="1703230882"/>
+      </p:ext>
+    </p:extLst>
+  </p:cSld>
+  <p:clrMapOvr>
+    <a:masterClrMapping/>
+  </p:clrMapOvr>
 </p:sld>
 </file>
 
@@ -18788,6 +21313,1033 @@
 </p:sld>
 </file>
 
+<file path=ppt/slides/slide60.xml><?xml version="1.0" encoding="utf-8"?>
+<p:sld xmlns:a="http://schemas.openxmlformats.org/drawingml/2006/main" xmlns:r="http://schemas.openxmlformats.org/officeDocument/2006/relationships" xmlns:p="http://schemas.openxmlformats.org/presentationml/2006/main">
+  <p:cSld>
+    <p:spTree>
+      <p:nvGrpSpPr>
+        <p:cNvPr id="1" name=""/>
+        <p:cNvGrpSpPr/>
+        <p:nvPr/>
+      </p:nvGrpSpPr>
+      <p:grpSpPr>
+        <a:xfrm>
+          <a:off x="0" y="0"/>
+          <a:ext cx="0" cy="0"/>
+          <a:chOff x="0" y="0"/>
+          <a:chExt cx="0" cy="0"/>
+        </a:xfrm>
+      </p:grpSpPr>
+      <p:sp>
+        <p:nvSpPr>
+          <p:cNvPr id="2" name="Title 1"/>
+          <p:cNvSpPr>
+            <a:spLocks noGrp="1"/>
+          </p:cNvSpPr>
+          <p:nvPr>
+            <p:ph type="title"/>
+          </p:nvPr>
+        </p:nvSpPr>
+        <p:spPr/>
+        <p:txBody>
+          <a:bodyPr/>
+          <a:lstStyle/>
+          <a:p>
+            <a:endParaRPr lang="es-ES_tradnl"/>
+          </a:p>
+        </p:txBody>
+      </p:sp>
+      <p:sp>
+        <p:nvSpPr>
+          <p:cNvPr id="3" name="Content Placeholder 2"/>
+          <p:cNvSpPr>
+            <a:spLocks noGrp="1"/>
+          </p:cNvSpPr>
+          <p:nvPr>
+            <p:ph sz="quarter" idx="13"/>
+          </p:nvPr>
+        </p:nvSpPr>
+        <p:spPr/>
+        <p:txBody>
+          <a:bodyPr/>
+          <a:lstStyle/>
+          <a:p>
+            <a:endParaRPr lang="es-ES_tradnl"/>
+          </a:p>
+        </p:txBody>
+      </p:sp>
+      <p:sp>
+        <p:nvSpPr>
+          <p:cNvPr id="4" name="Content Placeholder 3"/>
+          <p:cNvSpPr>
+            <a:spLocks noGrp="1"/>
+          </p:cNvSpPr>
+          <p:nvPr>
+            <p:ph sz="quarter" idx="14"/>
+          </p:nvPr>
+        </p:nvSpPr>
+        <p:spPr/>
+        <p:txBody>
+          <a:bodyPr/>
+          <a:lstStyle/>
+          <a:p>
+            <a:endParaRPr lang="es-ES_tradnl"/>
+          </a:p>
+        </p:txBody>
+      </p:sp>
+    </p:spTree>
+    <p:extLst>
+      <p:ext uri="{BB962C8B-B14F-4D97-AF65-F5344CB8AC3E}">
+        <p14:creationId xmlns:p14="http://schemas.microsoft.com/office/powerpoint/2010/main" val="1093125925"/>
+      </p:ext>
+    </p:extLst>
+  </p:cSld>
+  <p:clrMapOvr>
+    <a:masterClrMapping/>
+  </p:clrMapOvr>
+</p:sld>
+</file>
+
+<file path=ppt/slides/slide61.xml><?xml version="1.0" encoding="utf-8"?>
+<p:sld xmlns:a="http://schemas.openxmlformats.org/drawingml/2006/main" xmlns:r="http://schemas.openxmlformats.org/officeDocument/2006/relationships" xmlns:p="http://schemas.openxmlformats.org/presentationml/2006/main">
+  <p:cSld>
+    <p:spTree>
+      <p:nvGrpSpPr>
+        <p:cNvPr id="1" name=""/>
+        <p:cNvGrpSpPr/>
+        <p:nvPr/>
+      </p:nvGrpSpPr>
+      <p:grpSpPr>
+        <a:xfrm>
+          <a:off x="0" y="0"/>
+          <a:ext cx="0" cy="0"/>
+          <a:chOff x="0" y="0"/>
+          <a:chExt cx="0" cy="0"/>
+        </a:xfrm>
+      </p:grpSpPr>
+      <p:sp>
+        <p:nvSpPr>
+          <p:cNvPr id="2" name="Title 1"/>
+          <p:cNvSpPr>
+            <a:spLocks noGrp="1"/>
+          </p:cNvSpPr>
+          <p:nvPr>
+            <p:ph type="title"/>
+          </p:nvPr>
+        </p:nvSpPr>
+        <p:spPr/>
+        <p:txBody>
+          <a:bodyPr>
+            <a:normAutofit fontScale="90000"/>
+          </a:bodyPr>
+          <a:lstStyle/>
+          <a:p>
+            <a:r>
+              <a:rPr lang="es-ES_tradnl" dirty="0" smtClean="0"/>
+              <a:t>Inyectando propiedades autom</a:t>
+            </a:r>
+            <a:r>
+              <a:rPr lang="es-ES_tradnl" dirty="0" smtClean="0"/>
+              <a:t>áticamente</a:t>
+            </a:r>
+            <a:endParaRPr lang="es-ES_tradnl" dirty="0"/>
+          </a:p>
+        </p:txBody>
+      </p:sp>
+      <p:sp>
+        <p:nvSpPr>
+          <p:cNvPr id="3" name="Content Placeholder 2"/>
+          <p:cNvSpPr>
+            <a:spLocks noGrp="1"/>
+          </p:cNvSpPr>
+          <p:nvPr>
+            <p:ph idx="1"/>
+          </p:nvPr>
+        </p:nvSpPr>
+        <p:spPr/>
+        <p:txBody>
+          <a:bodyPr/>
+          <a:lstStyle/>
+          <a:p>
+            <a:r>
+              <a:rPr lang="es-ES_tradnl" dirty="0" err="1" smtClean="0"/>
+              <a:t>byName</a:t>
+            </a:r>
+            <a:endParaRPr lang="es-ES_tradnl" dirty="0" smtClean="0"/>
+          </a:p>
+          <a:p>
+            <a:pPr lvl="1"/>
+            <a:r>
+              <a:rPr lang="es-ES_tradnl" dirty="0" smtClean="0"/>
+              <a:t>Intenta inyectar todas las propiedades del </a:t>
+            </a:r>
+            <a:r>
+              <a:rPr lang="es-ES_tradnl" dirty="0" err="1" smtClean="0"/>
+              <a:t>bean</a:t>
+            </a:r>
+            <a:r>
+              <a:rPr lang="es-ES_tradnl" dirty="0" smtClean="0"/>
+              <a:t> con </a:t>
+            </a:r>
+            <a:r>
+              <a:rPr lang="es-ES_tradnl" dirty="0" err="1" smtClean="0"/>
+              <a:t>beans</a:t>
+            </a:r>
+            <a:r>
+              <a:rPr lang="es-ES_tradnl" dirty="0" smtClean="0"/>
+              <a:t> que tengan el mismo nombre</a:t>
+            </a:r>
+          </a:p>
+          <a:p>
+            <a:r>
+              <a:rPr lang="es-ES_tradnl" dirty="0" err="1" smtClean="0"/>
+              <a:t>byType</a:t>
+            </a:r>
+            <a:endParaRPr lang="es-ES_tradnl" dirty="0" smtClean="0"/>
+          </a:p>
+          <a:p>
+            <a:pPr lvl="1"/>
+            <a:r>
+              <a:rPr lang="es-ES_tradnl" dirty="0" smtClean="0"/>
+              <a:t>Intenta inyectar todas las propiedades del </a:t>
+            </a:r>
+            <a:r>
+              <a:rPr lang="es-ES_tradnl" dirty="0" err="1" smtClean="0"/>
+              <a:t>bean</a:t>
+            </a:r>
+            <a:r>
+              <a:rPr lang="es-ES_tradnl" dirty="0" smtClean="0"/>
+              <a:t> con </a:t>
+            </a:r>
+            <a:r>
+              <a:rPr lang="es-ES_tradnl" dirty="0" err="1" smtClean="0"/>
+              <a:t>beans</a:t>
+            </a:r>
+            <a:r>
+              <a:rPr lang="es-ES_tradnl" dirty="0" smtClean="0"/>
+              <a:t> del mismo tipo</a:t>
+            </a:r>
+          </a:p>
+        </p:txBody>
+      </p:sp>
+    </p:spTree>
+    <p:extLst>
+      <p:ext uri="{BB962C8B-B14F-4D97-AF65-F5344CB8AC3E}">
+        <p14:creationId xmlns:p14="http://schemas.microsoft.com/office/powerpoint/2010/main" val="938965717"/>
+      </p:ext>
+    </p:extLst>
+  </p:cSld>
+  <p:clrMapOvr>
+    <a:masterClrMapping/>
+  </p:clrMapOvr>
+</p:sld>
+</file>
+
+<file path=ppt/slides/slide62.xml><?xml version="1.0" encoding="utf-8"?>
+<p:sld xmlns:a="http://schemas.openxmlformats.org/drawingml/2006/main" xmlns:r="http://schemas.openxmlformats.org/officeDocument/2006/relationships" xmlns:p="http://schemas.openxmlformats.org/presentationml/2006/main">
+  <p:cSld>
+    <p:spTree>
+      <p:nvGrpSpPr>
+        <p:cNvPr id="1" name=""/>
+        <p:cNvGrpSpPr/>
+        <p:nvPr/>
+      </p:nvGrpSpPr>
+      <p:grpSpPr>
+        <a:xfrm>
+          <a:off x="0" y="0"/>
+          <a:ext cx="0" cy="0"/>
+          <a:chOff x="0" y="0"/>
+          <a:chExt cx="0" cy="0"/>
+        </a:xfrm>
+      </p:grpSpPr>
+      <p:sp>
+        <p:nvSpPr>
+          <p:cNvPr id="2" name="Title 1"/>
+          <p:cNvSpPr>
+            <a:spLocks noGrp="1"/>
+          </p:cNvSpPr>
+          <p:nvPr>
+            <p:ph type="title"/>
+          </p:nvPr>
+        </p:nvSpPr>
+        <p:spPr/>
+        <p:txBody>
+          <a:bodyPr>
+            <a:normAutofit fontScale="90000"/>
+          </a:bodyPr>
+          <a:lstStyle/>
+          <a:p>
+            <a:r>
+              <a:rPr lang="es-ES_tradnl" dirty="0" smtClean="0"/>
+              <a:t>Inyectando propiedades autom</a:t>
+            </a:r>
+            <a:r>
+              <a:rPr lang="es-ES_tradnl" dirty="0" smtClean="0"/>
+              <a:t>áticamente</a:t>
+            </a:r>
+            <a:endParaRPr lang="es-ES_tradnl" dirty="0"/>
+          </a:p>
+        </p:txBody>
+      </p:sp>
+      <p:sp>
+        <p:nvSpPr>
+          <p:cNvPr id="3" name="Content Placeholder 2"/>
+          <p:cNvSpPr>
+            <a:spLocks noGrp="1"/>
+          </p:cNvSpPr>
+          <p:nvPr>
+            <p:ph idx="1"/>
+          </p:nvPr>
+        </p:nvSpPr>
+        <p:spPr/>
+        <p:txBody>
+          <a:bodyPr/>
+          <a:lstStyle/>
+          <a:p>
+            <a:r>
+              <a:rPr lang="es-ES_tradnl" dirty="0" smtClean="0"/>
+              <a:t>constructor</a:t>
+            </a:r>
+          </a:p>
+          <a:p>
+            <a:pPr lvl="1"/>
+            <a:r>
+              <a:rPr lang="es-ES_tradnl" dirty="0" smtClean="0"/>
+              <a:t>Intenta inyectar las propiedades del </a:t>
+            </a:r>
+            <a:r>
+              <a:rPr lang="es-ES_tradnl" dirty="0" err="1" smtClean="0"/>
+              <a:t>bean</a:t>
+            </a:r>
+            <a:r>
+              <a:rPr lang="es-ES_tradnl" dirty="0" smtClean="0"/>
+              <a:t> que se inicialicen por el constructor, encontrando </a:t>
+            </a:r>
+            <a:r>
+              <a:rPr lang="es-ES_tradnl" dirty="0" err="1" smtClean="0"/>
+              <a:t>beans</a:t>
+            </a:r>
+            <a:r>
+              <a:rPr lang="es-ES_tradnl" dirty="0" smtClean="0"/>
+              <a:t> que puedan asignarse a los argumentos del constructor</a:t>
+            </a:r>
+          </a:p>
+          <a:p>
+            <a:r>
+              <a:rPr lang="es-ES_tradnl" dirty="0" err="1" smtClean="0"/>
+              <a:t>autodetect</a:t>
+            </a:r>
+            <a:endParaRPr lang="es-ES_tradnl" dirty="0" smtClean="0"/>
+          </a:p>
+          <a:p>
+            <a:pPr lvl="1"/>
+            <a:r>
+              <a:rPr lang="es-ES_tradnl" dirty="0" smtClean="0"/>
+              <a:t>Primero intenta inicializarlo por constructor, si esto no funciona intenta </a:t>
+            </a:r>
+            <a:r>
+              <a:rPr lang="es-ES_tradnl" dirty="0" err="1" smtClean="0"/>
+              <a:t>byType</a:t>
+            </a:r>
+            <a:endParaRPr lang="es-ES_tradnl" dirty="0"/>
+          </a:p>
+        </p:txBody>
+      </p:sp>
+    </p:spTree>
+    <p:extLst>
+      <p:ext uri="{BB962C8B-B14F-4D97-AF65-F5344CB8AC3E}">
+        <p14:creationId xmlns:p14="http://schemas.microsoft.com/office/powerpoint/2010/main" val="3358619435"/>
+      </p:ext>
+    </p:extLst>
+  </p:cSld>
+  <p:clrMapOvr>
+    <a:masterClrMapping/>
+  </p:clrMapOvr>
+</p:sld>
+</file>
+
+<file path=ppt/slides/slide63.xml><?xml version="1.0" encoding="utf-8"?>
+<p:sld xmlns:a="http://schemas.openxmlformats.org/drawingml/2006/main" xmlns:r="http://schemas.openxmlformats.org/officeDocument/2006/relationships" xmlns:p="http://schemas.openxmlformats.org/presentationml/2006/main">
+  <p:cSld>
+    <p:spTree>
+      <p:nvGrpSpPr>
+        <p:cNvPr id="1" name=""/>
+        <p:cNvGrpSpPr/>
+        <p:nvPr/>
+      </p:nvGrpSpPr>
+      <p:grpSpPr>
+        <a:xfrm>
+          <a:off x="0" y="0"/>
+          <a:ext cx="0" cy="0"/>
+          <a:chOff x="0" y="0"/>
+          <a:chExt cx="0" cy="0"/>
+        </a:xfrm>
+      </p:grpSpPr>
+      <p:sp>
+        <p:nvSpPr>
+          <p:cNvPr id="2" name="Title 1"/>
+          <p:cNvSpPr>
+            <a:spLocks noGrp="1"/>
+          </p:cNvSpPr>
+          <p:nvPr>
+            <p:ph type="title"/>
+          </p:nvPr>
+        </p:nvSpPr>
+        <p:spPr/>
+        <p:txBody>
+          <a:bodyPr/>
+          <a:lstStyle/>
+          <a:p>
+            <a:r>
+              <a:rPr lang="es-ES_tradnl" dirty="0" smtClean="0"/>
+              <a:t>Inyectando </a:t>
+            </a:r>
+            <a:r>
+              <a:rPr lang="es-ES_tradnl" dirty="0" err="1" smtClean="0"/>
+              <a:t>byName</a:t>
+            </a:r>
+            <a:endParaRPr lang="es-ES_tradnl" dirty="0"/>
+          </a:p>
+        </p:txBody>
+      </p:sp>
+      <p:pic>
+        <p:nvPicPr>
+          <p:cNvPr id="4" name="Content Placeholder 3" descr="Screen shot 2011-11-17 at 6.24.24 AM.png"/>
+          <p:cNvPicPr>
+            <a:picLocks noGrp="1" noChangeAspect="1"/>
+          </p:cNvPicPr>
+          <p:nvPr>
+            <p:ph idx="1"/>
+          </p:nvPr>
+        </p:nvPicPr>
+        <p:blipFill>
+          <a:blip r:embed="rId2">
+            <a:extLst>
+              <a:ext uri="{28A0092B-C50C-407E-A947-70E740481C1C}">
+                <a14:useLocalDpi xmlns:a14="http://schemas.microsoft.com/office/drawing/2010/main" val="0"/>
+              </a:ext>
+            </a:extLst>
+          </a:blip>
+          <a:srcRect t="-104542" b="-104542"/>
+          <a:stretch>
+            <a:fillRect/>
+          </a:stretch>
+        </p:blipFill>
+        <p:spPr/>
+      </p:pic>
+    </p:spTree>
+    <p:extLst>
+      <p:ext uri="{BB962C8B-B14F-4D97-AF65-F5344CB8AC3E}">
+        <p14:creationId xmlns:p14="http://schemas.microsoft.com/office/powerpoint/2010/main" val="1398177717"/>
+      </p:ext>
+    </p:extLst>
+  </p:cSld>
+  <p:clrMapOvr>
+    <a:masterClrMapping/>
+  </p:clrMapOvr>
+</p:sld>
+</file>
+
+<file path=ppt/slides/slide64.xml><?xml version="1.0" encoding="utf-8"?>
+<p:sld xmlns:a="http://schemas.openxmlformats.org/drawingml/2006/main" xmlns:r="http://schemas.openxmlformats.org/officeDocument/2006/relationships" xmlns:p="http://schemas.openxmlformats.org/presentationml/2006/main">
+  <p:cSld>
+    <p:spTree>
+      <p:nvGrpSpPr>
+        <p:cNvPr id="1" name=""/>
+        <p:cNvGrpSpPr/>
+        <p:nvPr/>
+      </p:nvGrpSpPr>
+      <p:grpSpPr>
+        <a:xfrm>
+          <a:off x="0" y="0"/>
+          <a:ext cx="0" cy="0"/>
+          <a:chOff x="0" y="0"/>
+          <a:chExt cx="0" cy="0"/>
+        </a:xfrm>
+      </p:grpSpPr>
+      <p:sp>
+        <p:nvSpPr>
+          <p:cNvPr id="4" name="Title 3"/>
+          <p:cNvSpPr>
+            <a:spLocks noGrp="1"/>
+          </p:cNvSpPr>
+          <p:nvPr>
+            <p:ph type="title"/>
+          </p:nvPr>
+        </p:nvSpPr>
+        <p:spPr/>
+        <p:txBody>
+          <a:bodyPr/>
+          <a:lstStyle/>
+          <a:p>
+            <a:r>
+              <a:rPr lang="es-ES_tradnl" dirty="0" smtClean="0"/>
+              <a:t>Inyectando </a:t>
+            </a:r>
+            <a:r>
+              <a:rPr lang="es-ES_tradnl" dirty="0" err="1" smtClean="0"/>
+              <a:t>byName</a:t>
+            </a:r>
+            <a:endParaRPr lang="es-ES_tradnl" dirty="0"/>
+          </a:p>
+        </p:txBody>
+      </p:sp>
+      <p:pic>
+        <p:nvPicPr>
+          <p:cNvPr id="7" name="Content Placeholder 6" descr="Screen shot 2011-11-17 at 6.25.50 AM.png"/>
+          <p:cNvPicPr>
+            <a:picLocks noGrp="1" noChangeAspect="1"/>
+          </p:cNvPicPr>
+          <p:nvPr>
+            <p:ph sz="quarter" idx="13"/>
+          </p:nvPr>
+        </p:nvPicPr>
+        <p:blipFill>
+          <a:blip r:embed="rId2">
+            <a:extLst>
+              <a:ext uri="{28A0092B-C50C-407E-A947-70E740481C1C}">
+                <a14:useLocalDpi xmlns:a14="http://schemas.microsoft.com/office/drawing/2010/main" val="0"/>
+              </a:ext>
+            </a:extLst>
+          </a:blip>
+          <a:srcRect t="-94113" b="-94113"/>
+          <a:stretch>
+            <a:fillRect/>
+          </a:stretch>
+        </p:blipFill>
+        <p:spPr>
+          <a:xfrm>
+            <a:off x="1042416" y="2313432"/>
+            <a:ext cx="7022592" cy="1750568"/>
+          </a:xfrm>
+        </p:spPr>
+      </p:pic>
+      <p:pic>
+        <p:nvPicPr>
+          <p:cNvPr id="8" name="Content Placeholder 7" descr="Screen shot 2011-11-17 at 6.25.58 AM.png"/>
+          <p:cNvPicPr>
+            <a:picLocks noGrp="1" noChangeAspect="1"/>
+          </p:cNvPicPr>
+          <p:nvPr>
+            <p:ph sz="quarter" idx="14"/>
+          </p:nvPr>
+        </p:nvPicPr>
+        <p:blipFill>
+          <a:blip r:embed="rId3">
+            <a:extLst>
+              <a:ext uri="{28A0092B-C50C-407E-A947-70E740481C1C}">
+                <a14:useLocalDpi xmlns:a14="http://schemas.microsoft.com/office/drawing/2010/main" val="0"/>
+              </a:ext>
+            </a:extLst>
+          </a:blip>
+          <a:srcRect t="-17885" b="-17885"/>
+          <a:stretch>
+            <a:fillRect/>
+          </a:stretch>
+        </p:blipFill>
+        <p:spPr>
+          <a:xfrm>
+            <a:off x="1043490" y="4063999"/>
+            <a:ext cx="7021518" cy="1742439"/>
+          </a:xfrm>
+        </p:spPr>
+      </p:pic>
+    </p:spTree>
+    <p:extLst>
+      <p:ext uri="{BB962C8B-B14F-4D97-AF65-F5344CB8AC3E}">
+        <p14:creationId xmlns:p14="http://schemas.microsoft.com/office/powerpoint/2010/main" val="1180591973"/>
+      </p:ext>
+    </p:extLst>
+  </p:cSld>
+  <p:clrMapOvr>
+    <a:masterClrMapping/>
+  </p:clrMapOvr>
+</p:sld>
+</file>
+
+<file path=ppt/slides/slide65.xml><?xml version="1.0" encoding="utf-8"?>
+<p:sld xmlns:a="http://schemas.openxmlformats.org/drawingml/2006/main" xmlns:r="http://schemas.openxmlformats.org/officeDocument/2006/relationships" xmlns:p="http://schemas.openxmlformats.org/presentationml/2006/main">
+  <p:cSld>
+    <p:spTree>
+      <p:nvGrpSpPr>
+        <p:cNvPr id="1" name=""/>
+        <p:cNvGrpSpPr/>
+        <p:nvPr/>
+      </p:nvGrpSpPr>
+      <p:grpSpPr>
+        <a:xfrm>
+          <a:off x="0" y="0"/>
+          <a:ext cx="0" cy="0"/>
+          <a:chOff x="0" y="0"/>
+          <a:chExt cx="0" cy="0"/>
+        </a:xfrm>
+      </p:grpSpPr>
+      <p:sp>
+        <p:nvSpPr>
+          <p:cNvPr id="2" name="Title 1"/>
+          <p:cNvSpPr>
+            <a:spLocks noGrp="1"/>
+          </p:cNvSpPr>
+          <p:nvPr>
+            <p:ph type="title"/>
+          </p:nvPr>
+        </p:nvSpPr>
+        <p:spPr/>
+        <p:txBody>
+          <a:bodyPr/>
+          <a:lstStyle/>
+          <a:p>
+            <a:r>
+              <a:rPr lang="es-ES_tradnl" dirty="0" smtClean="0"/>
+              <a:t>Inyectando </a:t>
+            </a:r>
+            <a:r>
+              <a:rPr lang="es-ES_tradnl" dirty="0" err="1" smtClean="0"/>
+              <a:t>byType</a:t>
+            </a:r>
+            <a:endParaRPr lang="es-ES_tradnl" dirty="0"/>
+          </a:p>
+        </p:txBody>
+      </p:sp>
+      <p:sp>
+        <p:nvSpPr>
+          <p:cNvPr id="5" name="Content Placeholder 4"/>
+          <p:cNvSpPr>
+            <a:spLocks noGrp="1"/>
+          </p:cNvSpPr>
+          <p:nvPr>
+            <p:ph idx="1"/>
+          </p:nvPr>
+        </p:nvSpPr>
+        <p:spPr/>
+        <p:txBody>
+          <a:bodyPr/>
+          <a:lstStyle/>
+          <a:p>
+            <a:r>
+              <a:rPr lang="es-ES_tradnl" dirty="0" smtClean="0"/>
+              <a:t>Es similar al de </a:t>
+            </a:r>
+            <a:r>
+              <a:rPr lang="es-ES_tradnl" dirty="0" err="1" smtClean="0"/>
+              <a:t>byName</a:t>
+            </a:r>
+            <a:r>
+              <a:rPr lang="es-ES_tradnl" dirty="0" smtClean="0"/>
+              <a:t>, pero solo que en lugar de revisar el nombre del </a:t>
+            </a:r>
+            <a:r>
+              <a:rPr lang="es-ES_tradnl" dirty="0" err="1" smtClean="0"/>
+              <a:t>bean</a:t>
+            </a:r>
+            <a:r>
+              <a:rPr lang="es-ES_tradnl" dirty="0" smtClean="0"/>
+              <a:t>, revisa su tipo</a:t>
+            </a:r>
+            <a:endParaRPr lang="es-ES_tradnl" dirty="0"/>
+          </a:p>
+        </p:txBody>
+      </p:sp>
+    </p:spTree>
+    <p:extLst>
+      <p:ext uri="{BB962C8B-B14F-4D97-AF65-F5344CB8AC3E}">
+        <p14:creationId xmlns:p14="http://schemas.microsoft.com/office/powerpoint/2010/main" val="2359755227"/>
+      </p:ext>
+    </p:extLst>
+  </p:cSld>
+  <p:clrMapOvr>
+    <a:masterClrMapping/>
+  </p:clrMapOvr>
+</p:sld>
+</file>
+
+<file path=ppt/slides/slide66.xml><?xml version="1.0" encoding="utf-8"?>
+<p:sld xmlns:a="http://schemas.openxmlformats.org/drawingml/2006/main" xmlns:r="http://schemas.openxmlformats.org/officeDocument/2006/relationships" xmlns:p="http://schemas.openxmlformats.org/presentationml/2006/main">
+  <p:cSld>
+    <p:spTree>
+      <p:nvGrpSpPr>
+        <p:cNvPr id="1" name=""/>
+        <p:cNvGrpSpPr/>
+        <p:nvPr/>
+      </p:nvGrpSpPr>
+      <p:grpSpPr>
+        <a:xfrm>
+          <a:off x="0" y="0"/>
+          <a:ext cx="0" cy="0"/>
+          <a:chOff x="0" y="0"/>
+          <a:chExt cx="0" cy="0"/>
+        </a:xfrm>
+      </p:grpSpPr>
+      <p:sp>
+        <p:nvSpPr>
+          <p:cNvPr id="4" name="Title 3"/>
+          <p:cNvSpPr>
+            <a:spLocks noGrp="1"/>
+          </p:cNvSpPr>
+          <p:nvPr>
+            <p:ph type="title"/>
+          </p:nvPr>
+        </p:nvSpPr>
+        <p:spPr/>
+        <p:txBody>
+          <a:bodyPr/>
+          <a:lstStyle/>
+          <a:p>
+            <a:r>
+              <a:rPr lang="es-ES_tradnl" dirty="0" smtClean="0"/>
+              <a:t>Inyectando </a:t>
+            </a:r>
+            <a:r>
+              <a:rPr lang="es-ES_tradnl" dirty="0" err="1" smtClean="0"/>
+              <a:t>byType</a:t>
+            </a:r>
+            <a:endParaRPr lang="es-ES_tradnl" dirty="0"/>
+          </a:p>
+        </p:txBody>
+      </p:sp>
+      <p:pic>
+        <p:nvPicPr>
+          <p:cNvPr id="7" name="Content Placeholder 6" descr="Screen shot 2011-11-17 at 6.29.21 AM.png"/>
+          <p:cNvPicPr>
+            <a:picLocks noGrp="1" noChangeAspect="1"/>
+          </p:cNvPicPr>
+          <p:nvPr>
+            <p:ph sz="quarter" idx="13"/>
+          </p:nvPr>
+        </p:nvPicPr>
+        <p:blipFill>
+          <a:blip r:embed="rId2">
+            <a:extLst>
+              <a:ext uri="{28A0092B-C50C-407E-A947-70E740481C1C}">
+                <a14:useLocalDpi xmlns:a14="http://schemas.microsoft.com/office/drawing/2010/main" val="0"/>
+              </a:ext>
+            </a:extLst>
+          </a:blip>
+          <a:srcRect t="-50088" b="-50088"/>
+          <a:stretch>
+            <a:fillRect/>
+          </a:stretch>
+        </p:blipFill>
+        <p:spPr>
+          <a:xfrm>
+            <a:off x="1042416" y="2313432"/>
+            <a:ext cx="7022592" cy="1750568"/>
+          </a:xfrm>
+        </p:spPr>
+      </p:pic>
+      <p:pic>
+        <p:nvPicPr>
+          <p:cNvPr id="8" name="Content Placeholder 7" descr="Screen shot 2011-11-17 at 6.29.34 AM.png"/>
+          <p:cNvPicPr>
+            <a:picLocks noGrp="1" noChangeAspect="1"/>
+          </p:cNvPicPr>
+          <p:nvPr>
+            <p:ph sz="quarter" idx="14"/>
+          </p:nvPr>
+        </p:nvPicPr>
+        <p:blipFill>
+          <a:blip r:embed="rId3">
+            <a:extLst>
+              <a:ext uri="{28A0092B-C50C-407E-A947-70E740481C1C}">
+                <a14:useLocalDpi xmlns:a14="http://schemas.microsoft.com/office/drawing/2010/main" val="0"/>
+              </a:ext>
+            </a:extLst>
+          </a:blip>
+          <a:srcRect t="-44034" b="-44034"/>
+          <a:stretch>
+            <a:fillRect/>
+          </a:stretch>
+        </p:blipFill>
+        <p:spPr>
+          <a:xfrm>
+            <a:off x="1042416" y="4063999"/>
+            <a:ext cx="7022592" cy="1742439"/>
+          </a:xfrm>
+        </p:spPr>
+      </p:pic>
+    </p:spTree>
+    <p:extLst>
+      <p:ext uri="{BB962C8B-B14F-4D97-AF65-F5344CB8AC3E}">
+        <p14:creationId xmlns:p14="http://schemas.microsoft.com/office/powerpoint/2010/main" val="2697583777"/>
+      </p:ext>
+    </p:extLst>
+  </p:cSld>
+  <p:clrMapOvr>
+    <a:masterClrMapping/>
+  </p:clrMapOvr>
+</p:sld>
+</file>
+
+<file path=ppt/slides/slide67.xml><?xml version="1.0" encoding="utf-8"?>
+<p:sld xmlns:a="http://schemas.openxmlformats.org/drawingml/2006/main" xmlns:r="http://schemas.openxmlformats.org/officeDocument/2006/relationships" xmlns:p="http://schemas.openxmlformats.org/presentationml/2006/main">
+  <p:cSld>
+    <p:spTree>
+      <p:nvGrpSpPr>
+        <p:cNvPr id="1" name=""/>
+        <p:cNvGrpSpPr/>
+        <p:nvPr/>
+      </p:nvGrpSpPr>
+      <p:grpSpPr>
+        <a:xfrm>
+          <a:off x="0" y="0"/>
+          <a:ext cx="0" cy="0"/>
+          <a:chOff x="0" y="0"/>
+          <a:chExt cx="0" cy="0"/>
+        </a:xfrm>
+      </p:grpSpPr>
+      <p:sp>
+        <p:nvSpPr>
+          <p:cNvPr id="2" name="Title 1"/>
+          <p:cNvSpPr>
+            <a:spLocks noGrp="1"/>
+          </p:cNvSpPr>
+          <p:nvPr>
+            <p:ph type="title"/>
+          </p:nvPr>
+        </p:nvSpPr>
+        <p:spPr/>
+        <p:txBody>
+          <a:bodyPr/>
+          <a:lstStyle/>
+          <a:p>
+            <a:r>
+              <a:rPr lang="es-ES_tradnl" dirty="0" smtClean="0"/>
+              <a:t>Inyectando por constructor</a:t>
+            </a:r>
+            <a:endParaRPr lang="es-ES_tradnl" dirty="0"/>
+          </a:p>
+        </p:txBody>
+      </p:sp>
+      <p:pic>
+        <p:nvPicPr>
+          <p:cNvPr id="6" name="Content Placeholder 5" descr="Screen shot 2011-11-17 at 6.34.28 AM.png"/>
+          <p:cNvPicPr>
+            <a:picLocks noGrp="1" noChangeAspect="1"/>
+          </p:cNvPicPr>
+          <p:nvPr>
+            <p:ph idx="1"/>
+          </p:nvPr>
+        </p:nvPicPr>
+        <p:blipFill>
+          <a:blip r:embed="rId2">
+            <a:extLst>
+              <a:ext uri="{28A0092B-C50C-407E-A947-70E740481C1C}">
+                <a14:useLocalDpi xmlns:a14="http://schemas.microsoft.com/office/drawing/2010/main" val="0"/>
+              </a:ext>
+            </a:extLst>
+          </a:blip>
+          <a:srcRect t="-186329" b="-186329"/>
+          <a:stretch>
+            <a:fillRect/>
+          </a:stretch>
+        </p:blipFill>
+        <p:spPr/>
+      </p:pic>
+    </p:spTree>
+    <p:extLst>
+      <p:ext uri="{BB962C8B-B14F-4D97-AF65-F5344CB8AC3E}">
+        <p14:creationId xmlns:p14="http://schemas.microsoft.com/office/powerpoint/2010/main" val="1883669932"/>
+      </p:ext>
+    </p:extLst>
+  </p:cSld>
+  <p:clrMapOvr>
+    <a:masterClrMapping/>
+  </p:clrMapOvr>
+</p:sld>
+</file>
+
+<file path=ppt/slides/slide68.xml><?xml version="1.0" encoding="utf-8"?>
+<p:sld xmlns:a="http://schemas.openxmlformats.org/drawingml/2006/main" xmlns:r="http://schemas.openxmlformats.org/officeDocument/2006/relationships" xmlns:p="http://schemas.openxmlformats.org/presentationml/2006/main">
+  <p:cSld>
+    <p:spTree>
+      <p:nvGrpSpPr>
+        <p:cNvPr id="1" name=""/>
+        <p:cNvGrpSpPr/>
+        <p:nvPr/>
+      </p:nvGrpSpPr>
+      <p:grpSpPr>
+        <a:xfrm>
+          <a:off x="0" y="0"/>
+          <a:ext cx="0" cy="0"/>
+          <a:chOff x="0" y="0"/>
+          <a:chExt cx="0" cy="0"/>
+        </a:xfrm>
+      </p:grpSpPr>
+      <p:sp>
+        <p:nvSpPr>
+          <p:cNvPr id="2" name="Title 1"/>
+          <p:cNvSpPr>
+            <a:spLocks noGrp="1"/>
+          </p:cNvSpPr>
+          <p:nvPr>
+            <p:ph type="title"/>
+          </p:nvPr>
+        </p:nvSpPr>
+        <p:spPr/>
+        <p:txBody>
+          <a:bodyPr/>
+          <a:lstStyle/>
+          <a:p>
+            <a:r>
+              <a:rPr lang="es-ES_tradnl" dirty="0" smtClean="0"/>
+              <a:t>Inyectando por constructor</a:t>
+            </a:r>
+            <a:endParaRPr lang="es-ES_tradnl" dirty="0"/>
+          </a:p>
+        </p:txBody>
+      </p:sp>
+      <p:sp>
+        <p:nvSpPr>
+          <p:cNvPr id="3" name="Content Placeholder 2"/>
+          <p:cNvSpPr>
+            <a:spLocks noGrp="1"/>
+          </p:cNvSpPr>
+          <p:nvPr>
+            <p:ph idx="1"/>
+          </p:nvPr>
+        </p:nvSpPr>
+        <p:spPr/>
+        <p:txBody>
+          <a:bodyPr/>
+          <a:lstStyle/>
+          <a:p>
+            <a:r>
+              <a:rPr lang="es-ES_tradnl" dirty="0" smtClean="0"/>
+              <a:t>Tiene las mismas limitantes que la inyecci</a:t>
+            </a:r>
+            <a:r>
+              <a:rPr lang="es-ES_tradnl" dirty="0" smtClean="0"/>
+              <a:t>ón por tipo (</a:t>
+            </a:r>
+            <a:r>
+              <a:rPr lang="es-ES_tradnl" dirty="0" err="1" smtClean="0"/>
+              <a:t>byType</a:t>
+            </a:r>
+            <a:r>
+              <a:rPr lang="es-ES_tradnl" dirty="0" smtClean="0"/>
+              <a:t>)</a:t>
+            </a:r>
+          </a:p>
+          <a:p>
+            <a:r>
+              <a:rPr lang="es-ES_tradnl" dirty="0" smtClean="0"/>
+              <a:t>Spring no va a adivinar cual </a:t>
+            </a:r>
+            <a:r>
+              <a:rPr lang="es-ES_tradnl" dirty="0" err="1" smtClean="0"/>
+              <a:t>bean</a:t>
+            </a:r>
+            <a:r>
+              <a:rPr lang="es-ES_tradnl" dirty="0" smtClean="0"/>
+              <a:t> asignar al atributo del constructor y si este </a:t>
+            </a:r>
+            <a:r>
+              <a:rPr lang="es-ES_tradnl" dirty="0" err="1" smtClean="0"/>
+              <a:t>bean</a:t>
+            </a:r>
+            <a:r>
+              <a:rPr lang="es-ES_tradnl" dirty="0" smtClean="0"/>
+              <a:t> cuenta con varios constructores, tampoco va adivinar cual utilizar</a:t>
+            </a:r>
+            <a:endParaRPr lang="es-ES_tradnl" dirty="0"/>
+          </a:p>
+        </p:txBody>
+      </p:sp>
+    </p:spTree>
+    <p:extLst>
+      <p:ext uri="{BB962C8B-B14F-4D97-AF65-F5344CB8AC3E}">
+        <p14:creationId xmlns:p14="http://schemas.microsoft.com/office/powerpoint/2010/main" val="2789347086"/>
+      </p:ext>
+    </p:extLst>
+  </p:cSld>
+  <p:clrMapOvr>
+    <a:masterClrMapping/>
+  </p:clrMapOvr>
+</p:sld>
+</file>
+
+<file path=ppt/slides/slide69.xml><?xml version="1.0" encoding="utf-8"?>
+<p:sld xmlns:a="http://schemas.openxmlformats.org/drawingml/2006/main" xmlns:r="http://schemas.openxmlformats.org/officeDocument/2006/relationships" xmlns:p="http://schemas.openxmlformats.org/presentationml/2006/main">
+  <p:cSld>
+    <p:spTree>
+      <p:nvGrpSpPr>
+        <p:cNvPr id="1" name=""/>
+        <p:cNvGrpSpPr/>
+        <p:nvPr/>
+      </p:nvGrpSpPr>
+      <p:grpSpPr>
+        <a:xfrm>
+          <a:off x="0" y="0"/>
+          <a:ext cx="0" cy="0"/>
+          <a:chOff x="0" y="0"/>
+          <a:chExt cx="0" cy="0"/>
+        </a:xfrm>
+      </p:grpSpPr>
+      <p:sp>
+        <p:nvSpPr>
+          <p:cNvPr id="2" name="Title 1"/>
+          <p:cNvSpPr>
+            <a:spLocks noGrp="1"/>
+          </p:cNvSpPr>
+          <p:nvPr>
+            <p:ph type="title"/>
+          </p:nvPr>
+        </p:nvSpPr>
+        <p:spPr/>
+        <p:txBody>
+          <a:bodyPr/>
+          <a:lstStyle/>
+          <a:p>
+            <a:r>
+              <a:rPr lang="es-ES_tradnl" dirty="0" smtClean="0"/>
+              <a:t>Auto detectar la inyecci</a:t>
+            </a:r>
+            <a:r>
+              <a:rPr lang="es-ES_tradnl" dirty="0" smtClean="0"/>
+              <a:t>ón</a:t>
+            </a:r>
+            <a:endParaRPr lang="es-ES_tradnl" dirty="0"/>
+          </a:p>
+        </p:txBody>
+      </p:sp>
+      <p:pic>
+        <p:nvPicPr>
+          <p:cNvPr id="4" name="Content Placeholder 3" descr="Screen shot 2011-11-17 at 6.39.02 AM.png"/>
+          <p:cNvPicPr>
+            <a:picLocks noGrp="1" noChangeAspect="1"/>
+          </p:cNvPicPr>
+          <p:nvPr>
+            <p:ph idx="1"/>
+          </p:nvPr>
+        </p:nvPicPr>
+        <p:blipFill>
+          <a:blip r:embed="rId2">
+            <a:extLst>
+              <a:ext uri="{28A0092B-C50C-407E-A947-70E740481C1C}">
+                <a14:useLocalDpi xmlns:a14="http://schemas.microsoft.com/office/drawing/2010/main" val="0"/>
+              </a:ext>
+            </a:extLst>
+          </a:blip>
+          <a:srcRect t="-195933" b="-195933"/>
+          <a:stretch>
+            <a:fillRect/>
+          </a:stretch>
+        </p:blipFill>
+        <p:spPr/>
+      </p:pic>
+    </p:spTree>
+    <p:extLst>
+      <p:ext uri="{BB962C8B-B14F-4D97-AF65-F5344CB8AC3E}">
+        <p14:creationId xmlns:p14="http://schemas.microsoft.com/office/powerpoint/2010/main" val="3569316057"/>
+      </p:ext>
+    </p:extLst>
+  </p:cSld>
+  <p:clrMapOvr>
+    <a:masterClrMapping/>
+  </p:clrMapOvr>
+</p:sld>
+</file>
+
 <file path=ppt/slides/slide7.xml><?xml version="1.0" encoding="utf-8"?>
 <p:sld xmlns:a="http://schemas.openxmlformats.org/drawingml/2006/main" xmlns:r="http://schemas.openxmlformats.org/officeDocument/2006/relationships" xmlns:p="http://schemas.openxmlformats.org/presentationml/2006/main">
   <p:cSld>
@@ -18980,6 +22532,903 @@
     <p:extLst>
       <p:ext uri="{BB962C8B-B14F-4D97-AF65-F5344CB8AC3E}">
         <p14:creationId xmlns:p14="http://schemas.microsoft.com/office/powerpoint/2010/main" val="2319368803"/>
+      </p:ext>
+    </p:extLst>
+  </p:cSld>
+  <p:clrMapOvr>
+    <a:masterClrMapping/>
+  </p:clrMapOvr>
+  <p:timing>
+    <p:tnLst>
+      <p:par>
+        <p:cTn xmlns:p14="http://schemas.microsoft.com/office/powerpoint/2010/main" id="1" dur="indefinite" restart="never" nodeType="tmRoot"/>
+      </p:par>
+    </p:tnLst>
+  </p:timing>
+</p:sld>
+</file>
+
+<file path=ppt/slides/slide70.xml><?xml version="1.0" encoding="utf-8"?>
+<p:sld xmlns:a="http://schemas.openxmlformats.org/drawingml/2006/main" xmlns:r="http://schemas.openxmlformats.org/officeDocument/2006/relationships" xmlns:p="http://schemas.openxmlformats.org/presentationml/2006/main">
+  <p:cSld>
+    <p:spTree>
+      <p:nvGrpSpPr>
+        <p:cNvPr id="1" name=""/>
+        <p:cNvGrpSpPr/>
+        <p:nvPr/>
+      </p:nvGrpSpPr>
+      <p:grpSpPr>
+        <a:xfrm>
+          <a:off x="0" y="0"/>
+          <a:ext cx="0" cy="0"/>
+          <a:chOff x="0" y="0"/>
+          <a:chExt cx="0" cy="0"/>
+        </a:xfrm>
+      </p:grpSpPr>
+      <p:sp>
+        <p:nvSpPr>
+          <p:cNvPr id="2" name="Title 1"/>
+          <p:cNvSpPr>
+            <a:spLocks noGrp="1"/>
+          </p:cNvSpPr>
+          <p:nvPr>
+            <p:ph type="title"/>
+          </p:nvPr>
+        </p:nvSpPr>
+        <p:spPr/>
+        <p:txBody>
+          <a:bodyPr>
+            <a:normAutofit fontScale="90000"/>
+          </a:bodyPr>
+          <a:lstStyle/>
+          <a:p>
+            <a:r>
+              <a:rPr lang="es-ES_tradnl" dirty="0" smtClean="0"/>
+              <a:t>Configuraci</a:t>
+            </a:r>
+            <a:r>
+              <a:rPr lang="es-ES_tradnl" dirty="0" smtClean="0"/>
+              <a:t>ón general de la auto inyección</a:t>
+            </a:r>
+            <a:endParaRPr lang="es-ES_tradnl" dirty="0"/>
+          </a:p>
+        </p:txBody>
+      </p:sp>
+      <p:pic>
+        <p:nvPicPr>
+          <p:cNvPr id="4" name="Content Placeholder 3" descr="Screen shot 2011-11-17 at 6.40.29 AM.png"/>
+          <p:cNvPicPr>
+            <a:picLocks noGrp="1" noChangeAspect="1"/>
+          </p:cNvPicPr>
+          <p:nvPr>
+            <p:ph idx="1"/>
+          </p:nvPr>
+        </p:nvPicPr>
+        <p:blipFill>
+          <a:blip r:embed="rId2">
+            <a:extLst>
+              <a:ext uri="{28A0092B-C50C-407E-A947-70E740481C1C}">
+                <a14:useLocalDpi xmlns:a14="http://schemas.microsoft.com/office/drawing/2010/main" val="0"/>
+              </a:ext>
+            </a:extLst>
+          </a:blip>
+          <a:srcRect t="-58938" b="-58938"/>
+          <a:stretch>
+            <a:fillRect/>
+          </a:stretch>
+        </p:blipFill>
+        <p:spPr/>
+      </p:pic>
+    </p:spTree>
+    <p:extLst>
+      <p:ext uri="{BB962C8B-B14F-4D97-AF65-F5344CB8AC3E}">
+        <p14:creationId xmlns:p14="http://schemas.microsoft.com/office/powerpoint/2010/main" val="3125397474"/>
+      </p:ext>
+    </p:extLst>
+  </p:cSld>
+  <p:clrMapOvr>
+    <a:masterClrMapping/>
+  </p:clrMapOvr>
+</p:sld>
+</file>
+
+<file path=ppt/slides/slide71.xml><?xml version="1.0" encoding="utf-8"?>
+<p:sld xmlns:a="http://schemas.openxmlformats.org/drawingml/2006/main" xmlns:r="http://schemas.openxmlformats.org/officeDocument/2006/relationships" xmlns:p="http://schemas.openxmlformats.org/presentationml/2006/main">
+  <p:cSld>
+    <p:spTree>
+      <p:nvGrpSpPr>
+        <p:cNvPr id="1" name=""/>
+        <p:cNvGrpSpPr/>
+        <p:nvPr/>
+      </p:nvGrpSpPr>
+      <p:grpSpPr>
+        <a:xfrm>
+          <a:off x="0" y="0"/>
+          <a:ext cx="0" cy="0"/>
+          <a:chOff x="0" y="0"/>
+          <a:chExt cx="0" cy="0"/>
+        </a:xfrm>
+      </p:grpSpPr>
+      <p:sp>
+        <p:nvSpPr>
+          <p:cNvPr id="2" name="Title 1"/>
+          <p:cNvSpPr>
+            <a:spLocks noGrp="1"/>
+          </p:cNvSpPr>
+          <p:nvPr>
+            <p:ph type="title"/>
+          </p:nvPr>
+        </p:nvSpPr>
+        <p:spPr/>
+        <p:txBody>
+          <a:bodyPr>
+            <a:normAutofit fontScale="90000"/>
+          </a:bodyPr>
+          <a:lstStyle/>
+          <a:p>
+            <a:r>
+              <a:rPr lang="es-ES_tradnl" dirty="0" smtClean="0"/>
+              <a:t>Mezclar auto inyecci</a:t>
+            </a:r>
+            <a:r>
+              <a:rPr lang="es-ES_tradnl" dirty="0" smtClean="0"/>
+              <a:t>ón con la explícita</a:t>
+            </a:r>
+            <a:endParaRPr lang="es-ES_tradnl" dirty="0"/>
+          </a:p>
+        </p:txBody>
+      </p:sp>
+      <p:pic>
+        <p:nvPicPr>
+          <p:cNvPr id="4" name="Content Placeholder 3" descr="Screen shot 2011-11-17 at 6.41.42 AM.png"/>
+          <p:cNvPicPr>
+            <a:picLocks noGrp="1" noChangeAspect="1"/>
+          </p:cNvPicPr>
+          <p:nvPr>
+            <p:ph idx="1"/>
+          </p:nvPr>
+        </p:nvPicPr>
+        <p:blipFill>
+          <a:blip r:embed="rId2">
+            <a:extLst>
+              <a:ext uri="{28A0092B-C50C-407E-A947-70E740481C1C}">
+                <a14:useLocalDpi xmlns:a14="http://schemas.microsoft.com/office/drawing/2010/main" val="0"/>
+              </a:ext>
+            </a:extLst>
+          </a:blip>
+          <a:srcRect t="-72493" b="-72493"/>
+          <a:stretch>
+            <a:fillRect/>
+          </a:stretch>
+        </p:blipFill>
+        <p:spPr/>
+      </p:pic>
+    </p:spTree>
+    <p:extLst>
+      <p:ext uri="{BB962C8B-B14F-4D97-AF65-F5344CB8AC3E}">
+        <p14:creationId xmlns:p14="http://schemas.microsoft.com/office/powerpoint/2010/main" val="2177741228"/>
+      </p:ext>
+    </p:extLst>
+  </p:cSld>
+  <p:clrMapOvr>
+    <a:masterClrMapping/>
+  </p:clrMapOvr>
+</p:sld>
+</file>
+
+<file path=ppt/slides/slide72.xml><?xml version="1.0" encoding="utf-8"?>
+<p:sld xmlns:a="http://schemas.openxmlformats.org/drawingml/2006/main" xmlns:r="http://schemas.openxmlformats.org/officeDocument/2006/relationships" xmlns:p="http://schemas.openxmlformats.org/presentationml/2006/main">
+  <p:cSld>
+    <p:spTree>
+      <p:nvGrpSpPr>
+        <p:cNvPr id="1" name=""/>
+        <p:cNvGrpSpPr/>
+        <p:nvPr/>
+      </p:nvGrpSpPr>
+      <p:grpSpPr>
+        <a:xfrm>
+          <a:off x="0" y="0"/>
+          <a:ext cx="0" cy="0"/>
+          <a:chOff x="0" y="0"/>
+          <a:chExt cx="0" cy="0"/>
+        </a:xfrm>
+      </p:grpSpPr>
+      <p:sp>
+        <p:nvSpPr>
+          <p:cNvPr id="2" name="Title 1"/>
+          <p:cNvSpPr>
+            <a:spLocks noGrp="1"/>
+          </p:cNvSpPr>
+          <p:nvPr>
+            <p:ph type="title"/>
+          </p:nvPr>
+        </p:nvSpPr>
+        <p:spPr/>
+        <p:txBody>
+          <a:bodyPr>
+            <a:normAutofit fontScale="90000"/>
+          </a:bodyPr>
+          <a:lstStyle/>
+          <a:p>
+            <a:r>
+              <a:rPr lang="es-ES_tradnl" dirty="0" smtClean="0"/>
+              <a:t>Mezclar auto inyecci</a:t>
+            </a:r>
+            <a:r>
+              <a:rPr lang="es-ES_tradnl" dirty="0" smtClean="0"/>
+              <a:t>ón con la explícita</a:t>
+            </a:r>
+            <a:endParaRPr lang="es-ES_tradnl" dirty="0"/>
+          </a:p>
+        </p:txBody>
+      </p:sp>
+      <p:pic>
+        <p:nvPicPr>
+          <p:cNvPr id="4" name="Content Placeholder 3" descr="Screen shot 2011-11-17 at 6.43.13 AM.png"/>
+          <p:cNvPicPr>
+            <a:picLocks noGrp="1" noChangeAspect="1"/>
+          </p:cNvPicPr>
+          <p:nvPr>
+            <p:ph idx="1"/>
+          </p:nvPr>
+        </p:nvPicPr>
+        <p:blipFill>
+          <a:blip r:embed="rId2">
+            <a:extLst>
+              <a:ext uri="{28A0092B-C50C-407E-A947-70E740481C1C}">
+                <a14:useLocalDpi xmlns:a14="http://schemas.microsoft.com/office/drawing/2010/main" val="0"/>
+              </a:ext>
+            </a:extLst>
+          </a:blip>
+          <a:srcRect t="-70469" b="-70469"/>
+          <a:stretch>
+            <a:fillRect/>
+          </a:stretch>
+        </p:blipFill>
+        <p:spPr/>
+      </p:pic>
+    </p:spTree>
+    <p:extLst>
+      <p:ext uri="{BB962C8B-B14F-4D97-AF65-F5344CB8AC3E}">
+        <p14:creationId xmlns:p14="http://schemas.microsoft.com/office/powerpoint/2010/main" val="2678806431"/>
+      </p:ext>
+    </p:extLst>
+  </p:cSld>
+  <p:clrMapOvr>
+    <a:masterClrMapping/>
+  </p:clrMapOvr>
+</p:sld>
+</file>
+
+<file path=ppt/slides/slide73.xml><?xml version="1.0" encoding="utf-8"?>
+<p:sld xmlns:a="http://schemas.openxmlformats.org/drawingml/2006/main" xmlns:r="http://schemas.openxmlformats.org/officeDocument/2006/relationships" xmlns:p="http://schemas.openxmlformats.org/presentationml/2006/main">
+  <p:cSld>
+    <p:spTree>
+      <p:nvGrpSpPr>
+        <p:cNvPr id="1" name=""/>
+        <p:cNvGrpSpPr/>
+        <p:nvPr/>
+      </p:nvGrpSpPr>
+      <p:grpSpPr>
+        <a:xfrm>
+          <a:off x="0" y="0"/>
+          <a:ext cx="0" cy="0"/>
+          <a:chOff x="0" y="0"/>
+          <a:chExt cx="0" cy="0"/>
+        </a:xfrm>
+      </p:grpSpPr>
+      <p:sp>
+        <p:nvSpPr>
+          <p:cNvPr id="2" name="Title 1"/>
+          <p:cNvSpPr>
+            <a:spLocks noGrp="1"/>
+          </p:cNvSpPr>
+          <p:nvPr>
+            <p:ph type="title"/>
+          </p:nvPr>
+        </p:nvSpPr>
+        <p:spPr/>
+        <p:txBody>
+          <a:bodyPr>
+            <a:normAutofit fontScale="90000"/>
+          </a:bodyPr>
+          <a:lstStyle/>
+          <a:p>
+            <a:r>
+              <a:rPr lang="es-ES_tradnl" dirty="0" smtClean="0"/>
+              <a:t>Inyectando con anotaci</a:t>
+            </a:r>
+            <a:r>
+              <a:rPr lang="es-ES_tradnl" dirty="0" smtClean="0"/>
+              <a:t>ones</a:t>
+            </a:r>
+            <a:endParaRPr lang="es-ES_tradnl" dirty="0"/>
+          </a:p>
+        </p:txBody>
+      </p:sp>
+      <p:sp>
+        <p:nvSpPr>
+          <p:cNvPr id="3" name="Content Placeholder 2"/>
+          <p:cNvSpPr>
+            <a:spLocks noGrp="1"/>
+          </p:cNvSpPr>
+          <p:nvPr>
+            <p:ph idx="1"/>
+          </p:nvPr>
+        </p:nvSpPr>
+        <p:spPr/>
+        <p:txBody>
+          <a:bodyPr/>
+          <a:lstStyle/>
+          <a:p>
+            <a:r>
+              <a:rPr lang="es-ES_tradnl" dirty="0" smtClean="0"/>
+              <a:t>Desde la versi</a:t>
+            </a:r>
+            <a:r>
+              <a:rPr lang="es-ES_tradnl" dirty="0" smtClean="0"/>
+              <a:t>ón 2.5, una de las formas más interesantes para la inyección de componentes es utilizar anotaciones</a:t>
+            </a:r>
+          </a:p>
+          <a:p>
+            <a:r>
+              <a:rPr lang="es-ES_tradnl" dirty="0" smtClean="0"/>
+              <a:t>No es muy diferente de la que se utiliza en el XML, pero si puede ser m</a:t>
+            </a:r>
+            <a:r>
+              <a:rPr lang="es-ES_tradnl" dirty="0" smtClean="0"/>
+              <a:t>ás detallada</a:t>
+            </a:r>
+          </a:p>
+          <a:p>
+            <a:r>
+              <a:rPr lang="es-ES_tradnl" dirty="0" smtClean="0"/>
+              <a:t>Por defecto, la inyección basada en anotaciones no está habilitada</a:t>
+            </a:r>
+            <a:endParaRPr lang="es-ES_tradnl" dirty="0"/>
+          </a:p>
+        </p:txBody>
+      </p:sp>
+    </p:spTree>
+    <p:extLst>
+      <p:ext uri="{BB962C8B-B14F-4D97-AF65-F5344CB8AC3E}">
+        <p14:creationId xmlns:p14="http://schemas.microsoft.com/office/powerpoint/2010/main" val="1568814913"/>
+      </p:ext>
+    </p:extLst>
+  </p:cSld>
+  <p:clrMapOvr>
+    <a:masterClrMapping/>
+  </p:clrMapOvr>
+</p:sld>
+</file>
+
+<file path=ppt/slides/slide74.xml><?xml version="1.0" encoding="utf-8"?>
+<p:sld xmlns:a="http://schemas.openxmlformats.org/drawingml/2006/main" xmlns:r="http://schemas.openxmlformats.org/officeDocument/2006/relationships" xmlns:p="http://schemas.openxmlformats.org/presentationml/2006/main">
+  <p:cSld>
+    <p:spTree>
+      <p:nvGrpSpPr>
+        <p:cNvPr id="1" name=""/>
+        <p:cNvGrpSpPr/>
+        <p:nvPr/>
+      </p:nvGrpSpPr>
+      <p:grpSpPr>
+        <a:xfrm>
+          <a:off x="0" y="0"/>
+          <a:ext cx="0" cy="0"/>
+          <a:chOff x="0" y="0"/>
+          <a:chExt cx="0" cy="0"/>
+        </a:xfrm>
+      </p:grpSpPr>
+      <p:sp>
+        <p:nvSpPr>
+          <p:cNvPr id="2" name="Title 1"/>
+          <p:cNvSpPr>
+            <a:spLocks noGrp="1"/>
+          </p:cNvSpPr>
+          <p:nvPr>
+            <p:ph type="title"/>
+          </p:nvPr>
+        </p:nvSpPr>
+        <p:spPr/>
+        <p:txBody>
+          <a:bodyPr>
+            <a:normAutofit fontScale="90000"/>
+          </a:bodyPr>
+          <a:lstStyle/>
+          <a:p>
+            <a:r>
+              <a:rPr lang="es-ES_tradnl" dirty="0" smtClean="0"/>
+              <a:t>Inyectando con anotaciones</a:t>
+            </a:r>
+            <a:endParaRPr lang="es-ES_tradnl" dirty="0"/>
+          </a:p>
+        </p:txBody>
+      </p:sp>
+      <p:pic>
+        <p:nvPicPr>
+          <p:cNvPr id="4" name="Content Placeholder 3" descr="Screen shot 2011-11-17 at 6.46.46 AM.png"/>
+          <p:cNvPicPr>
+            <a:picLocks noGrp="1" noChangeAspect="1"/>
+          </p:cNvPicPr>
+          <p:nvPr>
+            <p:ph idx="1"/>
+          </p:nvPr>
+        </p:nvPicPr>
+        <p:blipFill>
+          <a:blip r:embed="rId2">
+            <a:extLst>
+              <a:ext uri="{28A0092B-C50C-407E-A947-70E740481C1C}">
+                <a14:useLocalDpi xmlns:a14="http://schemas.microsoft.com/office/drawing/2010/main" val="0"/>
+              </a:ext>
+            </a:extLst>
+          </a:blip>
+          <a:srcRect t="-24798" b="-24798"/>
+          <a:stretch>
+            <a:fillRect/>
+          </a:stretch>
+        </p:blipFill>
+        <p:spPr/>
+      </p:pic>
+    </p:spTree>
+    <p:extLst>
+      <p:ext uri="{BB962C8B-B14F-4D97-AF65-F5344CB8AC3E}">
+        <p14:creationId xmlns:p14="http://schemas.microsoft.com/office/powerpoint/2010/main" val="603988490"/>
+      </p:ext>
+    </p:extLst>
+  </p:cSld>
+  <p:clrMapOvr>
+    <a:masterClrMapping/>
+  </p:clrMapOvr>
+</p:sld>
+</file>
+
+<file path=ppt/slides/slide75.xml><?xml version="1.0" encoding="utf-8"?>
+<p:sld xmlns:a="http://schemas.openxmlformats.org/drawingml/2006/main" xmlns:r="http://schemas.openxmlformats.org/officeDocument/2006/relationships" xmlns:p="http://schemas.openxmlformats.org/presentationml/2006/main">
+  <p:cSld>
+    <p:spTree>
+      <p:nvGrpSpPr>
+        <p:cNvPr id="1" name=""/>
+        <p:cNvGrpSpPr/>
+        <p:nvPr/>
+      </p:nvGrpSpPr>
+      <p:grpSpPr>
+        <a:xfrm>
+          <a:off x="0" y="0"/>
+          <a:ext cx="0" cy="0"/>
+          <a:chOff x="0" y="0"/>
+          <a:chExt cx="0" cy="0"/>
+        </a:xfrm>
+      </p:grpSpPr>
+      <p:sp>
+        <p:nvSpPr>
+          <p:cNvPr id="2" name="Title 1"/>
+          <p:cNvSpPr>
+            <a:spLocks noGrp="1"/>
+          </p:cNvSpPr>
+          <p:nvPr>
+            <p:ph type="title"/>
+          </p:nvPr>
+        </p:nvSpPr>
+        <p:spPr/>
+        <p:txBody>
+          <a:bodyPr>
+            <a:normAutofit fontScale="90000"/>
+          </a:bodyPr>
+          <a:lstStyle/>
+          <a:p>
+            <a:r>
+              <a:rPr lang="es-ES_tradnl" dirty="0" smtClean="0"/>
+              <a:t>Inyectando con anotaciones</a:t>
+            </a:r>
+            <a:endParaRPr lang="es-ES_tradnl" dirty="0"/>
+          </a:p>
+        </p:txBody>
+      </p:sp>
+      <p:sp>
+        <p:nvSpPr>
+          <p:cNvPr id="3" name="Content Placeholder 2"/>
+          <p:cNvSpPr>
+            <a:spLocks noGrp="1"/>
+          </p:cNvSpPr>
+          <p:nvPr>
+            <p:ph idx="1"/>
+          </p:nvPr>
+        </p:nvSpPr>
+        <p:spPr/>
+        <p:txBody>
+          <a:bodyPr/>
+          <a:lstStyle/>
+          <a:p>
+            <a:r>
+              <a:rPr lang="es-ES_tradnl" dirty="0" smtClean="0"/>
+              <a:t>Spring 3 soporta varias tipos de anotaciones</a:t>
+            </a:r>
+          </a:p>
+          <a:p>
+            <a:pPr lvl="1"/>
+            <a:r>
+              <a:rPr lang="es-ES_tradnl" dirty="0" smtClean="0"/>
+              <a:t>@</a:t>
+            </a:r>
+            <a:r>
+              <a:rPr lang="es-ES_tradnl" dirty="0" err="1" smtClean="0"/>
+              <a:t>Autowired</a:t>
+            </a:r>
+            <a:endParaRPr lang="es-ES_tradnl" dirty="0"/>
+          </a:p>
+          <a:p>
+            <a:pPr lvl="1"/>
+            <a:r>
+              <a:rPr lang="es-ES_tradnl" dirty="0" smtClean="0"/>
+              <a:t>@</a:t>
+            </a:r>
+            <a:r>
+              <a:rPr lang="es-ES_tradnl" dirty="0" err="1" smtClean="0"/>
+              <a:t>Inject</a:t>
+            </a:r>
+            <a:r>
+              <a:rPr lang="es-ES_tradnl" dirty="0" smtClean="0"/>
+              <a:t> (JSR-330)</a:t>
+            </a:r>
+          </a:p>
+          <a:p>
+            <a:pPr lvl="1"/>
+            <a:r>
+              <a:rPr lang="es-ES_tradnl" dirty="0" smtClean="0"/>
+              <a:t>@</a:t>
+            </a:r>
+            <a:r>
+              <a:rPr lang="es-ES_tradnl" dirty="0" err="1" smtClean="0"/>
+              <a:t>Resource</a:t>
+            </a:r>
+            <a:r>
+              <a:rPr lang="es-ES_tradnl" smtClean="0"/>
+              <a:t> (JSR-250)</a:t>
+            </a:r>
+            <a:endParaRPr lang="es-ES_tradnl" dirty="0"/>
+          </a:p>
+        </p:txBody>
+      </p:sp>
+    </p:spTree>
+    <p:extLst>
+      <p:ext uri="{BB962C8B-B14F-4D97-AF65-F5344CB8AC3E}">
+        <p14:creationId xmlns:p14="http://schemas.microsoft.com/office/powerpoint/2010/main" val="1923112820"/>
+      </p:ext>
+    </p:extLst>
+  </p:cSld>
+  <p:clrMapOvr>
+    <a:masterClrMapping/>
+  </p:clrMapOvr>
+</p:sld>
+</file>
+
+<file path=ppt/slides/slide76.xml><?xml version="1.0" encoding="utf-8"?>
+<p:sld xmlns:a="http://schemas.openxmlformats.org/drawingml/2006/main" xmlns:r="http://schemas.openxmlformats.org/officeDocument/2006/relationships" xmlns:p="http://schemas.openxmlformats.org/presentationml/2006/main">
+  <p:cSld>
+    <p:spTree>
+      <p:nvGrpSpPr>
+        <p:cNvPr id="1" name=""/>
+        <p:cNvGrpSpPr/>
+        <p:nvPr/>
+      </p:nvGrpSpPr>
+      <p:grpSpPr>
+        <a:xfrm>
+          <a:off x="0" y="0"/>
+          <a:ext cx="0" cy="0"/>
+          <a:chOff x="0" y="0"/>
+          <a:chExt cx="0" cy="0"/>
+        </a:xfrm>
+      </p:grpSpPr>
+      <p:sp>
+        <p:nvSpPr>
+          <p:cNvPr id="2" name="Title 1"/>
+          <p:cNvSpPr>
+            <a:spLocks noGrp="1"/>
+          </p:cNvSpPr>
+          <p:nvPr>
+            <p:ph type="title"/>
+          </p:nvPr>
+        </p:nvSpPr>
+        <p:spPr/>
+        <p:txBody>
+          <a:bodyPr/>
+          <a:lstStyle/>
+          <a:p>
+            <a:r>
+              <a:rPr lang="es-ES_tradnl" dirty="0" smtClean="0"/>
+              <a:t>Ejercicio</a:t>
+            </a:r>
+            <a:endParaRPr lang="es-ES_tradnl" dirty="0"/>
+          </a:p>
+        </p:txBody>
+      </p:sp>
+      <p:sp>
+        <p:nvSpPr>
+          <p:cNvPr id="3" name="Content Placeholder 2"/>
+          <p:cNvSpPr>
+            <a:spLocks noGrp="1"/>
+          </p:cNvSpPr>
+          <p:nvPr>
+            <p:ph idx="1"/>
+          </p:nvPr>
+        </p:nvSpPr>
+        <p:spPr/>
+        <p:txBody>
+          <a:bodyPr/>
+          <a:lstStyle/>
+          <a:p>
+            <a:r>
+              <a:rPr lang="es-ES_tradnl" dirty="0" smtClean="0"/>
+              <a:t>Migrar Lote de carros a Spring / Maven / JUnit / </a:t>
+            </a:r>
+            <a:r>
+              <a:rPr lang="es-ES_tradnl" dirty="0" err="1" smtClean="0"/>
+              <a:t>Mockito</a:t>
+            </a:r>
+            <a:endParaRPr lang="es-ES_tradnl" dirty="0"/>
+          </a:p>
+        </p:txBody>
+      </p:sp>
+    </p:spTree>
+    <p:extLst>
+      <p:ext uri="{BB962C8B-B14F-4D97-AF65-F5344CB8AC3E}">
+        <p14:creationId xmlns:p14="http://schemas.microsoft.com/office/powerpoint/2010/main" val="1068963459"/>
+      </p:ext>
+    </p:extLst>
+  </p:cSld>
+  <p:clrMapOvr>
+    <a:masterClrMapping/>
+  </p:clrMapOvr>
+  <p:timing>
+    <p:tnLst>
+      <p:par>
+        <p:cTn xmlns:p14="http://schemas.microsoft.com/office/powerpoint/2010/main" id="1" dur="indefinite" restart="never" nodeType="tmRoot"/>
+      </p:par>
+    </p:tnLst>
+  </p:timing>
+</p:sld>
+</file>
+
+<file path=ppt/slides/slide77.xml><?xml version="1.0" encoding="utf-8"?>
+<p:sld xmlns:a="http://schemas.openxmlformats.org/drawingml/2006/main" xmlns:r="http://schemas.openxmlformats.org/officeDocument/2006/relationships" xmlns:p="http://schemas.openxmlformats.org/presentationml/2006/main">
+  <p:cSld>
+    <p:spTree>
+      <p:nvGrpSpPr>
+        <p:cNvPr id="1" name=""/>
+        <p:cNvGrpSpPr/>
+        <p:nvPr/>
+      </p:nvGrpSpPr>
+      <p:grpSpPr>
+        <a:xfrm>
+          <a:off x="0" y="0"/>
+          <a:ext cx="0" cy="0"/>
+          <a:chOff x="0" y="0"/>
+          <a:chExt cx="0" cy="0"/>
+        </a:xfrm>
+      </p:grpSpPr>
+      <p:sp>
+        <p:nvSpPr>
+          <p:cNvPr id="2" name="Title 1"/>
+          <p:cNvSpPr>
+            <a:spLocks noGrp="1"/>
+          </p:cNvSpPr>
+          <p:nvPr>
+            <p:ph type="title"/>
+          </p:nvPr>
+        </p:nvSpPr>
+        <p:spPr/>
+        <p:txBody>
+          <a:bodyPr/>
+          <a:lstStyle/>
+          <a:p>
+            <a:r>
+              <a:rPr lang="es-ES_tradnl" dirty="0" smtClean="0"/>
+              <a:t>Ejercicio</a:t>
+            </a:r>
+            <a:endParaRPr lang="es-ES_tradnl" dirty="0"/>
+          </a:p>
+        </p:txBody>
+      </p:sp>
+      <p:sp>
+        <p:nvSpPr>
+          <p:cNvPr id="3" name="Content Placeholder 2"/>
+          <p:cNvSpPr>
+            <a:spLocks noGrp="1"/>
+          </p:cNvSpPr>
+          <p:nvPr>
+            <p:ph idx="1"/>
+          </p:nvPr>
+        </p:nvSpPr>
+        <p:spPr/>
+        <p:txBody>
+          <a:bodyPr/>
+          <a:lstStyle/>
+          <a:p>
+            <a:r>
+              <a:rPr lang="es-ES_tradnl" dirty="0" smtClean="0"/>
+              <a:t>Trabajar con Lote y añadir un aspecto que imprima en consola el siguiente mensaje con aspectos</a:t>
+            </a:r>
+          </a:p>
+          <a:p>
+            <a:pPr lvl="1"/>
+            <a:r>
+              <a:rPr lang="es-ES_tradnl" dirty="0" smtClean="0"/>
+              <a:t>“Se esta comprando </a:t>
+            </a:r>
+            <a:r>
+              <a:rPr lang="es-ES_tradnl" dirty="0" smtClean="0"/>
+              <a:t>[nombre auto] a las [fecha]”</a:t>
+            </a:r>
+            <a:endParaRPr lang="es-ES_tradnl" dirty="0"/>
+          </a:p>
+        </p:txBody>
+      </p:sp>
+    </p:spTree>
+    <p:extLst>
+      <p:ext uri="{BB962C8B-B14F-4D97-AF65-F5344CB8AC3E}">
+        <p14:creationId xmlns:p14="http://schemas.microsoft.com/office/powerpoint/2010/main" val="3837961442"/>
+      </p:ext>
+    </p:extLst>
+  </p:cSld>
+  <p:clrMapOvr>
+    <a:masterClrMapping/>
+  </p:clrMapOvr>
+  <p:timing>
+    <p:tnLst>
+      <p:par>
+        <p:cTn xmlns:p14="http://schemas.microsoft.com/office/powerpoint/2010/main" id="1" dur="indefinite" restart="never" nodeType="tmRoot"/>
+      </p:par>
+    </p:tnLst>
+  </p:timing>
+</p:sld>
+</file>
+
+<file path=ppt/slides/slide78.xml><?xml version="1.0" encoding="utf-8"?>
+<p:sld xmlns:a="http://schemas.openxmlformats.org/drawingml/2006/main" xmlns:r="http://schemas.openxmlformats.org/officeDocument/2006/relationships" xmlns:p="http://schemas.openxmlformats.org/presentationml/2006/main">
+  <p:cSld>
+    <p:spTree>
+      <p:nvGrpSpPr>
+        <p:cNvPr id="1" name=""/>
+        <p:cNvGrpSpPr/>
+        <p:nvPr/>
+      </p:nvGrpSpPr>
+      <p:grpSpPr>
+        <a:xfrm>
+          <a:off x="0" y="0"/>
+          <a:ext cx="0" cy="0"/>
+          <a:chOff x="0" y="0"/>
+          <a:chExt cx="0" cy="0"/>
+        </a:xfrm>
+      </p:grpSpPr>
+      <p:sp>
+        <p:nvSpPr>
+          <p:cNvPr id="4" name="Title 3"/>
+          <p:cNvSpPr>
+            <a:spLocks noGrp="1"/>
+          </p:cNvSpPr>
+          <p:nvPr>
+            <p:ph type="title"/>
+          </p:nvPr>
+        </p:nvSpPr>
+        <p:spPr/>
+        <p:txBody>
+          <a:bodyPr/>
+          <a:lstStyle/>
+          <a:p>
+            <a:r>
+              <a:rPr lang="es-ES_tradnl" dirty="0" smtClean="0"/>
+              <a:t>B</a:t>
+            </a:r>
+            <a:r>
+              <a:rPr lang="es-ES_tradnl" dirty="0" smtClean="0"/>
+              <a:t>ásicos de Spring</a:t>
+            </a:r>
+            <a:endParaRPr lang="es-ES_tradnl" dirty="0"/>
+          </a:p>
+        </p:txBody>
+      </p:sp>
+      <p:sp>
+        <p:nvSpPr>
+          <p:cNvPr id="5" name="Text Placeholder 4"/>
+          <p:cNvSpPr>
+            <a:spLocks noGrp="1"/>
+          </p:cNvSpPr>
+          <p:nvPr>
+            <p:ph type="body" idx="1"/>
+          </p:nvPr>
+        </p:nvSpPr>
+        <p:spPr/>
+        <p:txBody>
+          <a:bodyPr/>
+          <a:lstStyle/>
+          <a:p>
+            <a:endParaRPr lang="es-ES_tradnl"/>
+          </a:p>
+        </p:txBody>
+      </p:sp>
+    </p:spTree>
+    <p:extLst>
+      <p:ext uri="{BB962C8B-B14F-4D97-AF65-F5344CB8AC3E}">
+        <p14:creationId xmlns:p14="http://schemas.microsoft.com/office/powerpoint/2010/main" val="1568619498"/>
+      </p:ext>
+    </p:extLst>
+  </p:cSld>
+  <p:clrMapOvr>
+    <a:masterClrMapping/>
+  </p:clrMapOvr>
+  <p:timing>
+    <p:tnLst>
+      <p:par>
+        <p:cTn xmlns:p14="http://schemas.microsoft.com/office/powerpoint/2010/main" id="1" dur="indefinite" restart="never" nodeType="tmRoot"/>
+      </p:par>
+    </p:tnLst>
+  </p:timing>
+</p:sld>
+</file>
+
+<file path=ppt/slides/slide79.xml><?xml version="1.0" encoding="utf-8"?>
+<p:sld xmlns:a="http://schemas.openxmlformats.org/drawingml/2006/main" xmlns:r="http://schemas.openxmlformats.org/officeDocument/2006/relationships" xmlns:p="http://schemas.openxmlformats.org/presentationml/2006/main">
+  <p:cSld>
+    <p:spTree>
+      <p:nvGrpSpPr>
+        <p:cNvPr id="1" name=""/>
+        <p:cNvGrpSpPr/>
+        <p:nvPr/>
+      </p:nvGrpSpPr>
+      <p:grpSpPr>
+        <a:xfrm>
+          <a:off x="0" y="0"/>
+          <a:ext cx="0" cy="0"/>
+          <a:chOff x="0" y="0"/>
+          <a:chExt cx="0" cy="0"/>
+        </a:xfrm>
+      </p:grpSpPr>
+      <p:sp>
+        <p:nvSpPr>
+          <p:cNvPr id="4" name="Title 3"/>
+          <p:cNvSpPr>
+            <a:spLocks noGrp="1"/>
+          </p:cNvSpPr>
+          <p:nvPr>
+            <p:ph type="title"/>
+          </p:nvPr>
+        </p:nvSpPr>
+        <p:spPr/>
+        <p:txBody>
+          <a:bodyPr/>
+          <a:lstStyle/>
+          <a:p>
+            <a:r>
+              <a:rPr lang="es-ES_tradnl" dirty="0" smtClean="0"/>
+              <a:t>Integrando Spring</a:t>
+            </a:r>
+            <a:endParaRPr lang="es-ES_tradnl" dirty="0"/>
+          </a:p>
+        </p:txBody>
+      </p:sp>
+      <p:sp>
+        <p:nvSpPr>
+          <p:cNvPr id="5" name="Text Placeholder 4"/>
+          <p:cNvSpPr>
+            <a:spLocks noGrp="1"/>
+          </p:cNvSpPr>
+          <p:nvPr>
+            <p:ph type="body" idx="1"/>
+          </p:nvPr>
+        </p:nvSpPr>
+        <p:spPr/>
+        <p:txBody>
+          <a:bodyPr/>
+          <a:lstStyle/>
+          <a:p>
+            <a:endParaRPr lang="es-ES_tradnl"/>
+          </a:p>
+        </p:txBody>
+      </p:sp>
+    </p:spTree>
+    <p:extLst>
+      <p:ext uri="{BB962C8B-B14F-4D97-AF65-F5344CB8AC3E}">
+        <p14:creationId xmlns:p14="http://schemas.microsoft.com/office/powerpoint/2010/main" val="1568619498"/>
       </p:ext>
     </p:extLst>
   </p:cSld>

--- a/Presentation1.pptx
+++ b/Presentation1.pptx
@@ -5,7 +5,7 @@
     <p:sldMasterId id="2147483792" r:id="rId1"/>
   </p:sldMasterIdLst>
   <p:notesMasterIdLst>
-    <p:notesMasterId r:id="rId81"/>
+    <p:notesMasterId r:id="rId131"/>
   </p:notesMasterIdLst>
   <p:sldIdLst>
     <p:sldId id="256" r:id="rId2"/>
@@ -83,10 +83,60 @@
     <p:sldId id="334" r:id="rId74"/>
     <p:sldId id="335" r:id="rId75"/>
     <p:sldId id="336" r:id="rId76"/>
-    <p:sldId id="299" r:id="rId77"/>
-    <p:sldId id="300" r:id="rId78"/>
-    <p:sldId id="259" r:id="rId79"/>
-    <p:sldId id="260" r:id="rId80"/>
+    <p:sldId id="337" r:id="rId77"/>
+    <p:sldId id="338" r:id="rId78"/>
+    <p:sldId id="339" r:id="rId79"/>
+    <p:sldId id="340" r:id="rId80"/>
+    <p:sldId id="341" r:id="rId81"/>
+    <p:sldId id="342" r:id="rId82"/>
+    <p:sldId id="343" r:id="rId83"/>
+    <p:sldId id="344" r:id="rId84"/>
+    <p:sldId id="345" r:id="rId85"/>
+    <p:sldId id="346" r:id="rId86"/>
+    <p:sldId id="347" r:id="rId87"/>
+    <p:sldId id="348" r:id="rId88"/>
+    <p:sldId id="349" r:id="rId89"/>
+    <p:sldId id="350" r:id="rId90"/>
+    <p:sldId id="351" r:id="rId91"/>
+    <p:sldId id="352" r:id="rId92"/>
+    <p:sldId id="353" r:id="rId93"/>
+    <p:sldId id="354" r:id="rId94"/>
+    <p:sldId id="355" r:id="rId95"/>
+    <p:sldId id="356" r:id="rId96"/>
+    <p:sldId id="357" r:id="rId97"/>
+    <p:sldId id="299" r:id="rId98"/>
+    <p:sldId id="358" r:id="rId99"/>
+    <p:sldId id="359" r:id="rId100"/>
+    <p:sldId id="360" r:id="rId101"/>
+    <p:sldId id="361" r:id="rId102"/>
+    <p:sldId id="362" r:id="rId103"/>
+    <p:sldId id="363" r:id="rId104"/>
+    <p:sldId id="364" r:id="rId105"/>
+    <p:sldId id="365" r:id="rId106"/>
+    <p:sldId id="367" r:id="rId107"/>
+    <p:sldId id="368" r:id="rId108"/>
+    <p:sldId id="369" r:id="rId109"/>
+    <p:sldId id="370" r:id="rId110"/>
+    <p:sldId id="371" r:id="rId111"/>
+    <p:sldId id="372" r:id="rId112"/>
+    <p:sldId id="373" r:id="rId113"/>
+    <p:sldId id="374" r:id="rId114"/>
+    <p:sldId id="375" r:id="rId115"/>
+    <p:sldId id="376" r:id="rId116"/>
+    <p:sldId id="377" r:id="rId117"/>
+    <p:sldId id="378" r:id="rId118"/>
+    <p:sldId id="379" r:id="rId119"/>
+    <p:sldId id="380" r:id="rId120"/>
+    <p:sldId id="381" r:id="rId121"/>
+    <p:sldId id="382" r:id="rId122"/>
+    <p:sldId id="383" r:id="rId123"/>
+    <p:sldId id="384" r:id="rId124"/>
+    <p:sldId id="385" r:id="rId125"/>
+    <p:sldId id="386" r:id="rId126"/>
+    <p:sldId id="387" r:id="rId127"/>
+    <p:sldId id="300" r:id="rId128"/>
+    <p:sldId id="259" r:id="rId129"/>
+    <p:sldId id="260" r:id="rId130"/>
   </p:sldIdLst>
   <p:sldSz cx="9144000" cy="6858000" type="screen4x3"/>
   <p:notesSz cx="6858000" cy="9144000"/>
@@ -1241,6 +1291,90 @@
     <p:extLst>
       <p:ext uri="{BB962C8B-B14F-4D97-AF65-F5344CB8AC3E}">
         <p14:creationId xmlns:p14="http://schemas.microsoft.com/office/powerpoint/2010/main" val="2416141114"/>
+      </p:ext>
+    </p:extLst>
+  </p:cSld>
+  <p:clrMapOvr>
+    <a:masterClrMapping/>
+  </p:clrMapOvr>
+</p:notes>
+</file>
+
+<file path=ppt/notesSlides/notesSlide8.xml><?xml version="1.0" encoding="utf-8"?>
+<p:notes xmlns:a="http://schemas.openxmlformats.org/drawingml/2006/main" xmlns:r="http://schemas.openxmlformats.org/officeDocument/2006/relationships" xmlns:p="http://schemas.openxmlformats.org/presentationml/2006/main">
+  <p:cSld>
+    <p:spTree>
+      <p:nvGrpSpPr>
+        <p:cNvPr id="1" name=""/>
+        <p:cNvGrpSpPr/>
+        <p:nvPr/>
+      </p:nvGrpSpPr>
+      <p:grpSpPr>
+        <a:xfrm>
+          <a:off x="0" y="0"/>
+          <a:ext cx="0" cy="0"/>
+          <a:chOff x="0" y="0"/>
+          <a:chExt cx="0" cy="0"/>
+        </a:xfrm>
+      </p:grpSpPr>
+      <p:sp>
+        <p:nvSpPr>
+          <p:cNvPr id="2" name="Slide Image Placeholder 1"/>
+          <p:cNvSpPr>
+            <a:spLocks noGrp="1" noRot="1" noChangeAspect="1"/>
+          </p:cNvSpPr>
+          <p:nvPr>
+            <p:ph type="sldImg"/>
+          </p:nvPr>
+        </p:nvSpPr>
+        <p:spPr/>
+      </p:sp>
+      <p:sp>
+        <p:nvSpPr>
+          <p:cNvPr id="3" name="Notes Placeholder 2"/>
+          <p:cNvSpPr>
+            <a:spLocks noGrp="1"/>
+          </p:cNvSpPr>
+          <p:nvPr>
+            <p:ph type="body" idx="1"/>
+          </p:nvPr>
+        </p:nvSpPr>
+        <p:spPr/>
+        <p:txBody>
+          <a:bodyPr/>
+          <a:lstStyle/>
+          <a:p>
+            <a:endParaRPr lang="es-ES_tradnl" dirty="0"/>
+          </a:p>
+        </p:txBody>
+      </p:sp>
+      <p:sp>
+        <p:nvSpPr>
+          <p:cNvPr id="4" name="Slide Number Placeholder 3"/>
+          <p:cNvSpPr>
+            <a:spLocks noGrp="1"/>
+          </p:cNvSpPr>
+          <p:nvPr>
+            <p:ph type="sldNum" sz="quarter" idx="10"/>
+          </p:nvPr>
+        </p:nvSpPr>
+        <p:spPr/>
+        <p:txBody>
+          <a:bodyPr/>
+          <a:lstStyle/>
+          <a:p>
+            <a:fld id="{ADF37542-8DB3-6246-9C8E-3B1DF33FAE78}" type="slidenum">
+              <a:rPr lang="es-ES_tradnl" smtClean="0"/>
+              <a:t>98</a:t>
+            </a:fld>
+            <a:endParaRPr lang="es-ES_tradnl"/>
+          </a:p>
+        </p:txBody>
+      </p:sp>
+    </p:spTree>
+    <p:extLst>
+      <p:ext uri="{BB962C8B-B14F-4D97-AF65-F5344CB8AC3E}">
+        <p14:creationId xmlns:p14="http://schemas.microsoft.com/office/powerpoint/2010/main" val="1470979785"/>
       </p:ext>
     </p:extLst>
   </p:cSld>
@@ -15080,6 +15214,1202 @@
 </p:sld>
 </file>
 
+<file path=ppt/slides/slide100.xml><?xml version="1.0" encoding="utf-8"?>
+<p:sld xmlns:a="http://schemas.openxmlformats.org/drawingml/2006/main" xmlns:r="http://schemas.openxmlformats.org/officeDocument/2006/relationships" xmlns:p="http://schemas.openxmlformats.org/presentationml/2006/main">
+  <p:cSld>
+    <p:spTree>
+      <p:nvGrpSpPr>
+        <p:cNvPr id="1" name=""/>
+        <p:cNvGrpSpPr/>
+        <p:nvPr/>
+      </p:nvGrpSpPr>
+      <p:grpSpPr>
+        <a:xfrm>
+          <a:off x="0" y="0"/>
+          <a:ext cx="0" cy="0"/>
+          <a:chOff x="0" y="0"/>
+          <a:chExt cx="0" cy="0"/>
+        </a:xfrm>
+      </p:grpSpPr>
+      <p:sp>
+        <p:nvSpPr>
+          <p:cNvPr id="2" name="Title 1"/>
+          <p:cNvSpPr>
+            <a:spLocks noGrp="1"/>
+          </p:cNvSpPr>
+          <p:nvPr>
+            <p:ph type="title"/>
+          </p:nvPr>
+        </p:nvSpPr>
+        <p:spPr/>
+        <p:txBody>
+          <a:bodyPr/>
+          <a:lstStyle/>
+          <a:p>
+            <a:r>
+              <a:rPr lang="es-ES_tradnl" dirty="0" smtClean="0"/>
+              <a:t>AOP</a:t>
+            </a:r>
+            <a:endParaRPr lang="es-ES_tradnl" dirty="0"/>
+          </a:p>
+        </p:txBody>
+      </p:sp>
+      <p:sp>
+        <p:nvSpPr>
+          <p:cNvPr id="3" name="Content Placeholder 2"/>
+          <p:cNvSpPr>
+            <a:spLocks noGrp="1"/>
+          </p:cNvSpPr>
+          <p:nvPr>
+            <p:ph idx="1"/>
+          </p:nvPr>
+        </p:nvSpPr>
+        <p:spPr/>
+        <p:txBody>
+          <a:bodyPr/>
+          <a:lstStyle/>
+          <a:p>
+            <a:r>
+              <a:rPr lang="es-ES_tradnl" dirty="0" smtClean="0"/>
+              <a:t>Defines la funcionalidad com</a:t>
+            </a:r>
+            <a:r>
+              <a:rPr lang="es-ES_tradnl" dirty="0" smtClean="0"/>
+              <a:t>ún en un lugar, pero sólo declaras cómo y dónde esta funcionalidad ha de aplicarse sin necesidad de modificar la clase a la que le aplicaras dicha funcionalidad.</a:t>
+            </a:r>
+          </a:p>
+          <a:p>
+            <a:r>
+              <a:rPr lang="es-ES_tradnl" dirty="0" smtClean="0"/>
+              <a:t>Estas funcionalidades son conocidas como </a:t>
+            </a:r>
+            <a:r>
+              <a:rPr lang="es-ES_tradnl" i="1" dirty="0" smtClean="0"/>
+              <a:t>aspectos</a:t>
+            </a:r>
+            <a:endParaRPr lang="es-ES_tradnl" dirty="0"/>
+          </a:p>
+        </p:txBody>
+      </p:sp>
+    </p:spTree>
+    <p:extLst>
+      <p:ext uri="{BB962C8B-B14F-4D97-AF65-F5344CB8AC3E}">
+        <p14:creationId xmlns:p14="http://schemas.microsoft.com/office/powerpoint/2010/main" val="238164025"/>
+      </p:ext>
+    </p:extLst>
+  </p:cSld>
+  <p:clrMapOvr>
+    <a:masterClrMapping/>
+  </p:clrMapOvr>
+</p:sld>
+</file>
+
+<file path=ppt/slides/slide101.xml><?xml version="1.0" encoding="utf-8"?>
+<p:sld xmlns:a="http://schemas.openxmlformats.org/drawingml/2006/main" xmlns:r="http://schemas.openxmlformats.org/officeDocument/2006/relationships" xmlns:p="http://schemas.openxmlformats.org/presentationml/2006/main">
+  <p:cSld>
+    <p:spTree>
+      <p:nvGrpSpPr>
+        <p:cNvPr id="1" name=""/>
+        <p:cNvGrpSpPr/>
+        <p:nvPr/>
+      </p:nvGrpSpPr>
+      <p:grpSpPr>
+        <a:xfrm>
+          <a:off x="0" y="0"/>
+          <a:ext cx="0" cy="0"/>
+          <a:chOff x="0" y="0"/>
+          <a:chExt cx="0" cy="0"/>
+        </a:xfrm>
+      </p:grpSpPr>
+      <p:sp>
+        <p:nvSpPr>
+          <p:cNvPr id="2" name="Title 1"/>
+          <p:cNvSpPr>
+            <a:spLocks noGrp="1"/>
+          </p:cNvSpPr>
+          <p:nvPr>
+            <p:ph type="title"/>
+          </p:nvPr>
+        </p:nvSpPr>
+        <p:spPr/>
+        <p:txBody>
+          <a:bodyPr/>
+          <a:lstStyle/>
+          <a:p>
+            <a:r>
+              <a:rPr lang="es-ES_tradnl" dirty="0" smtClean="0"/>
+              <a:t>ADVICE</a:t>
+            </a:r>
+            <a:endParaRPr lang="es-ES_tradnl" dirty="0"/>
+          </a:p>
+        </p:txBody>
+      </p:sp>
+      <p:sp>
+        <p:nvSpPr>
+          <p:cNvPr id="6" name="Content Placeholder 5"/>
+          <p:cNvSpPr>
+            <a:spLocks noGrp="1"/>
+          </p:cNvSpPr>
+          <p:nvPr>
+            <p:ph sz="quarter" idx="13"/>
+          </p:nvPr>
+        </p:nvSpPr>
+        <p:spPr/>
+        <p:txBody>
+          <a:bodyPr/>
+          <a:lstStyle/>
+          <a:p>
+            <a:r>
+              <a:rPr lang="es-ES_tradnl" dirty="0" smtClean="0"/>
+              <a:t>El trabajo de un aspecto se le llama </a:t>
+            </a:r>
+            <a:r>
+              <a:rPr lang="es-ES_tradnl" i="1" dirty="0" err="1" smtClean="0"/>
+              <a:t>advice</a:t>
+            </a:r>
+            <a:r>
+              <a:rPr lang="es-ES_tradnl" dirty="0" smtClean="0"/>
+              <a:t> (consejo)</a:t>
+            </a:r>
+          </a:p>
+          <a:p>
+            <a:r>
+              <a:rPr lang="es-ES_tradnl" dirty="0"/>
+              <a:t>Este define tanto el qué como el cuándo, además de el trabajo que debe realizar</a:t>
+            </a:r>
+            <a:r>
+              <a:rPr lang="es-ES_tradnl" dirty="0" smtClean="0"/>
+              <a:t>.</a:t>
+            </a:r>
+          </a:p>
+          <a:p>
+            <a:endParaRPr lang="es-ES_tradnl" dirty="0"/>
+          </a:p>
+        </p:txBody>
+      </p:sp>
+      <p:pic>
+        <p:nvPicPr>
+          <p:cNvPr id="8" name="Content Placeholder 7" descr="Screen shot 2011-11-17 at 10.31.07 AM.png"/>
+          <p:cNvPicPr>
+            <a:picLocks noGrp="1" noChangeAspect="1"/>
+          </p:cNvPicPr>
+          <p:nvPr>
+            <p:ph sz="quarter" idx="14"/>
+          </p:nvPr>
+        </p:nvPicPr>
+        <p:blipFill>
+          <a:blip r:embed="rId2">
+            <a:extLst>
+              <a:ext uri="{28A0092B-C50C-407E-A947-70E740481C1C}">
+                <a14:useLocalDpi xmlns:a14="http://schemas.microsoft.com/office/drawing/2010/main" val="0"/>
+              </a:ext>
+            </a:extLst>
+          </a:blip>
+          <a:srcRect t="-36999" b="-36999"/>
+          <a:stretch>
+            <a:fillRect/>
+          </a:stretch>
+        </p:blipFill>
+        <p:spPr/>
+      </p:pic>
+    </p:spTree>
+    <p:extLst>
+      <p:ext uri="{BB962C8B-B14F-4D97-AF65-F5344CB8AC3E}">
+        <p14:creationId xmlns:p14="http://schemas.microsoft.com/office/powerpoint/2010/main" val="2256551091"/>
+      </p:ext>
+    </p:extLst>
+  </p:cSld>
+  <p:clrMapOvr>
+    <a:masterClrMapping/>
+  </p:clrMapOvr>
+</p:sld>
+</file>
+
+<file path=ppt/slides/slide102.xml><?xml version="1.0" encoding="utf-8"?>
+<p:sld xmlns:a="http://schemas.openxmlformats.org/drawingml/2006/main" xmlns:r="http://schemas.openxmlformats.org/officeDocument/2006/relationships" xmlns:p="http://schemas.openxmlformats.org/presentationml/2006/main">
+  <p:cSld>
+    <p:spTree>
+      <p:nvGrpSpPr>
+        <p:cNvPr id="1" name=""/>
+        <p:cNvGrpSpPr/>
+        <p:nvPr/>
+      </p:nvGrpSpPr>
+      <p:grpSpPr>
+        <a:xfrm>
+          <a:off x="0" y="0"/>
+          <a:ext cx="0" cy="0"/>
+          <a:chOff x="0" y="0"/>
+          <a:chExt cx="0" cy="0"/>
+        </a:xfrm>
+      </p:grpSpPr>
+      <p:sp>
+        <p:nvSpPr>
+          <p:cNvPr id="5" name="Title 4"/>
+          <p:cNvSpPr>
+            <a:spLocks noGrp="1"/>
+          </p:cNvSpPr>
+          <p:nvPr>
+            <p:ph type="title"/>
+          </p:nvPr>
+        </p:nvSpPr>
+        <p:spPr/>
+        <p:txBody>
+          <a:bodyPr/>
+          <a:lstStyle/>
+          <a:p>
+            <a:r>
+              <a:rPr lang="es-ES_tradnl" dirty="0" smtClean="0"/>
+              <a:t>Tipos de </a:t>
+            </a:r>
+            <a:r>
+              <a:rPr lang="es-ES_tradnl" i="1" dirty="0" err="1" smtClean="0"/>
+              <a:t>advice</a:t>
+            </a:r>
+            <a:endParaRPr lang="es-ES_tradnl" dirty="0"/>
+          </a:p>
+        </p:txBody>
+      </p:sp>
+      <p:sp>
+        <p:nvSpPr>
+          <p:cNvPr id="6" name="Content Placeholder 5"/>
+          <p:cNvSpPr>
+            <a:spLocks noGrp="1"/>
+          </p:cNvSpPr>
+          <p:nvPr>
+            <p:ph idx="1"/>
+          </p:nvPr>
+        </p:nvSpPr>
+        <p:spPr/>
+        <p:txBody>
+          <a:bodyPr/>
+          <a:lstStyle/>
+          <a:p>
+            <a:r>
+              <a:rPr lang="es-ES_tradnl" dirty="0" err="1" smtClean="0"/>
+              <a:t>Before</a:t>
+            </a:r>
+            <a:endParaRPr lang="es-ES_tradnl" dirty="0" smtClean="0"/>
+          </a:p>
+          <a:p>
+            <a:pPr lvl="1"/>
+            <a:r>
+              <a:rPr lang="es-ES_tradnl" dirty="0" smtClean="0"/>
+              <a:t>La funcionalidad se realiza antes que el m</a:t>
+            </a:r>
+            <a:r>
+              <a:rPr lang="es-ES_tradnl" dirty="0" smtClean="0"/>
+              <a:t>étodo sea invocado</a:t>
+            </a:r>
+          </a:p>
+          <a:p>
+            <a:r>
+              <a:rPr lang="es-ES_tradnl" dirty="0" err="1" smtClean="0"/>
+              <a:t>After</a:t>
+            </a:r>
+            <a:endParaRPr lang="es-ES_tradnl" dirty="0" smtClean="0"/>
+          </a:p>
+          <a:p>
+            <a:pPr lvl="1"/>
+            <a:r>
+              <a:rPr lang="es-ES_tradnl" dirty="0" smtClean="0"/>
+              <a:t>La funcionalidad se realiza después que el método ha sido invocado, no importando su resultado</a:t>
+            </a:r>
+          </a:p>
+        </p:txBody>
+      </p:sp>
+    </p:spTree>
+    <p:extLst>
+      <p:ext uri="{BB962C8B-B14F-4D97-AF65-F5344CB8AC3E}">
+        <p14:creationId xmlns:p14="http://schemas.microsoft.com/office/powerpoint/2010/main" val="1570885426"/>
+      </p:ext>
+    </p:extLst>
+  </p:cSld>
+  <p:clrMapOvr>
+    <a:masterClrMapping/>
+  </p:clrMapOvr>
+</p:sld>
+</file>
+
+<file path=ppt/slides/slide103.xml><?xml version="1.0" encoding="utf-8"?>
+<p:sld xmlns:a="http://schemas.openxmlformats.org/drawingml/2006/main" xmlns:r="http://schemas.openxmlformats.org/officeDocument/2006/relationships" xmlns:p="http://schemas.openxmlformats.org/presentationml/2006/main">
+  <p:cSld>
+    <p:spTree>
+      <p:nvGrpSpPr>
+        <p:cNvPr id="1" name=""/>
+        <p:cNvGrpSpPr/>
+        <p:nvPr/>
+      </p:nvGrpSpPr>
+      <p:grpSpPr>
+        <a:xfrm>
+          <a:off x="0" y="0"/>
+          <a:ext cx="0" cy="0"/>
+          <a:chOff x="0" y="0"/>
+          <a:chExt cx="0" cy="0"/>
+        </a:xfrm>
+      </p:grpSpPr>
+      <p:sp>
+        <p:nvSpPr>
+          <p:cNvPr id="5" name="Title 4"/>
+          <p:cNvSpPr>
+            <a:spLocks noGrp="1"/>
+          </p:cNvSpPr>
+          <p:nvPr>
+            <p:ph type="title"/>
+          </p:nvPr>
+        </p:nvSpPr>
+        <p:spPr/>
+        <p:txBody>
+          <a:bodyPr/>
+          <a:lstStyle/>
+          <a:p>
+            <a:r>
+              <a:rPr lang="es-ES_tradnl" dirty="0" smtClean="0"/>
+              <a:t>Tipos de </a:t>
+            </a:r>
+            <a:r>
+              <a:rPr lang="es-ES_tradnl" i="1" dirty="0" err="1" smtClean="0"/>
+              <a:t>advice</a:t>
+            </a:r>
+            <a:r>
+              <a:rPr lang="es-ES_tradnl" i="1" dirty="0" smtClean="0"/>
+              <a:t> </a:t>
+            </a:r>
+            <a:r>
+              <a:rPr lang="es-ES_tradnl" dirty="0" smtClean="0"/>
+              <a:t>(cont.)</a:t>
+            </a:r>
+            <a:endParaRPr lang="es-ES_tradnl" dirty="0"/>
+          </a:p>
+        </p:txBody>
+      </p:sp>
+      <p:sp>
+        <p:nvSpPr>
+          <p:cNvPr id="6" name="Content Placeholder 5"/>
+          <p:cNvSpPr>
+            <a:spLocks noGrp="1"/>
+          </p:cNvSpPr>
+          <p:nvPr>
+            <p:ph idx="1"/>
+          </p:nvPr>
+        </p:nvSpPr>
+        <p:spPr/>
+        <p:txBody>
+          <a:bodyPr>
+            <a:normAutofit fontScale="92500" lnSpcReduction="10000"/>
+          </a:bodyPr>
+          <a:lstStyle/>
+          <a:p>
+            <a:r>
+              <a:rPr lang="es-ES_tradnl" dirty="0" err="1" smtClean="0"/>
+              <a:t>After-returning</a:t>
+            </a:r>
+            <a:endParaRPr lang="es-ES_tradnl" dirty="0" smtClean="0"/>
+          </a:p>
+          <a:p>
+            <a:pPr lvl="1"/>
+            <a:r>
+              <a:rPr lang="es-ES_tradnl" dirty="0" smtClean="0"/>
+              <a:t>La funcionalidad se realiza despu</a:t>
+            </a:r>
+            <a:r>
+              <a:rPr lang="es-ES_tradnl" dirty="0" smtClean="0"/>
+              <a:t>és que el método termine exitosamente</a:t>
+            </a:r>
+          </a:p>
+          <a:p>
+            <a:r>
+              <a:rPr lang="es-ES_tradnl" dirty="0" err="1" smtClean="0"/>
+              <a:t>After-throwing</a:t>
+            </a:r>
+            <a:endParaRPr lang="es-ES_tradnl" dirty="0" smtClean="0"/>
+          </a:p>
+          <a:p>
+            <a:pPr lvl="1"/>
+            <a:r>
+              <a:rPr lang="es-ES_tradnl" dirty="0" smtClean="0"/>
+              <a:t>La funcionalidad se realiza después que el método lance una excepción</a:t>
+            </a:r>
+          </a:p>
+          <a:p>
+            <a:r>
+              <a:rPr lang="es-ES_tradnl" dirty="0" err="1" smtClean="0"/>
+              <a:t>Around</a:t>
+            </a:r>
+            <a:endParaRPr lang="es-ES_tradnl" dirty="0" smtClean="0"/>
+          </a:p>
+          <a:p>
+            <a:pPr lvl="1"/>
+            <a:r>
+              <a:rPr lang="es-ES_tradnl" dirty="0" smtClean="0"/>
+              <a:t>La funcionalidad envuelve al método proveyendo funcionalidad para antes y después de la ejecución del método</a:t>
+            </a:r>
+          </a:p>
+        </p:txBody>
+      </p:sp>
+    </p:spTree>
+    <p:extLst>
+      <p:ext uri="{BB962C8B-B14F-4D97-AF65-F5344CB8AC3E}">
+        <p14:creationId xmlns:p14="http://schemas.microsoft.com/office/powerpoint/2010/main" val="2610119223"/>
+      </p:ext>
+    </p:extLst>
+  </p:cSld>
+  <p:clrMapOvr>
+    <a:masterClrMapping/>
+  </p:clrMapOvr>
+</p:sld>
+</file>
+
+<file path=ppt/slides/slide104.xml><?xml version="1.0" encoding="utf-8"?>
+<p:sld xmlns:a="http://schemas.openxmlformats.org/drawingml/2006/main" xmlns:r="http://schemas.openxmlformats.org/officeDocument/2006/relationships" xmlns:p="http://schemas.openxmlformats.org/presentationml/2006/main">
+  <p:cSld>
+    <p:spTree>
+      <p:nvGrpSpPr>
+        <p:cNvPr id="1" name=""/>
+        <p:cNvGrpSpPr/>
+        <p:nvPr/>
+      </p:nvGrpSpPr>
+      <p:grpSpPr>
+        <a:xfrm>
+          <a:off x="0" y="0"/>
+          <a:ext cx="0" cy="0"/>
+          <a:chOff x="0" y="0"/>
+          <a:chExt cx="0" cy="0"/>
+        </a:xfrm>
+      </p:grpSpPr>
+      <p:sp>
+        <p:nvSpPr>
+          <p:cNvPr id="2" name="Title 1"/>
+          <p:cNvSpPr>
+            <a:spLocks noGrp="1"/>
+          </p:cNvSpPr>
+          <p:nvPr>
+            <p:ph type="title"/>
+          </p:nvPr>
+        </p:nvSpPr>
+        <p:spPr/>
+        <p:txBody>
+          <a:bodyPr/>
+          <a:lstStyle/>
+          <a:p>
+            <a:r>
+              <a:rPr lang="es-ES_tradnl" dirty="0" smtClean="0"/>
+              <a:t>JOIN POINTS</a:t>
+            </a:r>
+            <a:endParaRPr lang="es-ES_tradnl" dirty="0"/>
+          </a:p>
+        </p:txBody>
+      </p:sp>
+      <p:sp>
+        <p:nvSpPr>
+          <p:cNvPr id="6" name="Content Placeholder 5"/>
+          <p:cNvSpPr>
+            <a:spLocks noGrp="1"/>
+          </p:cNvSpPr>
+          <p:nvPr>
+            <p:ph sz="quarter" idx="13"/>
+          </p:nvPr>
+        </p:nvSpPr>
+        <p:spPr/>
+        <p:txBody>
+          <a:bodyPr>
+            <a:normAutofit fontScale="92500" lnSpcReduction="20000"/>
+          </a:bodyPr>
+          <a:lstStyle/>
+          <a:p>
+            <a:r>
+              <a:rPr lang="es-ES_tradnl" dirty="0" smtClean="0"/>
+              <a:t>Es un punto en la ejecuci</a:t>
+            </a:r>
+            <a:r>
+              <a:rPr lang="es-ES_tradnl" dirty="0" smtClean="0"/>
+              <a:t>ón de la aplicación donde un aspecto se puede conectar</a:t>
+            </a:r>
+            <a:endParaRPr lang="es-ES_tradnl" dirty="0" smtClean="0"/>
+          </a:p>
+          <a:p>
+            <a:r>
+              <a:rPr lang="es-ES_tradnl" dirty="0" smtClean="0"/>
+              <a:t>Este punto puede ser cuando se llama un m</a:t>
+            </a:r>
+            <a:r>
+              <a:rPr lang="es-ES_tradnl" dirty="0" smtClean="0"/>
+              <a:t>étodo, se lanza una excepción, o inclusive, cuando un campo está siendo cambiado</a:t>
+            </a:r>
+            <a:endParaRPr lang="es-ES_tradnl" dirty="0"/>
+          </a:p>
+        </p:txBody>
+      </p:sp>
+      <p:pic>
+        <p:nvPicPr>
+          <p:cNvPr id="8" name="Content Placeholder 7" descr="Screen shot 2011-11-17 at 10.31.07 AM.png"/>
+          <p:cNvPicPr>
+            <a:picLocks noGrp="1" noChangeAspect="1"/>
+          </p:cNvPicPr>
+          <p:nvPr>
+            <p:ph sz="quarter" idx="14"/>
+          </p:nvPr>
+        </p:nvPicPr>
+        <p:blipFill>
+          <a:blip r:embed="rId2">
+            <a:extLst>
+              <a:ext uri="{28A0092B-C50C-407E-A947-70E740481C1C}">
+                <a14:useLocalDpi xmlns:a14="http://schemas.microsoft.com/office/drawing/2010/main" val="0"/>
+              </a:ext>
+            </a:extLst>
+          </a:blip>
+          <a:srcRect t="-36999" b="-36999"/>
+          <a:stretch>
+            <a:fillRect/>
+          </a:stretch>
+        </p:blipFill>
+        <p:spPr/>
+      </p:pic>
+    </p:spTree>
+    <p:extLst>
+      <p:ext uri="{BB962C8B-B14F-4D97-AF65-F5344CB8AC3E}">
+        <p14:creationId xmlns:p14="http://schemas.microsoft.com/office/powerpoint/2010/main" val="4021795729"/>
+      </p:ext>
+    </p:extLst>
+  </p:cSld>
+  <p:clrMapOvr>
+    <a:masterClrMapping/>
+  </p:clrMapOvr>
+</p:sld>
+</file>
+
+<file path=ppt/slides/slide105.xml><?xml version="1.0" encoding="utf-8"?>
+<p:sld xmlns:a="http://schemas.openxmlformats.org/drawingml/2006/main" xmlns:r="http://schemas.openxmlformats.org/officeDocument/2006/relationships" xmlns:p="http://schemas.openxmlformats.org/presentationml/2006/main">
+  <p:cSld>
+    <p:spTree>
+      <p:nvGrpSpPr>
+        <p:cNvPr id="1" name=""/>
+        <p:cNvGrpSpPr/>
+        <p:nvPr/>
+      </p:nvGrpSpPr>
+      <p:grpSpPr>
+        <a:xfrm>
+          <a:off x="0" y="0"/>
+          <a:ext cx="0" cy="0"/>
+          <a:chOff x="0" y="0"/>
+          <a:chExt cx="0" cy="0"/>
+        </a:xfrm>
+      </p:grpSpPr>
+      <p:sp>
+        <p:nvSpPr>
+          <p:cNvPr id="2" name="Title 1"/>
+          <p:cNvSpPr>
+            <a:spLocks noGrp="1"/>
+          </p:cNvSpPr>
+          <p:nvPr>
+            <p:ph type="title"/>
+          </p:nvPr>
+        </p:nvSpPr>
+        <p:spPr/>
+        <p:txBody>
+          <a:bodyPr/>
+          <a:lstStyle/>
+          <a:p>
+            <a:r>
+              <a:rPr lang="es-ES_tradnl" dirty="0" smtClean="0"/>
+              <a:t>POINTCUTS</a:t>
+            </a:r>
+            <a:endParaRPr lang="es-ES_tradnl" dirty="0"/>
+          </a:p>
+        </p:txBody>
+      </p:sp>
+      <p:sp>
+        <p:nvSpPr>
+          <p:cNvPr id="6" name="Content Placeholder 5"/>
+          <p:cNvSpPr>
+            <a:spLocks noGrp="1"/>
+          </p:cNvSpPr>
+          <p:nvPr>
+            <p:ph sz="quarter" idx="13"/>
+          </p:nvPr>
+        </p:nvSpPr>
+        <p:spPr/>
+        <p:txBody>
+          <a:bodyPr>
+            <a:normAutofit lnSpcReduction="10000"/>
+          </a:bodyPr>
+          <a:lstStyle/>
+          <a:p>
+            <a:r>
+              <a:rPr lang="es-ES_tradnl" dirty="0" smtClean="0"/>
+              <a:t>Si el </a:t>
+            </a:r>
+            <a:r>
+              <a:rPr lang="es-ES_tradnl" i="1" dirty="0" err="1" smtClean="0"/>
+              <a:t>advice</a:t>
+            </a:r>
+            <a:r>
+              <a:rPr lang="es-ES_tradnl" dirty="0" smtClean="0"/>
+              <a:t> define el qu</a:t>
+            </a:r>
+            <a:r>
+              <a:rPr lang="es-ES_tradnl" dirty="0" smtClean="0"/>
+              <a:t>é y el cuándo, los </a:t>
+            </a:r>
+            <a:r>
+              <a:rPr lang="es-ES_tradnl" i="1" dirty="0" err="1" smtClean="0"/>
+              <a:t>pointcuts</a:t>
+            </a:r>
+            <a:r>
+              <a:rPr lang="es-ES_tradnl" dirty="0" smtClean="0"/>
+              <a:t> definen el dónde</a:t>
+            </a:r>
+          </a:p>
+          <a:p>
+            <a:r>
+              <a:rPr lang="es-ES_tradnl" dirty="0" smtClean="0"/>
+              <a:t>Una definición de </a:t>
+            </a:r>
+            <a:r>
+              <a:rPr lang="es-ES_tradnl" dirty="0" err="1" smtClean="0"/>
+              <a:t>pointcut</a:t>
+            </a:r>
+            <a:r>
+              <a:rPr lang="es-ES_tradnl" dirty="0" smtClean="0"/>
+              <a:t> encuentra uno o más </a:t>
+            </a:r>
+            <a:r>
+              <a:rPr lang="es-ES_tradnl" i="1" dirty="0" err="1" smtClean="0"/>
+              <a:t>join</a:t>
+            </a:r>
+            <a:r>
+              <a:rPr lang="es-ES_tradnl" i="1" dirty="0" smtClean="0"/>
+              <a:t> </a:t>
+            </a:r>
+            <a:r>
+              <a:rPr lang="es-ES_tradnl" i="1" dirty="0" err="1" smtClean="0"/>
+              <a:t>points</a:t>
+            </a:r>
+            <a:r>
+              <a:rPr lang="es-ES_tradnl" dirty="0" smtClean="0"/>
+              <a:t> en donde el </a:t>
+            </a:r>
+            <a:r>
+              <a:rPr lang="es-ES_tradnl" i="1" dirty="0" err="1" smtClean="0"/>
+              <a:t>advice</a:t>
+            </a:r>
+            <a:r>
+              <a:rPr lang="es-ES_tradnl" dirty="0" smtClean="0"/>
+              <a:t> puede ser aplicado</a:t>
+            </a:r>
+            <a:endParaRPr lang="es-ES_tradnl" dirty="0"/>
+          </a:p>
+        </p:txBody>
+      </p:sp>
+      <p:pic>
+        <p:nvPicPr>
+          <p:cNvPr id="8" name="Content Placeholder 7" descr="Screen shot 2011-11-17 at 10.31.07 AM.png"/>
+          <p:cNvPicPr>
+            <a:picLocks noGrp="1" noChangeAspect="1"/>
+          </p:cNvPicPr>
+          <p:nvPr>
+            <p:ph sz="quarter" idx="14"/>
+          </p:nvPr>
+        </p:nvPicPr>
+        <p:blipFill>
+          <a:blip r:embed="rId2">
+            <a:extLst>
+              <a:ext uri="{28A0092B-C50C-407E-A947-70E740481C1C}">
+                <a14:useLocalDpi xmlns:a14="http://schemas.microsoft.com/office/drawing/2010/main" val="0"/>
+              </a:ext>
+            </a:extLst>
+          </a:blip>
+          <a:srcRect t="-36999" b="-36999"/>
+          <a:stretch>
+            <a:fillRect/>
+          </a:stretch>
+        </p:blipFill>
+        <p:spPr/>
+      </p:pic>
+    </p:spTree>
+    <p:extLst>
+      <p:ext uri="{BB962C8B-B14F-4D97-AF65-F5344CB8AC3E}">
+        <p14:creationId xmlns:p14="http://schemas.microsoft.com/office/powerpoint/2010/main" val="531839530"/>
+      </p:ext>
+    </p:extLst>
+  </p:cSld>
+  <p:clrMapOvr>
+    <a:masterClrMapping/>
+  </p:clrMapOvr>
+</p:sld>
+</file>
+
+<file path=ppt/slides/slide106.xml><?xml version="1.0" encoding="utf-8"?>
+<p:sld xmlns:a="http://schemas.openxmlformats.org/drawingml/2006/main" xmlns:r="http://schemas.openxmlformats.org/officeDocument/2006/relationships" xmlns:p="http://schemas.openxmlformats.org/presentationml/2006/main">
+  <p:cSld>
+    <p:spTree>
+      <p:nvGrpSpPr>
+        <p:cNvPr id="1" name=""/>
+        <p:cNvGrpSpPr/>
+        <p:nvPr/>
+      </p:nvGrpSpPr>
+      <p:grpSpPr>
+        <a:xfrm>
+          <a:off x="0" y="0"/>
+          <a:ext cx="0" cy="0"/>
+          <a:chOff x="0" y="0"/>
+          <a:chExt cx="0" cy="0"/>
+        </a:xfrm>
+      </p:grpSpPr>
+      <p:sp>
+        <p:nvSpPr>
+          <p:cNvPr id="2" name="Title 1"/>
+          <p:cNvSpPr>
+            <a:spLocks noGrp="1"/>
+          </p:cNvSpPr>
+          <p:nvPr>
+            <p:ph type="title"/>
+          </p:nvPr>
+        </p:nvSpPr>
+        <p:spPr/>
+        <p:txBody>
+          <a:bodyPr/>
+          <a:lstStyle/>
+          <a:p>
+            <a:r>
+              <a:rPr lang="es-ES_tradnl" dirty="0" smtClean="0"/>
+              <a:t>ASPECTS</a:t>
+            </a:r>
+            <a:endParaRPr lang="es-ES_tradnl" dirty="0"/>
+          </a:p>
+        </p:txBody>
+      </p:sp>
+      <p:sp>
+        <p:nvSpPr>
+          <p:cNvPr id="6" name="Content Placeholder 5"/>
+          <p:cNvSpPr>
+            <a:spLocks noGrp="1"/>
+          </p:cNvSpPr>
+          <p:nvPr>
+            <p:ph sz="quarter" idx="13"/>
+          </p:nvPr>
+        </p:nvSpPr>
+        <p:spPr/>
+        <p:txBody>
+          <a:bodyPr>
+            <a:normAutofit/>
+          </a:bodyPr>
+          <a:lstStyle/>
+          <a:p>
+            <a:r>
+              <a:rPr lang="es-ES_tradnl" dirty="0" smtClean="0"/>
+              <a:t>Un </a:t>
+            </a:r>
+            <a:r>
+              <a:rPr lang="es-ES_tradnl" i="1" dirty="0" err="1" smtClean="0"/>
+              <a:t>aspect</a:t>
+            </a:r>
+            <a:r>
+              <a:rPr lang="es-ES_tradnl" i="1" dirty="0" smtClean="0"/>
+              <a:t> </a:t>
+            </a:r>
+            <a:r>
+              <a:rPr lang="es-ES_tradnl" dirty="0" smtClean="0"/>
+              <a:t>es la suma de </a:t>
+            </a:r>
+            <a:r>
+              <a:rPr lang="es-ES_tradnl" i="1" dirty="0" err="1" smtClean="0"/>
+              <a:t>advice</a:t>
+            </a:r>
+            <a:r>
+              <a:rPr lang="es-ES_tradnl" dirty="0"/>
+              <a:t> </a:t>
+            </a:r>
+            <a:r>
+              <a:rPr lang="es-ES_tradnl" dirty="0" smtClean="0"/>
+              <a:t>y </a:t>
+            </a:r>
+            <a:r>
+              <a:rPr lang="es-ES_tradnl" i="1" dirty="0" err="1" smtClean="0"/>
+              <a:t>pointcuts</a:t>
+            </a:r>
+            <a:endParaRPr lang="es-ES_tradnl" dirty="0"/>
+          </a:p>
+        </p:txBody>
+      </p:sp>
+      <p:pic>
+        <p:nvPicPr>
+          <p:cNvPr id="8" name="Content Placeholder 7" descr="Screen shot 2011-11-17 at 10.31.07 AM.png"/>
+          <p:cNvPicPr>
+            <a:picLocks noGrp="1" noChangeAspect="1"/>
+          </p:cNvPicPr>
+          <p:nvPr>
+            <p:ph sz="quarter" idx="14"/>
+          </p:nvPr>
+        </p:nvPicPr>
+        <p:blipFill>
+          <a:blip r:embed="rId2">
+            <a:extLst>
+              <a:ext uri="{28A0092B-C50C-407E-A947-70E740481C1C}">
+                <a14:useLocalDpi xmlns:a14="http://schemas.microsoft.com/office/drawing/2010/main" val="0"/>
+              </a:ext>
+            </a:extLst>
+          </a:blip>
+          <a:srcRect t="-36999" b="-36999"/>
+          <a:stretch>
+            <a:fillRect/>
+          </a:stretch>
+        </p:blipFill>
+        <p:spPr/>
+      </p:pic>
+    </p:spTree>
+    <p:extLst>
+      <p:ext uri="{BB962C8B-B14F-4D97-AF65-F5344CB8AC3E}">
+        <p14:creationId xmlns:p14="http://schemas.microsoft.com/office/powerpoint/2010/main" val="1504693696"/>
+      </p:ext>
+    </p:extLst>
+  </p:cSld>
+  <p:clrMapOvr>
+    <a:masterClrMapping/>
+  </p:clrMapOvr>
+</p:sld>
+</file>
+
+<file path=ppt/slides/slide107.xml><?xml version="1.0" encoding="utf-8"?>
+<p:sld xmlns:a="http://schemas.openxmlformats.org/drawingml/2006/main" xmlns:r="http://schemas.openxmlformats.org/officeDocument/2006/relationships" xmlns:p="http://schemas.openxmlformats.org/presentationml/2006/main">
+  <p:cSld>
+    <p:spTree>
+      <p:nvGrpSpPr>
+        <p:cNvPr id="1" name=""/>
+        <p:cNvGrpSpPr/>
+        <p:nvPr/>
+      </p:nvGrpSpPr>
+      <p:grpSpPr>
+        <a:xfrm>
+          <a:off x="0" y="0"/>
+          <a:ext cx="0" cy="0"/>
+          <a:chOff x="0" y="0"/>
+          <a:chExt cx="0" cy="0"/>
+        </a:xfrm>
+      </p:grpSpPr>
+      <p:sp>
+        <p:nvSpPr>
+          <p:cNvPr id="2" name="Title 1"/>
+          <p:cNvSpPr>
+            <a:spLocks noGrp="1"/>
+          </p:cNvSpPr>
+          <p:nvPr>
+            <p:ph type="title"/>
+          </p:nvPr>
+        </p:nvSpPr>
+        <p:spPr/>
+        <p:txBody>
+          <a:bodyPr/>
+          <a:lstStyle/>
+          <a:p>
+            <a:r>
+              <a:rPr lang="es-ES_tradnl" dirty="0" smtClean="0"/>
+              <a:t>INTRODUCTIONS</a:t>
+            </a:r>
+            <a:endParaRPr lang="es-ES_tradnl" dirty="0"/>
+          </a:p>
+        </p:txBody>
+      </p:sp>
+      <p:sp>
+        <p:nvSpPr>
+          <p:cNvPr id="5" name="Content Placeholder 4"/>
+          <p:cNvSpPr>
+            <a:spLocks noGrp="1"/>
+          </p:cNvSpPr>
+          <p:nvPr>
+            <p:ph idx="1"/>
+          </p:nvPr>
+        </p:nvSpPr>
+        <p:spPr/>
+        <p:txBody>
+          <a:bodyPr/>
+          <a:lstStyle/>
+          <a:p>
+            <a:r>
+              <a:rPr lang="es-ES_tradnl" dirty="0" smtClean="0"/>
+              <a:t>Las </a:t>
+            </a:r>
+            <a:r>
+              <a:rPr lang="es-ES_tradnl" i="1" dirty="0" err="1" smtClean="0"/>
+              <a:t>introductions</a:t>
+            </a:r>
+            <a:r>
+              <a:rPr lang="es-ES_tradnl" dirty="0" smtClean="0"/>
+              <a:t> (introducciones) es la capacidad de asignar nuevos m</a:t>
+            </a:r>
+            <a:r>
+              <a:rPr lang="es-ES_tradnl" dirty="0" smtClean="0"/>
+              <a:t>étodos o atributos a clases existentes</a:t>
+            </a:r>
+            <a:endParaRPr lang="es-ES_tradnl" dirty="0"/>
+          </a:p>
+        </p:txBody>
+      </p:sp>
+    </p:spTree>
+    <p:extLst>
+      <p:ext uri="{BB962C8B-B14F-4D97-AF65-F5344CB8AC3E}">
+        <p14:creationId xmlns:p14="http://schemas.microsoft.com/office/powerpoint/2010/main" val="1951607221"/>
+      </p:ext>
+    </p:extLst>
+  </p:cSld>
+  <p:clrMapOvr>
+    <a:masterClrMapping/>
+  </p:clrMapOvr>
+</p:sld>
+</file>
+
+<file path=ppt/slides/slide108.xml><?xml version="1.0" encoding="utf-8"?>
+<p:sld xmlns:a="http://schemas.openxmlformats.org/drawingml/2006/main" xmlns:r="http://schemas.openxmlformats.org/officeDocument/2006/relationships" xmlns:p="http://schemas.openxmlformats.org/presentationml/2006/main">
+  <p:cSld>
+    <p:spTree>
+      <p:nvGrpSpPr>
+        <p:cNvPr id="1" name=""/>
+        <p:cNvGrpSpPr/>
+        <p:nvPr/>
+      </p:nvGrpSpPr>
+      <p:grpSpPr>
+        <a:xfrm>
+          <a:off x="0" y="0"/>
+          <a:ext cx="0" cy="0"/>
+          <a:chOff x="0" y="0"/>
+          <a:chExt cx="0" cy="0"/>
+        </a:xfrm>
+      </p:grpSpPr>
+      <p:sp>
+        <p:nvSpPr>
+          <p:cNvPr id="2" name="Title 1"/>
+          <p:cNvSpPr>
+            <a:spLocks noGrp="1"/>
+          </p:cNvSpPr>
+          <p:nvPr>
+            <p:ph type="title"/>
+          </p:nvPr>
+        </p:nvSpPr>
+        <p:spPr/>
+        <p:txBody>
+          <a:bodyPr/>
+          <a:lstStyle/>
+          <a:p>
+            <a:r>
+              <a:rPr lang="es-ES_tradnl" dirty="0" smtClean="0"/>
+              <a:t>WEAVING (coser)</a:t>
+            </a:r>
+            <a:endParaRPr lang="es-ES_tradnl" dirty="0"/>
+          </a:p>
+        </p:txBody>
+      </p:sp>
+      <p:sp>
+        <p:nvSpPr>
+          <p:cNvPr id="3" name="Content Placeholder 2"/>
+          <p:cNvSpPr>
+            <a:spLocks noGrp="1"/>
+          </p:cNvSpPr>
+          <p:nvPr>
+            <p:ph idx="1"/>
+          </p:nvPr>
+        </p:nvSpPr>
+        <p:spPr/>
+        <p:txBody>
+          <a:bodyPr/>
+          <a:lstStyle/>
+          <a:p>
+            <a:r>
+              <a:rPr lang="es-ES_tradnl" dirty="0" smtClean="0"/>
+              <a:t>Es el proceso de aplicar aspectos al objeto destino para crear uno nuevo con toda la funcionalidad</a:t>
+            </a:r>
+          </a:p>
+          <a:p>
+            <a:pPr lvl="1"/>
+            <a:r>
+              <a:rPr lang="es-ES_tradnl" dirty="0" smtClean="0"/>
+              <a:t>Compile time</a:t>
+            </a:r>
+          </a:p>
+          <a:p>
+            <a:pPr lvl="1"/>
+            <a:r>
+              <a:rPr lang="es-ES_tradnl" dirty="0" err="1" smtClean="0"/>
+              <a:t>Classload</a:t>
+            </a:r>
+            <a:r>
+              <a:rPr lang="es-ES_tradnl" dirty="0" smtClean="0"/>
+              <a:t> time</a:t>
+            </a:r>
+          </a:p>
+          <a:p>
+            <a:pPr lvl="1"/>
+            <a:r>
+              <a:rPr lang="es-ES_tradnl" dirty="0" err="1" smtClean="0"/>
+              <a:t>Runtime</a:t>
+            </a:r>
+            <a:r>
+              <a:rPr lang="es-ES_tradnl" dirty="0" smtClean="0"/>
+              <a:t> (Utilizada por Spring)</a:t>
+            </a:r>
+            <a:endParaRPr lang="es-ES_tradnl" dirty="0"/>
+          </a:p>
+        </p:txBody>
+      </p:sp>
+    </p:spTree>
+    <p:extLst>
+      <p:ext uri="{BB962C8B-B14F-4D97-AF65-F5344CB8AC3E}">
+        <p14:creationId xmlns:p14="http://schemas.microsoft.com/office/powerpoint/2010/main" val="3880142487"/>
+      </p:ext>
+    </p:extLst>
+  </p:cSld>
+  <p:clrMapOvr>
+    <a:masterClrMapping/>
+  </p:clrMapOvr>
+</p:sld>
+</file>
+
+<file path=ppt/slides/slide109.xml><?xml version="1.0" encoding="utf-8"?>
+<p:sld xmlns:a="http://schemas.openxmlformats.org/drawingml/2006/main" xmlns:r="http://schemas.openxmlformats.org/officeDocument/2006/relationships" xmlns:p="http://schemas.openxmlformats.org/presentationml/2006/main">
+  <p:cSld>
+    <p:spTree>
+      <p:nvGrpSpPr>
+        <p:cNvPr id="1" name=""/>
+        <p:cNvGrpSpPr/>
+        <p:nvPr/>
+      </p:nvGrpSpPr>
+      <p:grpSpPr>
+        <a:xfrm>
+          <a:off x="0" y="0"/>
+          <a:ext cx="0" cy="0"/>
+          <a:chOff x="0" y="0"/>
+          <a:chExt cx="0" cy="0"/>
+        </a:xfrm>
+      </p:grpSpPr>
+      <p:sp>
+        <p:nvSpPr>
+          <p:cNvPr id="2" name="Title 1"/>
+          <p:cNvSpPr>
+            <a:spLocks noGrp="1"/>
+          </p:cNvSpPr>
+          <p:nvPr>
+            <p:ph type="title"/>
+          </p:nvPr>
+        </p:nvSpPr>
+        <p:spPr/>
+        <p:txBody>
+          <a:bodyPr/>
+          <a:lstStyle/>
+          <a:p>
+            <a:r>
+              <a:rPr lang="es-ES_tradnl" dirty="0" smtClean="0"/>
+              <a:t>Definici</a:t>
+            </a:r>
+            <a:r>
+              <a:rPr lang="es-ES_tradnl" dirty="0" smtClean="0"/>
+              <a:t>ón de </a:t>
+            </a:r>
+            <a:r>
+              <a:rPr lang="es-ES_tradnl" dirty="0" err="1" smtClean="0"/>
+              <a:t>Pointcuts</a:t>
+            </a:r>
+            <a:endParaRPr lang="es-ES_tradnl" dirty="0"/>
+          </a:p>
+        </p:txBody>
+      </p:sp>
+      <p:sp>
+        <p:nvSpPr>
+          <p:cNvPr id="3" name="Content Placeholder 2"/>
+          <p:cNvSpPr>
+            <a:spLocks noGrp="1"/>
+          </p:cNvSpPr>
+          <p:nvPr>
+            <p:ph idx="1"/>
+          </p:nvPr>
+        </p:nvSpPr>
+        <p:spPr/>
+        <p:txBody>
+          <a:bodyPr/>
+          <a:lstStyle/>
+          <a:p>
+            <a:r>
+              <a:rPr lang="es-ES_tradnl" dirty="0" err="1" smtClean="0"/>
+              <a:t>args</a:t>
+            </a:r>
+            <a:r>
+              <a:rPr lang="es-ES_tradnl" dirty="0" smtClean="0"/>
+              <a:t>()</a:t>
+            </a:r>
+          </a:p>
+          <a:p>
+            <a:pPr lvl="1"/>
+            <a:r>
+              <a:rPr lang="es-ES_tradnl" dirty="0" smtClean="0"/>
+              <a:t>Limita la coincidencia de </a:t>
+            </a:r>
+            <a:r>
+              <a:rPr lang="es-ES_tradnl" dirty="0" err="1" smtClean="0"/>
+              <a:t>joint</a:t>
+            </a:r>
+            <a:r>
+              <a:rPr lang="es-ES_tradnl" dirty="0" smtClean="0"/>
+              <a:t> </a:t>
+            </a:r>
+            <a:r>
+              <a:rPr lang="es-ES_tradnl" dirty="0" err="1" smtClean="0"/>
+              <a:t>points</a:t>
+            </a:r>
+            <a:r>
+              <a:rPr lang="es-ES_tradnl" dirty="0" smtClean="0"/>
+              <a:t> a la ejecución de métodos cuyos argumentos son instancias de los tipos dados</a:t>
+            </a:r>
+          </a:p>
+          <a:p>
+            <a:r>
+              <a:rPr lang="es-ES_tradnl" dirty="0" smtClean="0"/>
+              <a:t>@</a:t>
+            </a:r>
+            <a:r>
+              <a:rPr lang="es-ES_tradnl" dirty="0" err="1" smtClean="0"/>
+              <a:t>args</a:t>
+            </a:r>
+            <a:r>
+              <a:rPr lang="es-ES_tradnl" dirty="0" smtClean="0"/>
+              <a:t>()</a:t>
+            </a:r>
+          </a:p>
+          <a:p>
+            <a:pPr lvl="1"/>
+            <a:r>
+              <a:rPr lang="es-ES_tradnl" dirty="0" smtClean="0"/>
+              <a:t>Limita la coincidencia de </a:t>
+            </a:r>
+            <a:r>
+              <a:rPr lang="es-ES_tradnl" dirty="0" err="1" smtClean="0"/>
+              <a:t>joint</a:t>
+            </a:r>
+            <a:r>
+              <a:rPr lang="es-ES_tradnl" dirty="0" smtClean="0"/>
+              <a:t> </a:t>
+            </a:r>
+            <a:r>
+              <a:rPr lang="es-ES_tradnl" dirty="0" err="1" smtClean="0"/>
+              <a:t>points</a:t>
+            </a:r>
+            <a:r>
+              <a:rPr lang="es-ES_tradnl" dirty="0" smtClean="0"/>
+              <a:t> a la ejecución de métodos cuyos argumentos están anotados con los tipos dados</a:t>
+            </a:r>
+            <a:endParaRPr lang="es-ES_tradnl" dirty="0"/>
+          </a:p>
+        </p:txBody>
+      </p:sp>
+    </p:spTree>
+    <p:extLst>
+      <p:ext uri="{BB962C8B-B14F-4D97-AF65-F5344CB8AC3E}">
+        <p14:creationId xmlns:p14="http://schemas.microsoft.com/office/powerpoint/2010/main" val="2935423645"/>
+      </p:ext>
+    </p:extLst>
+  </p:cSld>
+  <p:clrMapOvr>
+    <a:masterClrMapping/>
+  </p:clrMapOvr>
+</p:sld>
+</file>
+
 <file path=ppt/slides/slide11.xml><?xml version="1.0" encoding="utf-8"?>
 <p:sld xmlns:a="http://schemas.openxmlformats.org/drawingml/2006/main" xmlns:r="http://schemas.openxmlformats.org/officeDocument/2006/relationships" xmlns:p="http://schemas.openxmlformats.org/presentationml/2006/main">
   <p:cSld>
@@ -15215,6 +16545,1482 @@
 </p:sld>
 </file>
 
+<file path=ppt/slides/slide110.xml><?xml version="1.0" encoding="utf-8"?>
+<p:sld xmlns:a="http://schemas.openxmlformats.org/drawingml/2006/main" xmlns:r="http://schemas.openxmlformats.org/officeDocument/2006/relationships" xmlns:p="http://schemas.openxmlformats.org/presentationml/2006/main">
+  <p:cSld>
+    <p:spTree>
+      <p:nvGrpSpPr>
+        <p:cNvPr id="1" name=""/>
+        <p:cNvGrpSpPr/>
+        <p:nvPr/>
+      </p:nvGrpSpPr>
+      <p:grpSpPr>
+        <a:xfrm>
+          <a:off x="0" y="0"/>
+          <a:ext cx="0" cy="0"/>
+          <a:chOff x="0" y="0"/>
+          <a:chExt cx="0" cy="0"/>
+        </a:xfrm>
+      </p:grpSpPr>
+      <p:sp>
+        <p:nvSpPr>
+          <p:cNvPr id="2" name="Title 1"/>
+          <p:cNvSpPr>
+            <a:spLocks noGrp="1"/>
+          </p:cNvSpPr>
+          <p:nvPr>
+            <p:ph type="title"/>
+          </p:nvPr>
+        </p:nvSpPr>
+        <p:spPr/>
+        <p:txBody>
+          <a:bodyPr>
+            <a:normAutofit fontScale="90000"/>
+          </a:bodyPr>
+          <a:lstStyle/>
+          <a:p>
+            <a:r>
+              <a:rPr lang="es-ES_tradnl" dirty="0" smtClean="0"/>
+              <a:t>Definici</a:t>
+            </a:r>
+            <a:r>
+              <a:rPr lang="es-ES_tradnl" dirty="0" smtClean="0"/>
+              <a:t>ón de </a:t>
+            </a:r>
+            <a:r>
+              <a:rPr lang="es-ES_tradnl" dirty="0" err="1" smtClean="0"/>
+              <a:t>Pointcuts</a:t>
+            </a:r>
+            <a:r>
+              <a:rPr lang="es-ES_tradnl" dirty="0" smtClean="0"/>
+              <a:t> (cont.)</a:t>
+            </a:r>
+            <a:endParaRPr lang="es-ES_tradnl" dirty="0"/>
+          </a:p>
+        </p:txBody>
+      </p:sp>
+      <p:sp>
+        <p:nvSpPr>
+          <p:cNvPr id="3" name="Content Placeholder 2"/>
+          <p:cNvSpPr>
+            <a:spLocks noGrp="1"/>
+          </p:cNvSpPr>
+          <p:nvPr>
+            <p:ph idx="1"/>
+          </p:nvPr>
+        </p:nvSpPr>
+        <p:spPr/>
+        <p:txBody>
+          <a:bodyPr/>
+          <a:lstStyle/>
+          <a:p>
+            <a:r>
+              <a:rPr lang="es-ES_tradnl" dirty="0" err="1" smtClean="0"/>
+              <a:t>execution</a:t>
+            </a:r>
+            <a:r>
+              <a:rPr lang="es-ES_tradnl" dirty="0" smtClean="0"/>
+              <a:t>()</a:t>
+            </a:r>
+          </a:p>
+          <a:p>
+            <a:pPr lvl="1"/>
+            <a:r>
+              <a:rPr lang="es-ES_tradnl" dirty="0" smtClean="0"/>
+              <a:t>Coincide con </a:t>
+            </a:r>
+            <a:r>
+              <a:rPr lang="es-ES_tradnl" dirty="0" err="1" smtClean="0"/>
+              <a:t>join</a:t>
+            </a:r>
+            <a:r>
+              <a:rPr lang="es-ES_tradnl" dirty="0" smtClean="0"/>
+              <a:t> </a:t>
+            </a:r>
+            <a:r>
+              <a:rPr lang="es-ES_tradnl" dirty="0" err="1" smtClean="0"/>
+              <a:t>points</a:t>
+            </a:r>
+            <a:r>
+              <a:rPr lang="es-ES_tradnl" dirty="0" smtClean="0"/>
+              <a:t> que son ejecuciones de métodos</a:t>
+            </a:r>
+          </a:p>
+          <a:p>
+            <a:r>
+              <a:rPr lang="es-ES_tradnl" dirty="0" err="1" smtClean="0"/>
+              <a:t>this</a:t>
+            </a:r>
+            <a:r>
+              <a:rPr lang="es-ES_tradnl" dirty="0" smtClean="0"/>
+              <a:t>()</a:t>
+            </a:r>
+          </a:p>
+          <a:p>
+            <a:pPr lvl="1"/>
+            <a:r>
+              <a:rPr lang="es-ES_tradnl" dirty="0" smtClean="0"/>
+              <a:t>Limita la coincidencia de </a:t>
+            </a:r>
+            <a:r>
+              <a:rPr lang="es-ES_tradnl" dirty="0" err="1" smtClean="0"/>
+              <a:t>joint</a:t>
+            </a:r>
+            <a:r>
+              <a:rPr lang="es-ES_tradnl" dirty="0" smtClean="0"/>
+              <a:t> </a:t>
+            </a:r>
+            <a:r>
+              <a:rPr lang="es-ES_tradnl" dirty="0" err="1" smtClean="0"/>
+              <a:t>points</a:t>
+            </a:r>
+            <a:r>
+              <a:rPr lang="es-ES_tradnl" dirty="0" smtClean="0"/>
+              <a:t> a aquellos cuya referencia del </a:t>
+            </a:r>
+            <a:r>
+              <a:rPr lang="es-ES_tradnl" dirty="0" err="1" smtClean="0"/>
+              <a:t>bean</a:t>
+            </a:r>
+            <a:r>
+              <a:rPr lang="es-ES_tradnl" dirty="0" smtClean="0"/>
+              <a:t> del proxy AOP sean del tipo dado</a:t>
+            </a:r>
+            <a:endParaRPr lang="es-ES_tradnl" dirty="0"/>
+          </a:p>
+        </p:txBody>
+      </p:sp>
+    </p:spTree>
+    <p:extLst>
+      <p:ext uri="{BB962C8B-B14F-4D97-AF65-F5344CB8AC3E}">
+        <p14:creationId xmlns:p14="http://schemas.microsoft.com/office/powerpoint/2010/main" val="1608173749"/>
+      </p:ext>
+    </p:extLst>
+  </p:cSld>
+  <p:clrMapOvr>
+    <a:masterClrMapping/>
+  </p:clrMapOvr>
+</p:sld>
+</file>
+
+<file path=ppt/slides/slide111.xml><?xml version="1.0" encoding="utf-8"?>
+<p:sld xmlns:a="http://schemas.openxmlformats.org/drawingml/2006/main" xmlns:r="http://schemas.openxmlformats.org/officeDocument/2006/relationships" xmlns:p="http://schemas.openxmlformats.org/presentationml/2006/main">
+  <p:cSld>
+    <p:spTree>
+      <p:nvGrpSpPr>
+        <p:cNvPr id="1" name=""/>
+        <p:cNvGrpSpPr/>
+        <p:nvPr/>
+      </p:nvGrpSpPr>
+      <p:grpSpPr>
+        <a:xfrm>
+          <a:off x="0" y="0"/>
+          <a:ext cx="0" cy="0"/>
+          <a:chOff x="0" y="0"/>
+          <a:chExt cx="0" cy="0"/>
+        </a:xfrm>
+      </p:grpSpPr>
+      <p:sp>
+        <p:nvSpPr>
+          <p:cNvPr id="2" name="Title 1"/>
+          <p:cNvSpPr>
+            <a:spLocks noGrp="1"/>
+          </p:cNvSpPr>
+          <p:nvPr>
+            <p:ph type="title"/>
+          </p:nvPr>
+        </p:nvSpPr>
+        <p:spPr/>
+        <p:txBody>
+          <a:bodyPr>
+            <a:normAutofit fontScale="90000"/>
+          </a:bodyPr>
+          <a:lstStyle/>
+          <a:p>
+            <a:r>
+              <a:rPr lang="es-ES_tradnl" dirty="0" smtClean="0"/>
+              <a:t>Definici</a:t>
+            </a:r>
+            <a:r>
+              <a:rPr lang="es-ES_tradnl" dirty="0" smtClean="0"/>
+              <a:t>ón de </a:t>
+            </a:r>
+            <a:r>
+              <a:rPr lang="es-ES_tradnl" dirty="0" err="1" smtClean="0"/>
+              <a:t>Pointcuts</a:t>
+            </a:r>
+            <a:r>
+              <a:rPr lang="es-ES_tradnl" dirty="0" smtClean="0"/>
+              <a:t> (cont.)</a:t>
+            </a:r>
+            <a:endParaRPr lang="es-ES_tradnl" dirty="0"/>
+          </a:p>
+        </p:txBody>
+      </p:sp>
+      <p:sp>
+        <p:nvSpPr>
+          <p:cNvPr id="3" name="Content Placeholder 2"/>
+          <p:cNvSpPr>
+            <a:spLocks noGrp="1"/>
+          </p:cNvSpPr>
+          <p:nvPr>
+            <p:ph idx="1"/>
+          </p:nvPr>
+        </p:nvSpPr>
+        <p:spPr/>
+        <p:txBody>
+          <a:bodyPr/>
+          <a:lstStyle/>
+          <a:p>
+            <a:r>
+              <a:rPr lang="es-ES_tradnl" dirty="0" smtClean="0"/>
+              <a:t>target</a:t>
+            </a:r>
+            <a:r>
+              <a:rPr lang="es-ES_tradnl" dirty="0" smtClean="0"/>
+              <a:t>()</a:t>
+            </a:r>
+          </a:p>
+          <a:p>
+            <a:pPr lvl="1"/>
+            <a:r>
+              <a:rPr lang="es-ES_tradnl" dirty="0" smtClean="0"/>
+              <a:t>Limita la coincidencia de </a:t>
+            </a:r>
+            <a:r>
+              <a:rPr lang="es-ES_tradnl" dirty="0" err="1" smtClean="0"/>
+              <a:t>joint</a:t>
+            </a:r>
+            <a:r>
+              <a:rPr lang="es-ES_tradnl" dirty="0" smtClean="0"/>
+              <a:t> </a:t>
+            </a:r>
+            <a:r>
+              <a:rPr lang="es-ES_tradnl" dirty="0" err="1" smtClean="0"/>
+              <a:t>points</a:t>
+            </a:r>
+            <a:r>
+              <a:rPr lang="es-ES_tradnl" dirty="0" smtClean="0"/>
+              <a:t> a aquellos donde el objeto destino sean del tipo dado</a:t>
+            </a:r>
+          </a:p>
+          <a:p>
+            <a:r>
+              <a:rPr lang="es-ES_tradnl" dirty="0" smtClean="0"/>
+              <a:t>@target()</a:t>
+            </a:r>
+          </a:p>
+          <a:p>
+            <a:pPr lvl="1"/>
+            <a:r>
+              <a:rPr lang="es-ES_tradnl" dirty="0" smtClean="0"/>
+              <a:t>Limita la coincidencia de </a:t>
+            </a:r>
+            <a:r>
+              <a:rPr lang="es-ES_tradnl" dirty="0" err="1" smtClean="0"/>
+              <a:t>joint</a:t>
+            </a:r>
+            <a:r>
+              <a:rPr lang="es-ES_tradnl" dirty="0" smtClean="0"/>
+              <a:t> </a:t>
+            </a:r>
+            <a:r>
+              <a:rPr lang="es-ES_tradnl" dirty="0" err="1" smtClean="0"/>
+              <a:t>points</a:t>
+            </a:r>
+            <a:r>
+              <a:rPr lang="es-ES_tradnl" dirty="0" smtClean="0"/>
+              <a:t> a aquellos donde la clase del objeto ejecutado tenga una anotación del tipo dado</a:t>
+            </a:r>
+            <a:endParaRPr lang="es-ES_tradnl" dirty="0"/>
+          </a:p>
+        </p:txBody>
+      </p:sp>
+    </p:spTree>
+    <p:extLst>
+      <p:ext uri="{BB962C8B-B14F-4D97-AF65-F5344CB8AC3E}">
+        <p14:creationId xmlns:p14="http://schemas.microsoft.com/office/powerpoint/2010/main" val="677360494"/>
+      </p:ext>
+    </p:extLst>
+  </p:cSld>
+  <p:clrMapOvr>
+    <a:masterClrMapping/>
+  </p:clrMapOvr>
+</p:sld>
+</file>
+
+<file path=ppt/slides/slide112.xml><?xml version="1.0" encoding="utf-8"?>
+<p:sld xmlns:a="http://schemas.openxmlformats.org/drawingml/2006/main" xmlns:r="http://schemas.openxmlformats.org/officeDocument/2006/relationships" xmlns:p="http://schemas.openxmlformats.org/presentationml/2006/main">
+  <p:cSld>
+    <p:spTree>
+      <p:nvGrpSpPr>
+        <p:cNvPr id="1" name=""/>
+        <p:cNvGrpSpPr/>
+        <p:nvPr/>
+      </p:nvGrpSpPr>
+      <p:grpSpPr>
+        <a:xfrm>
+          <a:off x="0" y="0"/>
+          <a:ext cx="0" cy="0"/>
+          <a:chOff x="0" y="0"/>
+          <a:chExt cx="0" cy="0"/>
+        </a:xfrm>
+      </p:grpSpPr>
+      <p:sp>
+        <p:nvSpPr>
+          <p:cNvPr id="2" name="Title 1"/>
+          <p:cNvSpPr>
+            <a:spLocks noGrp="1"/>
+          </p:cNvSpPr>
+          <p:nvPr>
+            <p:ph type="title"/>
+          </p:nvPr>
+        </p:nvSpPr>
+        <p:spPr/>
+        <p:txBody>
+          <a:bodyPr>
+            <a:normAutofit fontScale="90000"/>
+          </a:bodyPr>
+          <a:lstStyle/>
+          <a:p>
+            <a:r>
+              <a:rPr lang="es-ES_tradnl" dirty="0" smtClean="0"/>
+              <a:t>Definici</a:t>
+            </a:r>
+            <a:r>
+              <a:rPr lang="es-ES_tradnl" dirty="0" smtClean="0"/>
+              <a:t>ón de </a:t>
+            </a:r>
+            <a:r>
+              <a:rPr lang="es-ES_tradnl" dirty="0" err="1" smtClean="0"/>
+              <a:t>Pointcuts</a:t>
+            </a:r>
+            <a:r>
+              <a:rPr lang="es-ES_tradnl" dirty="0" smtClean="0"/>
+              <a:t> (cont.)</a:t>
+            </a:r>
+            <a:endParaRPr lang="es-ES_tradnl" dirty="0"/>
+          </a:p>
+        </p:txBody>
+      </p:sp>
+      <p:sp>
+        <p:nvSpPr>
+          <p:cNvPr id="3" name="Content Placeholder 2"/>
+          <p:cNvSpPr>
+            <a:spLocks noGrp="1"/>
+          </p:cNvSpPr>
+          <p:nvPr>
+            <p:ph idx="1"/>
+          </p:nvPr>
+        </p:nvSpPr>
+        <p:spPr/>
+        <p:txBody>
+          <a:bodyPr/>
+          <a:lstStyle/>
+          <a:p>
+            <a:r>
+              <a:rPr lang="es-ES_tradnl" dirty="0" err="1" smtClean="0"/>
+              <a:t>within</a:t>
+            </a:r>
+            <a:r>
+              <a:rPr lang="es-ES_tradnl" dirty="0" smtClean="0"/>
+              <a:t>()</a:t>
+            </a:r>
+          </a:p>
+          <a:p>
+            <a:pPr lvl="1"/>
+            <a:r>
+              <a:rPr lang="es-ES_tradnl" dirty="0" smtClean="0"/>
+              <a:t>Limita la coincidencia de </a:t>
+            </a:r>
+            <a:r>
+              <a:rPr lang="es-ES_tradnl" dirty="0" err="1" smtClean="0"/>
+              <a:t>joint</a:t>
+            </a:r>
+            <a:r>
+              <a:rPr lang="es-ES_tradnl" dirty="0" smtClean="0"/>
+              <a:t> </a:t>
+            </a:r>
+            <a:r>
+              <a:rPr lang="es-ES_tradnl" dirty="0" err="1" smtClean="0"/>
+              <a:t>points</a:t>
+            </a:r>
+            <a:r>
+              <a:rPr lang="es-ES_tradnl" dirty="0" smtClean="0"/>
+              <a:t> dentro de ciertos tipos</a:t>
+            </a:r>
+          </a:p>
+          <a:p>
+            <a:r>
+              <a:rPr lang="es-ES_tradnl" dirty="0" smtClean="0"/>
+              <a:t>@</a:t>
+            </a:r>
+            <a:r>
+              <a:rPr lang="es-ES_tradnl" dirty="0" err="1" smtClean="0"/>
+              <a:t>within</a:t>
+            </a:r>
+            <a:r>
+              <a:rPr lang="es-ES_tradnl" dirty="0" smtClean="0"/>
+              <a:t>()</a:t>
+            </a:r>
+          </a:p>
+          <a:p>
+            <a:pPr lvl="1"/>
+            <a:r>
+              <a:rPr lang="es-ES_tradnl" dirty="0" smtClean="0"/>
+              <a:t>Limita la coincidencia de </a:t>
+            </a:r>
+            <a:r>
+              <a:rPr lang="es-ES_tradnl" dirty="0" err="1" smtClean="0"/>
+              <a:t>joint</a:t>
+            </a:r>
+            <a:r>
+              <a:rPr lang="es-ES_tradnl" dirty="0" smtClean="0"/>
+              <a:t> </a:t>
+            </a:r>
+            <a:r>
+              <a:rPr lang="es-ES_tradnl" dirty="0" err="1" smtClean="0"/>
+              <a:t>points</a:t>
+            </a:r>
+            <a:r>
+              <a:rPr lang="es-ES_tradnl" dirty="0" smtClean="0"/>
+              <a:t> dentro de ciertos tipos que tengan la anotación dada (En Spring AOP es la ejecución de métodos declarados en tipos con la anotación dada)</a:t>
+            </a:r>
+            <a:endParaRPr lang="es-ES_tradnl" dirty="0"/>
+          </a:p>
+        </p:txBody>
+      </p:sp>
+    </p:spTree>
+    <p:extLst>
+      <p:ext uri="{BB962C8B-B14F-4D97-AF65-F5344CB8AC3E}">
+        <p14:creationId xmlns:p14="http://schemas.microsoft.com/office/powerpoint/2010/main" val="677360494"/>
+      </p:ext>
+    </p:extLst>
+  </p:cSld>
+  <p:clrMapOvr>
+    <a:masterClrMapping/>
+  </p:clrMapOvr>
+</p:sld>
+</file>
+
+<file path=ppt/slides/slide113.xml><?xml version="1.0" encoding="utf-8"?>
+<p:sld xmlns:a="http://schemas.openxmlformats.org/drawingml/2006/main" xmlns:r="http://schemas.openxmlformats.org/officeDocument/2006/relationships" xmlns:p="http://schemas.openxmlformats.org/presentationml/2006/main">
+  <p:cSld>
+    <p:spTree>
+      <p:nvGrpSpPr>
+        <p:cNvPr id="1" name=""/>
+        <p:cNvGrpSpPr/>
+        <p:nvPr/>
+      </p:nvGrpSpPr>
+      <p:grpSpPr>
+        <a:xfrm>
+          <a:off x="0" y="0"/>
+          <a:ext cx="0" cy="0"/>
+          <a:chOff x="0" y="0"/>
+          <a:chExt cx="0" cy="0"/>
+        </a:xfrm>
+      </p:grpSpPr>
+      <p:sp>
+        <p:nvSpPr>
+          <p:cNvPr id="2" name="Title 1"/>
+          <p:cNvSpPr>
+            <a:spLocks noGrp="1"/>
+          </p:cNvSpPr>
+          <p:nvPr>
+            <p:ph type="title"/>
+          </p:nvPr>
+        </p:nvSpPr>
+        <p:spPr/>
+        <p:txBody>
+          <a:bodyPr>
+            <a:normAutofit fontScale="90000"/>
+          </a:bodyPr>
+          <a:lstStyle/>
+          <a:p>
+            <a:r>
+              <a:rPr lang="es-ES_tradnl" dirty="0" smtClean="0"/>
+              <a:t>Definici</a:t>
+            </a:r>
+            <a:r>
+              <a:rPr lang="es-ES_tradnl" dirty="0" smtClean="0"/>
+              <a:t>ón de </a:t>
+            </a:r>
+            <a:r>
+              <a:rPr lang="es-ES_tradnl" dirty="0" err="1" smtClean="0"/>
+              <a:t>Pointcuts</a:t>
+            </a:r>
+            <a:r>
+              <a:rPr lang="es-ES_tradnl" dirty="0" smtClean="0"/>
+              <a:t> (cont.)</a:t>
+            </a:r>
+            <a:endParaRPr lang="es-ES_tradnl" dirty="0"/>
+          </a:p>
+        </p:txBody>
+      </p:sp>
+      <p:sp>
+        <p:nvSpPr>
+          <p:cNvPr id="3" name="Content Placeholder 2"/>
+          <p:cNvSpPr>
+            <a:spLocks noGrp="1"/>
+          </p:cNvSpPr>
+          <p:nvPr>
+            <p:ph idx="1"/>
+          </p:nvPr>
+        </p:nvSpPr>
+        <p:spPr/>
+        <p:txBody>
+          <a:bodyPr/>
+          <a:lstStyle/>
+          <a:p>
+            <a:r>
+              <a:rPr lang="es-ES_tradnl" dirty="0" err="1" smtClean="0"/>
+              <a:t>annotation</a:t>
+            </a:r>
+            <a:endParaRPr lang="es-ES_tradnl" dirty="0" smtClean="0"/>
+          </a:p>
+          <a:p>
+            <a:pPr lvl="1"/>
+            <a:r>
+              <a:rPr lang="es-ES_tradnl" dirty="0" smtClean="0"/>
+              <a:t>Limita la coincidencia de </a:t>
+            </a:r>
+            <a:r>
+              <a:rPr lang="es-ES_tradnl" dirty="0" err="1" smtClean="0"/>
+              <a:t>joint</a:t>
+            </a:r>
+            <a:r>
+              <a:rPr lang="es-ES_tradnl" dirty="0" smtClean="0"/>
+              <a:t> </a:t>
+            </a:r>
+            <a:r>
+              <a:rPr lang="es-ES_tradnl" dirty="0" err="1" smtClean="0"/>
+              <a:t>points</a:t>
+            </a:r>
+            <a:r>
+              <a:rPr lang="es-ES_tradnl" dirty="0" smtClean="0"/>
+              <a:t> a aquellos donde el sujeto del </a:t>
+            </a:r>
+            <a:r>
+              <a:rPr lang="es-ES_tradnl" dirty="0" err="1" smtClean="0"/>
+              <a:t>joint</a:t>
+            </a:r>
+            <a:r>
+              <a:rPr lang="es-ES_tradnl" dirty="0" smtClean="0"/>
+              <a:t> </a:t>
+            </a:r>
+            <a:r>
+              <a:rPr lang="es-ES_tradnl" dirty="0" err="1" smtClean="0"/>
+              <a:t>point</a:t>
+            </a:r>
+            <a:r>
+              <a:rPr lang="es-ES_tradnl" dirty="0" smtClean="0"/>
+              <a:t> tenga la anotación dada</a:t>
+            </a:r>
+          </a:p>
+        </p:txBody>
+      </p:sp>
+    </p:spTree>
+    <p:extLst>
+      <p:ext uri="{BB962C8B-B14F-4D97-AF65-F5344CB8AC3E}">
+        <p14:creationId xmlns:p14="http://schemas.microsoft.com/office/powerpoint/2010/main" val="908029519"/>
+      </p:ext>
+    </p:extLst>
+  </p:cSld>
+  <p:clrMapOvr>
+    <a:masterClrMapping/>
+  </p:clrMapOvr>
+</p:sld>
+</file>
+
+<file path=ppt/slides/slide114.xml><?xml version="1.0" encoding="utf-8"?>
+<p:sld xmlns:a="http://schemas.openxmlformats.org/drawingml/2006/main" xmlns:r="http://schemas.openxmlformats.org/officeDocument/2006/relationships" xmlns:p="http://schemas.openxmlformats.org/presentationml/2006/main">
+  <p:cSld>
+    <p:spTree>
+      <p:nvGrpSpPr>
+        <p:cNvPr id="1" name=""/>
+        <p:cNvGrpSpPr/>
+        <p:nvPr/>
+      </p:nvGrpSpPr>
+      <p:grpSpPr>
+        <a:xfrm>
+          <a:off x="0" y="0"/>
+          <a:ext cx="0" cy="0"/>
+          <a:chOff x="0" y="0"/>
+          <a:chExt cx="0" cy="0"/>
+        </a:xfrm>
+      </p:grpSpPr>
+      <p:sp>
+        <p:nvSpPr>
+          <p:cNvPr id="2" name="Title 1"/>
+          <p:cNvSpPr>
+            <a:spLocks noGrp="1"/>
+          </p:cNvSpPr>
+          <p:nvPr>
+            <p:ph type="title"/>
+          </p:nvPr>
+        </p:nvSpPr>
+        <p:spPr/>
+        <p:txBody>
+          <a:bodyPr/>
+          <a:lstStyle/>
+          <a:p>
+            <a:r>
+              <a:rPr lang="es-ES_tradnl" dirty="0" smtClean="0"/>
+              <a:t>Crear </a:t>
+            </a:r>
+            <a:r>
+              <a:rPr lang="es-ES_tradnl" dirty="0" err="1" smtClean="0"/>
+              <a:t>pointcuts</a:t>
+            </a:r>
+            <a:endParaRPr lang="es-ES_tradnl" dirty="0"/>
+          </a:p>
+        </p:txBody>
+      </p:sp>
+      <p:pic>
+        <p:nvPicPr>
+          <p:cNvPr id="4" name="Content Placeholder 3" descr="Screen shot 2011-11-17 at 11.18.56 AM.png"/>
+          <p:cNvPicPr>
+            <a:picLocks noGrp="1" noChangeAspect="1"/>
+          </p:cNvPicPr>
+          <p:nvPr>
+            <p:ph idx="1"/>
+          </p:nvPr>
+        </p:nvPicPr>
+        <p:blipFill>
+          <a:blip r:embed="rId2">
+            <a:extLst>
+              <a:ext uri="{28A0092B-C50C-407E-A947-70E740481C1C}">
+                <a14:useLocalDpi xmlns:a14="http://schemas.microsoft.com/office/drawing/2010/main" val="0"/>
+              </a:ext>
+            </a:extLst>
+          </a:blip>
+          <a:srcRect t="-48152" b="-48152"/>
+          <a:stretch>
+            <a:fillRect/>
+          </a:stretch>
+        </p:blipFill>
+        <p:spPr/>
+      </p:pic>
+    </p:spTree>
+    <p:extLst>
+      <p:ext uri="{BB962C8B-B14F-4D97-AF65-F5344CB8AC3E}">
+        <p14:creationId xmlns:p14="http://schemas.microsoft.com/office/powerpoint/2010/main" val="3482475175"/>
+      </p:ext>
+    </p:extLst>
+  </p:cSld>
+  <p:clrMapOvr>
+    <a:masterClrMapping/>
+  </p:clrMapOvr>
+</p:sld>
+</file>
+
+<file path=ppt/slides/slide115.xml><?xml version="1.0" encoding="utf-8"?>
+<p:sld xmlns:a="http://schemas.openxmlformats.org/drawingml/2006/main" xmlns:r="http://schemas.openxmlformats.org/officeDocument/2006/relationships" xmlns:p="http://schemas.openxmlformats.org/presentationml/2006/main">
+  <p:cSld>
+    <p:spTree>
+      <p:nvGrpSpPr>
+        <p:cNvPr id="1" name=""/>
+        <p:cNvGrpSpPr/>
+        <p:nvPr/>
+      </p:nvGrpSpPr>
+      <p:grpSpPr>
+        <a:xfrm>
+          <a:off x="0" y="0"/>
+          <a:ext cx="0" cy="0"/>
+          <a:chOff x="0" y="0"/>
+          <a:chExt cx="0" cy="0"/>
+        </a:xfrm>
+      </p:grpSpPr>
+      <p:sp>
+        <p:nvSpPr>
+          <p:cNvPr id="2" name="Title 1"/>
+          <p:cNvSpPr>
+            <a:spLocks noGrp="1"/>
+          </p:cNvSpPr>
+          <p:nvPr>
+            <p:ph type="title"/>
+          </p:nvPr>
+        </p:nvSpPr>
+        <p:spPr/>
+        <p:txBody>
+          <a:bodyPr/>
+          <a:lstStyle/>
+          <a:p>
+            <a:r>
+              <a:rPr lang="es-ES_tradnl" dirty="0" smtClean="0"/>
+              <a:t>Crear </a:t>
+            </a:r>
+            <a:r>
+              <a:rPr lang="es-ES_tradnl" dirty="0" err="1" smtClean="0"/>
+              <a:t>pointcuts</a:t>
+            </a:r>
+            <a:endParaRPr lang="es-ES_tradnl" dirty="0"/>
+          </a:p>
+        </p:txBody>
+      </p:sp>
+      <p:pic>
+        <p:nvPicPr>
+          <p:cNvPr id="4" name="Content Placeholder 3" descr="Screen shot 2011-11-17 at 2.54.19 PM.png"/>
+          <p:cNvPicPr>
+            <a:picLocks noGrp="1" noChangeAspect="1"/>
+          </p:cNvPicPr>
+          <p:nvPr>
+            <p:ph idx="1"/>
+          </p:nvPr>
+        </p:nvPicPr>
+        <p:blipFill>
+          <a:blip r:embed="rId2">
+            <a:extLst>
+              <a:ext uri="{28A0092B-C50C-407E-A947-70E740481C1C}">
+                <a14:useLocalDpi xmlns:a14="http://schemas.microsoft.com/office/drawing/2010/main" val="0"/>
+              </a:ext>
+            </a:extLst>
+          </a:blip>
+          <a:srcRect t="-39601" b="-39601"/>
+          <a:stretch>
+            <a:fillRect/>
+          </a:stretch>
+        </p:blipFill>
+        <p:spPr/>
+      </p:pic>
+    </p:spTree>
+    <p:extLst>
+      <p:ext uri="{BB962C8B-B14F-4D97-AF65-F5344CB8AC3E}">
+        <p14:creationId xmlns:p14="http://schemas.microsoft.com/office/powerpoint/2010/main" val="2919543192"/>
+      </p:ext>
+    </p:extLst>
+  </p:cSld>
+  <p:clrMapOvr>
+    <a:masterClrMapping/>
+  </p:clrMapOvr>
+</p:sld>
+</file>
+
+<file path=ppt/slides/slide116.xml><?xml version="1.0" encoding="utf-8"?>
+<p:sld xmlns:a="http://schemas.openxmlformats.org/drawingml/2006/main" xmlns:r="http://schemas.openxmlformats.org/officeDocument/2006/relationships" xmlns:p="http://schemas.openxmlformats.org/presentationml/2006/main">
+  <p:cSld>
+    <p:spTree>
+      <p:nvGrpSpPr>
+        <p:cNvPr id="1" name=""/>
+        <p:cNvGrpSpPr/>
+        <p:nvPr/>
+      </p:nvGrpSpPr>
+      <p:grpSpPr>
+        <a:xfrm>
+          <a:off x="0" y="0"/>
+          <a:ext cx="0" cy="0"/>
+          <a:chOff x="0" y="0"/>
+          <a:chExt cx="0" cy="0"/>
+        </a:xfrm>
+      </p:grpSpPr>
+      <p:sp>
+        <p:nvSpPr>
+          <p:cNvPr id="2" name="Title 1"/>
+          <p:cNvSpPr>
+            <a:spLocks noGrp="1"/>
+          </p:cNvSpPr>
+          <p:nvPr>
+            <p:ph type="title"/>
+          </p:nvPr>
+        </p:nvSpPr>
+        <p:spPr/>
+        <p:txBody>
+          <a:bodyPr>
+            <a:normAutofit fontScale="90000"/>
+          </a:bodyPr>
+          <a:lstStyle/>
+          <a:p>
+            <a:r>
+              <a:rPr lang="es-ES_tradnl" dirty="0" err="1" smtClean="0"/>
+              <a:t>Designador</a:t>
+            </a:r>
+            <a:r>
+              <a:rPr lang="es-ES_tradnl" dirty="0" smtClean="0"/>
+              <a:t> </a:t>
+            </a:r>
+            <a:r>
+              <a:rPr lang="es-ES_tradnl" dirty="0" err="1" smtClean="0"/>
+              <a:t>bean</a:t>
+            </a:r>
+            <a:r>
+              <a:rPr lang="es-ES_tradnl" dirty="0" smtClean="0"/>
+              <a:t>() de Spring</a:t>
+            </a:r>
+            <a:endParaRPr lang="es-ES_tradnl" dirty="0"/>
+          </a:p>
+        </p:txBody>
+      </p:sp>
+      <p:pic>
+        <p:nvPicPr>
+          <p:cNvPr id="6" name="Content Placeholder 5" descr="Screen shot 2011-11-17 at 2.56.14 PM.png"/>
+          <p:cNvPicPr>
+            <a:picLocks noGrp="1" noChangeAspect="1"/>
+          </p:cNvPicPr>
+          <p:nvPr>
+            <p:ph sz="quarter" idx="13"/>
+          </p:nvPr>
+        </p:nvPicPr>
+        <p:blipFill>
+          <a:blip r:embed="rId2">
+            <a:extLst>
+              <a:ext uri="{28A0092B-C50C-407E-A947-70E740481C1C}">
+                <a14:useLocalDpi xmlns:a14="http://schemas.microsoft.com/office/drawing/2010/main" val="0"/>
+              </a:ext>
+            </a:extLst>
+          </a:blip>
+          <a:srcRect t="-111378" b="-111378"/>
+          <a:stretch>
+            <a:fillRect/>
+          </a:stretch>
+        </p:blipFill>
+        <p:spPr>
+          <a:xfrm>
+            <a:off x="1042416" y="2313432"/>
+            <a:ext cx="7022592" cy="1740618"/>
+          </a:xfrm>
+        </p:spPr>
+      </p:pic>
+      <p:pic>
+        <p:nvPicPr>
+          <p:cNvPr id="7" name="Content Placeholder 6" descr="Screen shot 2011-11-17 at 2.56.24 PM.png"/>
+          <p:cNvPicPr>
+            <a:picLocks noGrp="1" noChangeAspect="1"/>
+          </p:cNvPicPr>
+          <p:nvPr>
+            <p:ph sz="quarter" idx="14"/>
+          </p:nvPr>
+        </p:nvPicPr>
+        <p:blipFill>
+          <a:blip r:embed="rId3">
+            <a:extLst>
+              <a:ext uri="{28A0092B-C50C-407E-A947-70E740481C1C}">
+                <a14:useLocalDpi xmlns:a14="http://schemas.microsoft.com/office/drawing/2010/main" val="0"/>
+              </a:ext>
+            </a:extLst>
+          </a:blip>
+          <a:srcRect t="-103796" b="-103796"/>
+          <a:stretch>
+            <a:fillRect/>
+          </a:stretch>
+        </p:blipFill>
+        <p:spPr>
+          <a:xfrm>
+            <a:off x="1042416" y="4054049"/>
+            <a:ext cx="7022592" cy="1752389"/>
+          </a:xfrm>
+        </p:spPr>
+      </p:pic>
+    </p:spTree>
+    <p:extLst>
+      <p:ext uri="{BB962C8B-B14F-4D97-AF65-F5344CB8AC3E}">
+        <p14:creationId xmlns:p14="http://schemas.microsoft.com/office/powerpoint/2010/main" val="937095663"/>
+      </p:ext>
+    </p:extLst>
+  </p:cSld>
+  <p:clrMapOvr>
+    <a:masterClrMapping/>
+  </p:clrMapOvr>
+</p:sld>
+</file>
+
+<file path=ppt/slides/slide117.xml><?xml version="1.0" encoding="utf-8"?>
+<p:sld xmlns:a="http://schemas.openxmlformats.org/drawingml/2006/main" xmlns:r="http://schemas.openxmlformats.org/officeDocument/2006/relationships" xmlns:p="http://schemas.openxmlformats.org/presentationml/2006/main">
+  <p:cSld>
+    <p:spTree>
+      <p:nvGrpSpPr>
+        <p:cNvPr id="1" name=""/>
+        <p:cNvGrpSpPr/>
+        <p:nvPr/>
+      </p:nvGrpSpPr>
+      <p:grpSpPr>
+        <a:xfrm>
+          <a:off x="0" y="0"/>
+          <a:ext cx="0" cy="0"/>
+          <a:chOff x="0" y="0"/>
+          <a:chExt cx="0" cy="0"/>
+        </a:xfrm>
+      </p:grpSpPr>
+      <p:sp>
+        <p:nvSpPr>
+          <p:cNvPr id="5" name="Title 4"/>
+          <p:cNvSpPr>
+            <a:spLocks noGrp="1"/>
+          </p:cNvSpPr>
+          <p:nvPr>
+            <p:ph type="title"/>
+          </p:nvPr>
+        </p:nvSpPr>
+        <p:spPr/>
+        <p:txBody>
+          <a:bodyPr/>
+          <a:lstStyle/>
+          <a:p>
+            <a:r>
+              <a:rPr lang="es-ES_tradnl" dirty="0" smtClean="0"/>
+              <a:t>AOP con XML</a:t>
+            </a:r>
+            <a:endParaRPr lang="es-ES_tradnl" dirty="0"/>
+          </a:p>
+        </p:txBody>
+      </p:sp>
+      <p:sp>
+        <p:nvSpPr>
+          <p:cNvPr id="6" name="Content Placeholder 5"/>
+          <p:cNvSpPr>
+            <a:spLocks noGrp="1"/>
+          </p:cNvSpPr>
+          <p:nvPr>
+            <p:ph idx="1"/>
+          </p:nvPr>
+        </p:nvSpPr>
+        <p:spPr/>
+        <p:txBody>
+          <a:bodyPr>
+            <a:normAutofit fontScale="92500" lnSpcReduction="10000"/>
+          </a:bodyPr>
+          <a:lstStyle/>
+          <a:p>
+            <a:r>
+              <a:rPr lang="es-ES_tradnl" dirty="0" smtClean="0"/>
+              <a:t>&lt;</a:t>
+            </a:r>
+            <a:r>
+              <a:rPr lang="es-ES_tradnl" dirty="0" err="1" smtClean="0"/>
+              <a:t>aop:advisor</a:t>
+            </a:r>
+            <a:r>
+              <a:rPr lang="es-ES_tradnl" dirty="0" smtClean="0"/>
+              <a:t>&gt;</a:t>
+            </a:r>
+          </a:p>
+          <a:p>
+            <a:pPr lvl="1"/>
+            <a:r>
+              <a:rPr lang="es-ES_tradnl" dirty="0" smtClean="0"/>
+              <a:t>Define un </a:t>
+            </a:r>
+            <a:r>
+              <a:rPr lang="es-ES_tradnl" i="1" dirty="0" err="1" smtClean="0"/>
+              <a:t>advisor</a:t>
+            </a:r>
+            <a:r>
+              <a:rPr lang="es-ES_tradnl" dirty="0" smtClean="0"/>
+              <a:t> de AOP</a:t>
+            </a:r>
+          </a:p>
+          <a:p>
+            <a:r>
+              <a:rPr lang="es-ES_tradnl" dirty="0" smtClean="0"/>
+              <a:t>&lt;</a:t>
+            </a:r>
+            <a:r>
+              <a:rPr lang="es-ES_tradnl" dirty="0" err="1" smtClean="0"/>
+              <a:t>aop:after</a:t>
+            </a:r>
+            <a:r>
+              <a:rPr lang="es-ES_tradnl" dirty="0" smtClean="0"/>
+              <a:t>&gt;</a:t>
+            </a:r>
+          </a:p>
+          <a:p>
+            <a:pPr lvl="1"/>
+            <a:r>
+              <a:rPr lang="es-ES_tradnl" dirty="0" smtClean="0"/>
+              <a:t>Define un </a:t>
+            </a:r>
+            <a:r>
+              <a:rPr lang="es-ES_tradnl" i="1" dirty="0" err="1" smtClean="0"/>
+              <a:t>advice</a:t>
+            </a:r>
+            <a:r>
+              <a:rPr lang="es-ES_tradnl" i="1" dirty="0" smtClean="0"/>
+              <a:t> </a:t>
+            </a:r>
+            <a:r>
+              <a:rPr lang="es-ES_tradnl" dirty="0" smtClean="0"/>
+              <a:t>de AOP</a:t>
+            </a:r>
+          </a:p>
+          <a:p>
+            <a:r>
+              <a:rPr lang="es-ES_tradnl" dirty="0" smtClean="0"/>
+              <a:t>&lt;</a:t>
+            </a:r>
+            <a:r>
+              <a:rPr lang="es-ES_tradnl" dirty="0" err="1" smtClean="0"/>
+              <a:t>aop:after-returning</a:t>
+            </a:r>
+            <a:r>
+              <a:rPr lang="es-ES_tradnl" dirty="0" smtClean="0"/>
+              <a:t>&gt;</a:t>
+            </a:r>
+          </a:p>
+          <a:p>
+            <a:pPr lvl="1"/>
+            <a:r>
+              <a:rPr lang="es-ES_tradnl" dirty="0"/>
+              <a:t>Define un </a:t>
+            </a:r>
+            <a:r>
+              <a:rPr lang="es-ES_tradnl" i="1" dirty="0" err="1"/>
+              <a:t>advice</a:t>
+            </a:r>
+            <a:r>
+              <a:rPr lang="es-ES_tradnl" i="1" dirty="0"/>
+              <a:t> </a:t>
+            </a:r>
+            <a:r>
+              <a:rPr lang="es-ES_tradnl" dirty="0"/>
+              <a:t>de </a:t>
+            </a:r>
+            <a:r>
+              <a:rPr lang="es-ES_tradnl" dirty="0" smtClean="0"/>
+              <a:t>AOP en donde regresa todo bien</a:t>
+            </a:r>
+          </a:p>
+          <a:p>
+            <a:r>
+              <a:rPr lang="es-ES_tradnl" dirty="0"/>
+              <a:t>&lt;</a:t>
+            </a:r>
+            <a:r>
+              <a:rPr lang="es-ES_tradnl" dirty="0" err="1"/>
+              <a:t>aop:after</a:t>
+            </a:r>
+            <a:r>
+              <a:rPr lang="es-ES_tradnl" dirty="0" err="1" smtClean="0"/>
+              <a:t>-throwing</a:t>
+            </a:r>
+            <a:r>
+              <a:rPr lang="es-ES_tradnl" dirty="0" smtClean="0"/>
+              <a:t>&gt;</a:t>
+            </a:r>
+            <a:endParaRPr lang="es-ES_tradnl" dirty="0"/>
+          </a:p>
+          <a:p>
+            <a:pPr lvl="1"/>
+            <a:r>
+              <a:rPr lang="es-ES_tradnl" dirty="0"/>
+              <a:t>Define un </a:t>
+            </a:r>
+            <a:r>
+              <a:rPr lang="es-ES_tradnl" i="1" dirty="0" err="1"/>
+              <a:t>advice</a:t>
+            </a:r>
+            <a:r>
+              <a:rPr lang="es-ES_tradnl" i="1" dirty="0"/>
+              <a:t> </a:t>
+            </a:r>
+            <a:r>
+              <a:rPr lang="es-ES_tradnl" dirty="0"/>
+              <a:t>de AOP en donde </a:t>
+            </a:r>
+            <a:r>
+              <a:rPr lang="es-ES_tradnl" dirty="0" smtClean="0"/>
+              <a:t>se lanza una excepci</a:t>
+            </a:r>
+            <a:r>
+              <a:rPr lang="es-ES_tradnl" dirty="0" smtClean="0"/>
+              <a:t>ón</a:t>
+            </a:r>
+            <a:endParaRPr lang="es-ES_tradnl" dirty="0"/>
+          </a:p>
+          <a:p>
+            <a:endParaRPr lang="es-ES_tradnl" dirty="0"/>
+          </a:p>
+        </p:txBody>
+      </p:sp>
+    </p:spTree>
+    <p:extLst>
+      <p:ext uri="{BB962C8B-B14F-4D97-AF65-F5344CB8AC3E}">
+        <p14:creationId xmlns:p14="http://schemas.microsoft.com/office/powerpoint/2010/main" val="4280513476"/>
+      </p:ext>
+    </p:extLst>
+  </p:cSld>
+  <p:clrMapOvr>
+    <a:masterClrMapping/>
+  </p:clrMapOvr>
+</p:sld>
+</file>
+
+<file path=ppt/slides/slide118.xml><?xml version="1.0" encoding="utf-8"?>
+<p:sld xmlns:a="http://schemas.openxmlformats.org/drawingml/2006/main" xmlns:r="http://schemas.openxmlformats.org/officeDocument/2006/relationships" xmlns:p="http://schemas.openxmlformats.org/presentationml/2006/main">
+  <p:cSld>
+    <p:spTree>
+      <p:nvGrpSpPr>
+        <p:cNvPr id="1" name=""/>
+        <p:cNvGrpSpPr/>
+        <p:nvPr/>
+      </p:nvGrpSpPr>
+      <p:grpSpPr>
+        <a:xfrm>
+          <a:off x="0" y="0"/>
+          <a:ext cx="0" cy="0"/>
+          <a:chOff x="0" y="0"/>
+          <a:chExt cx="0" cy="0"/>
+        </a:xfrm>
+      </p:grpSpPr>
+      <p:sp>
+        <p:nvSpPr>
+          <p:cNvPr id="2" name="Title 1"/>
+          <p:cNvSpPr>
+            <a:spLocks noGrp="1"/>
+          </p:cNvSpPr>
+          <p:nvPr>
+            <p:ph type="title"/>
+          </p:nvPr>
+        </p:nvSpPr>
+        <p:spPr/>
+        <p:txBody>
+          <a:bodyPr/>
+          <a:lstStyle/>
+          <a:p>
+            <a:r>
+              <a:rPr lang="es-ES_tradnl" dirty="0" smtClean="0"/>
+              <a:t>AOP con XML (cont.)</a:t>
+            </a:r>
+            <a:endParaRPr lang="es-ES_tradnl" dirty="0"/>
+          </a:p>
+        </p:txBody>
+      </p:sp>
+      <p:sp>
+        <p:nvSpPr>
+          <p:cNvPr id="3" name="Content Placeholder 2"/>
+          <p:cNvSpPr>
+            <a:spLocks noGrp="1"/>
+          </p:cNvSpPr>
+          <p:nvPr>
+            <p:ph idx="1"/>
+          </p:nvPr>
+        </p:nvSpPr>
+        <p:spPr/>
+        <p:txBody>
+          <a:bodyPr>
+            <a:normAutofit lnSpcReduction="10000"/>
+          </a:bodyPr>
+          <a:lstStyle/>
+          <a:p>
+            <a:r>
+              <a:rPr lang="es-ES_tradnl" dirty="0"/>
+              <a:t>&lt;</a:t>
+            </a:r>
+            <a:r>
+              <a:rPr lang="es-ES_tradnl" dirty="0" err="1" smtClean="0"/>
+              <a:t>aop:around</a:t>
+            </a:r>
+            <a:r>
+              <a:rPr lang="es-ES_tradnl" dirty="0" smtClean="0"/>
+              <a:t>&gt;</a:t>
+            </a:r>
+            <a:endParaRPr lang="es-ES_tradnl" dirty="0"/>
+          </a:p>
+          <a:p>
+            <a:pPr lvl="1"/>
+            <a:r>
+              <a:rPr lang="es-ES_tradnl" dirty="0"/>
+              <a:t>Define un </a:t>
+            </a:r>
+            <a:r>
+              <a:rPr lang="es-ES_tradnl" i="1" dirty="0" err="1"/>
+              <a:t>advice</a:t>
+            </a:r>
+            <a:r>
+              <a:rPr lang="es-ES_tradnl" i="1" dirty="0"/>
+              <a:t> </a:t>
+            </a:r>
+            <a:r>
+              <a:rPr lang="es-ES_tradnl" dirty="0"/>
+              <a:t>de AOP </a:t>
+            </a:r>
+            <a:r>
+              <a:rPr lang="es-ES_tradnl" dirty="0" smtClean="0"/>
+              <a:t>del tipo </a:t>
+            </a:r>
+            <a:r>
+              <a:rPr lang="es-ES_tradnl" dirty="0" err="1" smtClean="0"/>
+              <a:t>around</a:t>
+            </a:r>
+            <a:endParaRPr lang="es-ES_tradnl" dirty="0" smtClean="0"/>
+          </a:p>
+          <a:p>
+            <a:r>
+              <a:rPr lang="es-ES_tradnl" dirty="0"/>
+              <a:t>&lt;</a:t>
+            </a:r>
+            <a:r>
+              <a:rPr lang="es-ES_tradnl" dirty="0" err="1" smtClean="0"/>
+              <a:t>aop:aspect</a:t>
+            </a:r>
+            <a:r>
+              <a:rPr lang="es-ES_tradnl" dirty="0" smtClean="0"/>
+              <a:t>&gt;</a:t>
+            </a:r>
+            <a:endParaRPr lang="es-ES_tradnl" dirty="0"/>
+          </a:p>
+          <a:p>
+            <a:pPr lvl="1"/>
+            <a:r>
+              <a:rPr lang="es-ES_tradnl" dirty="0"/>
+              <a:t>Define un </a:t>
+            </a:r>
+            <a:r>
+              <a:rPr lang="es-ES_tradnl" i="1" dirty="0" err="1" smtClean="0"/>
+              <a:t>aspect</a:t>
+            </a:r>
+            <a:r>
+              <a:rPr lang="es-ES_tradnl" i="1" dirty="0" smtClean="0"/>
+              <a:t> </a:t>
+            </a:r>
+            <a:r>
+              <a:rPr lang="es-ES_tradnl" dirty="0"/>
+              <a:t>de </a:t>
+            </a:r>
+            <a:r>
+              <a:rPr lang="es-ES_tradnl" dirty="0" smtClean="0"/>
+              <a:t>AOP</a:t>
+            </a:r>
+            <a:endParaRPr lang="es-ES_tradnl" dirty="0"/>
+          </a:p>
+          <a:p>
+            <a:r>
+              <a:rPr lang="es-ES_tradnl" dirty="0"/>
+              <a:t>&lt;</a:t>
+            </a:r>
+            <a:r>
+              <a:rPr lang="es-ES_tradnl" dirty="0" err="1" smtClean="0"/>
+              <a:t>aop:aspectj-autoproxy</a:t>
+            </a:r>
+            <a:r>
+              <a:rPr lang="es-ES_tradnl" dirty="0" smtClean="0"/>
+              <a:t>&gt;</a:t>
+            </a:r>
+            <a:endParaRPr lang="es-ES_tradnl" dirty="0"/>
+          </a:p>
+          <a:p>
+            <a:pPr lvl="1"/>
+            <a:r>
+              <a:rPr lang="es-ES_tradnl" dirty="0" smtClean="0"/>
+              <a:t>Habilita aspectos de @</a:t>
+            </a:r>
+            <a:r>
+              <a:rPr lang="es-ES_tradnl" dirty="0" err="1" smtClean="0"/>
+              <a:t>AspectJ</a:t>
+            </a:r>
+            <a:r>
+              <a:rPr lang="es-ES_tradnl" dirty="0" smtClean="0"/>
+              <a:t> manejados por anotaciones</a:t>
+            </a:r>
+          </a:p>
+          <a:p>
+            <a:r>
+              <a:rPr lang="es-ES_tradnl" dirty="0"/>
+              <a:t>&lt;</a:t>
+            </a:r>
+            <a:r>
+              <a:rPr lang="es-ES_tradnl" dirty="0" err="1"/>
+              <a:t>aop:before</a:t>
+            </a:r>
+            <a:r>
+              <a:rPr lang="es-ES_tradnl" dirty="0"/>
+              <a:t>&gt;</a:t>
+            </a:r>
+          </a:p>
+          <a:p>
+            <a:pPr lvl="1"/>
+            <a:r>
+              <a:rPr lang="es-ES_tradnl" dirty="0"/>
+              <a:t>Define un </a:t>
+            </a:r>
+            <a:r>
+              <a:rPr lang="es-ES_tradnl" i="1" dirty="0" err="1"/>
+              <a:t>advice</a:t>
+            </a:r>
+            <a:r>
+              <a:rPr lang="es-ES_tradnl" i="1" dirty="0"/>
+              <a:t> </a:t>
+            </a:r>
+            <a:r>
+              <a:rPr lang="es-ES_tradnl" dirty="0"/>
+              <a:t>de AOP del tipo </a:t>
+            </a:r>
+            <a:r>
+              <a:rPr lang="es-ES_tradnl" i="1" dirty="0" err="1" smtClean="0"/>
+              <a:t>before</a:t>
+            </a:r>
+            <a:endParaRPr lang="es-ES_tradnl" b="1" dirty="0"/>
+          </a:p>
+        </p:txBody>
+      </p:sp>
+    </p:spTree>
+    <p:extLst>
+      <p:ext uri="{BB962C8B-B14F-4D97-AF65-F5344CB8AC3E}">
+        <p14:creationId xmlns:p14="http://schemas.microsoft.com/office/powerpoint/2010/main" val="1934507872"/>
+      </p:ext>
+    </p:extLst>
+  </p:cSld>
+  <p:clrMapOvr>
+    <a:masterClrMapping/>
+  </p:clrMapOvr>
+</p:sld>
+</file>
+
+<file path=ppt/slides/slide119.xml><?xml version="1.0" encoding="utf-8"?>
+<p:sld xmlns:a="http://schemas.openxmlformats.org/drawingml/2006/main" xmlns:r="http://schemas.openxmlformats.org/officeDocument/2006/relationships" xmlns:p="http://schemas.openxmlformats.org/presentationml/2006/main">
+  <p:cSld>
+    <p:spTree>
+      <p:nvGrpSpPr>
+        <p:cNvPr id="1" name=""/>
+        <p:cNvGrpSpPr/>
+        <p:nvPr/>
+      </p:nvGrpSpPr>
+      <p:grpSpPr>
+        <a:xfrm>
+          <a:off x="0" y="0"/>
+          <a:ext cx="0" cy="0"/>
+          <a:chOff x="0" y="0"/>
+          <a:chExt cx="0" cy="0"/>
+        </a:xfrm>
+      </p:grpSpPr>
+      <p:sp>
+        <p:nvSpPr>
+          <p:cNvPr id="2" name="Title 1"/>
+          <p:cNvSpPr>
+            <a:spLocks noGrp="1"/>
+          </p:cNvSpPr>
+          <p:nvPr>
+            <p:ph type="title"/>
+          </p:nvPr>
+        </p:nvSpPr>
+        <p:spPr/>
+        <p:txBody>
+          <a:bodyPr/>
+          <a:lstStyle/>
+          <a:p>
+            <a:r>
+              <a:rPr lang="es-ES_tradnl" dirty="0" smtClean="0"/>
+              <a:t>AOP con XML (cont.)</a:t>
+            </a:r>
+            <a:endParaRPr lang="es-ES_tradnl" dirty="0"/>
+          </a:p>
+        </p:txBody>
+      </p:sp>
+      <p:sp>
+        <p:nvSpPr>
+          <p:cNvPr id="3" name="Content Placeholder 2"/>
+          <p:cNvSpPr>
+            <a:spLocks noGrp="1"/>
+          </p:cNvSpPr>
+          <p:nvPr>
+            <p:ph idx="1"/>
+          </p:nvPr>
+        </p:nvSpPr>
+        <p:spPr/>
+        <p:txBody>
+          <a:bodyPr>
+            <a:normAutofit fontScale="92500" lnSpcReduction="10000"/>
+          </a:bodyPr>
+          <a:lstStyle/>
+          <a:p>
+            <a:r>
+              <a:rPr lang="es-ES_tradnl" dirty="0" smtClean="0"/>
+              <a:t>&lt;</a:t>
+            </a:r>
+            <a:r>
+              <a:rPr lang="es-ES_tradnl" dirty="0" err="1" smtClean="0"/>
+              <a:t>aop:config</a:t>
+            </a:r>
+            <a:r>
+              <a:rPr lang="es-ES_tradnl" dirty="0" smtClean="0"/>
+              <a:t>&gt;</a:t>
+            </a:r>
+            <a:endParaRPr lang="es-ES_tradnl" dirty="0"/>
+          </a:p>
+          <a:p>
+            <a:pPr lvl="1"/>
+            <a:r>
+              <a:rPr lang="es-ES_tradnl" dirty="0" smtClean="0"/>
+              <a:t>El elemento de m</a:t>
+            </a:r>
+            <a:r>
+              <a:rPr lang="es-ES_tradnl" dirty="0" smtClean="0"/>
+              <a:t>ás alto nivel de AOP. La mayoría de los elementos &lt;</a:t>
+            </a:r>
+            <a:r>
+              <a:rPr lang="es-ES_tradnl" dirty="0" err="1" smtClean="0"/>
+              <a:t>aop</a:t>
+            </a:r>
+            <a:r>
+              <a:rPr lang="es-ES_tradnl" dirty="0" smtClean="0"/>
+              <a:t>:*&gt; deben estar contenidos dentro de este elemento.</a:t>
+            </a:r>
+            <a:endParaRPr lang="es-ES_tradnl" dirty="0"/>
+          </a:p>
+          <a:p>
+            <a:r>
+              <a:rPr lang="es-ES_tradnl" dirty="0"/>
+              <a:t>&lt;</a:t>
+            </a:r>
+            <a:r>
+              <a:rPr lang="es-ES_tradnl" dirty="0" err="1" smtClean="0"/>
+              <a:t>aop:declare-parents</a:t>
+            </a:r>
+            <a:r>
+              <a:rPr lang="es-ES_tradnl" dirty="0" smtClean="0"/>
+              <a:t>&gt;</a:t>
+            </a:r>
+          </a:p>
+          <a:p>
+            <a:pPr lvl="1"/>
+            <a:r>
+              <a:rPr lang="es-ES_tradnl" dirty="0" smtClean="0"/>
+              <a:t>Le agrega interfaces a los componentes aconsejados que son implementadas transparentemente</a:t>
+            </a:r>
+          </a:p>
+          <a:p>
+            <a:r>
+              <a:rPr lang="es-ES_tradnl" dirty="0" smtClean="0"/>
+              <a:t>&lt;</a:t>
+            </a:r>
+            <a:r>
+              <a:rPr lang="es-ES_tradnl" dirty="0" err="1" smtClean="0"/>
+              <a:t>aop:pointcut</a:t>
+            </a:r>
+            <a:r>
+              <a:rPr lang="es-ES_tradnl" dirty="0" smtClean="0"/>
+              <a:t>&gt;</a:t>
+            </a:r>
+          </a:p>
+          <a:p>
+            <a:pPr lvl="1"/>
+            <a:r>
+              <a:rPr lang="es-ES_tradnl" dirty="0" smtClean="0"/>
+              <a:t>Define un </a:t>
+            </a:r>
+            <a:r>
+              <a:rPr lang="es-ES_tradnl" i="1" dirty="0" err="1" smtClean="0"/>
+              <a:t>pointcut</a:t>
+            </a:r>
+            <a:r>
+              <a:rPr lang="es-ES_tradnl" dirty="0" smtClean="0"/>
+              <a:t> de AOP</a:t>
+            </a:r>
+            <a:endParaRPr lang="es-ES_tradnl" dirty="0"/>
+          </a:p>
+        </p:txBody>
+      </p:sp>
+    </p:spTree>
+    <p:extLst>
+      <p:ext uri="{BB962C8B-B14F-4D97-AF65-F5344CB8AC3E}">
+        <p14:creationId xmlns:p14="http://schemas.microsoft.com/office/powerpoint/2010/main" val="1345580311"/>
+      </p:ext>
+    </p:extLst>
+  </p:cSld>
+  <p:clrMapOvr>
+    <a:masterClrMapping/>
+  </p:clrMapOvr>
+</p:sld>
+</file>
+
 <file path=ppt/slides/slide12.xml><?xml version="1.0" encoding="utf-8"?>
 <p:sld xmlns:a="http://schemas.openxmlformats.org/drawingml/2006/main" xmlns:r="http://schemas.openxmlformats.org/officeDocument/2006/relationships" xmlns:p="http://schemas.openxmlformats.org/presentationml/2006/main">
   <p:cSld>
@@ -15322,6 +18128,840 @@
     <p:extLst>
       <p:ext uri="{BB962C8B-B14F-4D97-AF65-F5344CB8AC3E}">
         <p14:creationId xmlns:p14="http://schemas.microsoft.com/office/powerpoint/2010/main" val="3234535529"/>
+      </p:ext>
+    </p:extLst>
+  </p:cSld>
+  <p:clrMapOvr>
+    <a:masterClrMapping/>
+  </p:clrMapOvr>
+  <p:timing>
+    <p:tnLst>
+      <p:par>
+        <p:cTn xmlns:p14="http://schemas.microsoft.com/office/powerpoint/2010/main" id="1" dur="indefinite" restart="never" nodeType="tmRoot"/>
+      </p:par>
+    </p:tnLst>
+  </p:timing>
+</p:sld>
+</file>
+
+<file path=ppt/slides/slide120.xml><?xml version="1.0" encoding="utf-8"?>
+<p:sld xmlns:a="http://schemas.openxmlformats.org/drawingml/2006/main" xmlns:r="http://schemas.openxmlformats.org/officeDocument/2006/relationships" xmlns:p="http://schemas.openxmlformats.org/presentationml/2006/main">
+  <p:cSld>
+    <p:spTree>
+      <p:nvGrpSpPr>
+        <p:cNvPr id="1" name=""/>
+        <p:cNvGrpSpPr/>
+        <p:nvPr/>
+      </p:nvGrpSpPr>
+      <p:grpSpPr>
+        <a:xfrm>
+          <a:off x="0" y="0"/>
+          <a:ext cx="0" cy="0"/>
+          <a:chOff x="0" y="0"/>
+          <a:chExt cx="0" cy="0"/>
+        </a:xfrm>
+      </p:grpSpPr>
+      <p:sp>
+        <p:nvSpPr>
+          <p:cNvPr id="2" name="Title 1"/>
+          <p:cNvSpPr>
+            <a:spLocks noGrp="1"/>
+          </p:cNvSpPr>
+          <p:nvPr>
+            <p:ph type="title"/>
+          </p:nvPr>
+        </p:nvSpPr>
+        <p:spPr/>
+        <p:txBody>
+          <a:bodyPr/>
+          <a:lstStyle/>
+          <a:p>
+            <a:r>
+              <a:rPr lang="es-ES_tradnl" dirty="0" smtClean="0"/>
+              <a:t>Clase que ofrece el </a:t>
+            </a:r>
+            <a:r>
+              <a:rPr lang="es-ES_tradnl" i="1" dirty="0" err="1" smtClean="0"/>
+              <a:t>advice</a:t>
+            </a:r>
+            <a:endParaRPr lang="es-ES_tradnl" dirty="0"/>
+          </a:p>
+        </p:txBody>
+      </p:sp>
+      <p:pic>
+        <p:nvPicPr>
+          <p:cNvPr id="4" name="Content Placeholder 3" descr="Screen shot 2011-11-17 at 3.12.23 PM.png"/>
+          <p:cNvPicPr>
+            <a:picLocks noGrp="1" noChangeAspect="1"/>
+          </p:cNvPicPr>
+          <p:nvPr>
+            <p:ph idx="1"/>
+          </p:nvPr>
+        </p:nvPicPr>
+        <p:blipFill>
+          <a:blip r:embed="rId2">
+            <a:extLst>
+              <a:ext uri="{28A0092B-C50C-407E-A947-70E740481C1C}">
+                <a14:useLocalDpi xmlns:a14="http://schemas.microsoft.com/office/drawing/2010/main" val="0"/>
+              </a:ext>
+            </a:extLst>
+          </a:blip>
+          <a:srcRect t="-4523" b="-4523"/>
+          <a:stretch>
+            <a:fillRect/>
+          </a:stretch>
+        </p:blipFill>
+        <p:spPr/>
+      </p:pic>
+    </p:spTree>
+    <p:extLst>
+      <p:ext uri="{BB962C8B-B14F-4D97-AF65-F5344CB8AC3E}">
+        <p14:creationId xmlns:p14="http://schemas.microsoft.com/office/powerpoint/2010/main" val="3982627487"/>
+      </p:ext>
+    </p:extLst>
+  </p:cSld>
+  <p:clrMapOvr>
+    <a:masterClrMapping/>
+  </p:clrMapOvr>
+</p:sld>
+</file>
+
+<file path=ppt/slides/slide121.xml><?xml version="1.0" encoding="utf-8"?>
+<p:sld xmlns:a="http://schemas.openxmlformats.org/drawingml/2006/main" xmlns:r="http://schemas.openxmlformats.org/officeDocument/2006/relationships" xmlns:p="http://schemas.openxmlformats.org/presentationml/2006/main">
+  <p:cSld>
+    <p:spTree>
+      <p:nvGrpSpPr>
+        <p:cNvPr id="1" name=""/>
+        <p:cNvGrpSpPr/>
+        <p:nvPr/>
+      </p:nvGrpSpPr>
+      <p:grpSpPr>
+        <a:xfrm>
+          <a:off x="0" y="0"/>
+          <a:ext cx="0" cy="0"/>
+          <a:chOff x="0" y="0"/>
+          <a:chExt cx="0" cy="0"/>
+        </a:xfrm>
+      </p:grpSpPr>
+      <p:sp>
+        <p:nvSpPr>
+          <p:cNvPr id="2" name="Title 1"/>
+          <p:cNvSpPr>
+            <a:spLocks noGrp="1"/>
+          </p:cNvSpPr>
+          <p:nvPr>
+            <p:ph type="title"/>
+          </p:nvPr>
+        </p:nvSpPr>
+        <p:spPr/>
+        <p:txBody>
+          <a:bodyPr/>
+          <a:lstStyle/>
+          <a:p>
+            <a:r>
+              <a:rPr lang="es-ES_tradnl" dirty="0" smtClean="0"/>
+              <a:t>Definici</a:t>
+            </a:r>
+            <a:r>
+              <a:rPr lang="es-ES_tradnl" dirty="0" smtClean="0"/>
+              <a:t>ón del </a:t>
+            </a:r>
+            <a:r>
+              <a:rPr lang="es-ES_tradnl" dirty="0" err="1" smtClean="0"/>
+              <a:t>bean</a:t>
+            </a:r>
+            <a:endParaRPr lang="es-ES_tradnl" dirty="0"/>
+          </a:p>
+        </p:txBody>
+      </p:sp>
+      <p:pic>
+        <p:nvPicPr>
+          <p:cNvPr id="4" name="Content Placeholder 3" descr="Screen shot 2011-11-17 at 3.12.49 PM.png"/>
+          <p:cNvPicPr>
+            <a:picLocks noGrp="1" noChangeAspect="1"/>
+          </p:cNvPicPr>
+          <p:nvPr>
+            <p:ph idx="1"/>
+          </p:nvPr>
+        </p:nvPicPr>
+        <p:blipFill>
+          <a:blip r:embed="rId2">
+            <a:extLst>
+              <a:ext uri="{28A0092B-C50C-407E-A947-70E740481C1C}">
+                <a14:useLocalDpi xmlns:a14="http://schemas.microsoft.com/office/drawing/2010/main" val="0"/>
+              </a:ext>
+            </a:extLst>
+          </a:blip>
+          <a:srcRect t="-279433" b="-279433"/>
+          <a:stretch>
+            <a:fillRect/>
+          </a:stretch>
+        </p:blipFill>
+        <p:spPr/>
+      </p:pic>
+    </p:spTree>
+    <p:extLst>
+      <p:ext uri="{BB962C8B-B14F-4D97-AF65-F5344CB8AC3E}">
+        <p14:creationId xmlns:p14="http://schemas.microsoft.com/office/powerpoint/2010/main" val="1162783169"/>
+      </p:ext>
+    </p:extLst>
+  </p:cSld>
+  <p:clrMapOvr>
+    <a:masterClrMapping/>
+  </p:clrMapOvr>
+</p:sld>
+</file>
+
+<file path=ppt/slides/slide122.xml><?xml version="1.0" encoding="utf-8"?>
+<p:sld xmlns:a="http://schemas.openxmlformats.org/drawingml/2006/main" xmlns:r="http://schemas.openxmlformats.org/officeDocument/2006/relationships" xmlns:p="http://schemas.openxmlformats.org/presentationml/2006/main">
+  <p:cSld>
+    <p:spTree>
+      <p:nvGrpSpPr>
+        <p:cNvPr id="1" name=""/>
+        <p:cNvGrpSpPr/>
+        <p:nvPr/>
+      </p:nvGrpSpPr>
+      <p:grpSpPr>
+        <a:xfrm>
+          <a:off x="0" y="0"/>
+          <a:ext cx="0" cy="0"/>
+          <a:chOff x="0" y="0"/>
+          <a:chExt cx="0" cy="0"/>
+        </a:xfrm>
+      </p:grpSpPr>
+      <p:sp>
+        <p:nvSpPr>
+          <p:cNvPr id="2" name="Title 1"/>
+          <p:cNvSpPr>
+            <a:spLocks noGrp="1"/>
+          </p:cNvSpPr>
+          <p:nvPr>
+            <p:ph type="title"/>
+          </p:nvPr>
+        </p:nvSpPr>
+        <p:spPr/>
+        <p:txBody>
+          <a:bodyPr/>
+          <a:lstStyle/>
+          <a:p>
+            <a:r>
+              <a:rPr lang="es-ES_tradnl" dirty="0" smtClean="0"/>
+              <a:t>Configuraci</a:t>
+            </a:r>
+            <a:r>
+              <a:rPr lang="es-ES_tradnl" dirty="0" smtClean="0"/>
+              <a:t>ón con XML</a:t>
+            </a:r>
+            <a:endParaRPr lang="es-ES_tradnl" dirty="0"/>
+          </a:p>
+        </p:txBody>
+      </p:sp>
+      <p:pic>
+        <p:nvPicPr>
+          <p:cNvPr id="4" name="Content Placeholder 3" descr="Screen shot 2011-11-17 at 3.14.49 PM.png"/>
+          <p:cNvPicPr>
+            <a:picLocks noGrp="1" noChangeAspect="1"/>
+          </p:cNvPicPr>
+          <p:nvPr>
+            <p:ph idx="1"/>
+          </p:nvPr>
+        </p:nvPicPr>
+        <p:blipFill>
+          <a:blip r:embed="rId2">
+            <a:extLst>
+              <a:ext uri="{28A0092B-C50C-407E-A947-70E740481C1C}">
+                <a14:useLocalDpi xmlns:a14="http://schemas.microsoft.com/office/drawing/2010/main" val="0"/>
+              </a:ext>
+            </a:extLst>
+          </a:blip>
+          <a:srcRect l="1021" r="1021"/>
+          <a:stretch>
+            <a:fillRect/>
+          </a:stretch>
+        </p:blipFill>
+        <p:spPr/>
+      </p:pic>
+    </p:spTree>
+    <p:extLst>
+      <p:ext uri="{BB962C8B-B14F-4D97-AF65-F5344CB8AC3E}">
+        <p14:creationId xmlns:p14="http://schemas.microsoft.com/office/powerpoint/2010/main" val="2432259499"/>
+      </p:ext>
+    </p:extLst>
+  </p:cSld>
+  <p:clrMapOvr>
+    <a:masterClrMapping/>
+  </p:clrMapOvr>
+</p:sld>
+</file>
+
+<file path=ppt/slides/slide123.xml><?xml version="1.0" encoding="utf-8"?>
+<p:sld xmlns:a="http://schemas.openxmlformats.org/drawingml/2006/main" xmlns:r="http://schemas.openxmlformats.org/officeDocument/2006/relationships" xmlns:p="http://schemas.openxmlformats.org/presentationml/2006/main">
+  <p:cSld>
+    <p:spTree>
+      <p:nvGrpSpPr>
+        <p:cNvPr id="1" name=""/>
+        <p:cNvGrpSpPr/>
+        <p:nvPr/>
+      </p:nvGrpSpPr>
+      <p:grpSpPr>
+        <a:xfrm>
+          <a:off x="0" y="0"/>
+          <a:ext cx="0" cy="0"/>
+          <a:chOff x="0" y="0"/>
+          <a:chExt cx="0" cy="0"/>
+        </a:xfrm>
+      </p:grpSpPr>
+      <p:sp>
+        <p:nvSpPr>
+          <p:cNvPr id="2" name="Title 1"/>
+          <p:cNvSpPr>
+            <a:spLocks noGrp="1"/>
+          </p:cNvSpPr>
+          <p:nvPr>
+            <p:ph type="title"/>
+          </p:nvPr>
+        </p:nvSpPr>
+        <p:spPr/>
+        <p:txBody>
+          <a:bodyPr/>
+          <a:lstStyle/>
+          <a:p>
+            <a:r>
+              <a:rPr lang="es-ES_tradnl" dirty="0" smtClean="0"/>
+              <a:t>Ejecuci</a:t>
+            </a:r>
+            <a:r>
+              <a:rPr lang="es-ES_tradnl" dirty="0" smtClean="0"/>
+              <a:t>ón</a:t>
+            </a:r>
+            <a:endParaRPr lang="es-ES_tradnl" dirty="0"/>
+          </a:p>
+        </p:txBody>
+      </p:sp>
+      <p:pic>
+        <p:nvPicPr>
+          <p:cNvPr id="4" name="Content Placeholder 3" descr="Screen shot 2011-11-17 at 4.29.18 PM.png"/>
+          <p:cNvPicPr>
+            <a:picLocks noGrp="1" noChangeAspect="1"/>
+          </p:cNvPicPr>
+          <p:nvPr>
+            <p:ph idx="1"/>
+          </p:nvPr>
+        </p:nvPicPr>
+        <p:blipFill>
+          <a:blip r:embed="rId2">
+            <a:extLst>
+              <a:ext uri="{28A0092B-C50C-407E-A947-70E740481C1C}">
+                <a14:useLocalDpi xmlns:a14="http://schemas.microsoft.com/office/drawing/2010/main" val="0"/>
+              </a:ext>
+            </a:extLst>
+          </a:blip>
+          <a:srcRect t="3328" b="3328"/>
+          <a:stretch>
+            <a:fillRect/>
+          </a:stretch>
+        </p:blipFill>
+        <p:spPr/>
+      </p:pic>
+    </p:spTree>
+    <p:extLst>
+      <p:ext uri="{BB962C8B-B14F-4D97-AF65-F5344CB8AC3E}">
+        <p14:creationId xmlns:p14="http://schemas.microsoft.com/office/powerpoint/2010/main" val="3115656449"/>
+      </p:ext>
+    </p:extLst>
+  </p:cSld>
+  <p:clrMapOvr>
+    <a:masterClrMapping/>
+  </p:clrMapOvr>
+</p:sld>
+</file>
+
+<file path=ppt/slides/slide124.xml><?xml version="1.0" encoding="utf-8"?>
+<p:sld xmlns:a="http://schemas.openxmlformats.org/drawingml/2006/main" xmlns:r="http://schemas.openxmlformats.org/officeDocument/2006/relationships" xmlns:p="http://schemas.openxmlformats.org/presentationml/2006/main">
+  <p:cSld>
+    <p:spTree>
+      <p:nvGrpSpPr>
+        <p:cNvPr id="1" name=""/>
+        <p:cNvGrpSpPr/>
+        <p:nvPr/>
+      </p:nvGrpSpPr>
+      <p:grpSpPr>
+        <a:xfrm>
+          <a:off x="0" y="0"/>
+          <a:ext cx="0" cy="0"/>
+          <a:chOff x="0" y="0"/>
+          <a:chExt cx="0" cy="0"/>
+        </a:xfrm>
+      </p:grpSpPr>
+      <p:sp>
+        <p:nvSpPr>
+          <p:cNvPr id="2" name="Title 1"/>
+          <p:cNvSpPr>
+            <a:spLocks noGrp="1"/>
+          </p:cNvSpPr>
+          <p:nvPr>
+            <p:ph type="title"/>
+          </p:nvPr>
+        </p:nvSpPr>
+        <p:spPr/>
+        <p:txBody>
+          <a:bodyPr/>
+          <a:lstStyle/>
+          <a:p>
+            <a:r>
+              <a:rPr lang="es-ES_tradnl" dirty="0" smtClean="0"/>
+              <a:t>Optimizando </a:t>
+            </a:r>
+            <a:r>
+              <a:rPr lang="es-ES_tradnl" dirty="0" err="1" smtClean="0"/>
+              <a:t>pointcut</a:t>
+            </a:r>
+            <a:endParaRPr lang="es-ES_tradnl" dirty="0"/>
+          </a:p>
+        </p:txBody>
+      </p:sp>
+      <p:pic>
+        <p:nvPicPr>
+          <p:cNvPr id="4" name="Content Placeholder 3" descr="Screen shot 2011-11-17 at 4.31.01 PM.png"/>
+          <p:cNvPicPr>
+            <a:picLocks noGrp="1" noChangeAspect="1"/>
+          </p:cNvPicPr>
+          <p:nvPr>
+            <p:ph idx="1"/>
+          </p:nvPr>
+        </p:nvPicPr>
+        <p:blipFill>
+          <a:blip r:embed="rId2">
+            <a:extLst>
+              <a:ext uri="{28A0092B-C50C-407E-A947-70E740481C1C}">
+                <a14:useLocalDpi xmlns:a14="http://schemas.microsoft.com/office/drawing/2010/main" val="0"/>
+              </a:ext>
+            </a:extLst>
+          </a:blip>
+          <a:srcRect t="1563" b="1563"/>
+          <a:stretch>
+            <a:fillRect/>
+          </a:stretch>
+        </p:blipFill>
+        <p:spPr/>
+      </p:pic>
+    </p:spTree>
+    <p:extLst>
+      <p:ext uri="{BB962C8B-B14F-4D97-AF65-F5344CB8AC3E}">
+        <p14:creationId xmlns:p14="http://schemas.microsoft.com/office/powerpoint/2010/main" val="3115656449"/>
+      </p:ext>
+    </p:extLst>
+  </p:cSld>
+  <p:clrMapOvr>
+    <a:masterClrMapping/>
+  </p:clrMapOvr>
+</p:sld>
+</file>
+
+<file path=ppt/slides/slide125.xml><?xml version="1.0" encoding="utf-8"?>
+<p:sld xmlns:a="http://schemas.openxmlformats.org/drawingml/2006/main" xmlns:r="http://schemas.openxmlformats.org/officeDocument/2006/relationships" xmlns:p="http://schemas.openxmlformats.org/presentationml/2006/main">
+  <p:cSld>
+    <p:spTree>
+      <p:nvGrpSpPr>
+        <p:cNvPr id="1" name=""/>
+        <p:cNvGrpSpPr/>
+        <p:nvPr/>
+      </p:nvGrpSpPr>
+      <p:grpSpPr>
+        <a:xfrm>
+          <a:off x="0" y="0"/>
+          <a:ext cx="0" cy="0"/>
+          <a:chOff x="0" y="0"/>
+          <a:chExt cx="0" cy="0"/>
+        </a:xfrm>
+      </p:grpSpPr>
+      <p:sp>
+        <p:nvSpPr>
+          <p:cNvPr id="2" name="Title 1"/>
+          <p:cNvSpPr>
+            <a:spLocks noGrp="1"/>
+          </p:cNvSpPr>
+          <p:nvPr>
+            <p:ph type="title"/>
+          </p:nvPr>
+        </p:nvSpPr>
+        <p:spPr/>
+        <p:txBody>
+          <a:bodyPr/>
+          <a:lstStyle/>
+          <a:p>
+            <a:r>
+              <a:rPr lang="es-ES_tradnl" dirty="0" smtClean="0"/>
+              <a:t>Implementando </a:t>
+            </a:r>
+            <a:r>
+              <a:rPr lang="es-ES_tradnl" i="1" dirty="0" err="1" smtClean="0"/>
+              <a:t>around</a:t>
+            </a:r>
+            <a:endParaRPr lang="es-ES_tradnl" dirty="0"/>
+          </a:p>
+        </p:txBody>
+      </p:sp>
+      <p:pic>
+        <p:nvPicPr>
+          <p:cNvPr id="4" name="Content Placeholder 3" descr="Screen shot 2011-11-17 at 4.33.09 PM.png"/>
+          <p:cNvPicPr>
+            <a:picLocks noGrp="1" noChangeAspect="1"/>
+          </p:cNvPicPr>
+          <p:nvPr>
+            <p:ph idx="1"/>
+          </p:nvPr>
+        </p:nvPicPr>
+        <p:blipFill>
+          <a:blip r:embed="rId2">
+            <a:extLst>
+              <a:ext uri="{28A0092B-C50C-407E-A947-70E740481C1C}">
+                <a14:useLocalDpi xmlns:a14="http://schemas.microsoft.com/office/drawing/2010/main" val="0"/>
+              </a:ext>
+            </a:extLst>
+          </a:blip>
+          <a:srcRect t="-12786" b="-12786"/>
+          <a:stretch>
+            <a:fillRect/>
+          </a:stretch>
+        </p:blipFill>
+        <p:spPr/>
+      </p:pic>
+    </p:spTree>
+    <p:extLst>
+      <p:ext uri="{BB962C8B-B14F-4D97-AF65-F5344CB8AC3E}">
+        <p14:creationId xmlns:p14="http://schemas.microsoft.com/office/powerpoint/2010/main" val="3115656449"/>
+      </p:ext>
+    </p:extLst>
+  </p:cSld>
+  <p:clrMapOvr>
+    <a:masterClrMapping/>
+  </p:clrMapOvr>
+</p:sld>
+</file>
+
+<file path=ppt/slides/slide126.xml><?xml version="1.0" encoding="utf-8"?>
+<p:sld xmlns:a="http://schemas.openxmlformats.org/drawingml/2006/main" xmlns:r="http://schemas.openxmlformats.org/officeDocument/2006/relationships" xmlns:p="http://schemas.openxmlformats.org/presentationml/2006/main">
+  <p:cSld>
+    <p:spTree>
+      <p:nvGrpSpPr>
+        <p:cNvPr id="1" name=""/>
+        <p:cNvGrpSpPr/>
+        <p:nvPr/>
+      </p:nvGrpSpPr>
+      <p:grpSpPr>
+        <a:xfrm>
+          <a:off x="0" y="0"/>
+          <a:ext cx="0" cy="0"/>
+          <a:chOff x="0" y="0"/>
+          <a:chExt cx="0" cy="0"/>
+        </a:xfrm>
+      </p:grpSpPr>
+      <p:sp>
+        <p:nvSpPr>
+          <p:cNvPr id="2" name="Title 1"/>
+          <p:cNvSpPr>
+            <a:spLocks noGrp="1"/>
+          </p:cNvSpPr>
+          <p:nvPr>
+            <p:ph type="title"/>
+          </p:nvPr>
+        </p:nvSpPr>
+        <p:spPr/>
+        <p:txBody>
+          <a:bodyPr/>
+          <a:lstStyle/>
+          <a:p>
+            <a:r>
+              <a:rPr lang="es-ES_tradnl" dirty="0" smtClean="0"/>
+              <a:t>Configurando </a:t>
+            </a:r>
+            <a:r>
+              <a:rPr lang="es-ES_tradnl" i="1" dirty="0" err="1" smtClean="0"/>
+              <a:t>around</a:t>
+            </a:r>
+            <a:endParaRPr lang="es-ES_tradnl" dirty="0"/>
+          </a:p>
+        </p:txBody>
+      </p:sp>
+      <p:pic>
+        <p:nvPicPr>
+          <p:cNvPr id="4" name="Content Placeholder 3" descr="Screen shot 2011-11-17 at 5.26.41 PM.png"/>
+          <p:cNvPicPr>
+            <a:picLocks noGrp="1" noChangeAspect="1"/>
+          </p:cNvPicPr>
+          <p:nvPr>
+            <p:ph idx="1"/>
+          </p:nvPr>
+        </p:nvPicPr>
+        <p:blipFill>
+          <a:blip r:embed="rId2">
+            <a:extLst>
+              <a:ext uri="{28A0092B-C50C-407E-A947-70E740481C1C}">
+                <a14:useLocalDpi xmlns:a14="http://schemas.microsoft.com/office/drawing/2010/main" val="0"/>
+              </a:ext>
+            </a:extLst>
+          </a:blip>
+          <a:srcRect t="-38227" b="-38227"/>
+          <a:stretch>
+            <a:fillRect/>
+          </a:stretch>
+        </p:blipFill>
+        <p:spPr/>
+      </p:pic>
+    </p:spTree>
+    <p:extLst>
+      <p:ext uri="{BB962C8B-B14F-4D97-AF65-F5344CB8AC3E}">
+        <p14:creationId xmlns:p14="http://schemas.microsoft.com/office/powerpoint/2010/main" val="3115656449"/>
+      </p:ext>
+    </p:extLst>
+  </p:cSld>
+  <p:clrMapOvr>
+    <a:masterClrMapping/>
+  </p:clrMapOvr>
+</p:sld>
+</file>
+
+<file path=ppt/slides/slide127.xml><?xml version="1.0" encoding="utf-8"?>
+<p:sld xmlns:a="http://schemas.openxmlformats.org/drawingml/2006/main" xmlns:r="http://schemas.openxmlformats.org/officeDocument/2006/relationships" xmlns:p="http://schemas.openxmlformats.org/presentationml/2006/main">
+  <p:cSld>
+    <p:spTree>
+      <p:nvGrpSpPr>
+        <p:cNvPr id="1" name=""/>
+        <p:cNvGrpSpPr/>
+        <p:nvPr/>
+      </p:nvGrpSpPr>
+      <p:grpSpPr>
+        <a:xfrm>
+          <a:off x="0" y="0"/>
+          <a:ext cx="0" cy="0"/>
+          <a:chOff x="0" y="0"/>
+          <a:chExt cx="0" cy="0"/>
+        </a:xfrm>
+      </p:grpSpPr>
+      <p:sp>
+        <p:nvSpPr>
+          <p:cNvPr id="2" name="Title 1"/>
+          <p:cNvSpPr>
+            <a:spLocks noGrp="1"/>
+          </p:cNvSpPr>
+          <p:nvPr>
+            <p:ph type="title"/>
+          </p:nvPr>
+        </p:nvSpPr>
+        <p:spPr/>
+        <p:txBody>
+          <a:bodyPr/>
+          <a:lstStyle/>
+          <a:p>
+            <a:r>
+              <a:rPr lang="es-ES_tradnl" dirty="0" smtClean="0"/>
+              <a:t>Ejercicio</a:t>
+            </a:r>
+            <a:endParaRPr lang="es-ES_tradnl" dirty="0"/>
+          </a:p>
+        </p:txBody>
+      </p:sp>
+      <p:sp>
+        <p:nvSpPr>
+          <p:cNvPr id="3" name="Content Placeholder 2"/>
+          <p:cNvSpPr>
+            <a:spLocks noGrp="1"/>
+          </p:cNvSpPr>
+          <p:nvPr>
+            <p:ph idx="1"/>
+          </p:nvPr>
+        </p:nvSpPr>
+        <p:spPr/>
+        <p:txBody>
+          <a:bodyPr/>
+          <a:lstStyle/>
+          <a:p>
+            <a:r>
+              <a:rPr lang="es-ES_tradnl" dirty="0" smtClean="0"/>
+              <a:t>Trabajar con Lote y añadir un aspecto que imprima en consola el siguiente mensaje con aspectos</a:t>
+            </a:r>
+          </a:p>
+          <a:p>
+            <a:pPr lvl="1"/>
+            <a:r>
+              <a:rPr lang="es-ES_tradnl" dirty="0" smtClean="0"/>
+              <a:t>“Se esta comprando </a:t>
+            </a:r>
+            <a:r>
+              <a:rPr lang="es-ES_tradnl" dirty="0" smtClean="0"/>
+              <a:t>[nombre auto] a las [fecha]”</a:t>
+            </a:r>
+            <a:endParaRPr lang="es-ES_tradnl" dirty="0"/>
+          </a:p>
+        </p:txBody>
+      </p:sp>
+    </p:spTree>
+    <p:extLst>
+      <p:ext uri="{BB962C8B-B14F-4D97-AF65-F5344CB8AC3E}">
+        <p14:creationId xmlns:p14="http://schemas.microsoft.com/office/powerpoint/2010/main" val="3837961442"/>
+      </p:ext>
+    </p:extLst>
+  </p:cSld>
+  <p:clrMapOvr>
+    <a:masterClrMapping/>
+  </p:clrMapOvr>
+  <p:timing>
+    <p:tnLst>
+      <p:par>
+        <p:cTn xmlns:p14="http://schemas.microsoft.com/office/powerpoint/2010/main" id="1" dur="indefinite" restart="never" nodeType="tmRoot"/>
+      </p:par>
+    </p:tnLst>
+  </p:timing>
+</p:sld>
+</file>
+
+<file path=ppt/slides/slide128.xml><?xml version="1.0" encoding="utf-8"?>
+<p:sld xmlns:a="http://schemas.openxmlformats.org/drawingml/2006/main" xmlns:r="http://schemas.openxmlformats.org/officeDocument/2006/relationships" xmlns:p="http://schemas.openxmlformats.org/presentationml/2006/main">
+  <p:cSld>
+    <p:spTree>
+      <p:nvGrpSpPr>
+        <p:cNvPr id="1" name=""/>
+        <p:cNvGrpSpPr/>
+        <p:nvPr/>
+      </p:nvGrpSpPr>
+      <p:grpSpPr>
+        <a:xfrm>
+          <a:off x="0" y="0"/>
+          <a:ext cx="0" cy="0"/>
+          <a:chOff x="0" y="0"/>
+          <a:chExt cx="0" cy="0"/>
+        </a:xfrm>
+      </p:grpSpPr>
+      <p:sp>
+        <p:nvSpPr>
+          <p:cNvPr id="4" name="Title 3"/>
+          <p:cNvSpPr>
+            <a:spLocks noGrp="1"/>
+          </p:cNvSpPr>
+          <p:nvPr>
+            <p:ph type="title"/>
+          </p:nvPr>
+        </p:nvSpPr>
+        <p:spPr/>
+        <p:txBody>
+          <a:bodyPr/>
+          <a:lstStyle/>
+          <a:p>
+            <a:r>
+              <a:rPr lang="es-ES_tradnl" dirty="0" smtClean="0"/>
+              <a:t>B</a:t>
+            </a:r>
+            <a:r>
+              <a:rPr lang="es-ES_tradnl" dirty="0" smtClean="0"/>
+              <a:t>ásicos de Spring</a:t>
+            </a:r>
+            <a:endParaRPr lang="es-ES_tradnl" dirty="0"/>
+          </a:p>
+        </p:txBody>
+      </p:sp>
+      <p:sp>
+        <p:nvSpPr>
+          <p:cNvPr id="5" name="Text Placeholder 4"/>
+          <p:cNvSpPr>
+            <a:spLocks noGrp="1"/>
+          </p:cNvSpPr>
+          <p:nvPr>
+            <p:ph type="body" idx="1"/>
+          </p:nvPr>
+        </p:nvSpPr>
+        <p:spPr/>
+        <p:txBody>
+          <a:bodyPr/>
+          <a:lstStyle/>
+          <a:p>
+            <a:endParaRPr lang="es-ES_tradnl"/>
+          </a:p>
+        </p:txBody>
+      </p:sp>
+    </p:spTree>
+    <p:extLst>
+      <p:ext uri="{BB962C8B-B14F-4D97-AF65-F5344CB8AC3E}">
+        <p14:creationId xmlns:p14="http://schemas.microsoft.com/office/powerpoint/2010/main" val="1568619498"/>
+      </p:ext>
+    </p:extLst>
+  </p:cSld>
+  <p:clrMapOvr>
+    <a:masterClrMapping/>
+  </p:clrMapOvr>
+  <p:timing>
+    <p:tnLst>
+      <p:par>
+        <p:cTn xmlns:p14="http://schemas.microsoft.com/office/powerpoint/2010/main" id="1" dur="indefinite" restart="never" nodeType="tmRoot"/>
+      </p:par>
+    </p:tnLst>
+  </p:timing>
+</p:sld>
+</file>
+
+<file path=ppt/slides/slide129.xml><?xml version="1.0" encoding="utf-8"?>
+<p:sld xmlns:a="http://schemas.openxmlformats.org/drawingml/2006/main" xmlns:r="http://schemas.openxmlformats.org/officeDocument/2006/relationships" xmlns:p="http://schemas.openxmlformats.org/presentationml/2006/main">
+  <p:cSld>
+    <p:spTree>
+      <p:nvGrpSpPr>
+        <p:cNvPr id="1" name=""/>
+        <p:cNvGrpSpPr/>
+        <p:nvPr/>
+      </p:nvGrpSpPr>
+      <p:grpSpPr>
+        <a:xfrm>
+          <a:off x="0" y="0"/>
+          <a:ext cx="0" cy="0"/>
+          <a:chOff x="0" y="0"/>
+          <a:chExt cx="0" cy="0"/>
+        </a:xfrm>
+      </p:grpSpPr>
+      <p:sp>
+        <p:nvSpPr>
+          <p:cNvPr id="4" name="Title 3"/>
+          <p:cNvSpPr>
+            <a:spLocks noGrp="1"/>
+          </p:cNvSpPr>
+          <p:nvPr>
+            <p:ph type="title"/>
+          </p:nvPr>
+        </p:nvSpPr>
+        <p:spPr/>
+        <p:txBody>
+          <a:bodyPr/>
+          <a:lstStyle/>
+          <a:p>
+            <a:r>
+              <a:rPr lang="es-ES_tradnl" dirty="0" smtClean="0"/>
+              <a:t>Integrando Spring</a:t>
+            </a:r>
+            <a:endParaRPr lang="es-ES_tradnl" dirty="0"/>
+          </a:p>
+        </p:txBody>
+      </p:sp>
+      <p:sp>
+        <p:nvSpPr>
+          <p:cNvPr id="5" name="Text Placeholder 4"/>
+          <p:cNvSpPr>
+            <a:spLocks noGrp="1"/>
+          </p:cNvSpPr>
+          <p:nvPr>
+            <p:ph type="body" idx="1"/>
+          </p:nvPr>
+        </p:nvSpPr>
+        <p:spPr/>
+        <p:txBody>
+          <a:bodyPr/>
+          <a:lstStyle/>
+          <a:p>
+            <a:endParaRPr lang="es-ES_tradnl"/>
+          </a:p>
+        </p:txBody>
+      </p:sp>
+    </p:spTree>
+    <p:extLst>
+      <p:ext uri="{BB962C8B-B14F-4D97-AF65-F5344CB8AC3E}">
+        <p14:creationId xmlns:p14="http://schemas.microsoft.com/office/powerpoint/2010/main" val="1568619498"/>
       </p:ext>
     </p:extLst>
   </p:cSld>
@@ -23082,7 +26722,7 @@
               <a:t>Resource</a:t>
             </a:r>
             <a:r>
-              <a:rPr lang="es-ES_tradnl" smtClean="0"/>
+              <a:rPr lang="es-ES_tradnl" dirty="0" smtClean="0"/>
               <a:t> (JSR-250)</a:t>
             </a:r>
             <a:endParaRPr lang="es-ES_tradnl" dirty="0"/>
@@ -23136,6 +26776,3145 @@
           <a:p>
             <a:r>
               <a:rPr lang="es-ES_tradnl" dirty="0" smtClean="0"/>
+              <a:t>@</a:t>
+            </a:r>
+            <a:r>
+              <a:rPr lang="es-ES_tradnl" dirty="0" err="1" smtClean="0"/>
+              <a:t>Autowired</a:t>
+            </a:r>
+            <a:endParaRPr lang="es-ES_tradnl" dirty="0"/>
+          </a:p>
+        </p:txBody>
+      </p:sp>
+      <p:pic>
+        <p:nvPicPr>
+          <p:cNvPr id="6" name="Content Placeholder 5" descr="Screen shot 2011-11-17 at 8.17.08 AM.png"/>
+          <p:cNvPicPr>
+            <a:picLocks noGrp="1" noChangeAspect="1"/>
+          </p:cNvPicPr>
+          <p:nvPr>
+            <p:ph sz="quarter" idx="13"/>
+          </p:nvPr>
+        </p:nvPicPr>
+        <p:blipFill>
+          <a:blip r:embed="rId2">
+            <a:extLst>
+              <a:ext uri="{28A0092B-C50C-407E-A947-70E740481C1C}">
+                <a14:useLocalDpi xmlns:a14="http://schemas.microsoft.com/office/drawing/2010/main" val="0"/>
+              </a:ext>
+            </a:extLst>
+          </a:blip>
+          <a:srcRect t="-23414" b="-23414"/>
+          <a:stretch>
+            <a:fillRect/>
+          </a:stretch>
+        </p:blipFill>
+        <p:spPr>
+          <a:xfrm>
+            <a:off x="1042416" y="2313432"/>
+            <a:ext cx="7025818" cy="1750568"/>
+          </a:xfrm>
+        </p:spPr>
+      </p:pic>
+      <p:pic>
+        <p:nvPicPr>
+          <p:cNvPr id="7" name="Content Placeholder 6" descr="Screen shot 2011-11-17 at 8.17.37 AM.png"/>
+          <p:cNvPicPr>
+            <a:picLocks noGrp="1" noChangeAspect="1"/>
+          </p:cNvPicPr>
+          <p:nvPr>
+            <p:ph sz="quarter" idx="14"/>
+          </p:nvPr>
+        </p:nvPicPr>
+        <p:blipFill>
+          <a:blip r:embed="rId3">
+            <a:extLst>
+              <a:ext uri="{28A0092B-C50C-407E-A947-70E740481C1C}">
+                <a14:useLocalDpi xmlns:a14="http://schemas.microsoft.com/office/drawing/2010/main" val="0"/>
+              </a:ext>
+            </a:extLst>
+          </a:blip>
+          <a:srcRect t="-29011" b="-29011"/>
+          <a:stretch>
+            <a:fillRect/>
+          </a:stretch>
+        </p:blipFill>
+        <p:spPr>
+          <a:xfrm>
+            <a:off x="1043490" y="4063999"/>
+            <a:ext cx="7021518" cy="1742439"/>
+          </a:xfrm>
+        </p:spPr>
+      </p:pic>
+    </p:spTree>
+    <p:extLst>
+      <p:ext uri="{BB962C8B-B14F-4D97-AF65-F5344CB8AC3E}">
+        <p14:creationId xmlns:p14="http://schemas.microsoft.com/office/powerpoint/2010/main" val="68101372"/>
+      </p:ext>
+    </p:extLst>
+  </p:cSld>
+  <p:clrMapOvr>
+    <a:masterClrMapping/>
+  </p:clrMapOvr>
+</p:sld>
+</file>
+
+<file path=ppt/slides/slide77.xml><?xml version="1.0" encoding="utf-8"?>
+<p:sld xmlns:a="http://schemas.openxmlformats.org/drawingml/2006/main" xmlns:r="http://schemas.openxmlformats.org/officeDocument/2006/relationships" xmlns:p="http://schemas.openxmlformats.org/presentationml/2006/main">
+  <p:cSld>
+    <p:spTree>
+      <p:nvGrpSpPr>
+        <p:cNvPr id="1" name=""/>
+        <p:cNvGrpSpPr/>
+        <p:nvPr/>
+      </p:nvGrpSpPr>
+      <p:grpSpPr>
+        <a:xfrm>
+          <a:off x="0" y="0"/>
+          <a:ext cx="0" cy="0"/>
+          <a:chOff x="0" y="0"/>
+          <a:chExt cx="0" cy="0"/>
+        </a:xfrm>
+      </p:grpSpPr>
+      <p:sp>
+        <p:nvSpPr>
+          <p:cNvPr id="2" name="Title 1"/>
+          <p:cNvSpPr>
+            <a:spLocks noGrp="1"/>
+          </p:cNvSpPr>
+          <p:nvPr>
+            <p:ph type="title"/>
+          </p:nvPr>
+        </p:nvSpPr>
+        <p:spPr/>
+        <p:txBody>
+          <a:bodyPr/>
+          <a:lstStyle/>
+          <a:p>
+            <a:r>
+              <a:rPr lang="es-ES_tradnl" dirty="0" smtClean="0"/>
+              <a:t>@</a:t>
+            </a:r>
+            <a:r>
+              <a:rPr lang="es-ES_tradnl" dirty="0" err="1" smtClean="0"/>
+              <a:t>Autowired</a:t>
+            </a:r>
+            <a:endParaRPr lang="es-ES_tradnl" dirty="0"/>
+          </a:p>
+        </p:txBody>
+      </p:sp>
+      <p:pic>
+        <p:nvPicPr>
+          <p:cNvPr id="5" name="Content Placeholder 4" descr="Screen shot 2011-11-17 at 8.18.33 AM.png"/>
+          <p:cNvPicPr>
+            <a:picLocks noGrp="1" noChangeAspect="1"/>
+          </p:cNvPicPr>
+          <p:nvPr>
+            <p:ph sz="quarter" idx="13"/>
+          </p:nvPr>
+        </p:nvPicPr>
+        <p:blipFill>
+          <a:blip r:embed="rId2">
+            <a:extLst>
+              <a:ext uri="{28A0092B-C50C-407E-A947-70E740481C1C}">
+                <a14:useLocalDpi xmlns:a14="http://schemas.microsoft.com/office/drawing/2010/main" val="0"/>
+              </a:ext>
+            </a:extLst>
+          </a:blip>
+          <a:srcRect t="-20278" b="-20278"/>
+          <a:stretch>
+            <a:fillRect/>
+          </a:stretch>
+        </p:blipFill>
+        <p:spPr>
+          <a:xfrm>
+            <a:off x="1042416" y="2313432"/>
+            <a:ext cx="7022592" cy="1750568"/>
+          </a:xfrm>
+        </p:spPr>
+      </p:pic>
+      <p:pic>
+        <p:nvPicPr>
+          <p:cNvPr id="6" name="Content Placeholder 5" descr="Screen shot 2011-11-17 at 8.18.44 AM.png"/>
+          <p:cNvPicPr>
+            <a:picLocks noGrp="1" noChangeAspect="1"/>
+          </p:cNvPicPr>
+          <p:nvPr>
+            <p:ph sz="quarter" idx="14"/>
+          </p:nvPr>
+        </p:nvPicPr>
+        <p:blipFill>
+          <a:blip r:embed="rId3">
+            <a:extLst>
+              <a:ext uri="{28A0092B-C50C-407E-A947-70E740481C1C}">
+                <a14:useLocalDpi xmlns:a14="http://schemas.microsoft.com/office/drawing/2010/main" val="0"/>
+              </a:ext>
+            </a:extLst>
+          </a:blip>
+          <a:srcRect t="-31460" b="-31460"/>
+          <a:stretch>
+            <a:fillRect/>
+          </a:stretch>
+        </p:blipFill>
+        <p:spPr>
+          <a:xfrm>
+            <a:off x="1043490" y="4063999"/>
+            <a:ext cx="7021518" cy="1742439"/>
+          </a:xfrm>
+        </p:spPr>
+      </p:pic>
+    </p:spTree>
+    <p:extLst>
+      <p:ext uri="{BB962C8B-B14F-4D97-AF65-F5344CB8AC3E}">
+        <p14:creationId xmlns:p14="http://schemas.microsoft.com/office/powerpoint/2010/main" val="116099537"/>
+      </p:ext>
+    </p:extLst>
+  </p:cSld>
+  <p:clrMapOvr>
+    <a:masterClrMapping/>
+  </p:clrMapOvr>
+</p:sld>
+</file>
+
+<file path=ppt/slides/slide78.xml><?xml version="1.0" encoding="utf-8"?>
+<p:sld xmlns:a="http://schemas.openxmlformats.org/drawingml/2006/main" xmlns:r="http://schemas.openxmlformats.org/officeDocument/2006/relationships" xmlns:p="http://schemas.openxmlformats.org/presentationml/2006/main">
+  <p:cSld>
+    <p:spTree>
+      <p:nvGrpSpPr>
+        <p:cNvPr id="1" name=""/>
+        <p:cNvGrpSpPr/>
+        <p:nvPr/>
+      </p:nvGrpSpPr>
+      <p:grpSpPr>
+        <a:xfrm>
+          <a:off x="0" y="0"/>
+          <a:ext cx="0" cy="0"/>
+          <a:chOff x="0" y="0"/>
+          <a:chExt cx="0" cy="0"/>
+        </a:xfrm>
+      </p:grpSpPr>
+      <p:sp>
+        <p:nvSpPr>
+          <p:cNvPr id="5" name="Title 4"/>
+          <p:cNvSpPr>
+            <a:spLocks noGrp="1"/>
+          </p:cNvSpPr>
+          <p:nvPr>
+            <p:ph type="title"/>
+          </p:nvPr>
+        </p:nvSpPr>
+        <p:spPr/>
+        <p:txBody>
+          <a:bodyPr/>
+          <a:lstStyle/>
+          <a:p>
+            <a:r>
+              <a:rPr lang="es-ES_tradnl" dirty="0" smtClean="0"/>
+              <a:t>@</a:t>
+            </a:r>
+            <a:r>
+              <a:rPr lang="es-ES_tradnl" dirty="0" err="1" smtClean="0"/>
+              <a:t>Autowired</a:t>
+            </a:r>
+            <a:endParaRPr lang="es-ES_tradnl" dirty="0"/>
+          </a:p>
+        </p:txBody>
+      </p:sp>
+      <p:sp>
+        <p:nvSpPr>
+          <p:cNvPr id="6" name="Content Placeholder 5"/>
+          <p:cNvSpPr>
+            <a:spLocks noGrp="1"/>
+          </p:cNvSpPr>
+          <p:nvPr>
+            <p:ph idx="1"/>
+          </p:nvPr>
+        </p:nvSpPr>
+        <p:spPr/>
+        <p:txBody>
+          <a:bodyPr/>
+          <a:lstStyle/>
+          <a:p>
+            <a:r>
+              <a:rPr lang="es-ES_tradnl" dirty="0" smtClean="0"/>
+              <a:t>Limitantes</a:t>
+            </a:r>
+          </a:p>
+          <a:p>
+            <a:pPr lvl="1"/>
+            <a:r>
+              <a:rPr lang="es-ES_tradnl" dirty="0" smtClean="0"/>
+              <a:t>Debe de existir solo un </a:t>
+            </a:r>
+            <a:r>
+              <a:rPr lang="es-ES_tradnl" dirty="0" err="1" smtClean="0"/>
+              <a:t>bean</a:t>
+            </a:r>
+            <a:r>
+              <a:rPr lang="es-ES_tradnl" dirty="0" smtClean="0"/>
+              <a:t> que aplique para la asignaci</a:t>
+            </a:r>
+            <a:r>
+              <a:rPr lang="es-ES_tradnl" dirty="0" smtClean="0"/>
+              <a:t>ón</a:t>
+            </a:r>
+          </a:p>
+        </p:txBody>
+      </p:sp>
+    </p:spTree>
+    <p:extLst>
+      <p:ext uri="{BB962C8B-B14F-4D97-AF65-F5344CB8AC3E}">
+        <p14:creationId xmlns:p14="http://schemas.microsoft.com/office/powerpoint/2010/main" val="991119333"/>
+      </p:ext>
+    </p:extLst>
+  </p:cSld>
+  <p:clrMapOvr>
+    <a:masterClrMapping/>
+  </p:clrMapOvr>
+</p:sld>
+</file>
+
+<file path=ppt/slides/slide79.xml><?xml version="1.0" encoding="utf-8"?>
+<p:sld xmlns:a="http://schemas.openxmlformats.org/drawingml/2006/main" xmlns:r="http://schemas.openxmlformats.org/officeDocument/2006/relationships" xmlns:p="http://schemas.openxmlformats.org/presentationml/2006/main">
+  <p:cSld>
+    <p:spTree>
+      <p:nvGrpSpPr>
+        <p:cNvPr id="1" name=""/>
+        <p:cNvGrpSpPr/>
+        <p:nvPr/>
+      </p:nvGrpSpPr>
+      <p:grpSpPr>
+        <a:xfrm>
+          <a:off x="0" y="0"/>
+          <a:ext cx="0" cy="0"/>
+          <a:chOff x="0" y="0"/>
+          <a:chExt cx="0" cy="0"/>
+        </a:xfrm>
+      </p:grpSpPr>
+      <p:sp>
+        <p:nvSpPr>
+          <p:cNvPr id="2" name="Title 1"/>
+          <p:cNvSpPr>
+            <a:spLocks noGrp="1"/>
+          </p:cNvSpPr>
+          <p:nvPr>
+            <p:ph type="title"/>
+          </p:nvPr>
+        </p:nvSpPr>
+        <p:spPr/>
+        <p:txBody>
+          <a:bodyPr/>
+          <a:lstStyle/>
+          <a:p>
+            <a:r>
+              <a:rPr lang="es-ES_tradnl" dirty="0" smtClean="0"/>
+              <a:t>@</a:t>
+            </a:r>
+            <a:r>
+              <a:rPr lang="es-ES_tradnl" dirty="0" err="1" smtClean="0"/>
+              <a:t>Autowired</a:t>
+            </a:r>
+            <a:endParaRPr lang="es-ES_tradnl" dirty="0"/>
+          </a:p>
+        </p:txBody>
+      </p:sp>
+      <p:sp>
+        <p:nvSpPr>
+          <p:cNvPr id="3" name="Content Placeholder 2"/>
+          <p:cNvSpPr>
+            <a:spLocks noGrp="1"/>
+          </p:cNvSpPr>
+          <p:nvPr>
+            <p:ph sz="quarter" idx="13"/>
+          </p:nvPr>
+        </p:nvSpPr>
+        <p:spPr>
+          <a:xfrm>
+            <a:off x="1042416" y="2313432"/>
+            <a:ext cx="7022592" cy="1750568"/>
+          </a:xfrm>
+        </p:spPr>
+        <p:txBody>
+          <a:bodyPr>
+            <a:normAutofit/>
+          </a:bodyPr>
+          <a:lstStyle/>
+          <a:p>
+            <a:r>
+              <a:rPr lang="es-ES_tradnl" dirty="0"/>
+              <a:t>Por defecto al poner la anotación @</a:t>
+            </a:r>
+            <a:r>
+              <a:rPr lang="es-ES_tradnl" dirty="0" err="1"/>
+              <a:t>Autowired</a:t>
+            </a:r>
+            <a:r>
+              <a:rPr lang="es-ES_tradnl" dirty="0"/>
+              <a:t> la propiedad será </a:t>
+            </a:r>
+            <a:r>
+              <a:rPr lang="es-ES_tradnl" dirty="0" smtClean="0"/>
+              <a:t>requerida</a:t>
+            </a:r>
+            <a:endParaRPr lang="es-ES_tradnl" dirty="0"/>
+          </a:p>
+        </p:txBody>
+      </p:sp>
+      <p:pic>
+        <p:nvPicPr>
+          <p:cNvPr id="6" name="Content Placeholder 5" descr="Screen shot 2011-11-17 at 8.24.18 AM.png"/>
+          <p:cNvPicPr>
+            <a:picLocks noGrp="1" noChangeAspect="1"/>
+          </p:cNvPicPr>
+          <p:nvPr>
+            <p:ph sz="quarter" idx="14"/>
+          </p:nvPr>
+        </p:nvPicPr>
+        <p:blipFill>
+          <a:blip r:embed="rId2">
+            <a:extLst>
+              <a:ext uri="{28A0092B-C50C-407E-A947-70E740481C1C}">
+                <a14:useLocalDpi xmlns:a14="http://schemas.microsoft.com/office/drawing/2010/main" val="0"/>
+              </a:ext>
+            </a:extLst>
+          </a:blip>
+          <a:srcRect t="-41804" b="-41804"/>
+          <a:stretch>
+            <a:fillRect/>
+          </a:stretch>
+        </p:blipFill>
+        <p:spPr>
+          <a:xfrm>
+            <a:off x="1379017" y="3540125"/>
+            <a:ext cx="6447358" cy="1599712"/>
+          </a:xfrm>
+        </p:spPr>
+      </p:pic>
+    </p:spTree>
+    <p:extLst>
+      <p:ext uri="{BB962C8B-B14F-4D97-AF65-F5344CB8AC3E}">
+        <p14:creationId xmlns:p14="http://schemas.microsoft.com/office/powerpoint/2010/main" val="3047608571"/>
+      </p:ext>
+    </p:extLst>
+  </p:cSld>
+  <p:clrMapOvr>
+    <a:masterClrMapping/>
+  </p:clrMapOvr>
+</p:sld>
+</file>
+
+<file path=ppt/slides/slide8.xml><?xml version="1.0" encoding="utf-8"?>
+<p:sld xmlns:a="http://schemas.openxmlformats.org/drawingml/2006/main" xmlns:r="http://schemas.openxmlformats.org/officeDocument/2006/relationships" xmlns:p="http://schemas.openxmlformats.org/presentationml/2006/main">
+  <p:cSld>
+    <p:spTree>
+      <p:nvGrpSpPr>
+        <p:cNvPr id="1" name=""/>
+        <p:cNvGrpSpPr/>
+        <p:nvPr/>
+      </p:nvGrpSpPr>
+      <p:grpSpPr>
+        <a:xfrm>
+          <a:off x="0" y="0"/>
+          <a:ext cx="0" cy="0"/>
+          <a:chOff x="0" y="0"/>
+          <a:chExt cx="0" cy="0"/>
+        </a:xfrm>
+      </p:grpSpPr>
+      <p:sp>
+        <p:nvSpPr>
+          <p:cNvPr id="2" name="Title 1"/>
+          <p:cNvSpPr>
+            <a:spLocks noGrp="1"/>
+          </p:cNvSpPr>
+          <p:nvPr>
+            <p:ph type="title"/>
+          </p:nvPr>
+        </p:nvSpPr>
+        <p:spPr/>
+        <p:txBody>
+          <a:bodyPr/>
+          <a:lstStyle/>
+          <a:p>
+            <a:r>
+              <a:rPr lang="es-ES_tradnl" dirty="0" smtClean="0"/>
+              <a:t>Acoplamiento</a:t>
+            </a:r>
+            <a:endParaRPr lang="es-ES_tradnl" dirty="0"/>
+          </a:p>
+        </p:txBody>
+      </p:sp>
+      <p:sp>
+        <p:nvSpPr>
+          <p:cNvPr id="3" name="Content Placeholder 2"/>
+          <p:cNvSpPr>
+            <a:spLocks noGrp="1"/>
+          </p:cNvSpPr>
+          <p:nvPr>
+            <p:ph idx="1"/>
+          </p:nvPr>
+        </p:nvSpPr>
+        <p:spPr/>
+        <p:txBody>
+          <a:bodyPr>
+            <a:normAutofit fontScale="77500" lnSpcReduction="20000"/>
+          </a:bodyPr>
+          <a:lstStyle/>
+          <a:p>
+            <a:pPr marL="68580" indent="0">
+              <a:buNone/>
+            </a:pPr>
+            <a:r>
+              <a:rPr lang="es-ES_tradnl" dirty="0" err="1" smtClean="0"/>
+              <a:t>package</a:t>
+            </a:r>
+            <a:r>
+              <a:rPr lang="es-ES_tradnl" dirty="0" smtClean="0"/>
+              <a:t> </a:t>
+            </a:r>
+            <a:r>
+              <a:rPr lang="es-ES_tradnl" dirty="0" err="1" smtClean="0"/>
+              <a:t>knights</a:t>
+            </a:r>
+            <a:r>
+              <a:rPr lang="es-ES_tradnl" dirty="0"/>
+              <a:t>;</a:t>
+            </a:r>
+          </a:p>
+          <a:p>
+            <a:pPr marL="68580" indent="0">
+              <a:buNone/>
+            </a:pPr>
+            <a:r>
+              <a:rPr lang="es-ES_tradnl" dirty="0" err="1"/>
+              <a:t>public</a:t>
+            </a:r>
+            <a:r>
+              <a:rPr lang="es-ES_tradnl" dirty="0"/>
+              <a:t> </a:t>
+            </a:r>
+            <a:r>
+              <a:rPr lang="es-ES_tradnl" dirty="0" err="1"/>
+              <a:t>class</a:t>
+            </a:r>
+            <a:r>
+              <a:rPr lang="es-ES_tradnl" dirty="0"/>
+              <a:t> </a:t>
+            </a:r>
+            <a:r>
+              <a:rPr lang="es-ES_tradnl" dirty="0" err="1"/>
+              <a:t>DamselRescuingKnight</a:t>
+            </a:r>
+            <a:r>
+              <a:rPr lang="es-ES_tradnl" dirty="0"/>
+              <a:t> </a:t>
+            </a:r>
+            <a:r>
+              <a:rPr lang="es-ES_tradnl" dirty="0" err="1"/>
+              <a:t>implements</a:t>
+            </a:r>
+            <a:r>
+              <a:rPr lang="es-ES_tradnl" dirty="0"/>
+              <a:t> </a:t>
+            </a:r>
+            <a:r>
+              <a:rPr lang="es-ES_tradnl" dirty="0" err="1"/>
+              <a:t>Knight</a:t>
+            </a:r>
+            <a:r>
+              <a:rPr lang="es-ES_tradnl" dirty="0"/>
+              <a:t> { </a:t>
+            </a:r>
+            <a:endParaRPr lang="es-ES_tradnl" dirty="0" smtClean="0"/>
+          </a:p>
+          <a:p>
+            <a:pPr marL="68580" indent="0">
+              <a:buNone/>
+            </a:pPr>
+            <a:r>
+              <a:rPr lang="es-ES_tradnl" dirty="0" smtClean="0"/>
+              <a:t>  </a:t>
+            </a:r>
+            <a:r>
+              <a:rPr lang="es-ES_tradnl" dirty="0" err="1" smtClean="0"/>
+              <a:t>private</a:t>
+            </a:r>
+            <a:r>
+              <a:rPr lang="es-ES_tradnl" dirty="0" smtClean="0"/>
+              <a:t> </a:t>
+            </a:r>
+            <a:r>
+              <a:rPr lang="es-ES_tradnl" dirty="0" err="1"/>
+              <a:t>RescueDamselQuest</a:t>
+            </a:r>
+            <a:r>
+              <a:rPr lang="es-ES_tradnl" dirty="0"/>
+              <a:t> </a:t>
+            </a:r>
+            <a:r>
+              <a:rPr lang="es-ES_tradnl" dirty="0" err="1"/>
+              <a:t>quest</a:t>
+            </a:r>
+            <a:r>
+              <a:rPr lang="es-ES_tradnl" dirty="0"/>
+              <a:t>;</a:t>
+            </a:r>
+          </a:p>
+          <a:p>
+            <a:pPr marL="68580" indent="0">
+              <a:buNone/>
+            </a:pPr>
+            <a:r>
+              <a:rPr lang="es-ES_tradnl" dirty="0" smtClean="0"/>
+              <a:t>  </a:t>
+            </a:r>
+            <a:r>
+              <a:rPr lang="es-ES_tradnl" dirty="0" err="1" smtClean="0"/>
+              <a:t>public</a:t>
+            </a:r>
+            <a:r>
+              <a:rPr lang="es-ES_tradnl" dirty="0" smtClean="0"/>
+              <a:t> </a:t>
+            </a:r>
+            <a:r>
+              <a:rPr lang="es-ES_tradnl" dirty="0" err="1"/>
+              <a:t>DamselRescuingKnight</a:t>
+            </a:r>
+            <a:r>
+              <a:rPr lang="es-ES_tradnl" dirty="0"/>
+              <a:t>() </a:t>
+            </a:r>
+            <a:r>
+              <a:rPr lang="es-ES_tradnl" dirty="0" smtClean="0"/>
+              <a:t>{</a:t>
+            </a:r>
+          </a:p>
+          <a:p>
+            <a:pPr marL="68580" indent="0">
+              <a:buNone/>
+            </a:pPr>
+            <a:r>
+              <a:rPr lang="es-ES_tradnl" dirty="0"/>
+              <a:t>	</a:t>
+            </a:r>
+            <a:r>
+              <a:rPr lang="es-ES_tradnl" dirty="0" err="1" smtClean="0"/>
+              <a:t>quest</a:t>
+            </a:r>
+            <a:r>
+              <a:rPr lang="es-ES_tradnl" dirty="0" smtClean="0"/>
+              <a:t> </a:t>
+            </a:r>
+            <a:r>
+              <a:rPr lang="es-ES_tradnl" dirty="0"/>
+              <a:t>= new </a:t>
+            </a:r>
+            <a:r>
+              <a:rPr lang="es-ES_tradnl" dirty="0" err="1"/>
+              <a:t>RescueDamselQuest</a:t>
+            </a:r>
+            <a:r>
+              <a:rPr lang="es-ES_tradnl" dirty="0"/>
+              <a:t>()</a:t>
+            </a:r>
+            <a:r>
+              <a:rPr lang="es-ES_tradnl" dirty="0" smtClean="0"/>
+              <a:t>;</a:t>
+            </a:r>
+          </a:p>
+          <a:p>
+            <a:pPr marL="68580" indent="0">
+              <a:buNone/>
+            </a:pPr>
+            <a:r>
+              <a:rPr lang="es-ES_tradnl" dirty="0" smtClean="0"/>
+              <a:t>  }</a:t>
+            </a:r>
+            <a:endParaRPr lang="es-ES_tradnl" dirty="0"/>
+          </a:p>
+          <a:p>
+            <a:pPr marL="68580" indent="0">
+              <a:buNone/>
+            </a:pPr>
+            <a:r>
+              <a:rPr lang="es-ES_tradnl" dirty="0" smtClean="0"/>
+              <a:t>  </a:t>
+            </a:r>
+            <a:r>
+              <a:rPr lang="es-ES_tradnl" dirty="0" err="1" smtClean="0"/>
+              <a:t>public</a:t>
+            </a:r>
+            <a:r>
+              <a:rPr lang="es-ES_tradnl" dirty="0" smtClean="0"/>
+              <a:t> </a:t>
+            </a:r>
+            <a:r>
+              <a:rPr lang="es-ES_tradnl" dirty="0" err="1"/>
+              <a:t>void</a:t>
+            </a:r>
+            <a:r>
+              <a:rPr lang="es-ES_tradnl" dirty="0"/>
+              <a:t> </a:t>
+            </a:r>
+            <a:r>
+              <a:rPr lang="es-ES_tradnl" dirty="0" err="1"/>
+              <a:t>embarkOnQuest</a:t>
+            </a:r>
+            <a:r>
+              <a:rPr lang="es-ES_tradnl" dirty="0"/>
+              <a:t>() </a:t>
+            </a:r>
+            <a:r>
+              <a:rPr lang="es-ES_tradnl" dirty="0" err="1"/>
+              <a:t>throws</a:t>
+            </a:r>
+            <a:r>
+              <a:rPr lang="es-ES_tradnl" dirty="0"/>
+              <a:t> </a:t>
+            </a:r>
+            <a:r>
+              <a:rPr lang="es-ES_tradnl" dirty="0" err="1"/>
+              <a:t>QuestException</a:t>
+            </a:r>
+            <a:r>
+              <a:rPr lang="es-ES_tradnl" dirty="0"/>
+              <a:t> { </a:t>
+            </a:r>
+            <a:endParaRPr lang="es-ES_tradnl" dirty="0" smtClean="0"/>
+          </a:p>
+          <a:p>
+            <a:pPr marL="68580" indent="0">
+              <a:buNone/>
+            </a:pPr>
+            <a:r>
+              <a:rPr lang="es-ES_tradnl" dirty="0"/>
+              <a:t> </a:t>
+            </a:r>
+            <a:r>
+              <a:rPr lang="es-ES_tradnl" dirty="0" smtClean="0"/>
+              <a:t>            </a:t>
+            </a:r>
+            <a:r>
+              <a:rPr lang="es-ES_tradnl" dirty="0" err="1" smtClean="0"/>
+              <a:t>quest.embark</a:t>
+            </a:r>
+            <a:r>
+              <a:rPr lang="es-ES_tradnl" dirty="0"/>
+              <a:t>();</a:t>
+            </a:r>
+          </a:p>
+          <a:p>
+            <a:pPr marL="68580" indent="0">
+              <a:buNone/>
+            </a:pPr>
+            <a:r>
+              <a:rPr lang="es-ES_tradnl" dirty="0" smtClean="0"/>
+              <a:t>  }</a:t>
+            </a:r>
+            <a:endParaRPr lang="es-ES_tradnl" dirty="0"/>
+          </a:p>
+          <a:p>
+            <a:pPr marL="68580" indent="0">
+              <a:buNone/>
+            </a:pPr>
+            <a:r>
+              <a:rPr lang="es-ES_tradnl" dirty="0"/>
+              <a:t>}</a:t>
+            </a:r>
+            <a:endParaRPr lang="es-ES_tradnl" dirty="0"/>
+          </a:p>
+        </p:txBody>
+      </p:sp>
+    </p:spTree>
+    <p:extLst>
+      <p:ext uri="{BB962C8B-B14F-4D97-AF65-F5344CB8AC3E}">
+        <p14:creationId xmlns:p14="http://schemas.microsoft.com/office/powerpoint/2010/main" val="279115646"/>
+      </p:ext>
+    </p:extLst>
+  </p:cSld>
+  <p:clrMapOvr>
+    <a:masterClrMapping/>
+  </p:clrMapOvr>
+  <p:timing>
+    <p:tnLst>
+      <p:par>
+        <p:cTn xmlns:p14="http://schemas.microsoft.com/office/powerpoint/2010/main" id="1" dur="indefinite" restart="never" nodeType="tmRoot"/>
+      </p:par>
+    </p:tnLst>
+  </p:timing>
+</p:sld>
+</file>
+
+<file path=ppt/slides/slide80.xml><?xml version="1.0" encoding="utf-8"?>
+<p:sld xmlns:a="http://schemas.openxmlformats.org/drawingml/2006/main" xmlns:r="http://schemas.openxmlformats.org/officeDocument/2006/relationships" xmlns:p="http://schemas.openxmlformats.org/presentationml/2006/main">
+  <p:cSld>
+    <p:spTree>
+      <p:nvGrpSpPr>
+        <p:cNvPr id="1" name=""/>
+        <p:cNvGrpSpPr/>
+        <p:nvPr/>
+      </p:nvGrpSpPr>
+      <p:grpSpPr>
+        <a:xfrm>
+          <a:off x="0" y="0"/>
+          <a:ext cx="0" cy="0"/>
+          <a:chOff x="0" y="0"/>
+          <a:chExt cx="0" cy="0"/>
+        </a:xfrm>
+      </p:grpSpPr>
+      <p:sp>
+        <p:nvSpPr>
+          <p:cNvPr id="5" name="Title 4"/>
+          <p:cNvSpPr>
+            <a:spLocks noGrp="1"/>
+          </p:cNvSpPr>
+          <p:nvPr>
+            <p:ph type="title"/>
+          </p:nvPr>
+        </p:nvSpPr>
+        <p:spPr/>
+        <p:txBody>
+          <a:bodyPr/>
+          <a:lstStyle/>
+          <a:p>
+            <a:r>
+              <a:rPr lang="es-ES_tradnl" dirty="0" smtClean="0"/>
+              <a:t>@</a:t>
+            </a:r>
+            <a:r>
+              <a:rPr lang="es-ES_tradnl" dirty="0" err="1" smtClean="0"/>
+              <a:t>Autowired</a:t>
+            </a:r>
+            <a:endParaRPr lang="es-ES_tradnl" dirty="0"/>
+          </a:p>
+        </p:txBody>
+      </p:sp>
+      <p:sp>
+        <p:nvSpPr>
+          <p:cNvPr id="6" name="Content Placeholder 5"/>
+          <p:cNvSpPr>
+            <a:spLocks noGrp="1"/>
+          </p:cNvSpPr>
+          <p:nvPr>
+            <p:ph idx="1"/>
+          </p:nvPr>
+        </p:nvSpPr>
+        <p:spPr/>
+        <p:txBody>
+          <a:bodyPr>
+            <a:normAutofit fontScale="92500"/>
+          </a:bodyPr>
+          <a:lstStyle/>
+          <a:p>
+            <a:r>
+              <a:rPr lang="es-ES_tradnl" dirty="0" smtClean="0"/>
+              <a:t>N</a:t>
+            </a:r>
+            <a:r>
+              <a:rPr lang="es-ES_tradnl" dirty="0" smtClean="0"/>
+              <a:t>ótese que el atributo </a:t>
+            </a:r>
+            <a:r>
+              <a:rPr lang="es-ES_tradnl" i="1" dirty="0" err="1" smtClean="0"/>
+              <a:t>required</a:t>
+            </a:r>
+            <a:r>
+              <a:rPr lang="es-ES_tradnl" dirty="0" smtClean="0"/>
+              <a:t> puede ser usado donde quiera que utilices la anotación @</a:t>
+            </a:r>
+            <a:r>
+              <a:rPr lang="es-ES_tradnl" dirty="0" err="1" smtClean="0"/>
+              <a:t>Autowired</a:t>
+            </a:r>
+            <a:r>
+              <a:rPr lang="es-ES_tradnl" dirty="0" smtClean="0"/>
+              <a:t>. Pero cuando es usado en los constructores, solo un constructor puede ser utilizado con la anotación @</a:t>
+            </a:r>
+            <a:r>
+              <a:rPr lang="es-ES_tradnl" dirty="0" err="1" smtClean="0"/>
+              <a:t>Autowired</a:t>
+            </a:r>
+            <a:r>
+              <a:rPr lang="es-ES_tradnl" dirty="0" smtClean="0"/>
+              <a:t> y el atributo </a:t>
+            </a:r>
+            <a:r>
+              <a:rPr lang="es-ES_tradnl" i="1" dirty="0" err="1" smtClean="0"/>
+              <a:t>required</a:t>
+            </a:r>
+            <a:r>
+              <a:rPr lang="es-ES_tradnl" dirty="0" smtClean="0"/>
+              <a:t> igual a </a:t>
+            </a:r>
+            <a:r>
+              <a:rPr lang="es-ES_tradnl" i="1" dirty="0" smtClean="0"/>
+              <a:t>true</a:t>
+            </a:r>
+            <a:r>
+              <a:rPr lang="es-ES_tradnl" dirty="0" smtClean="0"/>
+              <a:t>. </a:t>
+            </a:r>
+          </a:p>
+          <a:p>
+            <a:r>
+              <a:rPr lang="es-ES_tradnl" dirty="0" smtClean="0"/>
+              <a:t>Cuando múltiples constructores son anotados con @</a:t>
+            </a:r>
+            <a:r>
+              <a:rPr lang="es-ES_tradnl" dirty="0" err="1" smtClean="0"/>
+              <a:t>Autowired</a:t>
+            </a:r>
+            <a:r>
+              <a:rPr lang="es-ES_tradnl" dirty="0" smtClean="0"/>
+              <a:t>, Spring elegirá al constructor que tenga el mayor número de argumentos.</a:t>
+            </a:r>
+            <a:endParaRPr lang="es-ES_tradnl" dirty="0"/>
+          </a:p>
+        </p:txBody>
+      </p:sp>
+    </p:spTree>
+    <p:extLst>
+      <p:ext uri="{BB962C8B-B14F-4D97-AF65-F5344CB8AC3E}">
+        <p14:creationId xmlns:p14="http://schemas.microsoft.com/office/powerpoint/2010/main" val="4268347307"/>
+      </p:ext>
+    </p:extLst>
+  </p:cSld>
+  <p:clrMapOvr>
+    <a:masterClrMapping/>
+  </p:clrMapOvr>
+</p:sld>
+</file>
+
+<file path=ppt/slides/slide81.xml><?xml version="1.0" encoding="utf-8"?>
+<p:sld xmlns:a="http://schemas.openxmlformats.org/drawingml/2006/main" xmlns:r="http://schemas.openxmlformats.org/officeDocument/2006/relationships" xmlns:p="http://schemas.openxmlformats.org/presentationml/2006/main">
+  <p:cSld>
+    <p:spTree>
+      <p:nvGrpSpPr>
+        <p:cNvPr id="1" name=""/>
+        <p:cNvGrpSpPr/>
+        <p:nvPr/>
+      </p:nvGrpSpPr>
+      <p:grpSpPr>
+        <a:xfrm>
+          <a:off x="0" y="0"/>
+          <a:ext cx="0" cy="0"/>
+          <a:chOff x="0" y="0"/>
+          <a:chExt cx="0" cy="0"/>
+        </a:xfrm>
+      </p:grpSpPr>
+      <p:sp>
+        <p:nvSpPr>
+          <p:cNvPr id="2" name="Title 1"/>
+          <p:cNvSpPr>
+            <a:spLocks noGrp="1"/>
+          </p:cNvSpPr>
+          <p:nvPr>
+            <p:ph type="title"/>
+          </p:nvPr>
+        </p:nvSpPr>
+        <p:spPr/>
+        <p:txBody>
+          <a:bodyPr/>
+          <a:lstStyle/>
+          <a:p>
+            <a:r>
+              <a:rPr lang="es-ES_tradnl" dirty="0" smtClean="0"/>
+              <a:t>Seleccionar</a:t>
+            </a:r>
+            <a:endParaRPr lang="es-ES_tradnl" dirty="0"/>
+          </a:p>
+        </p:txBody>
+      </p:sp>
+      <p:sp>
+        <p:nvSpPr>
+          <p:cNvPr id="3" name="Content Placeholder 2"/>
+          <p:cNvSpPr>
+            <a:spLocks noGrp="1"/>
+          </p:cNvSpPr>
+          <p:nvPr>
+            <p:ph sz="quarter" idx="13"/>
+          </p:nvPr>
+        </p:nvSpPr>
+        <p:spPr>
+          <a:xfrm>
+            <a:off x="1042416" y="2313432"/>
+            <a:ext cx="7025818" cy="1750568"/>
+          </a:xfrm>
+        </p:spPr>
+        <p:txBody>
+          <a:bodyPr>
+            <a:normAutofit lnSpcReduction="10000"/>
+          </a:bodyPr>
+          <a:lstStyle/>
+          <a:p>
+            <a:r>
+              <a:rPr lang="es-ES_tradnl" dirty="0" smtClean="0"/>
+              <a:t>Puede darse el caso de que tengamos varios </a:t>
+            </a:r>
+            <a:r>
+              <a:rPr lang="es-ES_tradnl" dirty="0" err="1" smtClean="0"/>
+              <a:t>beans</a:t>
+            </a:r>
+            <a:r>
+              <a:rPr lang="es-ES_tradnl" dirty="0" smtClean="0"/>
+              <a:t> que cumplan con los requisitos para un @</a:t>
+            </a:r>
+            <a:r>
+              <a:rPr lang="es-ES_tradnl" dirty="0" err="1" smtClean="0"/>
+              <a:t>Autowired</a:t>
+            </a:r>
+            <a:r>
+              <a:rPr lang="es-ES_tradnl" dirty="0" smtClean="0"/>
+              <a:t>. En este caso Spring lanzar</a:t>
+            </a:r>
+            <a:r>
+              <a:rPr lang="es-ES_tradnl" dirty="0" smtClean="0"/>
+              <a:t>á la excepción </a:t>
+            </a:r>
+            <a:r>
+              <a:rPr lang="es-ES_tradnl" dirty="0" err="1" smtClean="0"/>
+              <a:t>NoSuchBeanDefinitionException</a:t>
+            </a:r>
+            <a:endParaRPr lang="es-ES_tradnl" dirty="0" smtClean="0"/>
+          </a:p>
+        </p:txBody>
+      </p:sp>
+      <p:pic>
+        <p:nvPicPr>
+          <p:cNvPr id="5" name="Content Placeholder 4" descr="Screen shot 2011-11-17 at 8.34.43 AM.png"/>
+          <p:cNvPicPr>
+            <a:picLocks noGrp="1" noChangeAspect="1"/>
+          </p:cNvPicPr>
+          <p:nvPr>
+            <p:ph sz="quarter" idx="14"/>
+          </p:nvPr>
+        </p:nvPicPr>
+        <p:blipFill>
+          <a:blip r:embed="rId2">
+            <a:extLst>
+              <a:ext uri="{28A0092B-C50C-407E-A947-70E740481C1C}">
+                <a14:useLocalDpi xmlns:a14="http://schemas.microsoft.com/office/drawing/2010/main" val="0"/>
+              </a:ext>
+            </a:extLst>
+          </a:blip>
+          <a:srcRect t="-5046" b="-5046"/>
+          <a:stretch>
+            <a:fillRect/>
+          </a:stretch>
+        </p:blipFill>
+        <p:spPr>
+          <a:xfrm>
+            <a:off x="1042988" y="4064000"/>
+            <a:ext cx="7021512" cy="1743075"/>
+          </a:xfrm>
+        </p:spPr>
+      </p:pic>
+    </p:spTree>
+    <p:extLst>
+      <p:ext uri="{BB962C8B-B14F-4D97-AF65-F5344CB8AC3E}">
+        <p14:creationId xmlns:p14="http://schemas.microsoft.com/office/powerpoint/2010/main" val="20316140"/>
+      </p:ext>
+    </p:extLst>
+  </p:cSld>
+  <p:clrMapOvr>
+    <a:masterClrMapping/>
+  </p:clrMapOvr>
+</p:sld>
+</file>
+
+<file path=ppt/slides/slide82.xml><?xml version="1.0" encoding="utf-8"?>
+<p:sld xmlns:a="http://schemas.openxmlformats.org/drawingml/2006/main" xmlns:r="http://schemas.openxmlformats.org/officeDocument/2006/relationships" xmlns:p="http://schemas.openxmlformats.org/presentationml/2006/main">
+  <p:cSld>
+    <p:spTree>
+      <p:nvGrpSpPr>
+        <p:cNvPr id="1" name=""/>
+        <p:cNvGrpSpPr/>
+        <p:nvPr/>
+      </p:nvGrpSpPr>
+      <p:grpSpPr>
+        <a:xfrm>
+          <a:off x="0" y="0"/>
+          <a:ext cx="0" cy="0"/>
+          <a:chOff x="0" y="0"/>
+          <a:chExt cx="0" cy="0"/>
+        </a:xfrm>
+      </p:grpSpPr>
+      <p:sp>
+        <p:nvSpPr>
+          <p:cNvPr id="2" name="Title 1"/>
+          <p:cNvSpPr>
+            <a:spLocks noGrp="1"/>
+          </p:cNvSpPr>
+          <p:nvPr>
+            <p:ph type="title"/>
+          </p:nvPr>
+        </p:nvSpPr>
+        <p:spPr/>
+        <p:txBody>
+          <a:bodyPr/>
+          <a:lstStyle/>
+          <a:p>
+            <a:r>
+              <a:rPr lang="es-ES_tradnl" dirty="0" smtClean="0"/>
+              <a:t>Seleccionar</a:t>
+            </a:r>
+            <a:endParaRPr lang="es-ES_tradnl" dirty="0"/>
+          </a:p>
+        </p:txBody>
+      </p:sp>
+      <p:pic>
+        <p:nvPicPr>
+          <p:cNvPr id="5" name="Content Placeholder 4" descr="Screen shot 2011-11-17 at 8.35.26 AM.png"/>
+          <p:cNvPicPr>
+            <a:picLocks noGrp="1" noChangeAspect="1"/>
+          </p:cNvPicPr>
+          <p:nvPr>
+            <p:ph sz="quarter" idx="13"/>
+          </p:nvPr>
+        </p:nvPicPr>
+        <p:blipFill>
+          <a:blip r:embed="rId2">
+            <a:extLst>
+              <a:ext uri="{28A0092B-C50C-407E-A947-70E740481C1C}">
+                <a14:useLocalDpi xmlns:a14="http://schemas.microsoft.com/office/drawing/2010/main" val="0"/>
+              </a:ext>
+            </a:extLst>
+          </a:blip>
+          <a:srcRect t="-44212" b="-44212"/>
+          <a:stretch>
+            <a:fillRect/>
+          </a:stretch>
+        </p:blipFill>
+        <p:spPr>
+          <a:xfrm>
+            <a:off x="1042416" y="2313432"/>
+            <a:ext cx="7022592" cy="1750568"/>
+          </a:xfrm>
+        </p:spPr>
+      </p:pic>
+      <p:pic>
+        <p:nvPicPr>
+          <p:cNvPr id="6" name="Content Placeholder 5" descr="Screen shot 2011-11-17 at 8.36.27 AM.png"/>
+          <p:cNvPicPr>
+            <a:picLocks noGrp="1" noChangeAspect="1"/>
+          </p:cNvPicPr>
+          <p:nvPr>
+            <p:ph sz="quarter" idx="14"/>
+          </p:nvPr>
+        </p:nvPicPr>
+        <p:blipFill>
+          <a:blip r:embed="rId3">
+            <a:extLst>
+              <a:ext uri="{28A0092B-C50C-407E-A947-70E740481C1C}">
+                <a14:useLocalDpi xmlns:a14="http://schemas.microsoft.com/office/drawing/2010/main" val="0"/>
+              </a:ext>
+            </a:extLst>
+          </a:blip>
+          <a:srcRect t="-11751" b="-11751"/>
+          <a:stretch>
+            <a:fillRect/>
+          </a:stretch>
+        </p:blipFill>
+        <p:spPr>
+          <a:xfrm>
+            <a:off x="1043490" y="4063999"/>
+            <a:ext cx="7021518" cy="1742439"/>
+          </a:xfrm>
+        </p:spPr>
+      </p:pic>
+    </p:spTree>
+    <p:extLst>
+      <p:ext uri="{BB962C8B-B14F-4D97-AF65-F5344CB8AC3E}">
+        <p14:creationId xmlns:p14="http://schemas.microsoft.com/office/powerpoint/2010/main" val="1008959528"/>
+      </p:ext>
+    </p:extLst>
+  </p:cSld>
+  <p:clrMapOvr>
+    <a:masterClrMapping/>
+  </p:clrMapOvr>
+</p:sld>
+</file>
+
+<file path=ppt/slides/slide83.xml><?xml version="1.0" encoding="utf-8"?>
+<p:sld xmlns:a="http://schemas.openxmlformats.org/drawingml/2006/main" xmlns:r="http://schemas.openxmlformats.org/officeDocument/2006/relationships" xmlns:p="http://schemas.openxmlformats.org/presentationml/2006/main">
+  <p:cSld>
+    <p:spTree>
+      <p:nvGrpSpPr>
+        <p:cNvPr id="1" name=""/>
+        <p:cNvGrpSpPr/>
+        <p:nvPr/>
+      </p:nvGrpSpPr>
+      <p:grpSpPr>
+        <a:xfrm>
+          <a:off x="0" y="0"/>
+          <a:ext cx="0" cy="0"/>
+          <a:chOff x="0" y="0"/>
+          <a:chExt cx="0" cy="0"/>
+        </a:xfrm>
+      </p:grpSpPr>
+      <p:sp>
+        <p:nvSpPr>
+          <p:cNvPr id="5" name="Title 4"/>
+          <p:cNvSpPr>
+            <a:spLocks noGrp="1"/>
+          </p:cNvSpPr>
+          <p:nvPr>
+            <p:ph type="title"/>
+          </p:nvPr>
+        </p:nvSpPr>
+        <p:spPr/>
+        <p:txBody>
+          <a:bodyPr/>
+          <a:lstStyle/>
+          <a:p>
+            <a:r>
+              <a:rPr lang="es-ES_tradnl" dirty="0" smtClean="0"/>
+              <a:t>@</a:t>
+            </a:r>
+            <a:r>
+              <a:rPr lang="es-ES_tradnl" dirty="0" err="1" smtClean="0"/>
+              <a:t>Inject</a:t>
+            </a:r>
+            <a:endParaRPr lang="es-ES_tradnl" dirty="0"/>
+          </a:p>
+        </p:txBody>
+      </p:sp>
+      <p:sp>
+        <p:nvSpPr>
+          <p:cNvPr id="6" name="Content Placeholder 5"/>
+          <p:cNvSpPr>
+            <a:spLocks noGrp="1"/>
+          </p:cNvSpPr>
+          <p:nvPr>
+            <p:ph sz="quarter" idx="13"/>
+          </p:nvPr>
+        </p:nvSpPr>
+        <p:spPr>
+          <a:xfrm>
+            <a:off x="1042416" y="2313432"/>
+            <a:ext cx="7022592" cy="1750568"/>
+          </a:xfrm>
+        </p:spPr>
+        <p:txBody>
+          <a:bodyPr>
+            <a:normAutofit fontScale="92500" lnSpcReduction="10000"/>
+          </a:bodyPr>
+          <a:lstStyle/>
+          <a:p>
+            <a:r>
+              <a:rPr lang="es-ES_tradnl" dirty="0" smtClean="0"/>
+              <a:t>En un esfuerzo para unificar el modelo de programaci</a:t>
+            </a:r>
+            <a:r>
+              <a:rPr lang="es-ES_tradnl" dirty="0" smtClean="0"/>
+              <a:t>ón entre las distintas infraestructuras de dependencias, la JCP publicó la especificación de Inyección de Dependencias para Java (JSR-330)</a:t>
+            </a:r>
+            <a:endParaRPr lang="es-ES_tradnl" dirty="0"/>
+          </a:p>
+        </p:txBody>
+      </p:sp>
+      <p:pic>
+        <p:nvPicPr>
+          <p:cNvPr id="8" name="Content Placeholder 7" descr="Screen shot 2011-11-17 at 8.40.53 AM.png"/>
+          <p:cNvPicPr>
+            <a:picLocks noGrp="1" noChangeAspect="1"/>
+          </p:cNvPicPr>
+          <p:nvPr>
+            <p:ph sz="quarter" idx="14"/>
+          </p:nvPr>
+        </p:nvPicPr>
+        <p:blipFill>
+          <a:blip r:embed="rId2">
+            <a:extLst>
+              <a:ext uri="{28A0092B-C50C-407E-A947-70E740481C1C}">
+                <a14:useLocalDpi xmlns:a14="http://schemas.microsoft.com/office/drawing/2010/main" val="0"/>
+              </a:ext>
+            </a:extLst>
+          </a:blip>
+          <a:srcRect t="-32232" b="-32232"/>
+          <a:stretch>
+            <a:fillRect/>
+          </a:stretch>
+        </p:blipFill>
+        <p:spPr>
+          <a:xfrm>
+            <a:off x="1042988" y="4064000"/>
+            <a:ext cx="7021512" cy="1743075"/>
+          </a:xfrm>
+        </p:spPr>
+      </p:pic>
+    </p:spTree>
+    <p:extLst>
+      <p:ext uri="{BB962C8B-B14F-4D97-AF65-F5344CB8AC3E}">
+        <p14:creationId xmlns:p14="http://schemas.microsoft.com/office/powerpoint/2010/main" val="2018832704"/>
+      </p:ext>
+    </p:extLst>
+  </p:cSld>
+  <p:clrMapOvr>
+    <a:masterClrMapping/>
+  </p:clrMapOvr>
+</p:sld>
+</file>
+
+<file path=ppt/slides/slide84.xml><?xml version="1.0" encoding="utf-8"?>
+<p:sld xmlns:a="http://schemas.openxmlformats.org/drawingml/2006/main" xmlns:r="http://schemas.openxmlformats.org/officeDocument/2006/relationships" xmlns:p="http://schemas.openxmlformats.org/presentationml/2006/main">
+  <p:cSld>
+    <p:spTree>
+      <p:nvGrpSpPr>
+        <p:cNvPr id="1" name=""/>
+        <p:cNvGrpSpPr/>
+        <p:nvPr/>
+      </p:nvGrpSpPr>
+      <p:grpSpPr>
+        <a:xfrm>
+          <a:off x="0" y="0"/>
+          <a:ext cx="0" cy="0"/>
+          <a:chOff x="0" y="0"/>
+          <a:chExt cx="0" cy="0"/>
+        </a:xfrm>
+      </p:grpSpPr>
+      <p:sp>
+        <p:nvSpPr>
+          <p:cNvPr id="2" name="Title 1"/>
+          <p:cNvSpPr>
+            <a:spLocks noGrp="1"/>
+          </p:cNvSpPr>
+          <p:nvPr>
+            <p:ph type="title"/>
+          </p:nvPr>
+        </p:nvSpPr>
+        <p:spPr/>
+        <p:txBody>
+          <a:bodyPr/>
+          <a:lstStyle/>
+          <a:p>
+            <a:r>
+              <a:rPr lang="es-ES_tradnl" dirty="0" smtClean="0"/>
+              <a:t>@</a:t>
+            </a:r>
+            <a:r>
+              <a:rPr lang="es-ES_tradnl" dirty="0" err="1" smtClean="0"/>
+              <a:t>Inject</a:t>
+            </a:r>
+            <a:endParaRPr lang="es-ES_tradnl" dirty="0"/>
+          </a:p>
+        </p:txBody>
+      </p:sp>
+      <p:sp>
+        <p:nvSpPr>
+          <p:cNvPr id="5" name="Content Placeholder 4"/>
+          <p:cNvSpPr>
+            <a:spLocks noGrp="1"/>
+          </p:cNvSpPr>
+          <p:nvPr>
+            <p:ph idx="1"/>
+          </p:nvPr>
+        </p:nvSpPr>
+        <p:spPr/>
+        <p:txBody>
+          <a:bodyPr/>
+          <a:lstStyle/>
+          <a:p>
+            <a:r>
+              <a:rPr lang="es-ES_tradnl" dirty="0" smtClean="0"/>
+              <a:t>Puede ser usado para inyectar propiedades, m</a:t>
+            </a:r>
+            <a:r>
+              <a:rPr lang="es-ES_tradnl" dirty="0" smtClean="0"/>
+              <a:t>étodos y constructores</a:t>
+            </a:r>
+          </a:p>
+          <a:p>
+            <a:r>
+              <a:rPr lang="es-ES_tradnl" dirty="0" smtClean="0"/>
+              <a:t>No tiene el atributo </a:t>
+            </a:r>
+            <a:r>
+              <a:rPr lang="es-ES_tradnl" i="1" dirty="0" err="1" smtClean="0"/>
+              <a:t>required</a:t>
+            </a:r>
+            <a:endParaRPr lang="es-ES_tradnl" i="1" dirty="0" smtClean="0"/>
+          </a:p>
+          <a:p>
+            <a:r>
+              <a:rPr lang="es-ES_tradnl" dirty="0" smtClean="0"/>
+              <a:t>Por lo que si no viene un atributo lanzará una excepción</a:t>
+            </a:r>
+            <a:endParaRPr lang="es-ES_tradnl" dirty="0"/>
+          </a:p>
+        </p:txBody>
+      </p:sp>
+    </p:spTree>
+    <p:extLst>
+      <p:ext uri="{BB962C8B-B14F-4D97-AF65-F5344CB8AC3E}">
+        <p14:creationId xmlns:p14="http://schemas.microsoft.com/office/powerpoint/2010/main" val="4262415835"/>
+      </p:ext>
+    </p:extLst>
+  </p:cSld>
+  <p:clrMapOvr>
+    <a:masterClrMapping/>
+  </p:clrMapOvr>
+</p:sld>
+</file>
+
+<file path=ppt/slides/slide85.xml><?xml version="1.0" encoding="utf-8"?>
+<p:sld xmlns:a="http://schemas.openxmlformats.org/drawingml/2006/main" xmlns:r="http://schemas.openxmlformats.org/officeDocument/2006/relationships" xmlns:p="http://schemas.openxmlformats.org/presentationml/2006/main">
+  <p:cSld>
+    <p:spTree>
+      <p:nvGrpSpPr>
+        <p:cNvPr id="1" name=""/>
+        <p:cNvGrpSpPr/>
+        <p:nvPr/>
+      </p:nvGrpSpPr>
+      <p:grpSpPr>
+        <a:xfrm>
+          <a:off x="0" y="0"/>
+          <a:ext cx="0" cy="0"/>
+          <a:chOff x="0" y="0"/>
+          <a:chExt cx="0" cy="0"/>
+        </a:xfrm>
+      </p:grpSpPr>
+      <p:sp>
+        <p:nvSpPr>
+          <p:cNvPr id="2" name="Title 1"/>
+          <p:cNvSpPr>
+            <a:spLocks noGrp="1"/>
+          </p:cNvSpPr>
+          <p:nvPr>
+            <p:ph type="title"/>
+          </p:nvPr>
+        </p:nvSpPr>
+        <p:spPr/>
+        <p:txBody>
+          <a:bodyPr/>
+          <a:lstStyle/>
+          <a:p>
+            <a:r>
+              <a:rPr lang="es-ES_tradnl" dirty="0" smtClean="0"/>
+              <a:t>@</a:t>
+            </a:r>
+            <a:r>
+              <a:rPr lang="es-ES_tradnl" dirty="0" err="1" smtClean="0"/>
+              <a:t>Inject</a:t>
+            </a:r>
+            <a:endParaRPr lang="es-ES_tradnl" dirty="0"/>
+          </a:p>
+        </p:txBody>
+      </p:sp>
+      <p:sp>
+        <p:nvSpPr>
+          <p:cNvPr id="3" name="Content Placeholder 2"/>
+          <p:cNvSpPr>
+            <a:spLocks noGrp="1"/>
+          </p:cNvSpPr>
+          <p:nvPr>
+            <p:ph sz="quarter" idx="13"/>
+          </p:nvPr>
+        </p:nvSpPr>
+        <p:spPr>
+          <a:xfrm>
+            <a:off x="1042416" y="2313432"/>
+            <a:ext cx="7022592" cy="1750568"/>
+          </a:xfrm>
+        </p:spPr>
+        <p:txBody>
+          <a:bodyPr>
+            <a:normAutofit/>
+          </a:bodyPr>
+          <a:lstStyle/>
+          <a:p>
+            <a:r>
+              <a:rPr lang="es-ES_tradnl" dirty="0" smtClean="0"/>
+              <a:t>Para seleccionar un objeto con esta anotaci</a:t>
+            </a:r>
+            <a:r>
+              <a:rPr lang="es-ES_tradnl" dirty="0" smtClean="0"/>
+              <a:t>ón hay que usar la anotación @</a:t>
+            </a:r>
+            <a:r>
+              <a:rPr lang="es-ES_tradnl" dirty="0" err="1" smtClean="0"/>
+              <a:t>Named</a:t>
+            </a:r>
+            <a:endParaRPr lang="es-ES_tradnl" dirty="0"/>
+          </a:p>
+        </p:txBody>
+      </p:sp>
+      <p:pic>
+        <p:nvPicPr>
+          <p:cNvPr id="5" name="Content Placeholder 4" descr="Screen shot 2011-11-17 at 9.55.47 AM.png"/>
+          <p:cNvPicPr>
+            <a:picLocks noGrp="1" noChangeAspect="1"/>
+          </p:cNvPicPr>
+          <p:nvPr>
+            <p:ph sz="quarter" idx="14"/>
+          </p:nvPr>
+        </p:nvPicPr>
+        <p:blipFill>
+          <a:blip r:embed="rId2">
+            <a:extLst>
+              <a:ext uri="{28A0092B-C50C-407E-A947-70E740481C1C}">
+                <a14:useLocalDpi xmlns:a14="http://schemas.microsoft.com/office/drawing/2010/main" val="0"/>
+              </a:ext>
+            </a:extLst>
+          </a:blip>
+          <a:srcRect t="-9667" b="-9667"/>
+          <a:stretch>
+            <a:fillRect/>
+          </a:stretch>
+        </p:blipFill>
+        <p:spPr>
+          <a:xfrm>
+            <a:off x="1042416" y="4063999"/>
+            <a:ext cx="7022592" cy="1742439"/>
+          </a:xfrm>
+        </p:spPr>
+      </p:pic>
+    </p:spTree>
+    <p:extLst>
+      <p:ext uri="{BB962C8B-B14F-4D97-AF65-F5344CB8AC3E}">
+        <p14:creationId xmlns:p14="http://schemas.microsoft.com/office/powerpoint/2010/main" val="629751481"/>
+      </p:ext>
+    </p:extLst>
+  </p:cSld>
+  <p:clrMapOvr>
+    <a:masterClrMapping/>
+  </p:clrMapOvr>
+</p:sld>
+</file>
+
+<file path=ppt/slides/slide86.xml><?xml version="1.0" encoding="utf-8"?>
+<p:sld xmlns:a="http://schemas.openxmlformats.org/drawingml/2006/main" xmlns:r="http://schemas.openxmlformats.org/officeDocument/2006/relationships" xmlns:p="http://schemas.openxmlformats.org/presentationml/2006/main">
+  <p:cSld>
+    <p:spTree>
+      <p:nvGrpSpPr>
+        <p:cNvPr id="1" name=""/>
+        <p:cNvGrpSpPr/>
+        <p:nvPr/>
+      </p:nvGrpSpPr>
+      <p:grpSpPr>
+        <a:xfrm>
+          <a:off x="0" y="0"/>
+          <a:ext cx="0" cy="0"/>
+          <a:chOff x="0" y="0"/>
+          <a:chExt cx="0" cy="0"/>
+        </a:xfrm>
+      </p:grpSpPr>
+      <p:sp>
+        <p:nvSpPr>
+          <p:cNvPr id="2" name="Title 1"/>
+          <p:cNvSpPr>
+            <a:spLocks noGrp="1"/>
+          </p:cNvSpPr>
+          <p:nvPr>
+            <p:ph type="title"/>
+          </p:nvPr>
+        </p:nvSpPr>
+        <p:spPr/>
+        <p:txBody>
+          <a:bodyPr/>
+          <a:lstStyle/>
+          <a:p>
+            <a:r>
+              <a:rPr lang="es-ES_tradnl" dirty="0" smtClean="0"/>
+              <a:t>@</a:t>
+            </a:r>
+            <a:r>
+              <a:rPr lang="es-ES_tradnl" dirty="0" err="1" smtClean="0"/>
+              <a:t>Value</a:t>
+            </a:r>
+            <a:endParaRPr lang="es-ES_tradnl" dirty="0"/>
+          </a:p>
+        </p:txBody>
+      </p:sp>
+      <p:pic>
+        <p:nvPicPr>
+          <p:cNvPr id="5" name="Content Placeholder 4" descr="Screen shot 2011-11-17 at 9.59.04 AM.png"/>
+          <p:cNvPicPr>
+            <a:picLocks noGrp="1" noChangeAspect="1"/>
+          </p:cNvPicPr>
+          <p:nvPr>
+            <p:ph sz="quarter" idx="13"/>
+          </p:nvPr>
+        </p:nvPicPr>
+        <p:blipFill>
+          <a:blip r:embed="rId2">
+            <a:extLst>
+              <a:ext uri="{28A0092B-C50C-407E-A947-70E740481C1C}">
+                <a14:useLocalDpi xmlns:a14="http://schemas.microsoft.com/office/drawing/2010/main" val="0"/>
+              </a:ext>
+            </a:extLst>
+          </a:blip>
+          <a:srcRect t="-46470" b="-46470"/>
+          <a:stretch>
+            <a:fillRect/>
+          </a:stretch>
+        </p:blipFill>
+        <p:spPr>
+          <a:xfrm>
+            <a:off x="1042416" y="2313432"/>
+            <a:ext cx="7022592" cy="1750568"/>
+          </a:xfrm>
+        </p:spPr>
+      </p:pic>
+      <p:pic>
+        <p:nvPicPr>
+          <p:cNvPr id="6" name="Content Placeholder 5" descr="Screen shot 2011-11-17 at 9.59.21 AM.png"/>
+          <p:cNvPicPr>
+            <a:picLocks noGrp="1" noChangeAspect="1"/>
+          </p:cNvPicPr>
+          <p:nvPr>
+            <p:ph sz="quarter" idx="14"/>
+          </p:nvPr>
+        </p:nvPicPr>
+        <p:blipFill>
+          <a:blip r:embed="rId3">
+            <a:extLst>
+              <a:ext uri="{28A0092B-C50C-407E-A947-70E740481C1C}">
+                <a14:useLocalDpi xmlns:a14="http://schemas.microsoft.com/office/drawing/2010/main" val="0"/>
+              </a:ext>
+            </a:extLst>
+          </a:blip>
+          <a:srcRect t="-84605" b="-84605"/>
+          <a:stretch>
+            <a:fillRect/>
+          </a:stretch>
+        </p:blipFill>
+        <p:spPr>
+          <a:xfrm>
+            <a:off x="1042416" y="4063999"/>
+            <a:ext cx="7022592" cy="1742439"/>
+          </a:xfrm>
+        </p:spPr>
+      </p:pic>
+    </p:spTree>
+    <p:extLst>
+      <p:ext uri="{BB962C8B-B14F-4D97-AF65-F5344CB8AC3E}">
+        <p14:creationId xmlns:p14="http://schemas.microsoft.com/office/powerpoint/2010/main" val="2231802143"/>
+      </p:ext>
+    </p:extLst>
+  </p:cSld>
+  <p:clrMapOvr>
+    <a:masterClrMapping/>
+  </p:clrMapOvr>
+</p:sld>
+</file>
+
+<file path=ppt/slides/slide87.xml><?xml version="1.0" encoding="utf-8"?>
+<p:sld xmlns:a="http://schemas.openxmlformats.org/drawingml/2006/main" xmlns:r="http://schemas.openxmlformats.org/officeDocument/2006/relationships" xmlns:p="http://schemas.openxmlformats.org/presentationml/2006/main">
+  <p:cSld>
+    <p:spTree>
+      <p:nvGrpSpPr>
+        <p:cNvPr id="1" name=""/>
+        <p:cNvGrpSpPr/>
+        <p:nvPr/>
+      </p:nvGrpSpPr>
+      <p:grpSpPr>
+        <a:xfrm>
+          <a:off x="0" y="0"/>
+          <a:ext cx="0" cy="0"/>
+          <a:chOff x="0" y="0"/>
+          <a:chExt cx="0" cy="0"/>
+        </a:xfrm>
+      </p:grpSpPr>
+      <p:sp>
+        <p:nvSpPr>
+          <p:cNvPr id="2" name="Title 1"/>
+          <p:cNvSpPr>
+            <a:spLocks noGrp="1"/>
+          </p:cNvSpPr>
+          <p:nvPr>
+            <p:ph type="title"/>
+          </p:nvPr>
+        </p:nvSpPr>
+        <p:spPr/>
+        <p:txBody>
+          <a:bodyPr>
+            <a:normAutofit fontScale="90000"/>
+          </a:bodyPr>
+          <a:lstStyle/>
+          <a:p>
+            <a:r>
+              <a:rPr lang="es-ES_tradnl" dirty="0" smtClean="0"/>
+              <a:t>Descubrimiento autom</a:t>
+            </a:r>
+            <a:r>
+              <a:rPr lang="es-ES_tradnl" dirty="0" smtClean="0"/>
+              <a:t>ático</a:t>
+            </a:r>
+            <a:endParaRPr lang="es-ES_tradnl" dirty="0"/>
+          </a:p>
+        </p:txBody>
+      </p:sp>
+      <p:sp>
+        <p:nvSpPr>
+          <p:cNvPr id="5" name="Content Placeholder 4"/>
+          <p:cNvSpPr>
+            <a:spLocks noGrp="1"/>
+          </p:cNvSpPr>
+          <p:nvPr>
+            <p:ph idx="1"/>
+          </p:nvPr>
+        </p:nvSpPr>
+        <p:spPr/>
+        <p:txBody>
+          <a:bodyPr/>
+          <a:lstStyle/>
+          <a:p>
+            <a:r>
+              <a:rPr lang="es-ES_tradnl" dirty="0" smtClean="0"/>
+              <a:t>Cuando agregamos &lt;</a:t>
+            </a:r>
+            <a:r>
+              <a:rPr lang="es-ES_tradnl" dirty="0" err="1" smtClean="0"/>
+              <a:t>context:annotation-config</a:t>
+            </a:r>
+            <a:r>
+              <a:rPr lang="es-ES_tradnl" dirty="0" smtClean="0"/>
+              <a:t>&gt; a la configuraci</a:t>
+            </a:r>
+            <a:r>
+              <a:rPr lang="es-ES_tradnl" dirty="0" smtClean="0"/>
+              <a:t>ón, le informamos a Spring que lea ciertas anotaciones de nuestras clases para configurarlos </a:t>
+            </a:r>
+            <a:r>
+              <a:rPr lang="es-ES_tradnl" dirty="0" err="1" smtClean="0"/>
+              <a:t>beans</a:t>
+            </a:r>
+            <a:r>
+              <a:rPr lang="es-ES_tradnl" dirty="0" smtClean="0"/>
+              <a:t>, pero aún es necesario declarar los </a:t>
+            </a:r>
+            <a:r>
+              <a:rPr lang="es-ES_tradnl" dirty="0" err="1" smtClean="0"/>
+              <a:t>beans</a:t>
+            </a:r>
+            <a:r>
+              <a:rPr lang="es-ES_tradnl" dirty="0" smtClean="0"/>
+              <a:t> dentro del XML.</a:t>
+            </a:r>
+            <a:endParaRPr lang="es-ES_tradnl" dirty="0"/>
+          </a:p>
+        </p:txBody>
+      </p:sp>
+    </p:spTree>
+    <p:extLst>
+      <p:ext uri="{BB962C8B-B14F-4D97-AF65-F5344CB8AC3E}">
+        <p14:creationId xmlns:p14="http://schemas.microsoft.com/office/powerpoint/2010/main" val="824298703"/>
+      </p:ext>
+    </p:extLst>
+  </p:cSld>
+  <p:clrMapOvr>
+    <a:masterClrMapping/>
+  </p:clrMapOvr>
+</p:sld>
+</file>
+
+<file path=ppt/slides/slide88.xml><?xml version="1.0" encoding="utf-8"?>
+<p:sld xmlns:a="http://schemas.openxmlformats.org/drawingml/2006/main" xmlns:r="http://schemas.openxmlformats.org/officeDocument/2006/relationships" xmlns:p="http://schemas.openxmlformats.org/presentationml/2006/main">
+  <p:cSld>
+    <p:spTree>
+      <p:nvGrpSpPr>
+        <p:cNvPr id="1" name=""/>
+        <p:cNvGrpSpPr/>
+        <p:nvPr/>
+      </p:nvGrpSpPr>
+      <p:grpSpPr>
+        <a:xfrm>
+          <a:off x="0" y="0"/>
+          <a:ext cx="0" cy="0"/>
+          <a:chOff x="0" y="0"/>
+          <a:chExt cx="0" cy="0"/>
+        </a:xfrm>
+      </p:grpSpPr>
+      <p:sp>
+        <p:nvSpPr>
+          <p:cNvPr id="2" name="Title 1"/>
+          <p:cNvSpPr>
+            <a:spLocks noGrp="1"/>
+          </p:cNvSpPr>
+          <p:nvPr>
+            <p:ph type="title"/>
+          </p:nvPr>
+        </p:nvSpPr>
+        <p:spPr/>
+        <p:txBody>
+          <a:bodyPr>
+            <a:normAutofit fontScale="90000"/>
+          </a:bodyPr>
+          <a:lstStyle/>
+          <a:p>
+            <a:r>
+              <a:rPr lang="es-ES_tradnl" dirty="0" smtClean="0"/>
+              <a:t>Descubrimiento autom</a:t>
+            </a:r>
+            <a:r>
+              <a:rPr lang="es-ES_tradnl" dirty="0" smtClean="0"/>
+              <a:t>ático</a:t>
+            </a:r>
+            <a:endParaRPr lang="es-ES_tradnl" dirty="0"/>
+          </a:p>
+        </p:txBody>
+      </p:sp>
+      <p:pic>
+        <p:nvPicPr>
+          <p:cNvPr id="4" name="Content Placeholder 3" descr="Screen shot 2011-11-17 at 10.03.46 AM.png"/>
+          <p:cNvPicPr>
+            <a:picLocks noGrp="1" noChangeAspect="1"/>
+          </p:cNvPicPr>
+          <p:nvPr>
+            <p:ph sz="quarter" idx="13"/>
+          </p:nvPr>
+        </p:nvPicPr>
+        <p:blipFill>
+          <a:blip r:embed="rId2">
+            <a:extLst>
+              <a:ext uri="{28A0092B-C50C-407E-A947-70E740481C1C}">
+                <a14:useLocalDpi xmlns:a14="http://schemas.microsoft.com/office/drawing/2010/main" val="0"/>
+              </a:ext>
+            </a:extLst>
+          </a:blip>
+          <a:srcRect t="-52203" b="-52203"/>
+          <a:stretch>
+            <a:fillRect/>
+          </a:stretch>
+        </p:blipFill>
+        <p:spPr>
+          <a:xfrm>
+            <a:off x="1042416" y="2313432"/>
+            <a:ext cx="7022592" cy="1750568"/>
+          </a:xfrm>
+        </p:spPr>
+      </p:pic>
+      <p:sp>
+        <p:nvSpPr>
+          <p:cNvPr id="5" name="Content Placeholder 4"/>
+          <p:cNvSpPr>
+            <a:spLocks noGrp="1"/>
+          </p:cNvSpPr>
+          <p:nvPr>
+            <p:ph sz="quarter" idx="14"/>
+          </p:nvPr>
+        </p:nvSpPr>
+        <p:spPr>
+          <a:xfrm>
+            <a:off x="1042416" y="4063999"/>
+            <a:ext cx="7022592" cy="1742439"/>
+          </a:xfrm>
+        </p:spPr>
+        <p:txBody>
+          <a:bodyPr/>
+          <a:lstStyle/>
+          <a:p>
+            <a:r>
+              <a:rPr lang="es-ES_tradnl" dirty="0" smtClean="0"/>
+              <a:t>Esta instrucci</a:t>
+            </a:r>
+            <a:r>
+              <a:rPr lang="es-ES_tradnl" dirty="0" smtClean="0"/>
+              <a:t>ón hace todo lo que la configuración anterior hace pero además da de alta los </a:t>
+            </a:r>
+            <a:r>
+              <a:rPr lang="es-ES_tradnl" dirty="0" err="1" smtClean="0"/>
+              <a:t>beans</a:t>
+            </a:r>
+            <a:r>
+              <a:rPr lang="es-ES_tradnl" dirty="0"/>
+              <a:t>.</a:t>
+            </a:r>
+            <a:endParaRPr lang="es-ES_tradnl" dirty="0"/>
+          </a:p>
+        </p:txBody>
+      </p:sp>
+    </p:spTree>
+    <p:extLst>
+      <p:ext uri="{BB962C8B-B14F-4D97-AF65-F5344CB8AC3E}">
+        <p14:creationId xmlns:p14="http://schemas.microsoft.com/office/powerpoint/2010/main" val="457221065"/>
+      </p:ext>
+    </p:extLst>
+  </p:cSld>
+  <p:clrMapOvr>
+    <a:masterClrMapping/>
+  </p:clrMapOvr>
+</p:sld>
+</file>
+
+<file path=ppt/slides/slide89.xml><?xml version="1.0" encoding="utf-8"?>
+<p:sld xmlns:a="http://schemas.openxmlformats.org/drawingml/2006/main" xmlns:r="http://schemas.openxmlformats.org/officeDocument/2006/relationships" xmlns:p="http://schemas.openxmlformats.org/presentationml/2006/main">
+  <p:cSld>
+    <p:spTree>
+      <p:nvGrpSpPr>
+        <p:cNvPr id="1" name=""/>
+        <p:cNvGrpSpPr/>
+        <p:nvPr/>
+      </p:nvGrpSpPr>
+      <p:grpSpPr>
+        <a:xfrm>
+          <a:off x="0" y="0"/>
+          <a:ext cx="0" cy="0"/>
+          <a:chOff x="0" y="0"/>
+          <a:chExt cx="0" cy="0"/>
+        </a:xfrm>
+      </p:grpSpPr>
+      <p:sp>
+        <p:nvSpPr>
+          <p:cNvPr id="5" name="Title 4"/>
+          <p:cNvSpPr>
+            <a:spLocks noGrp="1"/>
+          </p:cNvSpPr>
+          <p:nvPr>
+            <p:ph type="title"/>
+          </p:nvPr>
+        </p:nvSpPr>
+        <p:spPr/>
+        <p:txBody>
+          <a:bodyPr>
+            <a:normAutofit fontScale="90000"/>
+          </a:bodyPr>
+          <a:lstStyle/>
+          <a:p>
+            <a:r>
+              <a:rPr lang="es-ES_tradnl" dirty="0" smtClean="0"/>
+              <a:t>Descubrimiento autom</a:t>
+            </a:r>
+            <a:r>
+              <a:rPr lang="es-ES_tradnl" dirty="0" smtClean="0"/>
+              <a:t>ático</a:t>
+            </a:r>
+            <a:endParaRPr lang="es-ES_tradnl" dirty="0"/>
+          </a:p>
+        </p:txBody>
+      </p:sp>
+      <p:sp>
+        <p:nvSpPr>
+          <p:cNvPr id="6" name="Content Placeholder 5"/>
+          <p:cNvSpPr>
+            <a:spLocks noGrp="1"/>
+          </p:cNvSpPr>
+          <p:nvPr>
+            <p:ph idx="1"/>
+          </p:nvPr>
+        </p:nvSpPr>
+        <p:spPr/>
+        <p:txBody>
+          <a:bodyPr>
+            <a:normAutofit lnSpcReduction="10000"/>
+          </a:bodyPr>
+          <a:lstStyle/>
+          <a:p>
+            <a:r>
+              <a:rPr lang="es-ES_tradnl" dirty="0" smtClean="0"/>
+              <a:t>Por defecto, el </a:t>
+            </a:r>
+            <a:r>
+              <a:rPr lang="es-ES_tradnl" dirty="0" err="1" smtClean="0"/>
+              <a:t>component-scan</a:t>
+            </a:r>
+            <a:r>
+              <a:rPr lang="es-ES_tradnl" dirty="0" smtClean="0"/>
+              <a:t> busca clases anotadas con los estereotipos siguientes:</a:t>
+            </a:r>
+          </a:p>
+          <a:p>
+            <a:pPr lvl="1"/>
+            <a:r>
+              <a:rPr lang="es-ES_tradnl" dirty="0" smtClean="0"/>
+              <a:t>@</a:t>
+            </a:r>
+            <a:r>
+              <a:rPr lang="es-ES_tradnl" dirty="0" err="1" smtClean="0"/>
+              <a:t>Component</a:t>
+            </a:r>
+            <a:endParaRPr lang="es-ES_tradnl" dirty="0" smtClean="0"/>
+          </a:p>
+          <a:p>
+            <a:pPr lvl="1"/>
+            <a:r>
+              <a:rPr lang="es-ES_tradnl" dirty="0" smtClean="0"/>
+              <a:t>@</a:t>
+            </a:r>
+            <a:r>
+              <a:rPr lang="es-ES_tradnl" dirty="0" err="1" smtClean="0"/>
+              <a:t>Controller</a:t>
+            </a:r>
+            <a:endParaRPr lang="es-ES_tradnl" dirty="0" smtClean="0"/>
+          </a:p>
+          <a:p>
+            <a:pPr lvl="1"/>
+            <a:r>
+              <a:rPr lang="es-ES_tradnl" dirty="0" smtClean="0"/>
+              <a:t>@</a:t>
+            </a:r>
+            <a:r>
+              <a:rPr lang="es-ES_tradnl" dirty="0" err="1" smtClean="0"/>
+              <a:t>Repository</a:t>
+            </a:r>
+            <a:endParaRPr lang="es-ES_tradnl" dirty="0" smtClean="0"/>
+          </a:p>
+          <a:p>
+            <a:pPr lvl="1"/>
+            <a:r>
+              <a:rPr lang="es-ES_tradnl" dirty="0" smtClean="0"/>
+              <a:t>@</a:t>
+            </a:r>
+            <a:r>
+              <a:rPr lang="es-ES_tradnl" dirty="0" err="1" smtClean="0"/>
+              <a:t>Service</a:t>
+            </a:r>
+            <a:endParaRPr lang="es-ES_tradnl" dirty="0" smtClean="0"/>
+          </a:p>
+          <a:p>
+            <a:pPr lvl="1"/>
+            <a:r>
+              <a:rPr lang="es-ES_tradnl" dirty="0" smtClean="0"/>
+              <a:t>Cualquier anotaci</a:t>
+            </a:r>
+            <a:r>
+              <a:rPr lang="es-ES_tradnl" dirty="0" smtClean="0"/>
+              <a:t>ón propia que se encuentra anotada con @</a:t>
+            </a:r>
+            <a:r>
+              <a:rPr lang="es-ES_tradnl" dirty="0" err="1" smtClean="0"/>
+              <a:t>Component</a:t>
+            </a:r>
+            <a:endParaRPr lang="es-ES_tradnl" dirty="0"/>
+          </a:p>
+        </p:txBody>
+      </p:sp>
+    </p:spTree>
+    <p:extLst>
+      <p:ext uri="{BB962C8B-B14F-4D97-AF65-F5344CB8AC3E}">
+        <p14:creationId xmlns:p14="http://schemas.microsoft.com/office/powerpoint/2010/main" val="282457415"/>
+      </p:ext>
+    </p:extLst>
+  </p:cSld>
+  <p:clrMapOvr>
+    <a:masterClrMapping/>
+  </p:clrMapOvr>
+</p:sld>
+</file>
+
+<file path=ppt/slides/slide9.xml><?xml version="1.0" encoding="utf-8"?>
+<p:sld xmlns:a="http://schemas.openxmlformats.org/drawingml/2006/main" xmlns:r="http://schemas.openxmlformats.org/officeDocument/2006/relationships" xmlns:p="http://schemas.openxmlformats.org/presentationml/2006/main">
+  <p:cSld>
+    <p:spTree>
+      <p:nvGrpSpPr>
+        <p:cNvPr id="1" name=""/>
+        <p:cNvGrpSpPr/>
+        <p:nvPr/>
+      </p:nvGrpSpPr>
+      <p:grpSpPr>
+        <a:xfrm>
+          <a:off x="0" y="0"/>
+          <a:ext cx="0" cy="0"/>
+          <a:chOff x="0" y="0"/>
+          <a:chExt cx="0" cy="0"/>
+        </a:xfrm>
+      </p:grpSpPr>
+      <p:sp>
+        <p:nvSpPr>
+          <p:cNvPr id="2" name="Title 1"/>
+          <p:cNvSpPr>
+            <a:spLocks noGrp="1"/>
+          </p:cNvSpPr>
+          <p:nvPr>
+            <p:ph type="title"/>
+          </p:nvPr>
+        </p:nvSpPr>
+        <p:spPr/>
+        <p:txBody>
+          <a:bodyPr/>
+          <a:lstStyle/>
+          <a:p>
+            <a:r>
+              <a:rPr lang="es-ES_tradnl" dirty="0" smtClean="0"/>
+              <a:t>Desacoplamiento (DI)</a:t>
+            </a:r>
+            <a:endParaRPr lang="es-ES_tradnl" dirty="0"/>
+          </a:p>
+        </p:txBody>
+      </p:sp>
+      <p:sp>
+        <p:nvSpPr>
+          <p:cNvPr id="3" name="Content Placeholder 2"/>
+          <p:cNvSpPr>
+            <a:spLocks noGrp="1"/>
+          </p:cNvSpPr>
+          <p:nvPr>
+            <p:ph idx="1"/>
+          </p:nvPr>
+        </p:nvSpPr>
+        <p:spPr/>
+        <p:txBody>
+          <a:bodyPr>
+            <a:normAutofit fontScale="77500" lnSpcReduction="20000"/>
+          </a:bodyPr>
+          <a:lstStyle/>
+          <a:p>
+            <a:pPr marL="68580" indent="0">
+              <a:buNone/>
+            </a:pPr>
+            <a:r>
+              <a:rPr lang="es-ES_tradnl" dirty="0" err="1" smtClean="0"/>
+              <a:t>package</a:t>
+            </a:r>
+            <a:r>
+              <a:rPr lang="es-ES_tradnl" dirty="0" smtClean="0"/>
+              <a:t> </a:t>
+            </a:r>
+            <a:r>
+              <a:rPr lang="es-ES_tradnl" dirty="0" err="1" smtClean="0"/>
+              <a:t>knights</a:t>
+            </a:r>
+            <a:r>
+              <a:rPr lang="es-ES_tradnl" dirty="0"/>
+              <a:t>;</a:t>
+            </a:r>
+          </a:p>
+          <a:p>
+            <a:pPr marL="68580" indent="0">
+              <a:buNone/>
+            </a:pPr>
+            <a:r>
+              <a:rPr lang="es-ES_tradnl" dirty="0" err="1"/>
+              <a:t>public</a:t>
+            </a:r>
+            <a:r>
+              <a:rPr lang="es-ES_tradnl" dirty="0"/>
+              <a:t> </a:t>
+            </a:r>
+            <a:r>
+              <a:rPr lang="es-ES_tradnl" dirty="0" err="1"/>
+              <a:t>class</a:t>
+            </a:r>
+            <a:r>
+              <a:rPr lang="es-ES_tradnl" dirty="0"/>
+              <a:t> </a:t>
+            </a:r>
+            <a:r>
+              <a:rPr lang="es-ES_tradnl" dirty="0" err="1"/>
+              <a:t>BraveKnight</a:t>
+            </a:r>
+            <a:r>
+              <a:rPr lang="es-ES_tradnl" dirty="0"/>
+              <a:t> </a:t>
+            </a:r>
+            <a:r>
+              <a:rPr lang="es-ES_tradnl" dirty="0" err="1"/>
+              <a:t>implements</a:t>
+            </a:r>
+            <a:r>
+              <a:rPr lang="es-ES_tradnl" dirty="0"/>
+              <a:t> </a:t>
+            </a:r>
+            <a:r>
+              <a:rPr lang="es-ES_tradnl" dirty="0" err="1"/>
+              <a:t>Knight</a:t>
+            </a:r>
+            <a:r>
+              <a:rPr lang="es-ES_tradnl" dirty="0"/>
+              <a:t> { </a:t>
+            </a:r>
+            <a:endParaRPr lang="es-ES_tradnl" dirty="0" smtClean="0"/>
+          </a:p>
+          <a:p>
+            <a:pPr marL="68580" indent="0">
+              <a:buNone/>
+            </a:pPr>
+            <a:r>
+              <a:rPr lang="es-ES_tradnl" dirty="0" smtClean="0"/>
+              <a:t>  </a:t>
+            </a:r>
+            <a:r>
+              <a:rPr lang="es-ES_tradnl" dirty="0" err="1" smtClean="0"/>
+              <a:t>private</a:t>
+            </a:r>
+            <a:r>
+              <a:rPr lang="es-ES_tradnl" dirty="0" smtClean="0"/>
+              <a:t> </a:t>
+            </a:r>
+            <a:r>
+              <a:rPr lang="es-ES_tradnl" dirty="0" err="1"/>
+              <a:t>Quest</a:t>
+            </a:r>
+            <a:r>
+              <a:rPr lang="es-ES_tradnl" dirty="0"/>
+              <a:t> </a:t>
+            </a:r>
+            <a:r>
+              <a:rPr lang="es-ES_tradnl" dirty="0" err="1"/>
+              <a:t>quest</a:t>
+            </a:r>
+            <a:r>
+              <a:rPr lang="es-ES_tradnl" dirty="0" smtClean="0"/>
+              <a:t>;</a:t>
+            </a:r>
+          </a:p>
+          <a:p>
+            <a:pPr marL="68580" indent="0">
+              <a:buNone/>
+            </a:pPr>
+            <a:r>
+              <a:rPr lang="es-ES_tradnl" dirty="0" smtClean="0"/>
+              <a:t>  </a:t>
+            </a:r>
+            <a:r>
+              <a:rPr lang="es-ES_tradnl" dirty="0" err="1" smtClean="0"/>
+              <a:t>public</a:t>
+            </a:r>
+            <a:r>
+              <a:rPr lang="es-ES_tradnl" dirty="0" smtClean="0"/>
+              <a:t> </a:t>
+            </a:r>
+            <a:r>
+              <a:rPr lang="es-ES_tradnl" dirty="0" err="1"/>
+              <a:t>BraveKnight</a:t>
+            </a:r>
+            <a:r>
+              <a:rPr lang="es-ES_tradnl" dirty="0"/>
+              <a:t>(</a:t>
+            </a:r>
+            <a:r>
+              <a:rPr lang="es-ES_tradnl" dirty="0" err="1"/>
+              <a:t>Quest</a:t>
+            </a:r>
+            <a:r>
+              <a:rPr lang="es-ES_tradnl" dirty="0"/>
+              <a:t> </a:t>
+            </a:r>
+            <a:r>
+              <a:rPr lang="es-ES_tradnl" dirty="0" err="1"/>
+              <a:t>quest</a:t>
+            </a:r>
+            <a:r>
+              <a:rPr lang="es-ES_tradnl" dirty="0"/>
+              <a:t>) { </a:t>
+            </a:r>
+          </a:p>
+          <a:p>
+            <a:pPr marL="68580" indent="0">
+              <a:buNone/>
+            </a:pPr>
+            <a:r>
+              <a:rPr lang="es-ES_tradnl" dirty="0" smtClean="0"/>
+              <a:t>    </a:t>
+            </a:r>
+            <a:r>
+              <a:rPr lang="es-ES_tradnl" dirty="0" err="1" smtClean="0"/>
+              <a:t>this.quest</a:t>
+            </a:r>
+            <a:r>
+              <a:rPr lang="es-ES_tradnl" dirty="0" smtClean="0"/>
+              <a:t> </a:t>
+            </a:r>
+            <a:r>
+              <a:rPr lang="es-ES_tradnl" dirty="0"/>
+              <a:t>= </a:t>
+            </a:r>
+            <a:r>
+              <a:rPr lang="es-ES_tradnl" dirty="0" err="1"/>
+              <a:t>quest</a:t>
+            </a:r>
+            <a:r>
+              <a:rPr lang="es-ES_tradnl" dirty="0"/>
+              <a:t>;</a:t>
+            </a:r>
+          </a:p>
+          <a:p>
+            <a:pPr marL="68580" indent="0">
+              <a:buNone/>
+            </a:pPr>
+            <a:r>
+              <a:rPr lang="es-ES_tradnl" dirty="0" smtClean="0"/>
+              <a:t>  }</a:t>
+            </a:r>
+            <a:endParaRPr lang="es-ES_tradnl" dirty="0"/>
+          </a:p>
+          <a:p>
+            <a:pPr marL="68580" indent="0">
+              <a:buNone/>
+            </a:pPr>
+            <a:endParaRPr lang="es-ES_tradnl" dirty="0"/>
+          </a:p>
+          <a:p>
+            <a:pPr marL="68580" indent="0">
+              <a:buNone/>
+            </a:pPr>
+            <a:r>
+              <a:rPr lang="es-ES_tradnl" dirty="0" smtClean="0"/>
+              <a:t>  </a:t>
+            </a:r>
+            <a:r>
+              <a:rPr lang="es-ES_tradnl" dirty="0" err="1" smtClean="0"/>
+              <a:t>public</a:t>
+            </a:r>
+            <a:r>
+              <a:rPr lang="es-ES_tradnl" dirty="0" smtClean="0"/>
+              <a:t> </a:t>
+            </a:r>
+            <a:r>
+              <a:rPr lang="es-ES_tradnl" dirty="0" err="1"/>
+              <a:t>void</a:t>
+            </a:r>
+            <a:r>
+              <a:rPr lang="es-ES_tradnl" dirty="0"/>
+              <a:t> </a:t>
+            </a:r>
+            <a:r>
+              <a:rPr lang="es-ES_tradnl" dirty="0" err="1"/>
+              <a:t>embarkOnQuest</a:t>
+            </a:r>
+            <a:r>
+              <a:rPr lang="es-ES_tradnl" dirty="0"/>
+              <a:t>() </a:t>
+            </a:r>
+            <a:r>
+              <a:rPr lang="es-ES_tradnl" dirty="0" err="1" smtClean="0"/>
+              <a:t>throws</a:t>
+            </a:r>
+            <a:r>
+              <a:rPr lang="es-ES_tradnl" dirty="0" smtClean="0"/>
+              <a:t> </a:t>
+            </a:r>
+            <a:r>
+              <a:rPr lang="es-ES_tradnl" dirty="0" err="1" smtClean="0"/>
+              <a:t>QuestException</a:t>
+            </a:r>
+            <a:r>
+              <a:rPr lang="es-ES_tradnl" dirty="0" smtClean="0"/>
+              <a:t> </a:t>
+            </a:r>
+            <a:r>
+              <a:rPr lang="es-ES_tradnl" dirty="0"/>
+              <a:t>{ </a:t>
+            </a:r>
+            <a:endParaRPr lang="es-ES_tradnl" dirty="0" smtClean="0"/>
+          </a:p>
+          <a:p>
+            <a:pPr marL="68580" indent="0">
+              <a:buNone/>
+            </a:pPr>
+            <a:r>
+              <a:rPr lang="es-ES_tradnl" dirty="0" smtClean="0"/>
+              <a:t>    </a:t>
+            </a:r>
+            <a:r>
+              <a:rPr lang="es-ES_tradnl" dirty="0" err="1" smtClean="0"/>
+              <a:t>quest.embark</a:t>
+            </a:r>
+            <a:r>
+              <a:rPr lang="es-ES_tradnl" dirty="0"/>
+              <a:t>();</a:t>
+            </a:r>
+          </a:p>
+          <a:p>
+            <a:pPr marL="68580" indent="0">
+              <a:buNone/>
+            </a:pPr>
+            <a:r>
+              <a:rPr lang="es-ES_tradnl" dirty="0" smtClean="0"/>
+              <a:t>  }</a:t>
+            </a:r>
+            <a:endParaRPr lang="es-ES_tradnl" dirty="0"/>
+          </a:p>
+          <a:p>
+            <a:pPr marL="68580" indent="0">
+              <a:buNone/>
+            </a:pPr>
+            <a:r>
+              <a:rPr lang="es-ES_tradnl" dirty="0" smtClean="0"/>
+              <a:t>}</a:t>
+            </a:r>
+            <a:endParaRPr lang="es-ES_tradnl" dirty="0"/>
+          </a:p>
+        </p:txBody>
+      </p:sp>
+    </p:spTree>
+    <p:extLst>
+      <p:ext uri="{BB962C8B-B14F-4D97-AF65-F5344CB8AC3E}">
+        <p14:creationId xmlns:p14="http://schemas.microsoft.com/office/powerpoint/2010/main" val="2087092943"/>
+      </p:ext>
+    </p:extLst>
+  </p:cSld>
+  <p:clrMapOvr>
+    <a:masterClrMapping/>
+  </p:clrMapOvr>
+  <p:timing>
+    <p:tnLst>
+      <p:par>
+        <p:cTn xmlns:p14="http://schemas.microsoft.com/office/powerpoint/2010/main" id="1" dur="indefinite" restart="never" nodeType="tmRoot"/>
+      </p:par>
+    </p:tnLst>
+  </p:timing>
+</p:sld>
+</file>
+
+<file path=ppt/slides/slide90.xml><?xml version="1.0" encoding="utf-8"?>
+<p:sld xmlns:a="http://schemas.openxmlformats.org/drawingml/2006/main" xmlns:r="http://schemas.openxmlformats.org/officeDocument/2006/relationships" xmlns:p="http://schemas.openxmlformats.org/presentationml/2006/main">
+  <p:cSld>
+    <p:spTree>
+      <p:nvGrpSpPr>
+        <p:cNvPr id="1" name=""/>
+        <p:cNvGrpSpPr/>
+        <p:nvPr/>
+      </p:nvGrpSpPr>
+      <p:grpSpPr>
+        <a:xfrm>
+          <a:off x="0" y="0"/>
+          <a:ext cx="0" cy="0"/>
+          <a:chOff x="0" y="0"/>
+          <a:chExt cx="0" cy="0"/>
+        </a:xfrm>
+      </p:grpSpPr>
+      <p:sp>
+        <p:nvSpPr>
+          <p:cNvPr id="2" name="Title 1"/>
+          <p:cNvSpPr>
+            <a:spLocks noGrp="1"/>
+          </p:cNvSpPr>
+          <p:nvPr>
+            <p:ph type="title"/>
+          </p:nvPr>
+        </p:nvSpPr>
+        <p:spPr/>
+        <p:txBody>
+          <a:bodyPr>
+            <a:normAutofit fontScale="90000"/>
+          </a:bodyPr>
+          <a:lstStyle/>
+          <a:p>
+            <a:r>
+              <a:rPr lang="es-ES_tradnl" dirty="0" smtClean="0"/>
+              <a:t>Descubrimiento autom</a:t>
+            </a:r>
+            <a:r>
+              <a:rPr lang="es-ES_tradnl" dirty="0" smtClean="0"/>
+              <a:t>ático</a:t>
+            </a:r>
+            <a:endParaRPr lang="es-ES_tradnl" dirty="0"/>
+          </a:p>
+        </p:txBody>
+      </p:sp>
+      <p:pic>
+        <p:nvPicPr>
+          <p:cNvPr id="4" name="Content Placeholder 3" descr="Screen shot 2011-11-17 at 10.10.05 AM.png"/>
+          <p:cNvPicPr>
+            <a:picLocks noGrp="1" noChangeAspect="1"/>
+          </p:cNvPicPr>
+          <p:nvPr>
+            <p:ph idx="1"/>
+          </p:nvPr>
+        </p:nvPicPr>
+        <p:blipFill>
+          <a:blip r:embed="rId2">
+            <a:extLst>
+              <a:ext uri="{28A0092B-C50C-407E-A947-70E740481C1C}">
+                <a14:useLocalDpi xmlns:a14="http://schemas.microsoft.com/office/drawing/2010/main" val="0"/>
+              </a:ext>
+            </a:extLst>
+          </a:blip>
+          <a:srcRect t="-16250" b="-16250"/>
+          <a:stretch>
+            <a:fillRect/>
+          </a:stretch>
+        </p:blipFill>
+        <p:spPr/>
+      </p:pic>
+    </p:spTree>
+    <p:extLst>
+      <p:ext uri="{BB962C8B-B14F-4D97-AF65-F5344CB8AC3E}">
+        <p14:creationId xmlns:p14="http://schemas.microsoft.com/office/powerpoint/2010/main" val="2814636281"/>
+      </p:ext>
+    </p:extLst>
+  </p:cSld>
+  <p:clrMapOvr>
+    <a:masterClrMapping/>
+  </p:clrMapOvr>
+</p:sld>
+</file>
+
+<file path=ppt/slides/slide91.xml><?xml version="1.0" encoding="utf-8"?>
+<p:sld xmlns:a="http://schemas.openxmlformats.org/drawingml/2006/main" xmlns:r="http://schemas.openxmlformats.org/officeDocument/2006/relationships" xmlns:p="http://schemas.openxmlformats.org/presentationml/2006/main">
+  <p:cSld>
+    <p:spTree>
+      <p:nvGrpSpPr>
+        <p:cNvPr id="1" name=""/>
+        <p:cNvGrpSpPr/>
+        <p:nvPr/>
+      </p:nvGrpSpPr>
+      <p:grpSpPr>
+        <a:xfrm>
+          <a:off x="0" y="0"/>
+          <a:ext cx="0" cy="0"/>
+          <a:chOff x="0" y="0"/>
+          <a:chExt cx="0" cy="0"/>
+        </a:xfrm>
+      </p:grpSpPr>
+      <p:sp>
+        <p:nvSpPr>
+          <p:cNvPr id="2" name="Title 1"/>
+          <p:cNvSpPr>
+            <a:spLocks noGrp="1"/>
+          </p:cNvSpPr>
+          <p:nvPr>
+            <p:ph type="title"/>
+          </p:nvPr>
+        </p:nvSpPr>
+        <p:spPr/>
+        <p:txBody>
+          <a:bodyPr>
+            <a:normAutofit fontScale="90000"/>
+          </a:bodyPr>
+          <a:lstStyle/>
+          <a:p>
+            <a:r>
+              <a:rPr lang="es-ES_tradnl" dirty="0" smtClean="0"/>
+              <a:t>Descubrimiento autom</a:t>
+            </a:r>
+            <a:r>
+              <a:rPr lang="es-ES_tradnl" dirty="0" smtClean="0"/>
+              <a:t>ático</a:t>
+            </a:r>
+            <a:endParaRPr lang="es-ES_tradnl" dirty="0"/>
+          </a:p>
+        </p:txBody>
+      </p:sp>
+      <p:pic>
+        <p:nvPicPr>
+          <p:cNvPr id="5" name="Content Placeholder 4" descr="Screen shot 2011-11-17 at 10.10.55 AM.png"/>
+          <p:cNvPicPr>
+            <a:picLocks noGrp="1" noChangeAspect="1"/>
+          </p:cNvPicPr>
+          <p:nvPr>
+            <p:ph idx="1"/>
+          </p:nvPr>
+        </p:nvPicPr>
+        <p:blipFill>
+          <a:blip r:embed="rId2">
+            <a:extLst>
+              <a:ext uri="{28A0092B-C50C-407E-A947-70E740481C1C}">
+                <a14:useLocalDpi xmlns:a14="http://schemas.microsoft.com/office/drawing/2010/main" val="0"/>
+              </a:ext>
+            </a:extLst>
+          </a:blip>
+          <a:srcRect t="-101458" b="-101458"/>
+          <a:stretch>
+            <a:fillRect/>
+          </a:stretch>
+        </p:blipFill>
+        <p:spPr/>
+      </p:pic>
+    </p:spTree>
+    <p:extLst>
+      <p:ext uri="{BB962C8B-B14F-4D97-AF65-F5344CB8AC3E}">
+        <p14:creationId xmlns:p14="http://schemas.microsoft.com/office/powerpoint/2010/main" val="556856449"/>
+      </p:ext>
+    </p:extLst>
+  </p:cSld>
+  <p:clrMapOvr>
+    <a:masterClrMapping/>
+  </p:clrMapOvr>
+</p:sld>
+</file>
+
+<file path=ppt/slides/slide92.xml><?xml version="1.0" encoding="utf-8"?>
+<p:sld xmlns:a="http://schemas.openxmlformats.org/drawingml/2006/main" xmlns:r="http://schemas.openxmlformats.org/officeDocument/2006/relationships" xmlns:p="http://schemas.openxmlformats.org/presentationml/2006/main">
+  <p:cSld>
+    <p:spTree>
+      <p:nvGrpSpPr>
+        <p:cNvPr id="1" name=""/>
+        <p:cNvGrpSpPr/>
+        <p:nvPr/>
+      </p:nvGrpSpPr>
+      <p:grpSpPr>
+        <a:xfrm>
+          <a:off x="0" y="0"/>
+          <a:ext cx="0" cy="0"/>
+          <a:chOff x="0" y="0"/>
+          <a:chExt cx="0" cy="0"/>
+        </a:xfrm>
+      </p:grpSpPr>
+      <p:sp>
+        <p:nvSpPr>
+          <p:cNvPr id="2" name="Title 1"/>
+          <p:cNvSpPr>
+            <a:spLocks noGrp="1"/>
+          </p:cNvSpPr>
+          <p:nvPr>
+            <p:ph type="title"/>
+          </p:nvPr>
+        </p:nvSpPr>
+        <p:spPr/>
+        <p:txBody>
+          <a:bodyPr>
+            <a:normAutofit fontScale="90000"/>
+          </a:bodyPr>
+          <a:lstStyle/>
+          <a:p>
+            <a:r>
+              <a:rPr lang="es-ES_tradnl" dirty="0" smtClean="0"/>
+              <a:t>Descubrimiento autom</a:t>
+            </a:r>
+            <a:r>
+              <a:rPr lang="es-ES_tradnl" dirty="0" smtClean="0"/>
+              <a:t>ático</a:t>
+            </a:r>
+            <a:endParaRPr lang="es-ES_tradnl" dirty="0"/>
+          </a:p>
+        </p:txBody>
+      </p:sp>
+      <p:sp>
+        <p:nvSpPr>
+          <p:cNvPr id="3" name="Content Placeholder 2"/>
+          <p:cNvSpPr>
+            <a:spLocks noGrp="1"/>
+          </p:cNvSpPr>
+          <p:nvPr>
+            <p:ph idx="1"/>
+          </p:nvPr>
+        </p:nvSpPr>
+        <p:spPr/>
+        <p:txBody>
+          <a:bodyPr/>
+          <a:lstStyle/>
+          <a:p>
+            <a:r>
+              <a:rPr lang="es-ES_tradnl" dirty="0" smtClean="0"/>
+              <a:t>Filtrado</a:t>
+            </a:r>
+          </a:p>
+          <a:p>
+            <a:pPr lvl="1"/>
+            <a:r>
+              <a:rPr lang="es-ES_tradnl" dirty="0" smtClean="0"/>
+              <a:t>Se puede filtrar el escan</a:t>
+            </a:r>
+            <a:r>
+              <a:rPr lang="es-ES_tradnl" dirty="0" smtClean="0"/>
+              <a:t>eo de clases ya sea para incluir o excluir</a:t>
+            </a:r>
+          </a:p>
+          <a:p>
+            <a:pPr lvl="2"/>
+            <a:r>
+              <a:rPr lang="es-ES_tradnl" dirty="0" smtClean="0"/>
+              <a:t>&lt;</a:t>
+            </a:r>
+            <a:r>
+              <a:rPr lang="es-ES_tradnl" dirty="0" err="1" smtClean="0"/>
+              <a:t>context:include-filter</a:t>
+            </a:r>
+            <a:r>
+              <a:rPr lang="es-ES_tradnl" dirty="0" smtClean="0"/>
+              <a:t>&gt;</a:t>
+            </a:r>
+          </a:p>
+          <a:p>
+            <a:pPr lvl="2"/>
+            <a:r>
+              <a:rPr lang="es-ES_tradnl" dirty="0" smtClean="0"/>
+              <a:t>&lt;</a:t>
+            </a:r>
+            <a:r>
+              <a:rPr lang="es-ES_tradnl" dirty="0" err="1" smtClean="0"/>
+              <a:t>context:exclude-filter</a:t>
+            </a:r>
+            <a:r>
+              <a:rPr lang="es-ES_tradnl" dirty="0" smtClean="0"/>
+              <a:t>&gt;</a:t>
+            </a:r>
+            <a:endParaRPr lang="es-ES_tradnl" dirty="0"/>
+          </a:p>
+        </p:txBody>
+      </p:sp>
+    </p:spTree>
+    <p:extLst>
+      <p:ext uri="{BB962C8B-B14F-4D97-AF65-F5344CB8AC3E}">
+        <p14:creationId xmlns:p14="http://schemas.microsoft.com/office/powerpoint/2010/main" val="2250413471"/>
+      </p:ext>
+    </p:extLst>
+  </p:cSld>
+  <p:clrMapOvr>
+    <a:masterClrMapping/>
+  </p:clrMapOvr>
+</p:sld>
+</file>
+
+<file path=ppt/slides/slide93.xml><?xml version="1.0" encoding="utf-8"?>
+<p:sld xmlns:a="http://schemas.openxmlformats.org/drawingml/2006/main" xmlns:r="http://schemas.openxmlformats.org/officeDocument/2006/relationships" xmlns:p="http://schemas.openxmlformats.org/presentationml/2006/main">
+  <p:cSld>
+    <p:spTree>
+      <p:nvGrpSpPr>
+        <p:cNvPr id="1" name=""/>
+        <p:cNvGrpSpPr/>
+        <p:nvPr/>
+      </p:nvGrpSpPr>
+      <p:grpSpPr>
+        <a:xfrm>
+          <a:off x="0" y="0"/>
+          <a:ext cx="0" cy="0"/>
+          <a:chOff x="0" y="0"/>
+          <a:chExt cx="0" cy="0"/>
+        </a:xfrm>
+      </p:grpSpPr>
+      <p:sp>
+        <p:nvSpPr>
+          <p:cNvPr id="2" name="Title 1"/>
+          <p:cNvSpPr>
+            <a:spLocks noGrp="1"/>
+          </p:cNvSpPr>
+          <p:nvPr>
+            <p:ph type="title"/>
+          </p:nvPr>
+        </p:nvSpPr>
+        <p:spPr/>
+        <p:txBody>
+          <a:bodyPr>
+            <a:normAutofit fontScale="90000"/>
+          </a:bodyPr>
+          <a:lstStyle/>
+          <a:p>
+            <a:r>
+              <a:rPr lang="es-ES_tradnl" dirty="0" smtClean="0"/>
+              <a:t>Descubrimiento autom</a:t>
+            </a:r>
+            <a:r>
+              <a:rPr lang="es-ES_tradnl" dirty="0" smtClean="0"/>
+              <a:t>ático</a:t>
+            </a:r>
+            <a:endParaRPr lang="es-ES_tradnl" dirty="0"/>
+          </a:p>
+        </p:txBody>
+      </p:sp>
+      <p:pic>
+        <p:nvPicPr>
+          <p:cNvPr id="4" name="Content Placeholder 3" descr="Screen shot 2011-11-17 at 10.15.09 AM.png"/>
+          <p:cNvPicPr>
+            <a:picLocks noGrp="1" noChangeAspect="1"/>
+          </p:cNvPicPr>
+          <p:nvPr>
+            <p:ph idx="1"/>
+          </p:nvPr>
+        </p:nvPicPr>
+        <p:blipFill>
+          <a:blip r:embed="rId2">
+            <a:extLst>
+              <a:ext uri="{28A0092B-C50C-407E-A947-70E740481C1C}">
+                <a14:useLocalDpi xmlns:a14="http://schemas.microsoft.com/office/drawing/2010/main" val="0"/>
+              </a:ext>
+            </a:extLst>
+          </a:blip>
+          <a:srcRect t="-98732" b="-98732"/>
+          <a:stretch>
+            <a:fillRect/>
+          </a:stretch>
+        </p:blipFill>
+        <p:spPr/>
+      </p:pic>
+    </p:spTree>
+    <p:extLst>
+      <p:ext uri="{BB962C8B-B14F-4D97-AF65-F5344CB8AC3E}">
+        <p14:creationId xmlns:p14="http://schemas.microsoft.com/office/powerpoint/2010/main" val="515156562"/>
+      </p:ext>
+    </p:extLst>
+  </p:cSld>
+  <p:clrMapOvr>
+    <a:masterClrMapping/>
+  </p:clrMapOvr>
+</p:sld>
+</file>
+
+<file path=ppt/slides/slide94.xml><?xml version="1.0" encoding="utf-8"?>
+<p:sld xmlns:a="http://schemas.openxmlformats.org/drawingml/2006/main" xmlns:r="http://schemas.openxmlformats.org/officeDocument/2006/relationships" xmlns:p="http://schemas.openxmlformats.org/presentationml/2006/main">
+  <p:cSld>
+    <p:spTree>
+      <p:nvGrpSpPr>
+        <p:cNvPr id="1" name=""/>
+        <p:cNvGrpSpPr/>
+        <p:nvPr/>
+      </p:nvGrpSpPr>
+      <p:grpSpPr>
+        <a:xfrm>
+          <a:off x="0" y="0"/>
+          <a:ext cx="0" cy="0"/>
+          <a:chOff x="0" y="0"/>
+          <a:chExt cx="0" cy="0"/>
+        </a:xfrm>
+      </p:grpSpPr>
+      <p:sp>
+        <p:nvSpPr>
+          <p:cNvPr id="2" name="Title 1"/>
+          <p:cNvSpPr>
+            <a:spLocks noGrp="1"/>
+          </p:cNvSpPr>
+          <p:nvPr>
+            <p:ph type="title"/>
+          </p:nvPr>
+        </p:nvSpPr>
+        <p:spPr/>
+        <p:txBody>
+          <a:bodyPr>
+            <a:normAutofit fontScale="90000"/>
+          </a:bodyPr>
+          <a:lstStyle/>
+          <a:p>
+            <a:r>
+              <a:rPr lang="es-ES_tradnl" dirty="0" smtClean="0"/>
+              <a:t>Descubrimiento autom</a:t>
+            </a:r>
+            <a:r>
+              <a:rPr lang="es-ES_tradnl" dirty="0" smtClean="0"/>
+              <a:t>ático</a:t>
+            </a:r>
+            <a:endParaRPr lang="es-ES_tradnl" dirty="0"/>
+          </a:p>
+        </p:txBody>
+      </p:sp>
+      <p:sp>
+        <p:nvSpPr>
+          <p:cNvPr id="3" name="Content Placeholder 2"/>
+          <p:cNvSpPr>
+            <a:spLocks noGrp="1"/>
+          </p:cNvSpPr>
+          <p:nvPr>
+            <p:ph idx="1"/>
+          </p:nvPr>
+        </p:nvSpPr>
+        <p:spPr/>
+        <p:txBody>
+          <a:bodyPr>
+            <a:normAutofit lnSpcReduction="10000"/>
+          </a:bodyPr>
+          <a:lstStyle/>
+          <a:p>
+            <a:r>
+              <a:rPr lang="es-ES_tradnl" dirty="0" smtClean="0"/>
+              <a:t>Tipos de Filtros</a:t>
+            </a:r>
+          </a:p>
+          <a:p>
+            <a:pPr lvl="1"/>
+            <a:r>
+              <a:rPr lang="es-ES_tradnl" dirty="0" err="1" smtClean="0"/>
+              <a:t>annotation</a:t>
+            </a:r>
+            <a:endParaRPr lang="es-ES_tradnl" dirty="0" smtClean="0"/>
+          </a:p>
+          <a:p>
+            <a:pPr lvl="2"/>
+            <a:r>
+              <a:rPr lang="es-ES_tradnl" dirty="0" smtClean="0"/>
+              <a:t>Elige las clases que tienen cierta anotaci</a:t>
+            </a:r>
+            <a:r>
+              <a:rPr lang="es-ES_tradnl" dirty="0" smtClean="0"/>
+              <a:t>ón a nivel Tipo</a:t>
+            </a:r>
+          </a:p>
+          <a:p>
+            <a:pPr lvl="1"/>
+            <a:r>
+              <a:rPr lang="es-ES_tradnl" dirty="0" err="1" smtClean="0"/>
+              <a:t>assignable</a:t>
+            </a:r>
+            <a:endParaRPr lang="es-ES_tradnl" dirty="0" smtClean="0"/>
+          </a:p>
+          <a:p>
+            <a:pPr lvl="2"/>
+            <a:r>
+              <a:rPr lang="es-ES_tradnl" dirty="0" smtClean="0"/>
+              <a:t>Elige las clases que pueden ser asignadas al Tipo especificado en el atributo </a:t>
+            </a:r>
+            <a:r>
+              <a:rPr lang="es-ES_tradnl" i="1" dirty="0" err="1" smtClean="0"/>
+              <a:t>expression</a:t>
+            </a:r>
+            <a:endParaRPr lang="es-ES_tradnl" dirty="0" smtClean="0"/>
+          </a:p>
+          <a:p>
+            <a:pPr lvl="1"/>
+            <a:r>
+              <a:rPr lang="es-ES_tradnl" dirty="0" err="1" smtClean="0"/>
+              <a:t>aspectj</a:t>
+            </a:r>
+            <a:endParaRPr lang="es-ES_tradnl" dirty="0" smtClean="0"/>
+          </a:p>
+          <a:p>
+            <a:pPr lvl="2"/>
+            <a:r>
+              <a:rPr lang="es-ES_tradnl" dirty="0" smtClean="0"/>
+              <a:t>Elige las clases que </a:t>
+            </a:r>
+            <a:r>
+              <a:rPr lang="es-ES_tradnl" dirty="0" err="1" smtClean="0"/>
+              <a:t>concidan</a:t>
+            </a:r>
+            <a:r>
+              <a:rPr lang="es-ES_tradnl" dirty="0" smtClean="0"/>
+              <a:t> con el tipo </a:t>
+            </a:r>
+            <a:r>
+              <a:rPr lang="es-ES_tradnl" dirty="0" err="1" smtClean="0"/>
+              <a:t>AspectJ</a:t>
+            </a:r>
+            <a:endParaRPr lang="es-ES_tradnl" dirty="0"/>
+          </a:p>
+        </p:txBody>
+      </p:sp>
+    </p:spTree>
+    <p:extLst>
+      <p:ext uri="{BB962C8B-B14F-4D97-AF65-F5344CB8AC3E}">
+        <p14:creationId xmlns:p14="http://schemas.microsoft.com/office/powerpoint/2010/main" val="3322950725"/>
+      </p:ext>
+    </p:extLst>
+  </p:cSld>
+  <p:clrMapOvr>
+    <a:masterClrMapping/>
+  </p:clrMapOvr>
+</p:sld>
+</file>
+
+<file path=ppt/slides/slide95.xml><?xml version="1.0" encoding="utf-8"?>
+<p:sld xmlns:a="http://schemas.openxmlformats.org/drawingml/2006/main" xmlns:r="http://schemas.openxmlformats.org/officeDocument/2006/relationships" xmlns:p="http://schemas.openxmlformats.org/presentationml/2006/main">
+  <p:cSld>
+    <p:spTree>
+      <p:nvGrpSpPr>
+        <p:cNvPr id="1" name=""/>
+        <p:cNvGrpSpPr/>
+        <p:nvPr/>
+      </p:nvGrpSpPr>
+      <p:grpSpPr>
+        <a:xfrm>
+          <a:off x="0" y="0"/>
+          <a:ext cx="0" cy="0"/>
+          <a:chOff x="0" y="0"/>
+          <a:chExt cx="0" cy="0"/>
+        </a:xfrm>
+      </p:grpSpPr>
+      <p:sp>
+        <p:nvSpPr>
+          <p:cNvPr id="2" name="Title 1"/>
+          <p:cNvSpPr>
+            <a:spLocks noGrp="1"/>
+          </p:cNvSpPr>
+          <p:nvPr>
+            <p:ph type="title"/>
+          </p:nvPr>
+        </p:nvSpPr>
+        <p:spPr/>
+        <p:txBody>
+          <a:bodyPr>
+            <a:normAutofit fontScale="90000"/>
+          </a:bodyPr>
+          <a:lstStyle/>
+          <a:p>
+            <a:r>
+              <a:rPr lang="es-ES_tradnl" dirty="0" smtClean="0"/>
+              <a:t>Descubrimiento autom</a:t>
+            </a:r>
+            <a:r>
+              <a:rPr lang="es-ES_tradnl" dirty="0" smtClean="0"/>
+              <a:t>ático</a:t>
+            </a:r>
+            <a:endParaRPr lang="es-ES_tradnl" dirty="0"/>
+          </a:p>
+        </p:txBody>
+      </p:sp>
+      <p:sp>
+        <p:nvSpPr>
+          <p:cNvPr id="3" name="Content Placeholder 2"/>
+          <p:cNvSpPr>
+            <a:spLocks noGrp="1"/>
+          </p:cNvSpPr>
+          <p:nvPr>
+            <p:ph idx="1"/>
+          </p:nvPr>
+        </p:nvSpPr>
+        <p:spPr/>
+        <p:txBody>
+          <a:bodyPr/>
+          <a:lstStyle/>
+          <a:p>
+            <a:r>
+              <a:rPr lang="es-ES_tradnl" dirty="0" smtClean="0"/>
+              <a:t>Tipos de Filtros (cont.)</a:t>
+            </a:r>
+          </a:p>
+          <a:p>
+            <a:pPr lvl="1"/>
+            <a:r>
+              <a:rPr lang="es-ES_tradnl" dirty="0" err="1" smtClean="0"/>
+              <a:t>custom</a:t>
+            </a:r>
+            <a:endParaRPr lang="es-ES_tradnl" dirty="0" smtClean="0"/>
+          </a:p>
+          <a:p>
+            <a:pPr lvl="2"/>
+            <a:r>
+              <a:rPr lang="es-ES_tradnl" dirty="0" smtClean="0"/>
+              <a:t>Usa una clase que implemente a </a:t>
+            </a:r>
+            <a:r>
+              <a:rPr lang="es-ES_tradnl" dirty="0" err="1" smtClean="0"/>
+              <a:t>org.springframework.core.type.TypeFilter</a:t>
+            </a:r>
+            <a:endParaRPr lang="es-ES_tradnl" dirty="0" smtClean="0"/>
+          </a:p>
+          <a:p>
+            <a:pPr lvl="1"/>
+            <a:r>
+              <a:rPr lang="es-ES_tradnl" dirty="0" err="1"/>
+              <a:t>r</a:t>
+            </a:r>
+            <a:r>
+              <a:rPr lang="es-ES_tradnl" dirty="0" err="1" smtClean="0"/>
+              <a:t>egex</a:t>
+            </a:r>
+            <a:endParaRPr lang="es-ES_tradnl" dirty="0" smtClean="0"/>
+          </a:p>
+          <a:p>
+            <a:pPr lvl="2"/>
+            <a:r>
+              <a:rPr lang="es-ES_tradnl" dirty="0" smtClean="0"/>
+              <a:t>Elige las clases que sus nombres coincidan con la expresi</a:t>
+            </a:r>
+            <a:r>
+              <a:rPr lang="es-ES_tradnl" dirty="0" smtClean="0"/>
+              <a:t>ón regular</a:t>
+            </a:r>
+            <a:endParaRPr lang="es-ES_tradnl" dirty="0"/>
+          </a:p>
+        </p:txBody>
+      </p:sp>
+    </p:spTree>
+    <p:extLst>
+      <p:ext uri="{BB962C8B-B14F-4D97-AF65-F5344CB8AC3E}">
+        <p14:creationId xmlns:p14="http://schemas.microsoft.com/office/powerpoint/2010/main" val="1109726178"/>
+      </p:ext>
+    </p:extLst>
+  </p:cSld>
+  <p:clrMapOvr>
+    <a:masterClrMapping/>
+  </p:clrMapOvr>
+</p:sld>
+</file>
+
+<file path=ppt/slides/slide96.xml><?xml version="1.0" encoding="utf-8"?>
+<p:sld xmlns:a="http://schemas.openxmlformats.org/drawingml/2006/main" xmlns:r="http://schemas.openxmlformats.org/officeDocument/2006/relationships" xmlns:p="http://schemas.openxmlformats.org/presentationml/2006/main">
+  <p:cSld>
+    <p:spTree>
+      <p:nvGrpSpPr>
+        <p:cNvPr id="1" name=""/>
+        <p:cNvGrpSpPr/>
+        <p:nvPr/>
+      </p:nvGrpSpPr>
+      <p:grpSpPr>
+        <a:xfrm>
+          <a:off x="0" y="0"/>
+          <a:ext cx="0" cy="0"/>
+          <a:chOff x="0" y="0"/>
+          <a:chExt cx="0" cy="0"/>
+        </a:xfrm>
+      </p:grpSpPr>
+      <p:sp>
+        <p:nvSpPr>
+          <p:cNvPr id="2" name="Title 1"/>
+          <p:cNvSpPr>
+            <a:spLocks noGrp="1"/>
+          </p:cNvSpPr>
+          <p:nvPr>
+            <p:ph type="title"/>
+          </p:nvPr>
+        </p:nvSpPr>
+        <p:spPr/>
+        <p:txBody>
+          <a:bodyPr>
+            <a:normAutofit fontScale="90000"/>
+          </a:bodyPr>
+          <a:lstStyle/>
+          <a:p>
+            <a:r>
+              <a:rPr lang="es-ES_tradnl" dirty="0" smtClean="0"/>
+              <a:t>Descubrimiento autom</a:t>
+            </a:r>
+            <a:r>
+              <a:rPr lang="es-ES_tradnl" dirty="0" smtClean="0"/>
+              <a:t>ático</a:t>
+            </a:r>
+            <a:endParaRPr lang="es-ES_tradnl" dirty="0"/>
+          </a:p>
+        </p:txBody>
+      </p:sp>
+      <p:pic>
+        <p:nvPicPr>
+          <p:cNvPr id="4" name="Content Placeholder 3" descr="Screen shot 2011-11-17 at 10.20.40 AM.png"/>
+          <p:cNvPicPr>
+            <a:picLocks noGrp="1" noChangeAspect="1"/>
+          </p:cNvPicPr>
+          <p:nvPr>
+            <p:ph idx="1"/>
+          </p:nvPr>
+        </p:nvPicPr>
+        <p:blipFill>
+          <a:blip r:embed="rId2">
+            <a:extLst>
+              <a:ext uri="{28A0092B-C50C-407E-A947-70E740481C1C}">
+                <a14:useLocalDpi xmlns:a14="http://schemas.microsoft.com/office/drawing/2010/main" val="0"/>
+              </a:ext>
+            </a:extLst>
+          </a:blip>
+          <a:srcRect t="-54408" b="-54408"/>
+          <a:stretch>
+            <a:fillRect/>
+          </a:stretch>
+        </p:blipFill>
+        <p:spPr/>
+      </p:pic>
+    </p:spTree>
+    <p:extLst>
+      <p:ext uri="{BB962C8B-B14F-4D97-AF65-F5344CB8AC3E}">
+        <p14:creationId xmlns:p14="http://schemas.microsoft.com/office/powerpoint/2010/main" val="2935317663"/>
+      </p:ext>
+    </p:extLst>
+  </p:cSld>
+  <p:clrMapOvr>
+    <a:masterClrMapping/>
+  </p:clrMapOvr>
+</p:sld>
+</file>
+
+<file path=ppt/slides/slide97.xml><?xml version="1.0" encoding="utf-8"?>
+<p:sld xmlns:a="http://schemas.openxmlformats.org/drawingml/2006/main" xmlns:r="http://schemas.openxmlformats.org/officeDocument/2006/relationships" xmlns:p="http://schemas.openxmlformats.org/presentationml/2006/main">
+  <p:cSld>
+    <p:spTree>
+      <p:nvGrpSpPr>
+        <p:cNvPr id="1" name=""/>
+        <p:cNvGrpSpPr/>
+        <p:nvPr/>
+      </p:nvGrpSpPr>
+      <p:grpSpPr>
+        <a:xfrm>
+          <a:off x="0" y="0"/>
+          <a:ext cx="0" cy="0"/>
+          <a:chOff x="0" y="0"/>
+          <a:chExt cx="0" cy="0"/>
+        </a:xfrm>
+      </p:grpSpPr>
+      <p:sp>
+        <p:nvSpPr>
+          <p:cNvPr id="2" name="Title 1"/>
+          <p:cNvSpPr>
+            <a:spLocks noGrp="1"/>
+          </p:cNvSpPr>
+          <p:nvPr>
+            <p:ph type="title"/>
+          </p:nvPr>
+        </p:nvSpPr>
+        <p:spPr/>
+        <p:txBody>
+          <a:bodyPr/>
+          <a:lstStyle/>
+          <a:p>
+            <a:r>
+              <a:rPr lang="es-ES_tradnl" dirty="0" smtClean="0"/>
               <a:t>Ejercicio</a:t>
             </a:r>
             <a:endParaRPr lang="es-ES_tradnl" dirty="0"/>
@@ -23189,7 +29968,7 @@
 </p:sld>
 </file>
 
-<file path=ppt/slides/slide77.xml><?xml version="1.0" encoding="utf-8"?>
+<file path=ppt/slides/slide98.xml><?xml version="1.0" encoding="utf-8"?>
 <p:sld xmlns:a="http://schemas.openxmlformats.org/drawingml/2006/main" xmlns:r="http://schemas.openxmlformats.org/officeDocument/2006/relationships" xmlns:p="http://schemas.openxmlformats.org/presentationml/2006/main">
   <p:cSld>
     <p:spTree>
@@ -23223,67 +30002,51 @@
           <a:p>
             <a:r>
               <a:rPr lang="es-ES_tradnl" dirty="0" smtClean="0"/>
-              <a:t>Ejercicio</a:t>
+              <a:t>AOP</a:t>
             </a:r>
             <a:endParaRPr lang="es-ES_tradnl" dirty="0"/>
           </a:p>
         </p:txBody>
       </p:sp>
-      <p:sp>
-        <p:nvSpPr>
-          <p:cNvPr id="3" name="Content Placeholder 2"/>
-          <p:cNvSpPr>
-            <a:spLocks noGrp="1"/>
-          </p:cNvSpPr>
+      <p:pic>
+        <p:nvPicPr>
+          <p:cNvPr id="4" name="Content Placeholder 3" descr="Screen shot 2011-11-17 at 10.25.00 AM.png"/>
+          <p:cNvPicPr>
+            <a:picLocks noGrp="1" noChangeAspect="1"/>
+          </p:cNvPicPr>
           <p:nvPr>
             <p:ph idx="1"/>
           </p:nvPr>
-        </p:nvSpPr>
+        </p:nvPicPr>
+        <p:blipFill>
+          <a:blip r:embed="rId3">
+            <a:extLst>
+              <a:ext uri="{28A0092B-C50C-407E-A947-70E740481C1C}">
+                <a14:useLocalDpi xmlns:a14="http://schemas.microsoft.com/office/drawing/2010/main" val="0"/>
+              </a:ext>
+            </a:extLst>
+          </a:blip>
+          <a:srcRect l="-8379" r="-8379"/>
+          <a:stretch>
+            <a:fillRect/>
+          </a:stretch>
+        </p:blipFill>
         <p:spPr/>
-        <p:txBody>
-          <a:bodyPr/>
-          <a:lstStyle/>
-          <a:p>
-            <a:r>
-              <a:rPr lang="es-ES_tradnl" dirty="0" smtClean="0"/>
-              <a:t>Trabajar con Lote y añadir un aspecto que imprima en consola el siguiente mensaje con aspectos</a:t>
-            </a:r>
-          </a:p>
-          <a:p>
-            <a:pPr lvl="1"/>
-            <a:r>
-              <a:rPr lang="es-ES_tradnl" dirty="0" smtClean="0"/>
-              <a:t>“Se esta comprando </a:t>
-            </a:r>
-            <a:r>
-              <a:rPr lang="es-ES_tradnl" dirty="0" smtClean="0"/>
-              <a:t>[nombre auto] a las [fecha]”</a:t>
-            </a:r>
-            <a:endParaRPr lang="es-ES_tradnl" dirty="0"/>
-          </a:p>
-        </p:txBody>
-      </p:sp>
+      </p:pic>
     </p:spTree>
     <p:extLst>
       <p:ext uri="{BB962C8B-B14F-4D97-AF65-F5344CB8AC3E}">
-        <p14:creationId xmlns:p14="http://schemas.microsoft.com/office/powerpoint/2010/main" val="3837961442"/>
+        <p14:creationId xmlns:p14="http://schemas.microsoft.com/office/powerpoint/2010/main" val="2261999826"/>
       </p:ext>
     </p:extLst>
   </p:cSld>
   <p:clrMapOvr>
     <a:masterClrMapping/>
   </p:clrMapOvr>
-  <p:timing>
-    <p:tnLst>
-      <p:par>
-        <p:cTn xmlns:p14="http://schemas.microsoft.com/office/powerpoint/2010/main" id="1" dur="indefinite" restart="never" nodeType="tmRoot"/>
-      </p:par>
-    </p:tnLst>
-  </p:timing>
 </p:sld>
 </file>
 
-<file path=ppt/slides/slide78.xml><?xml version="1.0" encoding="utf-8"?>
+<file path=ppt/slides/slide99.xml><?xml version="1.0" encoding="utf-8"?>
 <p:sld xmlns:a="http://schemas.openxmlformats.org/drawingml/2006/main" xmlns:r="http://schemas.openxmlformats.org/officeDocument/2006/relationships" xmlns:p="http://schemas.openxmlformats.org/presentationml/2006/main">
   <p:cSld>
     <p:spTree>
@@ -23302,7 +30065,7 @@
       </p:grpSpPr>
       <p:sp>
         <p:nvSpPr>
-          <p:cNvPr id="4" name="Title 3"/>
+          <p:cNvPr id="2" name="Title 1"/>
           <p:cNvSpPr>
             <a:spLocks noGrp="1"/>
           </p:cNvSpPr>
@@ -23317,11 +30080,7 @@
           <a:p>
             <a:r>
               <a:rPr lang="es-ES_tradnl" dirty="0" smtClean="0"/>
-              <a:t>B</a:t>
-            </a:r>
-            <a:r>
-              <a:rPr lang="es-ES_tradnl" dirty="0" smtClean="0"/>
-              <a:t>ásicos de Spring</a:t>
+              <a:t>AOP</a:t>
             </a:r>
             <a:endParaRPr lang="es-ES_tradnl" dirty="0"/>
           </a:p>
@@ -23329,12 +30088,12 @@
       </p:sp>
       <p:sp>
         <p:nvSpPr>
-          <p:cNvPr id="5" name="Text Placeholder 4"/>
+          <p:cNvPr id="3" name="Content Placeholder 2"/>
           <p:cNvSpPr>
             <a:spLocks noGrp="1"/>
           </p:cNvSpPr>
           <p:nvPr>
-            <p:ph type="body" idx="1"/>
+            <p:ph idx="1"/>
           </p:nvPr>
         </p:nvSpPr>
         <p:spPr/>
@@ -23342,802 +30101,30 @@
           <a:bodyPr/>
           <a:lstStyle/>
           <a:p>
-            <a:endParaRPr lang="es-ES_tradnl"/>
+            <a:r>
+              <a:rPr lang="es-ES_tradnl" dirty="0"/>
+              <a:t>La herencia puede ayudarnos a resolver este problema, pero en cuanto el sistema crezca, tendremos un modelo complejo y tendremos que saber mucho de este para poder hacer las llamadas correctas.</a:t>
+            </a:r>
+          </a:p>
+          <a:p>
+            <a:r>
+              <a:rPr lang="es-ES_tradnl" dirty="0" smtClean="0"/>
+              <a:t>Los aspectos nos ofrecen una alternativa que puede ser mas limpia en muchos casos.</a:t>
+            </a:r>
+            <a:endParaRPr lang="es-ES_tradnl" dirty="0"/>
           </a:p>
         </p:txBody>
       </p:sp>
     </p:spTree>
     <p:extLst>
       <p:ext uri="{BB962C8B-B14F-4D97-AF65-F5344CB8AC3E}">
-        <p14:creationId xmlns:p14="http://schemas.microsoft.com/office/powerpoint/2010/main" val="1568619498"/>
+        <p14:creationId xmlns:p14="http://schemas.microsoft.com/office/powerpoint/2010/main" val="880965405"/>
       </p:ext>
     </p:extLst>
   </p:cSld>
   <p:clrMapOvr>
     <a:masterClrMapping/>
   </p:clrMapOvr>
-  <p:timing>
-    <p:tnLst>
-      <p:par>
-        <p:cTn xmlns:p14="http://schemas.microsoft.com/office/powerpoint/2010/main" id="1" dur="indefinite" restart="never" nodeType="tmRoot"/>
-      </p:par>
-    </p:tnLst>
-  </p:timing>
-</p:sld>
-</file>
-
-<file path=ppt/slides/slide79.xml><?xml version="1.0" encoding="utf-8"?>
-<p:sld xmlns:a="http://schemas.openxmlformats.org/drawingml/2006/main" xmlns:r="http://schemas.openxmlformats.org/officeDocument/2006/relationships" xmlns:p="http://schemas.openxmlformats.org/presentationml/2006/main">
-  <p:cSld>
-    <p:spTree>
-      <p:nvGrpSpPr>
-        <p:cNvPr id="1" name=""/>
-        <p:cNvGrpSpPr/>
-        <p:nvPr/>
-      </p:nvGrpSpPr>
-      <p:grpSpPr>
-        <a:xfrm>
-          <a:off x="0" y="0"/>
-          <a:ext cx="0" cy="0"/>
-          <a:chOff x="0" y="0"/>
-          <a:chExt cx="0" cy="0"/>
-        </a:xfrm>
-      </p:grpSpPr>
-      <p:sp>
-        <p:nvSpPr>
-          <p:cNvPr id="4" name="Title 3"/>
-          <p:cNvSpPr>
-            <a:spLocks noGrp="1"/>
-          </p:cNvSpPr>
-          <p:nvPr>
-            <p:ph type="title"/>
-          </p:nvPr>
-        </p:nvSpPr>
-        <p:spPr/>
-        <p:txBody>
-          <a:bodyPr/>
-          <a:lstStyle/>
-          <a:p>
-            <a:r>
-              <a:rPr lang="es-ES_tradnl" dirty="0" smtClean="0"/>
-              <a:t>Integrando Spring</a:t>
-            </a:r>
-            <a:endParaRPr lang="es-ES_tradnl" dirty="0"/>
-          </a:p>
-        </p:txBody>
-      </p:sp>
-      <p:sp>
-        <p:nvSpPr>
-          <p:cNvPr id="5" name="Text Placeholder 4"/>
-          <p:cNvSpPr>
-            <a:spLocks noGrp="1"/>
-          </p:cNvSpPr>
-          <p:nvPr>
-            <p:ph type="body" idx="1"/>
-          </p:nvPr>
-        </p:nvSpPr>
-        <p:spPr/>
-        <p:txBody>
-          <a:bodyPr/>
-          <a:lstStyle/>
-          <a:p>
-            <a:endParaRPr lang="es-ES_tradnl"/>
-          </a:p>
-        </p:txBody>
-      </p:sp>
-    </p:spTree>
-    <p:extLst>
-      <p:ext uri="{BB962C8B-B14F-4D97-AF65-F5344CB8AC3E}">
-        <p14:creationId xmlns:p14="http://schemas.microsoft.com/office/powerpoint/2010/main" val="1568619498"/>
-      </p:ext>
-    </p:extLst>
-  </p:cSld>
-  <p:clrMapOvr>
-    <a:masterClrMapping/>
-  </p:clrMapOvr>
-  <p:timing>
-    <p:tnLst>
-      <p:par>
-        <p:cTn xmlns:p14="http://schemas.microsoft.com/office/powerpoint/2010/main" id="1" dur="indefinite" restart="never" nodeType="tmRoot"/>
-      </p:par>
-    </p:tnLst>
-  </p:timing>
-</p:sld>
-</file>
-
-<file path=ppt/slides/slide8.xml><?xml version="1.0" encoding="utf-8"?>
-<p:sld xmlns:a="http://schemas.openxmlformats.org/drawingml/2006/main" xmlns:r="http://schemas.openxmlformats.org/officeDocument/2006/relationships" xmlns:p="http://schemas.openxmlformats.org/presentationml/2006/main">
-  <p:cSld>
-    <p:spTree>
-      <p:nvGrpSpPr>
-        <p:cNvPr id="1" name=""/>
-        <p:cNvGrpSpPr/>
-        <p:nvPr/>
-      </p:nvGrpSpPr>
-      <p:grpSpPr>
-        <a:xfrm>
-          <a:off x="0" y="0"/>
-          <a:ext cx="0" cy="0"/>
-          <a:chOff x="0" y="0"/>
-          <a:chExt cx="0" cy="0"/>
-        </a:xfrm>
-      </p:grpSpPr>
-      <p:sp>
-        <p:nvSpPr>
-          <p:cNvPr id="2" name="Title 1"/>
-          <p:cNvSpPr>
-            <a:spLocks noGrp="1"/>
-          </p:cNvSpPr>
-          <p:nvPr>
-            <p:ph type="title"/>
-          </p:nvPr>
-        </p:nvSpPr>
-        <p:spPr/>
-        <p:txBody>
-          <a:bodyPr/>
-          <a:lstStyle/>
-          <a:p>
-            <a:r>
-              <a:rPr lang="es-ES_tradnl" dirty="0" smtClean="0"/>
-              <a:t>Acoplamiento</a:t>
-            </a:r>
-            <a:endParaRPr lang="es-ES_tradnl" dirty="0"/>
-          </a:p>
-        </p:txBody>
-      </p:sp>
-      <p:sp>
-        <p:nvSpPr>
-          <p:cNvPr id="3" name="Content Placeholder 2"/>
-          <p:cNvSpPr>
-            <a:spLocks noGrp="1"/>
-          </p:cNvSpPr>
-          <p:nvPr>
-            <p:ph idx="1"/>
-          </p:nvPr>
-        </p:nvSpPr>
-        <p:spPr/>
-        <p:txBody>
-          <a:bodyPr>
-            <a:normAutofit fontScale="77500" lnSpcReduction="20000"/>
-          </a:bodyPr>
-          <a:lstStyle/>
-          <a:p>
-            <a:pPr marL="68580" indent="0">
-              <a:buNone/>
-            </a:pPr>
-            <a:r>
-              <a:rPr lang="es-ES_tradnl" dirty="0" err="1" smtClean="0"/>
-              <a:t>package</a:t>
-            </a:r>
-            <a:r>
-              <a:rPr lang="es-ES_tradnl" dirty="0" smtClean="0"/>
-              <a:t> </a:t>
-            </a:r>
-            <a:r>
-              <a:rPr lang="es-ES_tradnl" dirty="0" err="1" smtClean="0"/>
-              <a:t>knights</a:t>
-            </a:r>
-            <a:r>
-              <a:rPr lang="es-ES_tradnl" dirty="0"/>
-              <a:t>;</a:t>
-            </a:r>
-          </a:p>
-          <a:p>
-            <a:pPr marL="68580" indent="0">
-              <a:buNone/>
-            </a:pPr>
-            <a:r>
-              <a:rPr lang="es-ES_tradnl" dirty="0" err="1"/>
-              <a:t>public</a:t>
-            </a:r>
-            <a:r>
-              <a:rPr lang="es-ES_tradnl" dirty="0"/>
-              <a:t> </a:t>
-            </a:r>
-            <a:r>
-              <a:rPr lang="es-ES_tradnl" dirty="0" err="1"/>
-              <a:t>class</a:t>
-            </a:r>
-            <a:r>
-              <a:rPr lang="es-ES_tradnl" dirty="0"/>
-              <a:t> </a:t>
-            </a:r>
-            <a:r>
-              <a:rPr lang="es-ES_tradnl" dirty="0" err="1"/>
-              <a:t>DamselRescuingKnight</a:t>
-            </a:r>
-            <a:r>
-              <a:rPr lang="es-ES_tradnl" dirty="0"/>
-              <a:t> </a:t>
-            </a:r>
-            <a:r>
-              <a:rPr lang="es-ES_tradnl" dirty="0" err="1"/>
-              <a:t>implements</a:t>
-            </a:r>
-            <a:r>
-              <a:rPr lang="es-ES_tradnl" dirty="0"/>
-              <a:t> </a:t>
-            </a:r>
-            <a:r>
-              <a:rPr lang="es-ES_tradnl" dirty="0" err="1"/>
-              <a:t>Knight</a:t>
-            </a:r>
-            <a:r>
-              <a:rPr lang="es-ES_tradnl" dirty="0"/>
-              <a:t> { </a:t>
-            </a:r>
-            <a:endParaRPr lang="es-ES_tradnl" dirty="0" smtClean="0"/>
-          </a:p>
-          <a:p>
-            <a:pPr marL="68580" indent="0">
-              <a:buNone/>
-            </a:pPr>
-            <a:r>
-              <a:rPr lang="es-ES_tradnl" dirty="0" smtClean="0"/>
-              <a:t>  </a:t>
-            </a:r>
-            <a:r>
-              <a:rPr lang="es-ES_tradnl" dirty="0" err="1" smtClean="0"/>
-              <a:t>private</a:t>
-            </a:r>
-            <a:r>
-              <a:rPr lang="es-ES_tradnl" dirty="0" smtClean="0"/>
-              <a:t> </a:t>
-            </a:r>
-            <a:r>
-              <a:rPr lang="es-ES_tradnl" dirty="0" err="1"/>
-              <a:t>RescueDamselQuest</a:t>
-            </a:r>
-            <a:r>
-              <a:rPr lang="es-ES_tradnl" dirty="0"/>
-              <a:t> </a:t>
-            </a:r>
-            <a:r>
-              <a:rPr lang="es-ES_tradnl" dirty="0" err="1"/>
-              <a:t>quest</a:t>
-            </a:r>
-            <a:r>
-              <a:rPr lang="es-ES_tradnl" dirty="0"/>
-              <a:t>;</a:t>
-            </a:r>
-          </a:p>
-          <a:p>
-            <a:pPr marL="68580" indent="0">
-              <a:buNone/>
-            </a:pPr>
-            <a:r>
-              <a:rPr lang="es-ES_tradnl" dirty="0" smtClean="0"/>
-              <a:t>  </a:t>
-            </a:r>
-            <a:r>
-              <a:rPr lang="es-ES_tradnl" dirty="0" err="1" smtClean="0"/>
-              <a:t>public</a:t>
-            </a:r>
-            <a:r>
-              <a:rPr lang="es-ES_tradnl" dirty="0" smtClean="0"/>
-              <a:t> </a:t>
-            </a:r>
-            <a:r>
-              <a:rPr lang="es-ES_tradnl" dirty="0" err="1"/>
-              <a:t>DamselRescuingKnight</a:t>
-            </a:r>
-            <a:r>
-              <a:rPr lang="es-ES_tradnl" dirty="0"/>
-              <a:t>() </a:t>
-            </a:r>
-            <a:r>
-              <a:rPr lang="es-ES_tradnl" dirty="0" smtClean="0"/>
-              <a:t>{</a:t>
-            </a:r>
-          </a:p>
-          <a:p>
-            <a:pPr marL="68580" indent="0">
-              <a:buNone/>
-            </a:pPr>
-            <a:r>
-              <a:rPr lang="es-ES_tradnl" dirty="0"/>
-              <a:t>	</a:t>
-            </a:r>
-            <a:r>
-              <a:rPr lang="es-ES_tradnl" dirty="0" err="1" smtClean="0"/>
-              <a:t>quest</a:t>
-            </a:r>
-            <a:r>
-              <a:rPr lang="es-ES_tradnl" dirty="0" smtClean="0"/>
-              <a:t> </a:t>
-            </a:r>
-            <a:r>
-              <a:rPr lang="es-ES_tradnl" dirty="0"/>
-              <a:t>= new </a:t>
-            </a:r>
-            <a:r>
-              <a:rPr lang="es-ES_tradnl" dirty="0" err="1"/>
-              <a:t>RescueDamselQuest</a:t>
-            </a:r>
-            <a:r>
-              <a:rPr lang="es-ES_tradnl" dirty="0"/>
-              <a:t>()</a:t>
-            </a:r>
-            <a:r>
-              <a:rPr lang="es-ES_tradnl" dirty="0" smtClean="0"/>
-              <a:t>;</a:t>
-            </a:r>
-          </a:p>
-          <a:p>
-            <a:pPr marL="68580" indent="0">
-              <a:buNone/>
-            </a:pPr>
-            <a:r>
-              <a:rPr lang="es-ES_tradnl" dirty="0" smtClean="0"/>
-              <a:t>  }</a:t>
-            </a:r>
-            <a:endParaRPr lang="es-ES_tradnl" dirty="0"/>
-          </a:p>
-          <a:p>
-            <a:pPr marL="68580" indent="0">
-              <a:buNone/>
-            </a:pPr>
-            <a:r>
-              <a:rPr lang="es-ES_tradnl" dirty="0" smtClean="0"/>
-              <a:t>  </a:t>
-            </a:r>
-            <a:r>
-              <a:rPr lang="es-ES_tradnl" dirty="0" err="1" smtClean="0"/>
-              <a:t>public</a:t>
-            </a:r>
-            <a:r>
-              <a:rPr lang="es-ES_tradnl" dirty="0" smtClean="0"/>
-              <a:t> </a:t>
-            </a:r>
-            <a:r>
-              <a:rPr lang="es-ES_tradnl" dirty="0" err="1"/>
-              <a:t>void</a:t>
-            </a:r>
-            <a:r>
-              <a:rPr lang="es-ES_tradnl" dirty="0"/>
-              <a:t> </a:t>
-            </a:r>
-            <a:r>
-              <a:rPr lang="es-ES_tradnl" dirty="0" err="1"/>
-              <a:t>embarkOnQuest</a:t>
-            </a:r>
-            <a:r>
-              <a:rPr lang="es-ES_tradnl" dirty="0"/>
-              <a:t>() </a:t>
-            </a:r>
-            <a:r>
-              <a:rPr lang="es-ES_tradnl" dirty="0" err="1"/>
-              <a:t>throws</a:t>
-            </a:r>
-            <a:r>
-              <a:rPr lang="es-ES_tradnl" dirty="0"/>
-              <a:t> </a:t>
-            </a:r>
-            <a:r>
-              <a:rPr lang="es-ES_tradnl" dirty="0" err="1"/>
-              <a:t>QuestException</a:t>
-            </a:r>
-            <a:r>
-              <a:rPr lang="es-ES_tradnl" dirty="0"/>
-              <a:t> { </a:t>
-            </a:r>
-            <a:endParaRPr lang="es-ES_tradnl" dirty="0" smtClean="0"/>
-          </a:p>
-          <a:p>
-            <a:pPr marL="68580" indent="0">
-              <a:buNone/>
-            </a:pPr>
-            <a:r>
-              <a:rPr lang="es-ES_tradnl" dirty="0"/>
-              <a:t> </a:t>
-            </a:r>
-            <a:r>
-              <a:rPr lang="es-ES_tradnl" dirty="0" smtClean="0"/>
-              <a:t>            </a:t>
-            </a:r>
-            <a:r>
-              <a:rPr lang="es-ES_tradnl" dirty="0" err="1" smtClean="0"/>
-              <a:t>quest.embark</a:t>
-            </a:r>
-            <a:r>
-              <a:rPr lang="es-ES_tradnl" dirty="0"/>
-              <a:t>();</a:t>
-            </a:r>
-          </a:p>
-          <a:p>
-            <a:pPr marL="68580" indent="0">
-              <a:buNone/>
-            </a:pPr>
-            <a:r>
-              <a:rPr lang="es-ES_tradnl" dirty="0" smtClean="0"/>
-              <a:t>  }</a:t>
-            </a:r>
-            <a:endParaRPr lang="es-ES_tradnl" dirty="0"/>
-          </a:p>
-          <a:p>
-            <a:pPr marL="68580" indent="0">
-              <a:buNone/>
-            </a:pPr>
-            <a:r>
-              <a:rPr lang="es-ES_tradnl" dirty="0"/>
-              <a:t>}</a:t>
-            </a:r>
-            <a:endParaRPr lang="es-ES_tradnl" dirty="0"/>
-          </a:p>
-        </p:txBody>
-      </p:sp>
-    </p:spTree>
-    <p:extLst>
-      <p:ext uri="{BB962C8B-B14F-4D97-AF65-F5344CB8AC3E}">
-        <p14:creationId xmlns:p14="http://schemas.microsoft.com/office/powerpoint/2010/main" val="279115646"/>
-      </p:ext>
-    </p:extLst>
-  </p:cSld>
-  <p:clrMapOvr>
-    <a:masterClrMapping/>
-  </p:clrMapOvr>
-  <p:timing>
-    <p:tnLst>
-      <p:par>
-        <p:cTn xmlns:p14="http://schemas.microsoft.com/office/powerpoint/2010/main" id="1" dur="indefinite" restart="never" nodeType="tmRoot"/>
-      </p:par>
-    </p:tnLst>
-  </p:timing>
-</p:sld>
-</file>
-
-<file path=ppt/slides/slide9.xml><?xml version="1.0" encoding="utf-8"?>
-<p:sld xmlns:a="http://schemas.openxmlformats.org/drawingml/2006/main" xmlns:r="http://schemas.openxmlformats.org/officeDocument/2006/relationships" xmlns:p="http://schemas.openxmlformats.org/presentationml/2006/main">
-  <p:cSld>
-    <p:spTree>
-      <p:nvGrpSpPr>
-        <p:cNvPr id="1" name=""/>
-        <p:cNvGrpSpPr/>
-        <p:nvPr/>
-      </p:nvGrpSpPr>
-      <p:grpSpPr>
-        <a:xfrm>
-          <a:off x="0" y="0"/>
-          <a:ext cx="0" cy="0"/>
-          <a:chOff x="0" y="0"/>
-          <a:chExt cx="0" cy="0"/>
-        </a:xfrm>
-      </p:grpSpPr>
-      <p:sp>
-        <p:nvSpPr>
-          <p:cNvPr id="2" name="Title 1"/>
-          <p:cNvSpPr>
-            <a:spLocks noGrp="1"/>
-          </p:cNvSpPr>
-          <p:nvPr>
-            <p:ph type="title"/>
-          </p:nvPr>
-        </p:nvSpPr>
-        <p:spPr/>
-        <p:txBody>
-          <a:bodyPr/>
-          <a:lstStyle/>
-          <a:p>
-            <a:r>
-              <a:rPr lang="es-ES_tradnl" dirty="0" smtClean="0"/>
-              <a:t>Desacoplamiento (DI)</a:t>
-            </a:r>
-            <a:endParaRPr lang="es-ES_tradnl" dirty="0"/>
-          </a:p>
-        </p:txBody>
-      </p:sp>
-      <p:sp>
-        <p:nvSpPr>
-          <p:cNvPr id="3" name="Content Placeholder 2"/>
-          <p:cNvSpPr>
-            <a:spLocks noGrp="1"/>
-          </p:cNvSpPr>
-          <p:nvPr>
-            <p:ph idx="1"/>
-          </p:nvPr>
-        </p:nvSpPr>
-        <p:spPr/>
-        <p:txBody>
-          <a:bodyPr>
-            <a:normAutofit fontScale="77500" lnSpcReduction="20000"/>
-          </a:bodyPr>
-          <a:lstStyle/>
-          <a:p>
-            <a:pPr marL="68580" indent="0">
-              <a:buNone/>
-            </a:pPr>
-            <a:r>
-              <a:rPr lang="es-ES_tradnl" dirty="0" err="1" smtClean="0"/>
-              <a:t>package</a:t>
-            </a:r>
-            <a:r>
-              <a:rPr lang="es-ES_tradnl" dirty="0" smtClean="0"/>
-              <a:t> </a:t>
-            </a:r>
-            <a:r>
-              <a:rPr lang="es-ES_tradnl" dirty="0" err="1" smtClean="0"/>
-              <a:t>knights</a:t>
-            </a:r>
-            <a:r>
-              <a:rPr lang="es-ES_tradnl" dirty="0"/>
-              <a:t>;</a:t>
-            </a:r>
-          </a:p>
-          <a:p>
-            <a:pPr marL="68580" indent="0">
-              <a:buNone/>
-            </a:pPr>
-            <a:r>
-              <a:rPr lang="es-ES_tradnl" dirty="0" err="1"/>
-              <a:t>public</a:t>
-            </a:r>
-            <a:r>
-              <a:rPr lang="es-ES_tradnl" dirty="0"/>
-              <a:t> </a:t>
-            </a:r>
-            <a:r>
-              <a:rPr lang="es-ES_tradnl" dirty="0" err="1"/>
-              <a:t>class</a:t>
-            </a:r>
-            <a:r>
-              <a:rPr lang="es-ES_tradnl" dirty="0"/>
-              <a:t> </a:t>
-            </a:r>
-            <a:r>
-              <a:rPr lang="es-ES_tradnl" dirty="0" err="1"/>
-              <a:t>BraveKnight</a:t>
-            </a:r>
-            <a:r>
-              <a:rPr lang="es-ES_tradnl" dirty="0"/>
-              <a:t> </a:t>
-            </a:r>
-            <a:r>
-              <a:rPr lang="es-ES_tradnl" dirty="0" err="1"/>
-              <a:t>implements</a:t>
-            </a:r>
-            <a:r>
-              <a:rPr lang="es-ES_tradnl" dirty="0"/>
-              <a:t> </a:t>
-            </a:r>
-            <a:r>
-              <a:rPr lang="es-ES_tradnl" dirty="0" err="1"/>
-              <a:t>Knight</a:t>
-            </a:r>
-            <a:r>
-              <a:rPr lang="es-ES_tradnl" dirty="0"/>
-              <a:t> { </a:t>
-            </a:r>
-            <a:endParaRPr lang="es-ES_tradnl" dirty="0" smtClean="0"/>
-          </a:p>
-          <a:p>
-            <a:pPr marL="68580" indent="0">
-              <a:buNone/>
-            </a:pPr>
-            <a:r>
-              <a:rPr lang="es-ES_tradnl" dirty="0" smtClean="0"/>
-              <a:t>  </a:t>
-            </a:r>
-            <a:r>
-              <a:rPr lang="es-ES_tradnl" dirty="0" err="1" smtClean="0"/>
-              <a:t>private</a:t>
-            </a:r>
-            <a:r>
-              <a:rPr lang="es-ES_tradnl" dirty="0" smtClean="0"/>
-              <a:t> </a:t>
-            </a:r>
-            <a:r>
-              <a:rPr lang="es-ES_tradnl" dirty="0" err="1"/>
-              <a:t>Quest</a:t>
-            </a:r>
-            <a:r>
-              <a:rPr lang="es-ES_tradnl" dirty="0"/>
-              <a:t> </a:t>
-            </a:r>
-            <a:r>
-              <a:rPr lang="es-ES_tradnl" dirty="0" err="1"/>
-              <a:t>quest</a:t>
-            </a:r>
-            <a:r>
-              <a:rPr lang="es-ES_tradnl" dirty="0" smtClean="0"/>
-              <a:t>;</a:t>
-            </a:r>
-          </a:p>
-          <a:p>
-            <a:pPr marL="68580" indent="0">
-              <a:buNone/>
-            </a:pPr>
-            <a:r>
-              <a:rPr lang="es-ES_tradnl" dirty="0" smtClean="0"/>
-              <a:t>  </a:t>
-            </a:r>
-            <a:r>
-              <a:rPr lang="es-ES_tradnl" dirty="0" err="1" smtClean="0"/>
-              <a:t>public</a:t>
-            </a:r>
-            <a:r>
-              <a:rPr lang="es-ES_tradnl" dirty="0" smtClean="0"/>
-              <a:t> </a:t>
-            </a:r>
-            <a:r>
-              <a:rPr lang="es-ES_tradnl" dirty="0" err="1"/>
-              <a:t>BraveKnight</a:t>
-            </a:r>
-            <a:r>
-              <a:rPr lang="es-ES_tradnl" dirty="0"/>
-              <a:t>(</a:t>
-            </a:r>
-            <a:r>
-              <a:rPr lang="es-ES_tradnl" dirty="0" err="1"/>
-              <a:t>Quest</a:t>
-            </a:r>
-            <a:r>
-              <a:rPr lang="es-ES_tradnl" dirty="0"/>
-              <a:t> </a:t>
-            </a:r>
-            <a:r>
-              <a:rPr lang="es-ES_tradnl" dirty="0" err="1"/>
-              <a:t>quest</a:t>
-            </a:r>
-            <a:r>
-              <a:rPr lang="es-ES_tradnl" dirty="0"/>
-              <a:t>) { </a:t>
-            </a:r>
-          </a:p>
-          <a:p>
-            <a:pPr marL="68580" indent="0">
-              <a:buNone/>
-            </a:pPr>
-            <a:r>
-              <a:rPr lang="es-ES_tradnl" dirty="0" smtClean="0"/>
-              <a:t>    </a:t>
-            </a:r>
-            <a:r>
-              <a:rPr lang="es-ES_tradnl" dirty="0" err="1" smtClean="0"/>
-              <a:t>this.quest</a:t>
-            </a:r>
-            <a:r>
-              <a:rPr lang="es-ES_tradnl" dirty="0" smtClean="0"/>
-              <a:t> </a:t>
-            </a:r>
-            <a:r>
-              <a:rPr lang="es-ES_tradnl" dirty="0"/>
-              <a:t>= </a:t>
-            </a:r>
-            <a:r>
-              <a:rPr lang="es-ES_tradnl" dirty="0" err="1"/>
-              <a:t>quest</a:t>
-            </a:r>
-            <a:r>
-              <a:rPr lang="es-ES_tradnl" dirty="0"/>
-              <a:t>;</a:t>
-            </a:r>
-          </a:p>
-          <a:p>
-            <a:pPr marL="68580" indent="0">
-              <a:buNone/>
-            </a:pPr>
-            <a:r>
-              <a:rPr lang="es-ES_tradnl" dirty="0" smtClean="0"/>
-              <a:t>  }</a:t>
-            </a:r>
-            <a:endParaRPr lang="es-ES_tradnl" dirty="0"/>
-          </a:p>
-          <a:p>
-            <a:pPr marL="68580" indent="0">
-              <a:buNone/>
-            </a:pPr>
-            <a:endParaRPr lang="es-ES_tradnl" dirty="0"/>
-          </a:p>
-          <a:p>
-            <a:pPr marL="68580" indent="0">
-              <a:buNone/>
-            </a:pPr>
-            <a:r>
-              <a:rPr lang="es-ES_tradnl" dirty="0" smtClean="0"/>
-              <a:t>  </a:t>
-            </a:r>
-            <a:r>
-              <a:rPr lang="es-ES_tradnl" dirty="0" err="1" smtClean="0"/>
-              <a:t>public</a:t>
-            </a:r>
-            <a:r>
-              <a:rPr lang="es-ES_tradnl" dirty="0" smtClean="0"/>
-              <a:t> </a:t>
-            </a:r>
-            <a:r>
-              <a:rPr lang="es-ES_tradnl" dirty="0" err="1"/>
-              <a:t>void</a:t>
-            </a:r>
-            <a:r>
-              <a:rPr lang="es-ES_tradnl" dirty="0"/>
-              <a:t> </a:t>
-            </a:r>
-            <a:r>
-              <a:rPr lang="es-ES_tradnl" dirty="0" err="1"/>
-              <a:t>embarkOnQuest</a:t>
-            </a:r>
-            <a:r>
-              <a:rPr lang="es-ES_tradnl" dirty="0"/>
-              <a:t>() </a:t>
-            </a:r>
-            <a:r>
-              <a:rPr lang="es-ES_tradnl" dirty="0" err="1" smtClean="0"/>
-              <a:t>throws</a:t>
-            </a:r>
-            <a:r>
-              <a:rPr lang="es-ES_tradnl" dirty="0" smtClean="0"/>
-              <a:t> </a:t>
-            </a:r>
-            <a:r>
-              <a:rPr lang="es-ES_tradnl" dirty="0" err="1" smtClean="0"/>
-              <a:t>QuestException</a:t>
-            </a:r>
-            <a:r>
-              <a:rPr lang="es-ES_tradnl" dirty="0" smtClean="0"/>
-              <a:t> </a:t>
-            </a:r>
-            <a:r>
-              <a:rPr lang="es-ES_tradnl" dirty="0"/>
-              <a:t>{ </a:t>
-            </a:r>
-            <a:endParaRPr lang="es-ES_tradnl" dirty="0" smtClean="0"/>
-          </a:p>
-          <a:p>
-            <a:pPr marL="68580" indent="0">
-              <a:buNone/>
-            </a:pPr>
-            <a:r>
-              <a:rPr lang="es-ES_tradnl" dirty="0" smtClean="0"/>
-              <a:t>    </a:t>
-            </a:r>
-            <a:r>
-              <a:rPr lang="es-ES_tradnl" dirty="0" err="1" smtClean="0"/>
-              <a:t>quest.embark</a:t>
-            </a:r>
-            <a:r>
-              <a:rPr lang="es-ES_tradnl" dirty="0"/>
-              <a:t>();</a:t>
-            </a:r>
-          </a:p>
-          <a:p>
-            <a:pPr marL="68580" indent="0">
-              <a:buNone/>
-            </a:pPr>
-            <a:r>
-              <a:rPr lang="es-ES_tradnl" dirty="0" smtClean="0"/>
-              <a:t>  }</a:t>
-            </a:r>
-            <a:endParaRPr lang="es-ES_tradnl" dirty="0"/>
-          </a:p>
-          <a:p>
-            <a:pPr marL="68580" indent="0">
-              <a:buNone/>
-            </a:pPr>
-            <a:r>
-              <a:rPr lang="es-ES_tradnl" dirty="0" smtClean="0"/>
-              <a:t>}</a:t>
-            </a:r>
-            <a:endParaRPr lang="es-ES_tradnl" dirty="0"/>
-          </a:p>
-        </p:txBody>
-      </p:sp>
-    </p:spTree>
-    <p:extLst>
-      <p:ext uri="{BB962C8B-B14F-4D97-AF65-F5344CB8AC3E}">
-        <p14:creationId xmlns:p14="http://schemas.microsoft.com/office/powerpoint/2010/main" val="2087092943"/>
-      </p:ext>
-    </p:extLst>
-  </p:cSld>
-  <p:clrMapOvr>
-    <a:masterClrMapping/>
-  </p:clrMapOvr>
-  <p:timing>
-    <p:tnLst>
-      <p:par>
-        <p:cTn xmlns:p14="http://schemas.microsoft.com/office/powerpoint/2010/main" id="1" dur="indefinite" restart="never" nodeType="tmRoot"/>
-      </p:par>
-    </p:tnLst>
-  </p:timing>
 </p:sld>
 </file>
 
